--- a/WT_LAB.pptx
+++ b/WT_LAB.pptx
@@ -19,6 +19,10 @@
     <p:sldId id="268" r:id="rId13"/>
     <p:sldId id="269" r:id="rId14"/>
     <p:sldId id="266" r:id="rId15"/>
+    <p:sldId id="271" r:id="rId16"/>
+    <p:sldId id="272" r:id="rId17"/>
+    <p:sldId id="273" r:id="rId18"/>
+    <p:sldId id="270" r:id="rId19"/>
   </p:sldIdLst>
   <p:sldSz cx="12192000" cy="6858000"/>
   <p:notesSz cx="6858000" cy="9144000"/>
@@ -256,7 +260,7 @@
           <a:p>
             <a:fld id="{2E5EF80D-24CF-4D6B-AE54-277F4074078B}" type="datetimeFigureOut">
               <a:rPr lang="en-US" smtClean="0"/>
-              <a:t>7/16/2019</a:t>
+              <a:t>7/23/2019</a:t>
             </a:fld>
             <a:endParaRPr lang="en-US"/>
           </a:p>
@@ -426,7 +430,7 @@
           <a:p>
             <a:fld id="{2E5EF80D-24CF-4D6B-AE54-277F4074078B}" type="datetimeFigureOut">
               <a:rPr lang="en-US" smtClean="0"/>
-              <a:t>7/16/2019</a:t>
+              <a:t>7/23/2019</a:t>
             </a:fld>
             <a:endParaRPr lang="en-US"/>
           </a:p>
@@ -606,7 +610,7 @@
           <a:p>
             <a:fld id="{2E5EF80D-24CF-4D6B-AE54-277F4074078B}" type="datetimeFigureOut">
               <a:rPr lang="en-US" smtClean="0"/>
-              <a:t>7/16/2019</a:t>
+              <a:t>7/23/2019</a:t>
             </a:fld>
             <a:endParaRPr lang="en-US"/>
           </a:p>
@@ -776,7 +780,7 @@
           <a:p>
             <a:fld id="{2E5EF80D-24CF-4D6B-AE54-277F4074078B}" type="datetimeFigureOut">
               <a:rPr lang="en-US" smtClean="0"/>
-              <a:t>7/16/2019</a:t>
+              <a:t>7/23/2019</a:t>
             </a:fld>
             <a:endParaRPr lang="en-US"/>
           </a:p>
@@ -1022,7 +1026,7 @@
           <a:p>
             <a:fld id="{2E5EF80D-24CF-4D6B-AE54-277F4074078B}" type="datetimeFigureOut">
               <a:rPr lang="en-US" smtClean="0"/>
-              <a:t>7/16/2019</a:t>
+              <a:t>7/23/2019</a:t>
             </a:fld>
             <a:endParaRPr lang="en-US"/>
           </a:p>
@@ -1254,7 +1258,7 @@
           <a:p>
             <a:fld id="{2E5EF80D-24CF-4D6B-AE54-277F4074078B}" type="datetimeFigureOut">
               <a:rPr lang="en-US" smtClean="0"/>
-              <a:t>7/16/2019</a:t>
+              <a:t>7/23/2019</a:t>
             </a:fld>
             <a:endParaRPr lang="en-US"/>
           </a:p>
@@ -1621,7 +1625,7 @@
           <a:p>
             <a:fld id="{2E5EF80D-24CF-4D6B-AE54-277F4074078B}" type="datetimeFigureOut">
               <a:rPr lang="en-US" smtClean="0"/>
-              <a:t>7/16/2019</a:t>
+              <a:t>7/23/2019</a:t>
             </a:fld>
             <a:endParaRPr lang="en-US"/>
           </a:p>
@@ -1739,7 +1743,7 @@
           <a:p>
             <a:fld id="{2E5EF80D-24CF-4D6B-AE54-277F4074078B}" type="datetimeFigureOut">
               <a:rPr lang="en-US" smtClean="0"/>
-              <a:t>7/16/2019</a:t>
+              <a:t>7/23/2019</a:t>
             </a:fld>
             <a:endParaRPr lang="en-US"/>
           </a:p>
@@ -1834,7 +1838,7 @@
           <a:p>
             <a:fld id="{2E5EF80D-24CF-4D6B-AE54-277F4074078B}" type="datetimeFigureOut">
               <a:rPr lang="en-US" smtClean="0"/>
-              <a:t>7/16/2019</a:t>
+              <a:t>7/23/2019</a:t>
             </a:fld>
             <a:endParaRPr lang="en-US"/>
           </a:p>
@@ -2111,7 +2115,7 @@
           <a:p>
             <a:fld id="{2E5EF80D-24CF-4D6B-AE54-277F4074078B}" type="datetimeFigureOut">
               <a:rPr lang="en-US" smtClean="0"/>
-              <a:t>7/16/2019</a:t>
+              <a:t>7/23/2019</a:t>
             </a:fld>
             <a:endParaRPr lang="en-US"/>
           </a:p>
@@ -2364,7 +2368,7 @@
           <a:p>
             <a:fld id="{2E5EF80D-24CF-4D6B-AE54-277F4074078B}" type="datetimeFigureOut">
               <a:rPr lang="en-US" smtClean="0"/>
-              <a:t>7/16/2019</a:t>
+              <a:t>7/23/2019</a:t>
             </a:fld>
             <a:endParaRPr lang="en-US"/>
           </a:p>
@@ -2577,7 +2581,7 @@
           <a:p>
             <a:fld id="{2E5EF80D-24CF-4D6B-AE54-277F4074078B}" type="datetimeFigureOut">
               <a:rPr lang="en-US" smtClean="0"/>
-              <a:t>7/16/2019</a:t>
+              <a:t>7/23/2019</a:t>
             </a:fld>
             <a:endParaRPr lang="en-US"/>
           </a:p>
@@ -2999,11 +3003,7 @@
           <a:p>
             <a:r>
               <a:rPr lang="en-US" dirty="0" smtClean="0"/>
-              <a:t>Web </a:t>
-            </a:r>
-            <a:r>
-              <a:rPr lang="en-US" dirty="0" smtClean="0"/>
-              <a:t>Technologies Lab</a:t>
+              <a:t>Web Technologies Lab</a:t>
             </a:r>
             <a:endParaRPr lang="en-US" dirty="0"/>
           </a:p>
@@ -3903,6 +3903,10 @@
           <a:bodyPr/>
           <a:lstStyle/>
           <a:p>
+            <a:r>
+              <a:rPr lang="en-US" dirty="0" smtClean="0"/>
+              <a:t>HTML and CSS</a:t>
+            </a:r>
             <a:endParaRPr lang="en-US" dirty="0"/>
           </a:p>
         </p:txBody>
@@ -3922,7 +3926,46 @@
           <a:bodyPr/>
           <a:lstStyle/>
           <a:p>
-            <a:endParaRPr lang="en-US"/>
+            <a:pPr algn="just"/>
+            <a:r>
+              <a:rPr lang="en-US" dirty="0" smtClean="0"/>
+              <a:t>Create a web page with basic tags such as </a:t>
+            </a:r>
+            <a:r>
+              <a:rPr lang="en-US" dirty="0" smtClean="0"/>
+              <a:t>paragraph, heading, anchor, hyperlink</a:t>
+            </a:r>
+          </a:p>
+          <a:p>
+            <a:pPr algn="just"/>
+            <a:endParaRPr lang="en-US" dirty="0"/>
+          </a:p>
+          <a:p>
+            <a:pPr algn="just"/>
+            <a:r>
+              <a:rPr lang="en-US" dirty="0" smtClean="0"/>
+              <a:t>Add </a:t>
+            </a:r>
+            <a:r>
+              <a:rPr lang="en-US" smtClean="0"/>
+              <a:t>inline style </a:t>
+            </a:r>
+            <a:r>
+              <a:rPr lang="en-US" dirty="0" smtClean="0"/>
+              <a:t>to all the tags </a:t>
+            </a:r>
+          </a:p>
+          <a:p>
+            <a:pPr algn="just"/>
+            <a:endParaRPr lang="en-US" dirty="0"/>
+          </a:p>
+          <a:p>
+            <a:pPr algn="just"/>
+            <a:r>
+              <a:rPr lang="en-US" dirty="0" smtClean="0"/>
+              <a:t>Add an external and embedded styles </a:t>
+            </a:r>
+            <a:endParaRPr lang="en-US" dirty="0" smtClean="0"/>
           </a:p>
         </p:txBody>
       </p:sp>
@@ -3930,6 +3973,665 @@
     <p:extLst>
       <p:ext uri="{BB962C8B-B14F-4D97-AF65-F5344CB8AC3E}">
         <p14:creationId xmlns:p14="http://schemas.microsoft.com/office/powerpoint/2010/main" val="232680727"/>
+      </p:ext>
+    </p:extLst>
+  </p:cSld>
+  <p:clrMapOvr>
+    <a:masterClrMapping/>
+  </p:clrMapOvr>
+</p:sld>
+</file>
+
+<file path=ppt/slides/slide15.xml><?xml version="1.0" encoding="utf-8"?>
+<p:sld xmlns:a="http://schemas.openxmlformats.org/drawingml/2006/main" xmlns:r="http://schemas.openxmlformats.org/officeDocument/2006/relationships" xmlns:p="http://schemas.openxmlformats.org/presentationml/2006/main">
+  <p:cSld>
+    <p:spTree>
+      <p:nvGrpSpPr>
+        <p:cNvPr id="1" name=""/>
+        <p:cNvGrpSpPr/>
+        <p:nvPr/>
+      </p:nvGrpSpPr>
+      <p:grpSpPr>
+        <a:xfrm>
+          <a:off x="0" y="0"/>
+          <a:ext cx="0" cy="0"/>
+          <a:chOff x="0" y="0"/>
+          <a:chExt cx="0" cy="0"/>
+        </a:xfrm>
+      </p:grpSpPr>
+      <p:sp>
+        <p:nvSpPr>
+          <p:cNvPr id="2" name="Title 1"/>
+          <p:cNvSpPr>
+            <a:spLocks noGrp="1"/>
+          </p:cNvSpPr>
+          <p:nvPr>
+            <p:ph type="title"/>
+          </p:nvPr>
+        </p:nvSpPr>
+        <p:spPr/>
+        <p:txBody>
+          <a:bodyPr/>
+          <a:lstStyle/>
+          <a:p>
+            <a:r>
+              <a:rPr lang="en-US" dirty="0"/>
+              <a:t>Stylesheets - font</a:t>
+            </a:r>
+          </a:p>
+        </p:txBody>
+      </p:sp>
+      <p:sp>
+        <p:nvSpPr>
+          <p:cNvPr id="3" name="Content Placeholder 2"/>
+          <p:cNvSpPr>
+            <a:spLocks noGrp="1"/>
+          </p:cNvSpPr>
+          <p:nvPr>
+            <p:ph idx="1"/>
+          </p:nvPr>
+        </p:nvSpPr>
+        <p:spPr/>
+        <p:txBody>
+          <a:bodyPr/>
+          <a:lstStyle/>
+          <a:p>
+            <a:r>
+              <a:rPr lang="en-US" dirty="0"/>
+              <a:t>Create a web page with basic tags such as paragraph, </a:t>
+            </a:r>
+            <a:r>
+              <a:rPr lang="en-US" dirty="0" smtClean="0"/>
+              <a:t>heading</a:t>
+            </a:r>
+          </a:p>
+          <a:p>
+            <a:r>
+              <a:rPr lang="en-US" dirty="0" smtClean="0"/>
+              <a:t>Create an external stylesheets and add the following styles</a:t>
+            </a:r>
+          </a:p>
+          <a:p>
+            <a:pPr lvl="1"/>
+            <a:r>
+              <a:rPr lang="en-US" dirty="0" smtClean="0"/>
+              <a:t>Change font</a:t>
+            </a:r>
+          </a:p>
+          <a:p>
+            <a:pPr lvl="1"/>
+            <a:r>
+              <a:rPr lang="en-US" dirty="0" smtClean="0"/>
+              <a:t>Change font style</a:t>
+            </a:r>
+          </a:p>
+          <a:p>
+            <a:pPr lvl="1"/>
+            <a:r>
+              <a:rPr lang="en-US" dirty="0" smtClean="0"/>
+              <a:t>Set font size with pixels, pica, point, </a:t>
+            </a:r>
+            <a:r>
+              <a:rPr lang="en-US" dirty="0" err="1" smtClean="0"/>
+              <a:t>em</a:t>
+            </a:r>
+            <a:r>
+              <a:rPr lang="en-US" dirty="0" smtClean="0"/>
+              <a:t> and percentage</a:t>
+            </a:r>
+          </a:p>
+          <a:p>
+            <a:pPr lvl="1"/>
+            <a:r>
+              <a:rPr lang="en-US" dirty="0" smtClean="0"/>
+              <a:t>Add strokes to the font </a:t>
+            </a:r>
+          </a:p>
+          <a:p>
+            <a:pPr lvl="1"/>
+            <a:r>
+              <a:rPr lang="en-US" dirty="0" smtClean="0"/>
+              <a:t>Change the letters inside &lt;p&gt; to all caps</a:t>
+            </a:r>
+          </a:p>
+          <a:p>
+            <a:pPr lvl="1"/>
+            <a:r>
+              <a:rPr lang="en-US" dirty="0" smtClean="0"/>
+              <a:t>Align all the paragraph to center</a:t>
+            </a:r>
+          </a:p>
+          <a:p>
+            <a:pPr lvl="1"/>
+            <a:r>
+              <a:rPr lang="en-US" dirty="0" smtClean="0"/>
+              <a:t>Change the font color</a:t>
+            </a:r>
+          </a:p>
+          <a:p>
+            <a:pPr lvl="1"/>
+            <a:endParaRPr lang="en-US" dirty="0"/>
+          </a:p>
+        </p:txBody>
+      </p:sp>
+      <p:sp>
+        <p:nvSpPr>
+          <p:cNvPr id="4" name="TextBox 3"/>
+          <p:cNvSpPr txBox="1"/>
+          <p:nvPr/>
+        </p:nvSpPr>
+        <p:spPr>
+          <a:xfrm>
+            <a:off x="94593" y="5942171"/>
+            <a:ext cx="12002813" cy="800219"/>
+          </a:xfrm>
+          <a:prstGeom prst="rect">
+            <a:avLst/>
+          </a:prstGeom>
+          <a:noFill/>
+        </p:spPr>
+        <p:txBody>
+          <a:bodyPr wrap="square" rtlCol="0">
+            <a:spAutoFit/>
+          </a:bodyPr>
+          <a:lstStyle/>
+          <a:p>
+            <a:pPr algn="ctr"/>
+            <a:r>
+              <a:rPr lang="en-US" sz="2300" b="1" dirty="0" smtClean="0"/>
+              <a:t>Note: </a:t>
+            </a:r>
+            <a:r>
+              <a:rPr lang="en-US" sz="2300" dirty="0" smtClean="0"/>
+              <a:t>1em </a:t>
+            </a:r>
+            <a:r>
+              <a:rPr lang="en-US" sz="2300" dirty="0"/>
+              <a:t>is equal to the current font </a:t>
+            </a:r>
+            <a:r>
+              <a:rPr lang="en-US" sz="2300" dirty="0" smtClean="0"/>
+              <a:t>size. The </a:t>
+            </a:r>
+            <a:r>
+              <a:rPr lang="en-US" sz="2300" dirty="0"/>
+              <a:t>default text size in browsers is 16px</a:t>
+            </a:r>
+            <a:r>
+              <a:rPr lang="en-US" sz="2300" dirty="0" smtClean="0"/>
+              <a:t>. So</a:t>
+            </a:r>
+            <a:r>
+              <a:rPr lang="en-US" sz="2300" dirty="0"/>
+              <a:t>, the default size of 1em is 16px</a:t>
+            </a:r>
+            <a:endParaRPr lang="en-US" sz="2300" dirty="0"/>
+          </a:p>
+        </p:txBody>
+      </p:sp>
+    </p:spTree>
+    <p:extLst>
+      <p:ext uri="{BB962C8B-B14F-4D97-AF65-F5344CB8AC3E}">
+        <p14:creationId xmlns:p14="http://schemas.microsoft.com/office/powerpoint/2010/main" val="3385713055"/>
+      </p:ext>
+    </p:extLst>
+  </p:cSld>
+  <p:clrMapOvr>
+    <a:masterClrMapping/>
+  </p:clrMapOvr>
+</p:sld>
+</file>
+
+<file path=ppt/slides/slide16.xml><?xml version="1.0" encoding="utf-8"?>
+<p:sld xmlns:a="http://schemas.openxmlformats.org/drawingml/2006/main" xmlns:r="http://schemas.openxmlformats.org/officeDocument/2006/relationships" xmlns:p="http://schemas.openxmlformats.org/presentationml/2006/main">
+  <p:cSld>
+    <p:spTree>
+      <p:nvGrpSpPr>
+        <p:cNvPr id="1" name=""/>
+        <p:cNvGrpSpPr/>
+        <p:nvPr/>
+      </p:nvGrpSpPr>
+      <p:grpSpPr>
+        <a:xfrm>
+          <a:off x="0" y="0"/>
+          <a:ext cx="0" cy="0"/>
+          <a:chOff x="0" y="0"/>
+          <a:chExt cx="0" cy="0"/>
+        </a:xfrm>
+      </p:grpSpPr>
+      <p:sp>
+        <p:nvSpPr>
+          <p:cNvPr id="2" name="Title 1"/>
+          <p:cNvSpPr>
+            <a:spLocks noGrp="1"/>
+          </p:cNvSpPr>
+          <p:nvPr>
+            <p:ph type="title"/>
+          </p:nvPr>
+        </p:nvSpPr>
+        <p:spPr/>
+        <p:txBody>
+          <a:bodyPr/>
+          <a:lstStyle/>
+          <a:p>
+            <a:r>
+              <a:rPr lang="en-US" dirty="0" smtClean="0"/>
+              <a:t>Stylesheets - text</a:t>
+            </a:r>
+            <a:endParaRPr lang="en-US" dirty="0"/>
+          </a:p>
+        </p:txBody>
+      </p:sp>
+      <p:sp>
+        <p:nvSpPr>
+          <p:cNvPr id="3" name="Content Placeholder 2"/>
+          <p:cNvSpPr>
+            <a:spLocks noGrp="1"/>
+          </p:cNvSpPr>
+          <p:nvPr>
+            <p:ph idx="1"/>
+          </p:nvPr>
+        </p:nvSpPr>
+        <p:spPr/>
+        <p:txBody>
+          <a:bodyPr/>
+          <a:lstStyle/>
+          <a:p>
+            <a:r>
+              <a:rPr lang="en-US" dirty="0" smtClean="0"/>
+              <a:t>Adding shadow to the text using </a:t>
+            </a:r>
+            <a:r>
+              <a:rPr lang="en-US" b="1" dirty="0" smtClean="0"/>
+              <a:t>text-shadow</a:t>
+            </a:r>
+            <a:r>
+              <a:rPr lang="en-US" dirty="0" smtClean="0"/>
+              <a:t> property</a:t>
+            </a:r>
+          </a:p>
+          <a:p>
+            <a:r>
+              <a:rPr lang="en-US" dirty="0" smtClean="0"/>
+              <a:t>Transforming text to all caps, </a:t>
+            </a:r>
+            <a:r>
+              <a:rPr lang="en-US" dirty="0"/>
+              <a:t>small using </a:t>
+            </a:r>
+            <a:r>
+              <a:rPr lang="en-US" b="1" dirty="0" smtClean="0"/>
+              <a:t>text-transform</a:t>
+            </a:r>
+            <a:r>
+              <a:rPr lang="en-US" dirty="0" smtClean="0"/>
+              <a:t> property</a:t>
+            </a:r>
+          </a:p>
+          <a:p>
+            <a:endParaRPr lang="en-US" dirty="0" smtClean="0"/>
+          </a:p>
+          <a:p>
+            <a:endParaRPr lang="en-US" dirty="0"/>
+          </a:p>
+        </p:txBody>
+      </p:sp>
+    </p:spTree>
+    <p:extLst>
+      <p:ext uri="{BB962C8B-B14F-4D97-AF65-F5344CB8AC3E}">
+        <p14:creationId xmlns:p14="http://schemas.microsoft.com/office/powerpoint/2010/main" val="4226667916"/>
+      </p:ext>
+    </p:extLst>
+  </p:cSld>
+  <p:clrMapOvr>
+    <a:masterClrMapping/>
+  </p:clrMapOvr>
+</p:sld>
+</file>
+
+<file path=ppt/slides/slide17.xml><?xml version="1.0" encoding="utf-8"?>
+<p:sld xmlns:a="http://schemas.openxmlformats.org/drawingml/2006/main" xmlns:r="http://schemas.openxmlformats.org/officeDocument/2006/relationships" xmlns:p="http://schemas.openxmlformats.org/presentationml/2006/main">
+  <p:cSld>
+    <p:spTree>
+      <p:nvGrpSpPr>
+        <p:cNvPr id="1" name=""/>
+        <p:cNvGrpSpPr/>
+        <p:nvPr/>
+      </p:nvGrpSpPr>
+      <p:grpSpPr>
+        <a:xfrm>
+          <a:off x="0" y="0"/>
+          <a:ext cx="0" cy="0"/>
+          <a:chOff x="0" y="0"/>
+          <a:chExt cx="0" cy="0"/>
+        </a:xfrm>
+      </p:grpSpPr>
+      <p:sp>
+        <p:nvSpPr>
+          <p:cNvPr id="2" name="Title 1"/>
+          <p:cNvSpPr>
+            <a:spLocks noGrp="1"/>
+          </p:cNvSpPr>
+          <p:nvPr>
+            <p:ph type="title"/>
+          </p:nvPr>
+        </p:nvSpPr>
+        <p:spPr>
+          <a:xfrm>
+            <a:off x="386255" y="109920"/>
+            <a:ext cx="10515600" cy="1325563"/>
+          </a:xfrm>
+        </p:spPr>
+        <p:txBody>
+          <a:bodyPr/>
+          <a:lstStyle/>
+          <a:p>
+            <a:r>
+              <a:rPr lang="en-US" dirty="0"/>
+              <a:t>Playing with HTML and CSS – Exercise </a:t>
+            </a:r>
+            <a:r>
+              <a:rPr lang="en-US" dirty="0" smtClean="0"/>
+              <a:t>1</a:t>
+            </a:r>
+            <a:endParaRPr lang="en-US" dirty="0"/>
+          </a:p>
+        </p:txBody>
+      </p:sp>
+      <p:sp>
+        <p:nvSpPr>
+          <p:cNvPr id="3" name="Content Placeholder 2"/>
+          <p:cNvSpPr>
+            <a:spLocks noGrp="1"/>
+          </p:cNvSpPr>
+          <p:nvPr>
+            <p:ph idx="1"/>
+          </p:nvPr>
+        </p:nvSpPr>
+        <p:spPr>
+          <a:xfrm>
+            <a:off x="649013" y="1630554"/>
+            <a:ext cx="10515600" cy="4351338"/>
+          </a:xfrm>
+        </p:spPr>
+        <p:txBody>
+          <a:bodyPr>
+            <a:normAutofit fontScale="92500"/>
+          </a:bodyPr>
+          <a:lstStyle/>
+          <a:p>
+            <a:r>
+              <a:rPr lang="en-US" b="1" dirty="0" smtClean="0"/>
+              <a:t>Body</a:t>
+            </a:r>
+          </a:p>
+          <a:p>
+            <a:pPr lvl="1"/>
+            <a:r>
+              <a:rPr lang="en-US" dirty="0"/>
+              <a:t>Pick a nice background color, font family/color/size and line-height </a:t>
+            </a:r>
+            <a:r>
+              <a:rPr lang="en-US" dirty="0" smtClean="0"/>
+              <a:t>for the &lt;body&gt;</a:t>
+            </a:r>
+          </a:p>
+          <a:p>
+            <a:pPr lvl="1"/>
+            <a:r>
+              <a:rPr lang="en-US" dirty="0" smtClean="0"/>
+              <a:t>Setting </a:t>
+            </a:r>
+            <a:r>
+              <a:rPr lang="en-US" dirty="0"/>
+              <a:t>font properties at the body-level will apply it on all basic </a:t>
+            </a:r>
+            <a:r>
+              <a:rPr lang="en-US" dirty="0" smtClean="0"/>
+              <a:t>texts (&lt;p&gt;&lt;li&gt; ..etc.,)</a:t>
+            </a:r>
+          </a:p>
+          <a:p>
+            <a:r>
+              <a:rPr lang="en-US" b="1" dirty="0" smtClean="0"/>
+              <a:t>Headers</a:t>
+            </a:r>
+          </a:p>
+          <a:p>
+            <a:pPr lvl="1"/>
+            <a:r>
+              <a:rPr lang="en-US" dirty="0"/>
+              <a:t>Choose a nice color and font-family for </a:t>
+            </a:r>
+            <a:r>
+              <a:rPr lang="en-US" dirty="0"/>
+              <a:t>headers (&lt;h1…h6&gt;</a:t>
+            </a:r>
+          </a:p>
+          <a:p>
+            <a:pPr lvl="1"/>
+            <a:r>
+              <a:rPr lang="en-US" dirty="0"/>
+              <a:t>Choose font size and line-height for headers</a:t>
+            </a:r>
+          </a:p>
+          <a:p>
+            <a:pPr lvl="1"/>
+            <a:r>
+              <a:rPr lang="en-US" dirty="0"/>
+              <a:t>Resize image with width </a:t>
+            </a:r>
+            <a:endParaRPr lang="en-US" dirty="0"/>
+          </a:p>
+          <a:p>
+            <a:r>
+              <a:rPr lang="en-US" b="1" dirty="0" smtClean="0"/>
+              <a:t>Links</a:t>
+            </a:r>
+          </a:p>
+          <a:p>
+            <a:pPr lvl="1"/>
+            <a:r>
+              <a:rPr lang="en-US" dirty="0"/>
+              <a:t>Change links colors &amp; text </a:t>
+            </a:r>
+            <a:r>
+              <a:rPr lang="en-US" dirty="0" smtClean="0"/>
+              <a:t>decoration</a:t>
+            </a:r>
+          </a:p>
+          <a:p>
+            <a:pPr lvl="1"/>
+            <a:r>
+              <a:rPr lang="en-US" dirty="0"/>
+              <a:t>Add some hover effects on links using the </a:t>
+            </a:r>
+            <a:r>
+              <a:rPr lang="en-US" dirty="0" smtClean="0"/>
+              <a:t>hover property</a:t>
+            </a:r>
+          </a:p>
+          <a:p>
+            <a:pPr lvl="1"/>
+            <a:r>
+              <a:rPr lang="en-US" dirty="0" smtClean="0"/>
+              <a:t>Add some hover effects using background-image property</a:t>
+            </a:r>
+            <a:endParaRPr lang="en-US" dirty="0"/>
+          </a:p>
+          <a:p>
+            <a:endParaRPr lang="en-US" b="1" dirty="0"/>
+          </a:p>
+          <a:p>
+            <a:endParaRPr lang="en-US" dirty="0"/>
+          </a:p>
+        </p:txBody>
+      </p:sp>
+      <p:pic>
+        <p:nvPicPr>
+          <p:cNvPr id="10" name="Picture 9"/>
+          <p:cNvPicPr>
+            <a:picLocks noChangeAspect="1"/>
+          </p:cNvPicPr>
+          <p:nvPr/>
+        </p:nvPicPr>
+        <p:blipFill>
+          <a:blip r:embed="rId2"/>
+          <a:stretch>
+            <a:fillRect/>
+          </a:stretch>
+        </p:blipFill>
+        <p:spPr>
+          <a:xfrm>
+            <a:off x="8210385" y="3929391"/>
+            <a:ext cx="3590925" cy="1038225"/>
+          </a:xfrm>
+          <a:prstGeom prst="rect">
+            <a:avLst/>
+          </a:prstGeom>
+        </p:spPr>
+      </p:pic>
+      <p:pic>
+        <p:nvPicPr>
+          <p:cNvPr id="11" name="Picture 10"/>
+          <p:cNvPicPr>
+            <a:picLocks noChangeAspect="1"/>
+          </p:cNvPicPr>
+          <p:nvPr/>
+        </p:nvPicPr>
+        <p:blipFill>
+          <a:blip r:embed="rId3"/>
+          <a:stretch>
+            <a:fillRect/>
+          </a:stretch>
+        </p:blipFill>
+        <p:spPr>
+          <a:xfrm>
+            <a:off x="7724775" y="6176963"/>
+            <a:ext cx="3629025" cy="581025"/>
+          </a:xfrm>
+          <a:prstGeom prst="rect">
+            <a:avLst/>
+          </a:prstGeom>
+        </p:spPr>
+      </p:pic>
+    </p:spTree>
+    <p:extLst>
+      <p:ext uri="{BB962C8B-B14F-4D97-AF65-F5344CB8AC3E}">
+        <p14:creationId xmlns:p14="http://schemas.microsoft.com/office/powerpoint/2010/main" val="317015601"/>
+      </p:ext>
+    </p:extLst>
+  </p:cSld>
+  <p:clrMapOvr>
+    <a:masterClrMapping/>
+  </p:clrMapOvr>
+</p:sld>
+</file>
+
+<file path=ppt/slides/slide18.xml><?xml version="1.0" encoding="utf-8"?>
+<p:sld xmlns:a="http://schemas.openxmlformats.org/drawingml/2006/main" xmlns:r="http://schemas.openxmlformats.org/officeDocument/2006/relationships" xmlns:p="http://schemas.openxmlformats.org/presentationml/2006/main">
+  <p:cSld>
+    <p:spTree>
+      <p:nvGrpSpPr>
+        <p:cNvPr id="1" name=""/>
+        <p:cNvGrpSpPr/>
+        <p:nvPr/>
+      </p:nvGrpSpPr>
+      <p:grpSpPr>
+        <a:xfrm>
+          <a:off x="0" y="0"/>
+          <a:ext cx="0" cy="0"/>
+          <a:chOff x="0" y="0"/>
+          <a:chExt cx="0" cy="0"/>
+        </a:xfrm>
+      </p:grpSpPr>
+      <p:sp>
+        <p:nvSpPr>
+          <p:cNvPr id="2" name="Title 1"/>
+          <p:cNvSpPr>
+            <a:spLocks noGrp="1"/>
+          </p:cNvSpPr>
+          <p:nvPr>
+            <p:ph type="title"/>
+          </p:nvPr>
+        </p:nvSpPr>
+        <p:spPr/>
+        <p:txBody>
+          <a:bodyPr/>
+          <a:lstStyle/>
+          <a:p>
+            <a:r>
+              <a:rPr lang="en-US" dirty="0"/>
+              <a:t>Playing with HTML and </a:t>
+            </a:r>
+            <a:r>
+              <a:rPr lang="en-US" dirty="0" smtClean="0"/>
+              <a:t>CSS – Exercise 2</a:t>
+            </a:r>
+            <a:endParaRPr lang="en-US" dirty="0"/>
+          </a:p>
+        </p:txBody>
+      </p:sp>
+      <p:sp>
+        <p:nvSpPr>
+          <p:cNvPr id="3" name="Content Placeholder 2"/>
+          <p:cNvSpPr>
+            <a:spLocks noGrp="1"/>
+          </p:cNvSpPr>
+          <p:nvPr>
+            <p:ph idx="1"/>
+          </p:nvPr>
+        </p:nvSpPr>
+        <p:spPr/>
+        <p:txBody>
+          <a:bodyPr/>
+          <a:lstStyle/>
+          <a:p>
+            <a:r>
+              <a:rPr lang="en-US" dirty="0"/>
+              <a:t>Create a web page with basic tags such as paragraph, heading, anchor, hyperlink</a:t>
+            </a:r>
+          </a:p>
+          <a:p>
+            <a:endParaRPr lang="en-US" dirty="0"/>
+          </a:p>
+          <a:p>
+            <a:r>
+              <a:rPr lang="en-US" dirty="0"/>
+              <a:t>Add inline styles to each tag </a:t>
+            </a:r>
+          </a:p>
+          <a:p>
+            <a:endParaRPr lang="en-US" dirty="0"/>
+          </a:p>
+          <a:p>
+            <a:r>
+              <a:rPr lang="en-US" dirty="0"/>
+              <a:t>Add an </a:t>
+            </a:r>
+            <a:r>
+              <a:rPr lang="en-US" dirty="0" smtClean="0"/>
+              <a:t>embedded </a:t>
+            </a:r>
+            <a:r>
+              <a:rPr lang="en-US" dirty="0"/>
+              <a:t>styles </a:t>
+            </a:r>
+            <a:r>
+              <a:rPr lang="en-US" dirty="0" smtClean="0"/>
+              <a:t>on the same web page and try to override the styles of paragraph</a:t>
+            </a:r>
+            <a:endParaRPr lang="en-US" dirty="0"/>
+          </a:p>
+          <a:p>
+            <a:endParaRPr lang="en-US" dirty="0"/>
+          </a:p>
+        </p:txBody>
+      </p:sp>
+    </p:spTree>
+    <p:extLst>
+      <p:ext uri="{BB962C8B-B14F-4D97-AF65-F5344CB8AC3E}">
+        <p14:creationId xmlns:p14="http://schemas.microsoft.com/office/powerpoint/2010/main" val="470779331"/>
       </p:ext>
     </p:extLst>
   </p:cSld>
@@ -4057,15 +4759,7 @@
           <a:p>
             <a:r>
               <a:rPr lang="en-US" dirty="0" smtClean="0"/>
-              <a:t>Launch your own </a:t>
-            </a:r>
-            <a:r>
-              <a:rPr lang="en-US" dirty="0" smtClean="0"/>
-              <a:t>(first) </a:t>
-            </a:r>
-            <a:r>
-              <a:rPr lang="en-US" dirty="0" smtClean="0"/>
-              <a:t>github.io page</a:t>
+              <a:t>Launch your own (first) github.io page</a:t>
             </a:r>
             <a:endParaRPr lang="en-US" dirty="0"/>
           </a:p>
@@ -4472,8 +5166,20 @@
               <a:buAutoNum type="arabicPeriod"/>
             </a:pPr>
             <a:r>
+              <a:rPr lang="en-US" dirty="0" smtClean="0"/>
+              <a:t>Create a web page </a:t>
+            </a:r>
+            <a:r>
+              <a:rPr lang="en-US" dirty="0" smtClean="0"/>
+              <a:t>to p</a:t>
+            </a:r>
+            <a:r>
+              <a:rPr lang="en-US" dirty="0" smtClean="0"/>
+              <a:t>rint </a:t>
+            </a:r>
+            <a:r>
               <a:rPr lang="en-US" dirty="0"/>
-              <a:t>Prints your name in a </a:t>
+              <a:t>your name in a </a:t>
             </a:r>
             <a:r>
               <a:rPr lang="en-US" dirty="0" smtClean="0"/>
@@ -4483,7 +5189,6 @@
               <a:rPr lang="en-US" dirty="0"/>
               <a:t>font. </a:t>
             </a:r>
-            <a:endParaRPr lang="en-US" dirty="0"/>
           </a:p>
           <a:p>
             <a:pPr marL="514350" indent="-514350">
@@ -4656,7 +5361,6 @@
               <a:rPr lang="en-US" dirty="0"/>
               <a:t>Print your name to the screen with every letter being a different heading size.</a:t>
             </a:r>
-            <a:endParaRPr lang="en-US" dirty="0"/>
           </a:p>
         </p:txBody>
       </p:sp>
@@ -4997,11 +5701,7 @@
             </a:pPr>
             <a:r>
               <a:rPr lang="en-US" dirty="0"/>
-              <a:t>Prints</a:t>
-            </a:r>
-            <a:r>
-              <a:rPr lang="en-US" dirty="0"/>
-              <a:t> an h1 level heading followed by a horizontal line whose width is 100%. Below the horizontal line print a paragraph relating to the text in the heading</a:t>
+              <a:t>Prints an h1 level heading followed by a horizontal line whose width is 100%. Below the horizontal line print a paragraph relating to the text in the heading</a:t>
             </a:r>
             <a:r>
               <a:rPr lang="en-US" dirty="0" smtClean="0"/>

--- a/WT_LAB.pptx
+++ b/WT_LAB.pptx
@@ -23,6 +23,24 @@
     <p:sldId id="272" r:id="rId17"/>
     <p:sldId id="273" r:id="rId18"/>
     <p:sldId id="270" r:id="rId19"/>
+    <p:sldId id="275" r:id="rId20"/>
+    <p:sldId id="276" r:id="rId21"/>
+    <p:sldId id="277" r:id="rId22"/>
+    <p:sldId id="278" r:id="rId23"/>
+    <p:sldId id="279" r:id="rId24"/>
+    <p:sldId id="280" r:id="rId25"/>
+    <p:sldId id="281" r:id="rId26"/>
+    <p:sldId id="282" r:id="rId27"/>
+    <p:sldId id="283" r:id="rId28"/>
+    <p:sldId id="284" r:id="rId29"/>
+    <p:sldId id="285" r:id="rId30"/>
+    <p:sldId id="286" r:id="rId31"/>
+    <p:sldId id="287" r:id="rId32"/>
+    <p:sldId id="288" r:id="rId33"/>
+    <p:sldId id="289" r:id="rId34"/>
+    <p:sldId id="290" r:id="rId35"/>
+    <p:sldId id="291" r:id="rId36"/>
+    <p:sldId id="274" r:id="rId37"/>
   </p:sldIdLst>
   <p:sldSz cx="12192000" cy="6858000"/>
   <p:notesSz cx="6858000" cy="9144000"/>
@@ -260,7 +278,7 @@
           <a:p>
             <a:fld id="{2E5EF80D-24CF-4D6B-AE54-277F4074078B}" type="datetimeFigureOut">
               <a:rPr lang="en-US" smtClean="0"/>
-              <a:t>7/23/2019</a:t>
+              <a:t>7/30/2019</a:t>
             </a:fld>
             <a:endParaRPr lang="en-US"/>
           </a:p>
@@ -430,7 +448,7 @@
           <a:p>
             <a:fld id="{2E5EF80D-24CF-4D6B-AE54-277F4074078B}" type="datetimeFigureOut">
               <a:rPr lang="en-US" smtClean="0"/>
-              <a:t>7/23/2019</a:t>
+              <a:t>7/30/2019</a:t>
             </a:fld>
             <a:endParaRPr lang="en-US"/>
           </a:p>
@@ -610,7 +628,7 @@
           <a:p>
             <a:fld id="{2E5EF80D-24CF-4D6B-AE54-277F4074078B}" type="datetimeFigureOut">
               <a:rPr lang="en-US" smtClean="0"/>
-              <a:t>7/23/2019</a:t>
+              <a:t>7/30/2019</a:t>
             </a:fld>
             <a:endParaRPr lang="en-US"/>
           </a:p>
@@ -780,7 +798,7 @@
           <a:p>
             <a:fld id="{2E5EF80D-24CF-4D6B-AE54-277F4074078B}" type="datetimeFigureOut">
               <a:rPr lang="en-US" smtClean="0"/>
-              <a:t>7/23/2019</a:t>
+              <a:t>7/30/2019</a:t>
             </a:fld>
             <a:endParaRPr lang="en-US"/>
           </a:p>
@@ -1026,7 +1044,7 @@
           <a:p>
             <a:fld id="{2E5EF80D-24CF-4D6B-AE54-277F4074078B}" type="datetimeFigureOut">
               <a:rPr lang="en-US" smtClean="0"/>
-              <a:t>7/23/2019</a:t>
+              <a:t>7/30/2019</a:t>
             </a:fld>
             <a:endParaRPr lang="en-US"/>
           </a:p>
@@ -1258,7 +1276,7 @@
           <a:p>
             <a:fld id="{2E5EF80D-24CF-4D6B-AE54-277F4074078B}" type="datetimeFigureOut">
               <a:rPr lang="en-US" smtClean="0"/>
-              <a:t>7/23/2019</a:t>
+              <a:t>7/30/2019</a:t>
             </a:fld>
             <a:endParaRPr lang="en-US"/>
           </a:p>
@@ -1625,7 +1643,7 @@
           <a:p>
             <a:fld id="{2E5EF80D-24CF-4D6B-AE54-277F4074078B}" type="datetimeFigureOut">
               <a:rPr lang="en-US" smtClean="0"/>
-              <a:t>7/23/2019</a:t>
+              <a:t>7/30/2019</a:t>
             </a:fld>
             <a:endParaRPr lang="en-US"/>
           </a:p>
@@ -1743,7 +1761,7 @@
           <a:p>
             <a:fld id="{2E5EF80D-24CF-4D6B-AE54-277F4074078B}" type="datetimeFigureOut">
               <a:rPr lang="en-US" smtClean="0"/>
-              <a:t>7/23/2019</a:t>
+              <a:t>7/30/2019</a:t>
             </a:fld>
             <a:endParaRPr lang="en-US"/>
           </a:p>
@@ -1838,7 +1856,7 @@
           <a:p>
             <a:fld id="{2E5EF80D-24CF-4D6B-AE54-277F4074078B}" type="datetimeFigureOut">
               <a:rPr lang="en-US" smtClean="0"/>
-              <a:t>7/23/2019</a:t>
+              <a:t>7/30/2019</a:t>
             </a:fld>
             <a:endParaRPr lang="en-US"/>
           </a:p>
@@ -2115,7 +2133,7 @@
           <a:p>
             <a:fld id="{2E5EF80D-24CF-4D6B-AE54-277F4074078B}" type="datetimeFigureOut">
               <a:rPr lang="en-US" smtClean="0"/>
-              <a:t>7/23/2019</a:t>
+              <a:t>7/30/2019</a:t>
             </a:fld>
             <a:endParaRPr lang="en-US"/>
           </a:p>
@@ -2368,7 +2386,7 @@
           <a:p>
             <a:fld id="{2E5EF80D-24CF-4D6B-AE54-277F4074078B}" type="datetimeFigureOut">
               <a:rPr lang="en-US" smtClean="0"/>
-              <a:t>7/23/2019</a:t>
+              <a:t>7/30/2019</a:t>
             </a:fld>
             <a:endParaRPr lang="en-US"/>
           </a:p>
@@ -2581,7 +2599,7 @@
           <a:p>
             <a:fld id="{2E5EF80D-24CF-4D6B-AE54-277F4074078B}" type="datetimeFigureOut">
               <a:rPr lang="en-US" smtClean="0"/>
-              <a:t>7/23/2019</a:t>
+              <a:t>7/30/2019</a:t>
             </a:fld>
             <a:endParaRPr lang="en-US"/>
           </a:p>
@@ -3929,11 +3947,7 @@
             <a:pPr algn="just"/>
             <a:r>
               <a:rPr lang="en-US" dirty="0" smtClean="0"/>
-              <a:t>Create a web page with basic tags such as </a:t>
-            </a:r>
-            <a:r>
-              <a:rPr lang="en-US" dirty="0" smtClean="0"/>
-              <a:t>paragraph, heading, anchor, hyperlink</a:t>
+              <a:t>Create a web page with basic tags such as paragraph, heading, anchor, hyperlink</a:t>
             </a:r>
           </a:p>
           <a:p>
@@ -3965,7 +3979,6 @@
               <a:rPr lang="en-US" dirty="0" smtClean="0"/>
               <a:t>Add an external and embedded styles </a:t>
             </a:r>
-            <a:endParaRPr lang="en-US" dirty="0" smtClean="0"/>
           </a:p>
         </p:txBody>
       </p:sp>
@@ -4165,7 +4178,6 @@
               <a:rPr lang="en-US" sz="2300" dirty="0"/>
               <a:t>, the default size of 1em is 16px</a:t>
             </a:r>
-            <a:endParaRPr lang="en-US" sz="2300" dirty="0"/>
           </a:p>
         </p:txBody>
       </p:sp>
@@ -4401,11 +4413,7 @@
             <a:pPr lvl="1"/>
             <a:r>
               <a:rPr lang="en-US" dirty="0"/>
-              <a:t>Choose a nice color and font-family for </a:t>
-            </a:r>
-            <a:r>
-              <a:rPr lang="en-US" dirty="0"/>
-              <a:t>headers (&lt;h1…h6&gt;</a:t>
+              <a:t>Choose a nice color and font-family for headers (&lt;h1…h6&gt;</a:t>
             </a:r>
           </a:p>
           <a:p>
@@ -4421,7 +4429,6 @@
               <a:rPr lang="en-US" dirty="0"/>
               <a:t>Resize image with width </a:t>
             </a:r>
-            <a:endParaRPr lang="en-US" dirty="0"/>
           </a:p>
           <a:p>
             <a:r>
@@ -4641,6 +4648,144 @@
 </p:sld>
 </file>
 
+<file path=ppt/slides/slide19.xml><?xml version="1.0" encoding="utf-8"?>
+<p:sld xmlns:a="http://schemas.openxmlformats.org/drawingml/2006/main" xmlns:r="http://schemas.openxmlformats.org/officeDocument/2006/relationships" xmlns:p="http://schemas.openxmlformats.org/presentationml/2006/main">
+  <p:cSld>
+    <p:spTree>
+      <p:nvGrpSpPr>
+        <p:cNvPr id="1" name=""/>
+        <p:cNvGrpSpPr/>
+        <p:nvPr/>
+      </p:nvGrpSpPr>
+      <p:grpSpPr>
+        <a:xfrm>
+          <a:off x="0" y="0"/>
+          <a:ext cx="0" cy="0"/>
+          <a:chOff x="0" y="0"/>
+          <a:chExt cx="0" cy="0"/>
+        </a:xfrm>
+      </p:grpSpPr>
+      <p:sp>
+        <p:nvSpPr>
+          <p:cNvPr id="2" name="Title 1"/>
+          <p:cNvSpPr>
+            <a:spLocks noGrp="1"/>
+          </p:cNvSpPr>
+          <p:nvPr>
+            <p:ph type="title"/>
+          </p:nvPr>
+        </p:nvSpPr>
+        <p:spPr/>
+        <p:txBody>
+          <a:bodyPr/>
+          <a:lstStyle/>
+          <a:p>
+            <a:r>
+              <a:rPr lang="en-US" dirty="0" smtClean="0"/>
+              <a:t>Embedding JS into HTML page </a:t>
+            </a:r>
+            <a:endParaRPr lang="en-US" dirty="0"/>
+          </a:p>
+        </p:txBody>
+      </p:sp>
+      <p:sp>
+        <p:nvSpPr>
+          <p:cNvPr id="3" name="Content Placeholder 2"/>
+          <p:cNvSpPr>
+            <a:spLocks noGrp="1"/>
+          </p:cNvSpPr>
+          <p:nvPr>
+            <p:ph idx="1"/>
+          </p:nvPr>
+        </p:nvSpPr>
+        <p:spPr>
+          <a:xfrm>
+            <a:off x="838200" y="2014812"/>
+            <a:ext cx="10515600" cy="4351338"/>
+          </a:xfrm>
+        </p:spPr>
+        <p:txBody>
+          <a:bodyPr/>
+          <a:lstStyle/>
+          <a:p>
+            <a:r>
+              <a:rPr lang="en-US" dirty="0" smtClean="0"/>
+              <a:t>Use</a:t>
+            </a:r>
+            <a:r>
+              <a:rPr lang="en-US" b="1" dirty="0" smtClean="0"/>
+              <a:t> &lt;script</a:t>
+            </a:r>
+            <a:r>
+              <a:rPr lang="en-US" b="1" dirty="0"/>
+              <a:t>&gt; </a:t>
+            </a:r>
+            <a:r>
+              <a:rPr lang="en-US" dirty="0" smtClean="0"/>
+              <a:t>tag</a:t>
+            </a:r>
+            <a:r>
+              <a:rPr lang="en-US" dirty="0"/>
+              <a:t> </a:t>
+            </a:r>
+            <a:r>
+              <a:rPr lang="en-US" dirty="0" smtClean="0"/>
+              <a:t>to specify your JavaScript</a:t>
+            </a:r>
+          </a:p>
+          <a:p>
+            <a:r>
+              <a:rPr lang="en-US" dirty="0" smtClean="0"/>
+              <a:t>&lt;head</a:t>
+            </a:r>
+            <a:endParaRPr lang="en-US" dirty="0"/>
+          </a:p>
+          <a:p>
+            <a:r>
+              <a:rPr lang="en-US" dirty="0" smtClean="0"/>
+              <a:t>&lt;script&gt;</a:t>
+            </a:r>
+          </a:p>
+          <a:p>
+            <a:endParaRPr lang="en-US" dirty="0"/>
+          </a:p>
+          <a:p>
+            <a:r>
+              <a:rPr lang="en-US" dirty="0" smtClean="0"/>
+              <a:t>// your JS code</a:t>
+            </a:r>
+          </a:p>
+          <a:p>
+            <a:endParaRPr lang="en-US" dirty="0"/>
+          </a:p>
+          <a:p>
+            <a:r>
+              <a:rPr lang="en-US" dirty="0" smtClean="0"/>
+              <a:t>&lt;/script&gt;</a:t>
+            </a:r>
+          </a:p>
+          <a:p>
+            <a:r>
+              <a:rPr lang="en-US" dirty="0" smtClean="0"/>
+              <a:t>&lt;/head&gt;</a:t>
+            </a:r>
+            <a:endParaRPr lang="en-US" dirty="0"/>
+          </a:p>
+        </p:txBody>
+      </p:sp>
+    </p:spTree>
+    <p:extLst>
+      <p:ext uri="{BB962C8B-B14F-4D97-AF65-F5344CB8AC3E}">
+        <p14:creationId xmlns:p14="http://schemas.microsoft.com/office/powerpoint/2010/main" val="1549209298"/>
+      </p:ext>
+    </p:extLst>
+  </p:cSld>
+  <p:clrMapOvr>
+    <a:masterClrMapping/>
+  </p:clrMapOvr>
+</p:sld>
+</file>
+
 <file path=ppt/slides/slide2.xml><?xml version="1.0" encoding="utf-8"?>
 <p:sld xmlns:a="http://schemas.openxmlformats.org/drawingml/2006/main" xmlns:r="http://schemas.openxmlformats.org/officeDocument/2006/relationships" xmlns:p="http://schemas.openxmlformats.org/presentationml/2006/main">
   <p:cSld>
@@ -4722,6 +4867,1435 @@
   <p:clrMapOvr>
     <a:masterClrMapping/>
   </p:clrMapOvr>
+</p:sld>
+</file>
+
+<file path=ppt/slides/slide20.xml><?xml version="1.0" encoding="utf-8"?>
+<p:sld xmlns:a="http://schemas.openxmlformats.org/drawingml/2006/main" xmlns:r="http://schemas.openxmlformats.org/officeDocument/2006/relationships" xmlns:p="http://schemas.openxmlformats.org/presentationml/2006/main">
+  <p:cSld>
+    <p:spTree>
+      <p:nvGrpSpPr>
+        <p:cNvPr id="1" name=""/>
+        <p:cNvGrpSpPr/>
+        <p:nvPr/>
+      </p:nvGrpSpPr>
+      <p:grpSpPr>
+        <a:xfrm>
+          <a:off x="0" y="0"/>
+          <a:ext cx="0" cy="0"/>
+          <a:chOff x="0" y="0"/>
+          <a:chExt cx="0" cy="0"/>
+        </a:xfrm>
+      </p:grpSpPr>
+      <p:sp>
+        <p:nvSpPr>
+          <p:cNvPr id="2" name="Title 1"/>
+          <p:cNvSpPr>
+            <a:spLocks noGrp="1"/>
+          </p:cNvSpPr>
+          <p:nvPr>
+            <p:ph type="title"/>
+          </p:nvPr>
+        </p:nvSpPr>
+        <p:spPr/>
+        <p:txBody>
+          <a:bodyPr/>
+          <a:lstStyle/>
+          <a:p>
+            <a:r>
+              <a:rPr lang="en-US" dirty="0" smtClean="0"/>
+              <a:t>Types of JavaScript</a:t>
+            </a:r>
+            <a:endParaRPr lang="en-US" dirty="0"/>
+          </a:p>
+        </p:txBody>
+      </p:sp>
+      <p:sp>
+        <p:nvSpPr>
+          <p:cNvPr id="3" name="Content Placeholder 2"/>
+          <p:cNvSpPr>
+            <a:spLocks noGrp="1"/>
+          </p:cNvSpPr>
+          <p:nvPr>
+            <p:ph idx="1"/>
+          </p:nvPr>
+        </p:nvSpPr>
+        <p:spPr>
+          <a:xfrm>
+            <a:off x="838200" y="2161956"/>
+            <a:ext cx="10515600" cy="4351338"/>
+          </a:xfrm>
+        </p:spPr>
+        <p:txBody>
+          <a:bodyPr>
+            <a:normAutofit/>
+          </a:bodyPr>
+          <a:lstStyle/>
+          <a:p>
+            <a:r>
+              <a:rPr lang="en-US" dirty="0" smtClean="0"/>
+              <a:t>Inline JavaScript</a:t>
+            </a:r>
+          </a:p>
+          <a:p>
+            <a:pPr lvl="1"/>
+            <a:r>
+              <a:rPr lang="en-US" sz="2800" dirty="0" smtClean="0"/>
+              <a:t>Drawback:</a:t>
+            </a:r>
+            <a:r>
+              <a:rPr lang="en-US" sz="2800" b="1" dirty="0"/>
+              <a:t> JS code will not be </a:t>
+            </a:r>
+            <a:r>
+              <a:rPr lang="en-US" sz="2800" b="1" dirty="0" smtClean="0"/>
+              <a:t>cached.</a:t>
+            </a:r>
+          </a:p>
+          <a:p>
+            <a:pPr lvl="1" algn="just"/>
+            <a:r>
+              <a:rPr lang="en-US" sz="2800" b="1" dirty="0" smtClean="0"/>
+              <a:t>(The </a:t>
+            </a:r>
+            <a:r>
+              <a:rPr lang="en-US" sz="2800" b="1" dirty="0"/>
+              <a:t>browser </a:t>
+            </a:r>
+            <a:r>
+              <a:rPr lang="en-US" sz="2800" dirty="0"/>
+              <a:t>will not be able to store it in </a:t>
+            </a:r>
+            <a:r>
+              <a:rPr lang="en-US" sz="2800" b="1" dirty="0"/>
+              <a:t>cache</a:t>
+            </a:r>
+            <a:r>
+              <a:rPr lang="en-US" sz="2800" dirty="0"/>
+              <a:t>, thus requiring it to fetch the </a:t>
+            </a:r>
+            <a:r>
+              <a:rPr lang="en-US" sz="2800" b="1" dirty="0"/>
+              <a:t>full HTML file each </a:t>
+            </a:r>
+            <a:r>
+              <a:rPr lang="en-US" sz="2800" b="1" dirty="0" smtClean="0"/>
+              <a:t>time).</a:t>
+            </a:r>
+          </a:p>
+          <a:p>
+            <a:endParaRPr lang="en-US" dirty="0" smtClean="0"/>
+          </a:p>
+          <a:p>
+            <a:r>
+              <a:rPr lang="en-US" dirty="0" smtClean="0"/>
+              <a:t>Embedded or Internal JavaScript</a:t>
+            </a:r>
+          </a:p>
+          <a:p>
+            <a:endParaRPr lang="en-US" dirty="0" smtClean="0"/>
+          </a:p>
+          <a:p>
+            <a:r>
+              <a:rPr lang="en-US" dirty="0" smtClean="0"/>
+              <a:t>External JavaScript</a:t>
+            </a:r>
+          </a:p>
+          <a:p>
+            <a:endParaRPr lang="en-US" dirty="0"/>
+          </a:p>
+        </p:txBody>
+      </p:sp>
+    </p:spTree>
+    <p:extLst>
+      <p:ext uri="{BB962C8B-B14F-4D97-AF65-F5344CB8AC3E}">
+        <p14:creationId xmlns:p14="http://schemas.microsoft.com/office/powerpoint/2010/main" val="1171136242"/>
+      </p:ext>
+    </p:extLst>
+  </p:cSld>
+  <p:clrMapOvr>
+    <a:masterClrMapping/>
+  </p:clrMapOvr>
+</p:sld>
+</file>
+
+<file path=ppt/slides/slide21.xml><?xml version="1.0" encoding="utf-8"?>
+<p:sld xmlns:a="http://schemas.openxmlformats.org/drawingml/2006/main" xmlns:r="http://schemas.openxmlformats.org/officeDocument/2006/relationships" xmlns:p="http://schemas.openxmlformats.org/presentationml/2006/main">
+  <p:cSld>
+    <p:spTree>
+      <p:nvGrpSpPr>
+        <p:cNvPr id="1" name=""/>
+        <p:cNvGrpSpPr/>
+        <p:nvPr/>
+      </p:nvGrpSpPr>
+      <p:grpSpPr>
+        <a:xfrm>
+          <a:off x="0" y="0"/>
+          <a:ext cx="0" cy="0"/>
+          <a:chOff x="0" y="0"/>
+          <a:chExt cx="0" cy="0"/>
+        </a:xfrm>
+      </p:grpSpPr>
+      <p:sp>
+        <p:nvSpPr>
+          <p:cNvPr id="2" name="Title 1"/>
+          <p:cNvSpPr>
+            <a:spLocks noGrp="1"/>
+          </p:cNvSpPr>
+          <p:nvPr>
+            <p:ph type="title"/>
+          </p:nvPr>
+        </p:nvSpPr>
+        <p:spPr/>
+        <p:txBody>
+          <a:bodyPr/>
+          <a:lstStyle/>
+          <a:p>
+            <a:r>
+              <a:rPr lang="en-US" dirty="0" smtClean="0"/>
+              <a:t>Hello world in JS</a:t>
+            </a:r>
+            <a:endParaRPr lang="en-US" dirty="0"/>
+          </a:p>
+        </p:txBody>
+      </p:sp>
+      <p:sp>
+        <p:nvSpPr>
+          <p:cNvPr id="3" name="Content Placeholder 2"/>
+          <p:cNvSpPr>
+            <a:spLocks noGrp="1"/>
+          </p:cNvSpPr>
+          <p:nvPr>
+            <p:ph idx="1"/>
+          </p:nvPr>
+        </p:nvSpPr>
+        <p:spPr/>
+        <p:txBody>
+          <a:bodyPr/>
+          <a:lstStyle/>
+          <a:p>
+            <a:endParaRPr lang="en-US" dirty="0"/>
+          </a:p>
+        </p:txBody>
+      </p:sp>
+      <p:pic>
+        <p:nvPicPr>
+          <p:cNvPr id="5" name="Picture 4"/>
+          <p:cNvPicPr>
+            <a:picLocks noChangeAspect="1"/>
+          </p:cNvPicPr>
+          <p:nvPr/>
+        </p:nvPicPr>
+        <p:blipFill>
+          <a:blip r:embed="rId2"/>
+          <a:stretch>
+            <a:fillRect/>
+          </a:stretch>
+        </p:blipFill>
+        <p:spPr>
+          <a:xfrm>
+            <a:off x="710926" y="1690688"/>
+            <a:ext cx="7953375" cy="4981575"/>
+          </a:xfrm>
+          <a:prstGeom prst="rect">
+            <a:avLst/>
+          </a:prstGeom>
+        </p:spPr>
+      </p:pic>
+    </p:spTree>
+    <p:extLst>
+      <p:ext uri="{BB962C8B-B14F-4D97-AF65-F5344CB8AC3E}">
+        <p14:creationId xmlns:p14="http://schemas.microsoft.com/office/powerpoint/2010/main" val="2563884214"/>
+      </p:ext>
+    </p:extLst>
+  </p:cSld>
+  <p:clrMapOvr>
+    <a:masterClrMapping/>
+  </p:clrMapOvr>
+</p:sld>
+</file>
+
+<file path=ppt/slides/slide22.xml><?xml version="1.0" encoding="utf-8"?>
+<p:sld xmlns:a="http://schemas.openxmlformats.org/drawingml/2006/main" xmlns:r="http://schemas.openxmlformats.org/officeDocument/2006/relationships" xmlns:p="http://schemas.openxmlformats.org/presentationml/2006/main">
+  <p:cSld>
+    <p:spTree>
+      <p:nvGrpSpPr>
+        <p:cNvPr id="1" name=""/>
+        <p:cNvGrpSpPr/>
+        <p:nvPr/>
+      </p:nvGrpSpPr>
+      <p:grpSpPr>
+        <a:xfrm>
+          <a:off x="0" y="0"/>
+          <a:ext cx="0" cy="0"/>
+          <a:chOff x="0" y="0"/>
+          <a:chExt cx="0" cy="0"/>
+        </a:xfrm>
+      </p:grpSpPr>
+      <p:sp>
+        <p:nvSpPr>
+          <p:cNvPr id="2" name="Title 1"/>
+          <p:cNvSpPr>
+            <a:spLocks noGrp="1"/>
+          </p:cNvSpPr>
+          <p:nvPr>
+            <p:ph type="title"/>
+          </p:nvPr>
+        </p:nvSpPr>
+        <p:spPr/>
+        <p:txBody>
+          <a:bodyPr/>
+          <a:lstStyle/>
+          <a:p>
+            <a:r>
+              <a:rPr lang="en-US" b="1" dirty="0"/>
+              <a:t>JavaScript Variable: Declare, Assign a Value</a:t>
+            </a:r>
+            <a:br>
+              <a:rPr lang="en-US" b="1" dirty="0"/>
+            </a:br>
+            <a:endParaRPr lang="en-US" dirty="0"/>
+          </a:p>
+        </p:txBody>
+      </p:sp>
+      <p:sp>
+        <p:nvSpPr>
+          <p:cNvPr id="3" name="Content Placeholder 2"/>
+          <p:cNvSpPr>
+            <a:spLocks noGrp="1"/>
+          </p:cNvSpPr>
+          <p:nvPr>
+            <p:ph idx="1"/>
+          </p:nvPr>
+        </p:nvSpPr>
+        <p:spPr/>
+        <p:txBody>
+          <a:bodyPr>
+            <a:normAutofit/>
+          </a:bodyPr>
+          <a:lstStyle/>
+          <a:p>
+            <a:r>
+              <a:rPr lang="en-US" dirty="0"/>
+              <a:t>use the keyword </a:t>
+            </a:r>
+            <a:r>
+              <a:rPr lang="en-US" b="1" dirty="0" err="1"/>
+              <a:t>var</a:t>
+            </a:r>
+            <a:r>
+              <a:rPr lang="en-US" dirty="0"/>
+              <a:t> to declare a </a:t>
+            </a:r>
+            <a:r>
+              <a:rPr lang="en-US" dirty="0" smtClean="0"/>
+              <a:t>variable</a:t>
+            </a:r>
+          </a:p>
+          <a:p>
+            <a:endParaRPr lang="en-US" dirty="0"/>
+          </a:p>
+          <a:p>
+            <a:r>
+              <a:rPr lang="en-US" dirty="0" smtClean="0"/>
+              <a:t>Example:</a:t>
+            </a:r>
+          </a:p>
+          <a:p>
+            <a:endParaRPr lang="en-US" dirty="0" smtClean="0"/>
+          </a:p>
+          <a:p>
+            <a:pPr marL="0" indent="0">
+              <a:buNone/>
+            </a:pPr>
+            <a:r>
+              <a:rPr lang="en-US" dirty="0" err="1" smtClean="0"/>
+              <a:t>Var</a:t>
+            </a:r>
+            <a:r>
+              <a:rPr lang="en-US" dirty="0" smtClean="0"/>
+              <a:t> name = “</a:t>
+            </a:r>
+            <a:r>
+              <a:rPr lang="en-US" dirty="0" err="1" smtClean="0"/>
+              <a:t>sibi</a:t>
+            </a:r>
+            <a:r>
+              <a:rPr lang="en-US" dirty="0" smtClean="0"/>
+              <a:t>”;</a:t>
+            </a:r>
+          </a:p>
+          <a:p>
+            <a:pPr marL="0" indent="0">
+              <a:buNone/>
+            </a:pPr>
+            <a:r>
+              <a:rPr lang="en-US" dirty="0" smtClean="0"/>
+              <a:t>or</a:t>
+            </a:r>
+            <a:endParaRPr lang="en-US" dirty="0"/>
+          </a:p>
+          <a:p>
+            <a:pPr marL="0" indent="0">
+              <a:buNone/>
+            </a:pPr>
+            <a:r>
+              <a:rPr lang="en-US" dirty="0" err="1" smtClean="0"/>
+              <a:t>Var</a:t>
+            </a:r>
+            <a:r>
+              <a:rPr lang="en-US" dirty="0" smtClean="0"/>
+              <a:t> name;</a:t>
+            </a:r>
+          </a:p>
+          <a:p>
+            <a:pPr marL="0" indent="0">
+              <a:buNone/>
+            </a:pPr>
+            <a:r>
+              <a:rPr lang="en-US" dirty="0" smtClean="0"/>
+              <a:t>Name = “</a:t>
+            </a:r>
+            <a:r>
+              <a:rPr lang="en-US" dirty="0" err="1" smtClean="0"/>
+              <a:t>sibi</a:t>
+            </a:r>
+            <a:r>
+              <a:rPr lang="en-US" dirty="0" smtClean="0"/>
+              <a:t>”;</a:t>
+            </a:r>
+            <a:endParaRPr lang="en-US" dirty="0"/>
+          </a:p>
+        </p:txBody>
+      </p:sp>
+    </p:spTree>
+    <p:extLst>
+      <p:ext uri="{BB962C8B-B14F-4D97-AF65-F5344CB8AC3E}">
+        <p14:creationId xmlns:p14="http://schemas.microsoft.com/office/powerpoint/2010/main" val="2428231156"/>
+      </p:ext>
+    </p:extLst>
+  </p:cSld>
+  <p:clrMapOvr>
+    <a:masterClrMapping/>
+  </p:clrMapOvr>
+</p:sld>
+</file>
+
+<file path=ppt/slides/slide23.xml><?xml version="1.0" encoding="utf-8"?>
+<p:sld xmlns:a="http://schemas.openxmlformats.org/drawingml/2006/main" xmlns:r="http://schemas.openxmlformats.org/officeDocument/2006/relationships" xmlns:p="http://schemas.openxmlformats.org/presentationml/2006/main">
+  <p:cSld>
+    <p:spTree>
+      <p:nvGrpSpPr>
+        <p:cNvPr id="1" name=""/>
+        <p:cNvGrpSpPr/>
+        <p:nvPr/>
+      </p:nvGrpSpPr>
+      <p:grpSpPr>
+        <a:xfrm>
+          <a:off x="0" y="0"/>
+          <a:ext cx="0" cy="0"/>
+          <a:chOff x="0" y="0"/>
+          <a:chExt cx="0" cy="0"/>
+        </a:xfrm>
+      </p:grpSpPr>
+      <p:sp>
+        <p:nvSpPr>
+          <p:cNvPr id="2" name="Title 1"/>
+          <p:cNvSpPr>
+            <a:spLocks noGrp="1"/>
+          </p:cNvSpPr>
+          <p:nvPr>
+            <p:ph type="title"/>
+          </p:nvPr>
+        </p:nvSpPr>
+        <p:spPr>
+          <a:xfrm>
+            <a:off x="165538" y="0"/>
+            <a:ext cx="10515600" cy="1325563"/>
+          </a:xfrm>
+        </p:spPr>
+        <p:txBody>
+          <a:bodyPr/>
+          <a:lstStyle/>
+          <a:p>
+            <a:r>
+              <a:rPr lang="en-US" dirty="0" smtClean="0"/>
+              <a:t>JS – Example code</a:t>
+            </a:r>
+            <a:endParaRPr lang="en-US" dirty="0"/>
+          </a:p>
+        </p:txBody>
+      </p:sp>
+      <p:sp>
+        <p:nvSpPr>
+          <p:cNvPr id="3" name="Content Placeholder 2"/>
+          <p:cNvSpPr>
+            <a:spLocks noGrp="1"/>
+          </p:cNvSpPr>
+          <p:nvPr>
+            <p:ph idx="1"/>
+          </p:nvPr>
+        </p:nvSpPr>
+        <p:spPr/>
+        <p:txBody>
+          <a:bodyPr/>
+          <a:lstStyle/>
+          <a:p>
+            <a:endParaRPr lang="en-US"/>
+          </a:p>
+        </p:txBody>
+      </p:sp>
+      <p:pic>
+        <p:nvPicPr>
+          <p:cNvPr id="4" name="Picture 3"/>
+          <p:cNvPicPr>
+            <a:picLocks noChangeAspect="1"/>
+          </p:cNvPicPr>
+          <p:nvPr/>
+        </p:nvPicPr>
+        <p:blipFill rotWithShape="1">
+          <a:blip r:embed="rId2"/>
+          <a:srcRect r="5114"/>
+          <a:stretch/>
+        </p:blipFill>
+        <p:spPr>
+          <a:xfrm>
+            <a:off x="1" y="1460938"/>
+            <a:ext cx="12191999" cy="5397062"/>
+          </a:xfrm>
+          <a:prstGeom prst="rect">
+            <a:avLst/>
+          </a:prstGeom>
+        </p:spPr>
+      </p:pic>
+    </p:spTree>
+    <p:extLst>
+      <p:ext uri="{BB962C8B-B14F-4D97-AF65-F5344CB8AC3E}">
+        <p14:creationId xmlns:p14="http://schemas.microsoft.com/office/powerpoint/2010/main" val="1372044070"/>
+      </p:ext>
+    </p:extLst>
+  </p:cSld>
+  <p:clrMapOvr>
+    <a:masterClrMapping/>
+  </p:clrMapOvr>
+</p:sld>
+</file>
+
+<file path=ppt/slides/slide24.xml><?xml version="1.0" encoding="utf-8"?>
+<p:sld xmlns:a="http://schemas.openxmlformats.org/drawingml/2006/main" xmlns:r="http://schemas.openxmlformats.org/officeDocument/2006/relationships" xmlns:p="http://schemas.openxmlformats.org/presentationml/2006/main">
+  <p:cSld>
+    <p:spTree>
+      <p:nvGrpSpPr>
+        <p:cNvPr id="1" name=""/>
+        <p:cNvGrpSpPr/>
+        <p:nvPr/>
+      </p:nvGrpSpPr>
+      <p:grpSpPr>
+        <a:xfrm>
+          <a:off x="0" y="0"/>
+          <a:ext cx="0" cy="0"/>
+          <a:chOff x="0" y="0"/>
+          <a:chExt cx="0" cy="0"/>
+        </a:xfrm>
+      </p:grpSpPr>
+      <p:sp>
+        <p:nvSpPr>
+          <p:cNvPr id="2" name="Title 1"/>
+          <p:cNvSpPr>
+            <a:spLocks noGrp="1"/>
+          </p:cNvSpPr>
+          <p:nvPr>
+            <p:ph type="title"/>
+          </p:nvPr>
+        </p:nvSpPr>
+        <p:spPr/>
+        <p:txBody>
+          <a:bodyPr/>
+          <a:lstStyle/>
+          <a:p>
+            <a:r>
+              <a:rPr lang="en-US" dirty="0" smtClean="0"/>
+              <a:t>Embedding html tags and CSS in JavaScript </a:t>
+            </a:r>
+            <a:endParaRPr lang="en-US" dirty="0"/>
+          </a:p>
+        </p:txBody>
+      </p:sp>
+      <p:pic>
+        <p:nvPicPr>
+          <p:cNvPr id="4" name="Picture 3"/>
+          <p:cNvPicPr>
+            <a:picLocks noChangeAspect="1"/>
+          </p:cNvPicPr>
+          <p:nvPr/>
+        </p:nvPicPr>
+        <p:blipFill>
+          <a:blip r:embed="rId2"/>
+          <a:stretch>
+            <a:fillRect/>
+          </a:stretch>
+        </p:blipFill>
+        <p:spPr>
+          <a:xfrm>
+            <a:off x="838200" y="2186672"/>
+            <a:ext cx="9622491" cy="3629244"/>
+          </a:xfrm>
+          <a:prstGeom prst="rect">
+            <a:avLst/>
+          </a:prstGeom>
+        </p:spPr>
+      </p:pic>
+    </p:spTree>
+    <p:extLst>
+      <p:ext uri="{BB962C8B-B14F-4D97-AF65-F5344CB8AC3E}">
+        <p14:creationId xmlns:p14="http://schemas.microsoft.com/office/powerpoint/2010/main" val="2961279237"/>
+      </p:ext>
+    </p:extLst>
+  </p:cSld>
+  <p:clrMapOvr>
+    <a:masterClrMapping/>
+  </p:clrMapOvr>
+</p:sld>
+</file>
+
+<file path=ppt/slides/slide25.xml><?xml version="1.0" encoding="utf-8"?>
+<p:sld xmlns:a="http://schemas.openxmlformats.org/drawingml/2006/main" xmlns:r="http://schemas.openxmlformats.org/officeDocument/2006/relationships" xmlns:p="http://schemas.openxmlformats.org/presentationml/2006/main">
+  <p:cSld>
+    <p:spTree>
+      <p:nvGrpSpPr>
+        <p:cNvPr id="1" name=""/>
+        <p:cNvGrpSpPr/>
+        <p:nvPr/>
+      </p:nvGrpSpPr>
+      <p:grpSpPr>
+        <a:xfrm>
+          <a:off x="0" y="0"/>
+          <a:ext cx="0" cy="0"/>
+          <a:chOff x="0" y="0"/>
+          <a:chExt cx="0" cy="0"/>
+        </a:xfrm>
+      </p:grpSpPr>
+      <p:sp>
+        <p:nvSpPr>
+          <p:cNvPr id="2" name="Title 1"/>
+          <p:cNvSpPr>
+            <a:spLocks noGrp="1"/>
+          </p:cNvSpPr>
+          <p:nvPr>
+            <p:ph type="title"/>
+          </p:nvPr>
+        </p:nvSpPr>
+        <p:spPr/>
+        <p:txBody>
+          <a:bodyPr/>
+          <a:lstStyle/>
+          <a:p>
+            <a:r>
+              <a:rPr lang="en-US" dirty="0" smtClean="0"/>
+              <a:t>HTML Events and JS Event Handling</a:t>
+            </a:r>
+            <a:endParaRPr lang="en-US" dirty="0"/>
+          </a:p>
+        </p:txBody>
+      </p:sp>
+      <p:sp>
+        <p:nvSpPr>
+          <p:cNvPr id="3" name="Content Placeholder 2"/>
+          <p:cNvSpPr>
+            <a:spLocks noGrp="1"/>
+          </p:cNvSpPr>
+          <p:nvPr>
+            <p:ph idx="1"/>
+          </p:nvPr>
+        </p:nvSpPr>
+        <p:spPr/>
+        <p:txBody>
+          <a:bodyPr/>
+          <a:lstStyle/>
+          <a:p>
+            <a:r>
+              <a:rPr lang="en-US" dirty="0"/>
+              <a:t>HTML events are </a:t>
+            </a:r>
+            <a:r>
+              <a:rPr lang="en-US" b="1" dirty="0"/>
+              <a:t>"things"</a:t>
+            </a:r>
+            <a:r>
+              <a:rPr lang="en-US" dirty="0"/>
+              <a:t> that happen to HTML elements</a:t>
+            </a:r>
+            <a:r>
+              <a:rPr lang="en-US" dirty="0" smtClean="0"/>
+              <a:t>.</a:t>
+            </a:r>
+          </a:p>
+          <a:p>
+            <a:pPr marL="0" indent="0">
+              <a:buNone/>
+            </a:pPr>
+            <a:r>
+              <a:rPr lang="en-US" dirty="0" smtClean="0"/>
+              <a:t>or</a:t>
+            </a:r>
+            <a:endParaRPr lang="en-US" dirty="0"/>
+          </a:p>
+          <a:p>
+            <a:r>
+              <a:rPr lang="en-US" dirty="0" smtClean="0"/>
+              <a:t>HTML events are the </a:t>
+            </a:r>
+            <a:r>
+              <a:rPr lang="en-US" b="1" dirty="0" smtClean="0"/>
+              <a:t>characteristics</a:t>
+            </a:r>
+            <a:r>
+              <a:rPr lang="en-US" dirty="0" smtClean="0"/>
+              <a:t> of the HTML elements</a:t>
+            </a:r>
+          </a:p>
+          <a:p>
+            <a:pPr lvl="1"/>
+            <a:r>
+              <a:rPr lang="en-US" sz="2800" b="1" dirty="0" smtClean="0"/>
+              <a:t>Example: </a:t>
+            </a:r>
+            <a:r>
+              <a:rPr lang="en-US" sz="2800" b="1" dirty="0"/>
+              <a:t>An HTML button was clicked</a:t>
+            </a:r>
+          </a:p>
+          <a:p>
+            <a:pPr marL="0" indent="0">
+              <a:buNone/>
+            </a:pPr>
+            <a:endParaRPr lang="en-US" dirty="0" smtClean="0"/>
+          </a:p>
+          <a:p>
+            <a:r>
+              <a:rPr lang="en-US" dirty="0"/>
+              <a:t>When </a:t>
+            </a:r>
+            <a:r>
+              <a:rPr lang="en-US" b="1" dirty="0"/>
+              <a:t>JavaScript </a:t>
+            </a:r>
+            <a:r>
+              <a:rPr lang="en-US" dirty="0"/>
+              <a:t>is used in HTML pages, JavaScript can </a:t>
+            </a:r>
+            <a:r>
+              <a:rPr lang="en-US" b="1" dirty="0"/>
+              <a:t>"react"</a:t>
+            </a:r>
+            <a:r>
+              <a:rPr lang="en-US" dirty="0"/>
+              <a:t> on these events.</a:t>
+            </a:r>
+          </a:p>
+        </p:txBody>
+      </p:sp>
+    </p:spTree>
+    <p:extLst>
+      <p:ext uri="{BB962C8B-B14F-4D97-AF65-F5344CB8AC3E}">
+        <p14:creationId xmlns:p14="http://schemas.microsoft.com/office/powerpoint/2010/main" val="121667785"/>
+      </p:ext>
+    </p:extLst>
+  </p:cSld>
+  <p:clrMapOvr>
+    <a:masterClrMapping/>
+  </p:clrMapOvr>
+</p:sld>
+</file>
+
+<file path=ppt/slides/slide26.xml><?xml version="1.0" encoding="utf-8"?>
+<p:sld xmlns:a="http://schemas.openxmlformats.org/drawingml/2006/main" xmlns:r="http://schemas.openxmlformats.org/officeDocument/2006/relationships" xmlns:p="http://schemas.openxmlformats.org/presentationml/2006/main">
+  <p:cSld>
+    <p:spTree>
+      <p:nvGrpSpPr>
+        <p:cNvPr id="1" name=""/>
+        <p:cNvGrpSpPr/>
+        <p:nvPr/>
+      </p:nvGrpSpPr>
+      <p:grpSpPr>
+        <a:xfrm>
+          <a:off x="0" y="0"/>
+          <a:ext cx="0" cy="0"/>
+          <a:chOff x="0" y="0"/>
+          <a:chExt cx="0" cy="0"/>
+        </a:xfrm>
+      </p:grpSpPr>
+      <p:sp>
+        <p:nvSpPr>
+          <p:cNvPr id="2" name="Title 1"/>
+          <p:cNvSpPr>
+            <a:spLocks noGrp="1"/>
+          </p:cNvSpPr>
+          <p:nvPr>
+            <p:ph type="title"/>
+          </p:nvPr>
+        </p:nvSpPr>
+        <p:spPr/>
+        <p:txBody>
+          <a:bodyPr/>
+          <a:lstStyle/>
+          <a:p>
+            <a:r>
+              <a:rPr lang="en-US" dirty="0" smtClean="0"/>
+              <a:t>Event1 – Text event handling</a:t>
+            </a:r>
+            <a:endParaRPr lang="en-US" dirty="0"/>
+          </a:p>
+        </p:txBody>
+      </p:sp>
+      <p:sp>
+        <p:nvSpPr>
+          <p:cNvPr id="3" name="Content Placeholder 2"/>
+          <p:cNvSpPr>
+            <a:spLocks noGrp="1"/>
+          </p:cNvSpPr>
+          <p:nvPr>
+            <p:ph idx="1"/>
+          </p:nvPr>
+        </p:nvSpPr>
+        <p:spPr/>
+        <p:txBody>
+          <a:bodyPr/>
+          <a:lstStyle/>
+          <a:p>
+            <a:pPr marL="0" indent="0">
+              <a:buNone/>
+            </a:pPr>
+            <a:r>
+              <a:rPr lang="en-US" dirty="0"/>
+              <a:t>&lt;!DOCTYPE html&gt;</a:t>
+            </a:r>
+          </a:p>
+          <a:p>
+            <a:pPr marL="0" indent="0">
+              <a:buNone/>
+            </a:pPr>
+            <a:r>
+              <a:rPr lang="en-US" dirty="0"/>
+              <a:t>&lt;html&gt;</a:t>
+            </a:r>
+          </a:p>
+          <a:p>
+            <a:pPr marL="0" indent="0">
+              <a:buNone/>
+            </a:pPr>
+            <a:r>
+              <a:rPr lang="en-US" dirty="0"/>
+              <a:t>&lt;body&gt;</a:t>
+            </a:r>
+          </a:p>
+          <a:p>
+            <a:pPr marL="0" indent="0">
+              <a:buNone/>
+            </a:pPr>
+            <a:r>
+              <a:rPr lang="en-US" dirty="0" smtClean="0"/>
+              <a:t>&lt;</a:t>
+            </a:r>
+            <a:r>
+              <a:rPr lang="en-US" dirty="0"/>
+              <a:t>h1 </a:t>
+            </a:r>
+            <a:r>
+              <a:rPr lang="en-US" dirty="0" err="1"/>
+              <a:t>onclick</a:t>
+            </a:r>
+            <a:r>
+              <a:rPr lang="en-US" dirty="0"/>
+              <a:t>="</a:t>
+            </a:r>
+            <a:r>
+              <a:rPr lang="en-US" dirty="0" err="1" smtClean="0"/>
+              <a:t>this.innerHTML</a:t>
+            </a:r>
+            <a:r>
+              <a:rPr lang="en-US" dirty="0" smtClean="0"/>
+              <a:t>=‘Text Changed!’"&gt;</a:t>
+            </a:r>
+            <a:r>
+              <a:rPr lang="en-US" dirty="0"/>
+              <a:t>Click on this text!&lt;/h1&gt;</a:t>
+            </a:r>
+          </a:p>
+          <a:p>
+            <a:pPr marL="0" indent="0">
+              <a:buNone/>
+            </a:pPr>
+            <a:r>
+              <a:rPr lang="en-US" dirty="0" smtClean="0"/>
+              <a:t>&lt;/</a:t>
+            </a:r>
+            <a:r>
+              <a:rPr lang="en-US" dirty="0"/>
+              <a:t>body&gt;</a:t>
+            </a:r>
+          </a:p>
+          <a:p>
+            <a:pPr marL="0" indent="0">
+              <a:buNone/>
+            </a:pPr>
+            <a:r>
+              <a:rPr lang="en-US" dirty="0"/>
+              <a:t>&lt;/html&gt;</a:t>
+            </a:r>
+          </a:p>
+        </p:txBody>
+      </p:sp>
+    </p:spTree>
+    <p:extLst>
+      <p:ext uri="{BB962C8B-B14F-4D97-AF65-F5344CB8AC3E}">
+        <p14:creationId xmlns:p14="http://schemas.microsoft.com/office/powerpoint/2010/main" val="3927439627"/>
+      </p:ext>
+    </p:extLst>
+  </p:cSld>
+  <p:clrMapOvr>
+    <a:masterClrMapping/>
+  </p:clrMapOvr>
+</p:sld>
+</file>
+
+<file path=ppt/slides/slide27.xml><?xml version="1.0" encoding="utf-8"?>
+<p:sld xmlns:a="http://schemas.openxmlformats.org/drawingml/2006/main" xmlns:r="http://schemas.openxmlformats.org/officeDocument/2006/relationships" xmlns:p="http://schemas.openxmlformats.org/presentationml/2006/main">
+  <p:cSld>
+    <p:spTree>
+      <p:nvGrpSpPr>
+        <p:cNvPr id="1" name=""/>
+        <p:cNvGrpSpPr/>
+        <p:nvPr/>
+      </p:nvGrpSpPr>
+      <p:grpSpPr>
+        <a:xfrm>
+          <a:off x="0" y="0"/>
+          <a:ext cx="0" cy="0"/>
+          <a:chOff x="0" y="0"/>
+          <a:chExt cx="0" cy="0"/>
+        </a:xfrm>
+      </p:grpSpPr>
+      <p:sp>
+        <p:nvSpPr>
+          <p:cNvPr id="2" name="Title 1"/>
+          <p:cNvSpPr>
+            <a:spLocks noGrp="1"/>
+          </p:cNvSpPr>
+          <p:nvPr>
+            <p:ph type="title"/>
+          </p:nvPr>
+        </p:nvSpPr>
+        <p:spPr/>
+        <p:txBody>
+          <a:bodyPr/>
+          <a:lstStyle/>
+          <a:p>
+            <a:r>
+              <a:rPr lang="en-US" dirty="0" smtClean="0"/>
+              <a:t>Event 2 – Button event</a:t>
+            </a:r>
+            <a:endParaRPr lang="en-US" dirty="0"/>
+          </a:p>
+        </p:txBody>
+      </p:sp>
+      <p:sp>
+        <p:nvSpPr>
+          <p:cNvPr id="3" name="Content Placeholder 2"/>
+          <p:cNvSpPr>
+            <a:spLocks noGrp="1"/>
+          </p:cNvSpPr>
+          <p:nvPr>
+            <p:ph idx="1"/>
+          </p:nvPr>
+        </p:nvSpPr>
+        <p:spPr/>
+        <p:txBody>
+          <a:bodyPr/>
+          <a:lstStyle/>
+          <a:p>
+            <a:pPr marL="0" indent="0">
+              <a:buNone/>
+            </a:pPr>
+            <a:r>
+              <a:rPr lang="en-US" dirty="0" smtClean="0"/>
+              <a:t>&lt;!DOCTYPE html&gt;</a:t>
+            </a:r>
+          </a:p>
+          <a:p>
+            <a:pPr marL="0" indent="0">
+              <a:buNone/>
+            </a:pPr>
+            <a:r>
+              <a:rPr lang="en-US" dirty="0" smtClean="0"/>
+              <a:t>&lt;html&gt;</a:t>
+            </a:r>
+          </a:p>
+          <a:p>
+            <a:pPr marL="0" indent="0">
+              <a:buNone/>
+            </a:pPr>
+            <a:r>
+              <a:rPr lang="en-US" dirty="0" smtClean="0"/>
+              <a:t>&lt;body&gt;</a:t>
+            </a:r>
+          </a:p>
+          <a:p>
+            <a:pPr marL="0" indent="0">
+              <a:buNone/>
+            </a:pPr>
+            <a:r>
+              <a:rPr lang="en-US" dirty="0" smtClean="0"/>
+              <a:t>&lt;button </a:t>
+            </a:r>
+            <a:r>
+              <a:rPr lang="en-US" dirty="0" err="1" smtClean="0"/>
+              <a:t>onclick</a:t>
+            </a:r>
+            <a:r>
+              <a:rPr lang="en-US" dirty="0" smtClean="0"/>
+              <a:t>="</a:t>
+            </a:r>
+            <a:r>
+              <a:rPr lang="en-US" dirty="0" err="1" smtClean="0"/>
+              <a:t>this.innerHTML</a:t>
+            </a:r>
+            <a:r>
+              <a:rPr lang="en-US" dirty="0" smtClean="0"/>
+              <a:t>=Date()"&gt;The time is?&lt;/button&gt;</a:t>
+            </a:r>
+          </a:p>
+          <a:p>
+            <a:pPr marL="0" indent="0">
+              <a:buNone/>
+            </a:pPr>
+            <a:r>
+              <a:rPr lang="en-US" dirty="0" smtClean="0"/>
+              <a:t>&lt;/body&gt;</a:t>
+            </a:r>
+          </a:p>
+          <a:p>
+            <a:pPr marL="0" indent="0">
+              <a:buNone/>
+            </a:pPr>
+            <a:r>
+              <a:rPr lang="en-US" dirty="0" smtClean="0"/>
+              <a:t>&lt;/html&gt;</a:t>
+            </a:r>
+          </a:p>
+          <a:p>
+            <a:pPr marL="0" indent="0">
+              <a:buNone/>
+            </a:pPr>
+            <a:endParaRPr lang="en-US" dirty="0"/>
+          </a:p>
+        </p:txBody>
+      </p:sp>
+    </p:spTree>
+    <p:extLst>
+      <p:ext uri="{BB962C8B-B14F-4D97-AF65-F5344CB8AC3E}">
+        <p14:creationId xmlns:p14="http://schemas.microsoft.com/office/powerpoint/2010/main" val="726697499"/>
+      </p:ext>
+    </p:extLst>
+  </p:cSld>
+  <p:clrMapOvr>
+    <a:masterClrMapping/>
+  </p:clrMapOvr>
+</p:sld>
+</file>
+
+<file path=ppt/slides/slide28.xml><?xml version="1.0" encoding="utf-8"?>
+<p:sld xmlns:a="http://schemas.openxmlformats.org/drawingml/2006/main" xmlns:r="http://schemas.openxmlformats.org/officeDocument/2006/relationships" xmlns:p="http://schemas.openxmlformats.org/presentationml/2006/main">
+  <p:cSld>
+    <p:spTree>
+      <p:nvGrpSpPr>
+        <p:cNvPr id="1" name=""/>
+        <p:cNvGrpSpPr/>
+        <p:nvPr/>
+      </p:nvGrpSpPr>
+      <p:grpSpPr>
+        <a:xfrm>
+          <a:off x="0" y="0"/>
+          <a:ext cx="0" cy="0"/>
+          <a:chOff x="0" y="0"/>
+          <a:chExt cx="0" cy="0"/>
+        </a:xfrm>
+      </p:grpSpPr>
+      <p:sp>
+        <p:nvSpPr>
+          <p:cNvPr id="2" name="Title 1"/>
+          <p:cNvSpPr>
+            <a:spLocks noGrp="1"/>
+          </p:cNvSpPr>
+          <p:nvPr>
+            <p:ph type="title"/>
+          </p:nvPr>
+        </p:nvSpPr>
+        <p:spPr/>
+        <p:txBody>
+          <a:bodyPr/>
+          <a:lstStyle/>
+          <a:p>
+            <a:r>
+              <a:rPr lang="en-US" dirty="0" smtClean="0"/>
+              <a:t>Event 3 – Button + HTML element event</a:t>
+            </a:r>
+            <a:endParaRPr lang="en-US" dirty="0"/>
+          </a:p>
+        </p:txBody>
+      </p:sp>
+      <p:sp>
+        <p:nvSpPr>
+          <p:cNvPr id="3" name="Content Placeholder 2"/>
+          <p:cNvSpPr>
+            <a:spLocks noGrp="1"/>
+          </p:cNvSpPr>
+          <p:nvPr>
+            <p:ph idx="1"/>
+          </p:nvPr>
+        </p:nvSpPr>
+        <p:spPr/>
+        <p:txBody>
+          <a:bodyPr>
+            <a:noAutofit/>
+          </a:bodyPr>
+          <a:lstStyle/>
+          <a:p>
+            <a:pPr marL="0" indent="0">
+              <a:buNone/>
+            </a:pPr>
+            <a:r>
+              <a:rPr lang="en-US" sz="2400" dirty="0"/>
+              <a:t>&lt;!DOCTYPE html&gt;</a:t>
+            </a:r>
+          </a:p>
+          <a:p>
+            <a:pPr marL="0" indent="0">
+              <a:buNone/>
+            </a:pPr>
+            <a:r>
+              <a:rPr lang="en-US" sz="2400" dirty="0"/>
+              <a:t>&lt;html&gt;</a:t>
+            </a:r>
+          </a:p>
+          <a:p>
+            <a:pPr marL="0" indent="0">
+              <a:buNone/>
+            </a:pPr>
+            <a:r>
+              <a:rPr lang="en-US" sz="2400" dirty="0"/>
+              <a:t>&lt;body&gt;</a:t>
+            </a:r>
+          </a:p>
+          <a:p>
+            <a:pPr marL="0" indent="0">
+              <a:buNone/>
+            </a:pPr>
+            <a:r>
+              <a:rPr lang="en-US" sz="2400" dirty="0" smtClean="0"/>
+              <a:t>&lt;</a:t>
+            </a:r>
+            <a:r>
+              <a:rPr lang="en-US" sz="2400" dirty="0"/>
+              <a:t>button </a:t>
+            </a:r>
+            <a:r>
+              <a:rPr lang="en-US" sz="2400" dirty="0" err="1"/>
+              <a:t>onclick</a:t>
+            </a:r>
+            <a:r>
+              <a:rPr lang="en-US" sz="2400" dirty="0"/>
+              <a:t>="</a:t>
+            </a:r>
+            <a:r>
+              <a:rPr lang="en-US" sz="2400" dirty="0" err="1"/>
+              <a:t>document.getElementById</a:t>
+            </a:r>
+            <a:r>
+              <a:rPr lang="en-US" sz="2400" dirty="0"/>
+              <a:t>('demo').</a:t>
+            </a:r>
+            <a:r>
+              <a:rPr lang="en-US" sz="2400" dirty="0" err="1"/>
+              <a:t>innerHTML</a:t>
+            </a:r>
+            <a:r>
+              <a:rPr lang="en-US" sz="2400" dirty="0"/>
+              <a:t>=Date()"&gt;</a:t>
+            </a:r>
+            <a:r>
+              <a:rPr lang="en-US" sz="2400" dirty="0" smtClean="0"/>
+              <a:t>The Date and </a:t>
+            </a:r>
+            <a:r>
+              <a:rPr lang="en-US" sz="2400" dirty="0"/>
+              <a:t>time is?&lt;/button&gt;</a:t>
+            </a:r>
+          </a:p>
+          <a:p>
+            <a:pPr marL="0" indent="0">
+              <a:buNone/>
+            </a:pPr>
+            <a:r>
+              <a:rPr lang="en-US" sz="2400" dirty="0" smtClean="0"/>
+              <a:t>&lt;</a:t>
+            </a:r>
+            <a:r>
+              <a:rPr lang="en-US" sz="2400" dirty="0"/>
+              <a:t>p id="demo"&gt;Now in this place </a:t>
+            </a:r>
+            <a:r>
+              <a:rPr lang="en-US" sz="2400" dirty="0" smtClean="0"/>
+              <a:t>Date and Time </a:t>
+            </a:r>
+            <a:r>
+              <a:rPr lang="en-US" sz="2400" dirty="0"/>
+              <a:t>will be displayed&lt;/p&gt;</a:t>
+            </a:r>
+          </a:p>
+          <a:p>
+            <a:pPr marL="0" indent="0">
+              <a:buNone/>
+            </a:pPr>
+            <a:r>
+              <a:rPr lang="en-US" sz="2400" dirty="0" smtClean="0"/>
+              <a:t>&lt;/</a:t>
+            </a:r>
+            <a:r>
+              <a:rPr lang="en-US" sz="2400" dirty="0"/>
+              <a:t>body&gt;</a:t>
+            </a:r>
+          </a:p>
+          <a:p>
+            <a:pPr marL="0" indent="0">
+              <a:buNone/>
+            </a:pPr>
+            <a:r>
+              <a:rPr lang="en-US" sz="2400" dirty="0"/>
+              <a:t>&lt;/html&gt;</a:t>
+            </a:r>
+          </a:p>
+        </p:txBody>
+      </p:sp>
+    </p:spTree>
+    <p:extLst>
+      <p:ext uri="{BB962C8B-B14F-4D97-AF65-F5344CB8AC3E}">
+        <p14:creationId xmlns:p14="http://schemas.microsoft.com/office/powerpoint/2010/main" val="3235590288"/>
+      </p:ext>
+    </p:extLst>
+  </p:cSld>
+  <p:clrMapOvr>
+    <a:masterClrMapping/>
+  </p:clrMapOvr>
+  <p:timing>
+    <p:tnLst>
+      <p:par>
+        <p:cTn id="1" dur="indefinite" restart="never" nodeType="tmRoot"/>
+      </p:par>
+    </p:tnLst>
+  </p:timing>
+</p:sld>
+</file>
+
+<file path=ppt/slides/slide29.xml><?xml version="1.0" encoding="utf-8"?>
+<p:sld xmlns:a="http://schemas.openxmlformats.org/drawingml/2006/main" xmlns:r="http://schemas.openxmlformats.org/officeDocument/2006/relationships" xmlns:p="http://schemas.openxmlformats.org/presentationml/2006/main">
+  <p:cSld>
+    <p:spTree>
+      <p:nvGrpSpPr>
+        <p:cNvPr id="1" name=""/>
+        <p:cNvGrpSpPr/>
+        <p:nvPr/>
+      </p:nvGrpSpPr>
+      <p:grpSpPr>
+        <a:xfrm>
+          <a:off x="0" y="0"/>
+          <a:ext cx="0" cy="0"/>
+          <a:chOff x="0" y="0"/>
+          <a:chExt cx="0" cy="0"/>
+        </a:xfrm>
+      </p:grpSpPr>
+      <p:sp>
+        <p:nvSpPr>
+          <p:cNvPr id="2" name="Title 1"/>
+          <p:cNvSpPr>
+            <a:spLocks noGrp="1"/>
+          </p:cNvSpPr>
+          <p:nvPr>
+            <p:ph type="title"/>
+          </p:nvPr>
+        </p:nvSpPr>
+        <p:spPr/>
+        <p:txBody>
+          <a:bodyPr/>
+          <a:lstStyle/>
+          <a:p>
+            <a:r>
+              <a:rPr lang="en-US" dirty="0" smtClean="0"/>
+              <a:t>HTML elements</a:t>
+            </a:r>
+            <a:endParaRPr lang="en-US" dirty="0"/>
+          </a:p>
+        </p:txBody>
+      </p:sp>
+      <p:sp>
+        <p:nvSpPr>
+          <p:cNvPr id="3" name="Content Placeholder 2"/>
+          <p:cNvSpPr>
+            <a:spLocks noGrp="1"/>
+          </p:cNvSpPr>
+          <p:nvPr>
+            <p:ph idx="1"/>
+          </p:nvPr>
+        </p:nvSpPr>
+        <p:spPr/>
+        <p:txBody>
+          <a:bodyPr>
+            <a:normAutofit/>
+          </a:bodyPr>
+          <a:lstStyle/>
+          <a:p>
+            <a:r>
+              <a:rPr lang="en-US" sz="3200" dirty="0"/>
+              <a:t>Finding HTML elements by </a:t>
+            </a:r>
+            <a:r>
+              <a:rPr lang="en-US" sz="3200" dirty="0" smtClean="0"/>
+              <a:t>id</a:t>
+            </a:r>
+          </a:p>
+          <a:p>
+            <a:pPr lvl="1"/>
+            <a:r>
+              <a:rPr lang="en-US" sz="3200" dirty="0" smtClean="0"/>
+              <a:t>Example: </a:t>
+            </a:r>
+            <a:r>
+              <a:rPr lang="en-US" sz="3200" dirty="0" err="1"/>
+              <a:t>var</a:t>
+            </a:r>
+            <a:r>
+              <a:rPr lang="en-US" sz="3200" dirty="0"/>
+              <a:t> </a:t>
+            </a:r>
+            <a:r>
+              <a:rPr lang="en-US" sz="3200" dirty="0" err="1"/>
+              <a:t>myElement</a:t>
+            </a:r>
+            <a:r>
+              <a:rPr lang="en-US" sz="3200" dirty="0"/>
+              <a:t> = </a:t>
+            </a:r>
+            <a:r>
+              <a:rPr lang="en-US" sz="3200" dirty="0" err="1"/>
+              <a:t>document.getElementById</a:t>
+            </a:r>
+            <a:r>
+              <a:rPr lang="en-US" sz="3200" dirty="0" smtClean="0"/>
+              <a:t>(“</a:t>
+            </a:r>
+            <a:r>
+              <a:rPr lang="en-US" sz="3200" dirty="0" err="1" smtClean="0"/>
+              <a:t>sibi</a:t>
+            </a:r>
+            <a:r>
+              <a:rPr lang="en-US" sz="3200" dirty="0" smtClean="0"/>
+              <a:t>");</a:t>
+            </a:r>
+            <a:endParaRPr lang="en-US" sz="3200" dirty="0"/>
+          </a:p>
+          <a:p>
+            <a:r>
+              <a:rPr lang="en-US" sz="3200" dirty="0"/>
+              <a:t>Finding HTML elements by tag </a:t>
+            </a:r>
+            <a:r>
+              <a:rPr lang="en-US" sz="3200" dirty="0" smtClean="0"/>
+              <a:t>name</a:t>
+            </a:r>
+          </a:p>
+          <a:p>
+            <a:pPr lvl="1"/>
+            <a:r>
+              <a:rPr lang="en-US" sz="3200" dirty="0" smtClean="0"/>
+              <a:t>Example: </a:t>
+            </a:r>
+            <a:r>
+              <a:rPr lang="en-US" sz="3200" dirty="0" err="1"/>
+              <a:t>var</a:t>
+            </a:r>
+            <a:r>
+              <a:rPr lang="en-US" sz="3200" dirty="0"/>
+              <a:t> x = </a:t>
+            </a:r>
+            <a:r>
+              <a:rPr lang="en-US" sz="3200" dirty="0" err="1"/>
+              <a:t>document.getElementsByTagName</a:t>
+            </a:r>
+            <a:r>
+              <a:rPr lang="en-US" sz="3200" dirty="0"/>
+              <a:t>("p");</a:t>
+            </a:r>
+          </a:p>
+          <a:p>
+            <a:r>
+              <a:rPr lang="en-US" sz="3200" dirty="0"/>
+              <a:t>Finding HTML elements by class </a:t>
+            </a:r>
+            <a:r>
+              <a:rPr lang="en-US" sz="3200" dirty="0" smtClean="0"/>
+              <a:t>name</a:t>
+            </a:r>
+          </a:p>
+          <a:p>
+            <a:pPr lvl="1"/>
+            <a:r>
+              <a:rPr lang="en-US" sz="3200" dirty="0"/>
+              <a:t>Example</a:t>
+            </a:r>
+            <a:r>
+              <a:rPr lang="en-US" sz="3200" dirty="0" smtClean="0"/>
+              <a:t>:</a:t>
+            </a:r>
+            <a:r>
+              <a:rPr lang="en-US" sz="3200" dirty="0"/>
+              <a:t> </a:t>
+            </a:r>
+            <a:r>
+              <a:rPr lang="en-US" sz="3200" dirty="0" err="1"/>
+              <a:t>var</a:t>
+            </a:r>
+            <a:r>
+              <a:rPr lang="en-US" sz="3200" dirty="0"/>
+              <a:t> x = </a:t>
+            </a:r>
+            <a:r>
+              <a:rPr lang="en-US" sz="3200" dirty="0" err="1"/>
+              <a:t>document.getElementsByClassName</a:t>
+            </a:r>
+            <a:r>
+              <a:rPr lang="en-US" sz="3200" dirty="0"/>
+              <a:t>("intro");</a:t>
+            </a:r>
+          </a:p>
+        </p:txBody>
+      </p:sp>
+    </p:spTree>
+    <p:extLst>
+      <p:ext uri="{BB962C8B-B14F-4D97-AF65-F5344CB8AC3E}">
+        <p14:creationId xmlns:p14="http://schemas.microsoft.com/office/powerpoint/2010/main" val="111764508"/>
+      </p:ext>
+    </p:extLst>
+  </p:cSld>
+  <p:clrMapOvr>
+    <a:masterClrMapping/>
+  </p:clrMapOvr>
+  <p:timing>
+    <p:tnLst>
+      <p:par>
+        <p:cTn id="1" dur="indefinite" restart="never" nodeType="tmRoot"/>
+      </p:par>
+    </p:tnLst>
+  </p:timing>
 </p:sld>
 </file>
 
@@ -4788,6 +6362,1082 @@
     <p:extLst>
       <p:ext uri="{BB962C8B-B14F-4D97-AF65-F5344CB8AC3E}">
         <p14:creationId xmlns:p14="http://schemas.microsoft.com/office/powerpoint/2010/main" val="4068801045"/>
+      </p:ext>
+    </p:extLst>
+  </p:cSld>
+  <p:clrMapOvr>
+    <a:masterClrMapping/>
+  </p:clrMapOvr>
+</p:sld>
+</file>
+
+<file path=ppt/slides/slide30.xml><?xml version="1.0" encoding="utf-8"?>
+<p:sld xmlns:a="http://schemas.openxmlformats.org/drawingml/2006/main" xmlns:r="http://schemas.openxmlformats.org/officeDocument/2006/relationships" xmlns:p="http://schemas.openxmlformats.org/presentationml/2006/main">
+  <p:cSld>
+    <p:spTree>
+      <p:nvGrpSpPr>
+        <p:cNvPr id="1" name=""/>
+        <p:cNvGrpSpPr/>
+        <p:nvPr/>
+      </p:nvGrpSpPr>
+      <p:grpSpPr>
+        <a:xfrm>
+          <a:off x="0" y="0"/>
+          <a:ext cx="0" cy="0"/>
+          <a:chOff x="0" y="0"/>
+          <a:chExt cx="0" cy="0"/>
+        </a:xfrm>
+      </p:grpSpPr>
+      <p:sp>
+        <p:nvSpPr>
+          <p:cNvPr id="2" name="Title 1"/>
+          <p:cNvSpPr>
+            <a:spLocks noGrp="1"/>
+          </p:cNvSpPr>
+          <p:nvPr>
+            <p:ph type="title"/>
+          </p:nvPr>
+        </p:nvSpPr>
+        <p:spPr/>
+        <p:txBody>
+          <a:bodyPr/>
+          <a:lstStyle/>
+          <a:p>
+            <a:r>
+              <a:rPr lang="en-US" dirty="0" smtClean="0"/>
+              <a:t>Event 4 - Function</a:t>
+            </a:r>
+            <a:endParaRPr lang="en-US" dirty="0"/>
+          </a:p>
+        </p:txBody>
+      </p:sp>
+      <p:pic>
+        <p:nvPicPr>
+          <p:cNvPr id="4" name="Picture 3"/>
+          <p:cNvPicPr>
+            <a:picLocks noChangeAspect="1"/>
+          </p:cNvPicPr>
+          <p:nvPr/>
+        </p:nvPicPr>
+        <p:blipFill>
+          <a:blip r:embed="rId2"/>
+          <a:stretch>
+            <a:fillRect/>
+          </a:stretch>
+        </p:blipFill>
+        <p:spPr>
+          <a:xfrm>
+            <a:off x="838200" y="2164056"/>
+            <a:ext cx="5972503" cy="1669518"/>
+          </a:xfrm>
+          <a:prstGeom prst="rect">
+            <a:avLst/>
+          </a:prstGeom>
+        </p:spPr>
+      </p:pic>
+      <p:pic>
+        <p:nvPicPr>
+          <p:cNvPr id="7" name="Picture 6"/>
+          <p:cNvPicPr>
+            <a:picLocks noChangeAspect="1"/>
+          </p:cNvPicPr>
+          <p:nvPr/>
+        </p:nvPicPr>
+        <p:blipFill>
+          <a:blip r:embed="rId3"/>
+          <a:stretch>
+            <a:fillRect/>
+          </a:stretch>
+        </p:blipFill>
+        <p:spPr>
+          <a:xfrm>
+            <a:off x="395698" y="4306943"/>
+            <a:ext cx="11491502" cy="1168947"/>
+          </a:xfrm>
+          <a:prstGeom prst="rect">
+            <a:avLst/>
+          </a:prstGeom>
+        </p:spPr>
+      </p:pic>
+      <p:cxnSp>
+        <p:nvCxnSpPr>
+          <p:cNvPr id="9" name="Straight Connector 8"/>
+          <p:cNvCxnSpPr/>
+          <p:nvPr/>
+        </p:nvCxnSpPr>
+        <p:spPr>
+          <a:xfrm>
+            <a:off x="2049517" y="2669628"/>
+            <a:ext cx="1355835" cy="0"/>
+          </a:xfrm>
+          <a:prstGeom prst="line">
+            <a:avLst/>
+          </a:prstGeom>
+          <a:ln w="28575">
+            <a:solidFill>
+              <a:srgbClr val="FF0000"/>
+            </a:solidFill>
+          </a:ln>
+        </p:spPr>
+        <p:style>
+          <a:lnRef idx="1">
+            <a:schemeClr val="accent2"/>
+          </a:lnRef>
+          <a:fillRef idx="0">
+            <a:schemeClr val="accent2"/>
+          </a:fillRef>
+          <a:effectRef idx="0">
+            <a:schemeClr val="accent2"/>
+          </a:effectRef>
+          <a:fontRef idx="minor">
+            <a:schemeClr val="tx1"/>
+          </a:fontRef>
+        </p:style>
+      </p:cxnSp>
+    </p:spTree>
+    <p:extLst>
+      <p:ext uri="{BB962C8B-B14F-4D97-AF65-F5344CB8AC3E}">
+        <p14:creationId xmlns:p14="http://schemas.microsoft.com/office/powerpoint/2010/main" val="2638923895"/>
+      </p:ext>
+    </p:extLst>
+  </p:cSld>
+  <p:clrMapOvr>
+    <a:masterClrMapping/>
+  </p:clrMapOvr>
+</p:sld>
+</file>
+
+<file path=ppt/slides/slide31.xml><?xml version="1.0" encoding="utf-8"?>
+<p:sld xmlns:a="http://schemas.openxmlformats.org/drawingml/2006/main" xmlns:r="http://schemas.openxmlformats.org/officeDocument/2006/relationships" xmlns:p="http://schemas.openxmlformats.org/presentationml/2006/main">
+  <p:cSld>
+    <p:spTree>
+      <p:nvGrpSpPr>
+        <p:cNvPr id="1" name=""/>
+        <p:cNvGrpSpPr/>
+        <p:nvPr/>
+      </p:nvGrpSpPr>
+      <p:grpSpPr>
+        <a:xfrm>
+          <a:off x="0" y="0"/>
+          <a:ext cx="0" cy="0"/>
+          <a:chOff x="0" y="0"/>
+          <a:chExt cx="0" cy="0"/>
+        </a:xfrm>
+      </p:grpSpPr>
+      <p:sp>
+        <p:nvSpPr>
+          <p:cNvPr id="2" name="Title 1"/>
+          <p:cNvSpPr>
+            <a:spLocks noGrp="1"/>
+          </p:cNvSpPr>
+          <p:nvPr>
+            <p:ph type="title"/>
+          </p:nvPr>
+        </p:nvSpPr>
+        <p:spPr/>
+        <p:txBody>
+          <a:bodyPr/>
+          <a:lstStyle/>
+          <a:p>
+            <a:r>
+              <a:rPr lang="en-US" dirty="0" smtClean="0"/>
+              <a:t>Event 5 – Mouse Event</a:t>
+            </a:r>
+            <a:endParaRPr lang="en-US" dirty="0"/>
+          </a:p>
+        </p:txBody>
+      </p:sp>
+      <p:sp>
+        <p:nvSpPr>
+          <p:cNvPr id="3" name="Content Placeholder 2"/>
+          <p:cNvSpPr>
+            <a:spLocks noGrp="1"/>
+          </p:cNvSpPr>
+          <p:nvPr>
+            <p:ph idx="1"/>
+          </p:nvPr>
+        </p:nvSpPr>
+        <p:spPr/>
+        <p:txBody>
+          <a:bodyPr/>
+          <a:lstStyle/>
+          <a:p>
+            <a:r>
+              <a:rPr lang="en-US" dirty="0" err="1" smtClean="0"/>
+              <a:t>Onmouseover</a:t>
+            </a:r>
+            <a:r>
+              <a:rPr lang="en-US" dirty="0" smtClean="0"/>
+              <a:t>() and </a:t>
+            </a:r>
+            <a:r>
+              <a:rPr lang="en-US" dirty="0" err="1" smtClean="0"/>
+              <a:t>onmouseout</a:t>
+            </a:r>
+            <a:r>
+              <a:rPr lang="en-US" dirty="0" smtClean="0"/>
+              <a:t>()</a:t>
+            </a:r>
+          </a:p>
+          <a:p>
+            <a:r>
+              <a:rPr lang="en-US" dirty="0" err="1" smtClean="0"/>
+              <a:t>Onmousedown</a:t>
+            </a:r>
+            <a:r>
+              <a:rPr lang="en-US" dirty="0" smtClean="0"/>
+              <a:t>() and </a:t>
+            </a:r>
+            <a:r>
+              <a:rPr lang="en-US" dirty="0" err="1" smtClean="0"/>
+              <a:t>onmouseup</a:t>
+            </a:r>
+            <a:r>
+              <a:rPr lang="en-US" dirty="0" smtClean="0"/>
+              <a:t>()</a:t>
+            </a:r>
+          </a:p>
+          <a:p>
+            <a:pPr marL="0" indent="0">
+              <a:buNone/>
+            </a:pPr>
+            <a:r>
+              <a:rPr lang="en-US" dirty="0" smtClean="0"/>
+              <a:t>or</a:t>
+            </a:r>
+            <a:endParaRPr lang="en-US" dirty="0"/>
+          </a:p>
+          <a:p>
+            <a:r>
+              <a:rPr lang="en-US" dirty="0" err="1" smtClean="0"/>
+              <a:t>Onclick</a:t>
+            </a:r>
+            <a:r>
+              <a:rPr lang="en-US" dirty="0" smtClean="0"/>
+              <a:t>()</a:t>
+            </a:r>
+            <a:endParaRPr lang="en-US" dirty="0"/>
+          </a:p>
+        </p:txBody>
+      </p:sp>
+    </p:spTree>
+    <p:extLst>
+      <p:ext uri="{BB962C8B-B14F-4D97-AF65-F5344CB8AC3E}">
+        <p14:creationId xmlns:p14="http://schemas.microsoft.com/office/powerpoint/2010/main" val="344450000"/>
+      </p:ext>
+    </p:extLst>
+  </p:cSld>
+  <p:clrMapOvr>
+    <a:masterClrMapping/>
+  </p:clrMapOvr>
+</p:sld>
+</file>
+
+<file path=ppt/slides/slide32.xml><?xml version="1.0" encoding="utf-8"?>
+<p:sld xmlns:a="http://schemas.openxmlformats.org/drawingml/2006/main" xmlns:r="http://schemas.openxmlformats.org/officeDocument/2006/relationships" xmlns:p="http://schemas.openxmlformats.org/presentationml/2006/main">
+  <p:cSld>
+    <p:spTree>
+      <p:nvGrpSpPr>
+        <p:cNvPr id="1" name=""/>
+        <p:cNvGrpSpPr/>
+        <p:nvPr/>
+      </p:nvGrpSpPr>
+      <p:grpSpPr>
+        <a:xfrm>
+          <a:off x="0" y="0"/>
+          <a:ext cx="0" cy="0"/>
+          <a:chOff x="0" y="0"/>
+          <a:chExt cx="0" cy="0"/>
+        </a:xfrm>
+      </p:grpSpPr>
+      <p:sp>
+        <p:nvSpPr>
+          <p:cNvPr id="2" name="Title 1"/>
+          <p:cNvSpPr>
+            <a:spLocks noGrp="1"/>
+          </p:cNvSpPr>
+          <p:nvPr>
+            <p:ph type="title"/>
+          </p:nvPr>
+        </p:nvSpPr>
+        <p:spPr/>
+        <p:txBody>
+          <a:bodyPr/>
+          <a:lstStyle/>
+          <a:p>
+            <a:r>
+              <a:rPr lang="en-US" dirty="0" err="1" smtClean="0"/>
+              <a:t>onmouseover</a:t>
+            </a:r>
+            <a:r>
+              <a:rPr lang="en-US" dirty="0"/>
+              <a:t>() and </a:t>
+            </a:r>
+            <a:r>
+              <a:rPr lang="en-US" dirty="0" err="1"/>
+              <a:t>onmouseout</a:t>
+            </a:r>
+            <a:r>
+              <a:rPr lang="en-US" dirty="0"/>
+              <a:t>()</a:t>
+            </a:r>
+            <a:br>
+              <a:rPr lang="en-US" dirty="0"/>
+            </a:br>
+            <a:endParaRPr lang="en-US" dirty="0"/>
+          </a:p>
+        </p:txBody>
+      </p:sp>
+      <p:pic>
+        <p:nvPicPr>
+          <p:cNvPr id="4" name="Picture 3"/>
+          <p:cNvPicPr>
+            <a:picLocks noChangeAspect="1"/>
+          </p:cNvPicPr>
+          <p:nvPr/>
+        </p:nvPicPr>
+        <p:blipFill>
+          <a:blip r:embed="rId2"/>
+          <a:stretch>
+            <a:fillRect/>
+          </a:stretch>
+        </p:blipFill>
+        <p:spPr>
+          <a:xfrm>
+            <a:off x="361950" y="2010569"/>
+            <a:ext cx="11830050" cy="3981450"/>
+          </a:xfrm>
+          <a:prstGeom prst="rect">
+            <a:avLst/>
+          </a:prstGeom>
+        </p:spPr>
+      </p:pic>
+    </p:spTree>
+    <p:extLst>
+      <p:ext uri="{BB962C8B-B14F-4D97-AF65-F5344CB8AC3E}">
+        <p14:creationId xmlns:p14="http://schemas.microsoft.com/office/powerpoint/2010/main" val="2196643892"/>
+      </p:ext>
+    </p:extLst>
+  </p:cSld>
+  <p:clrMapOvr>
+    <a:masterClrMapping/>
+  </p:clrMapOvr>
+</p:sld>
+</file>
+
+<file path=ppt/slides/slide33.xml><?xml version="1.0" encoding="utf-8"?>
+<p:sld xmlns:a="http://schemas.openxmlformats.org/drawingml/2006/main" xmlns:r="http://schemas.openxmlformats.org/officeDocument/2006/relationships" xmlns:p="http://schemas.openxmlformats.org/presentationml/2006/main">
+  <p:cSld>
+    <p:spTree>
+      <p:nvGrpSpPr>
+        <p:cNvPr id="1" name=""/>
+        <p:cNvGrpSpPr/>
+        <p:nvPr/>
+      </p:nvGrpSpPr>
+      <p:grpSpPr>
+        <a:xfrm>
+          <a:off x="0" y="0"/>
+          <a:ext cx="0" cy="0"/>
+          <a:chOff x="0" y="0"/>
+          <a:chExt cx="0" cy="0"/>
+        </a:xfrm>
+      </p:grpSpPr>
+      <p:sp>
+        <p:nvSpPr>
+          <p:cNvPr id="2" name="Title 1"/>
+          <p:cNvSpPr>
+            <a:spLocks noGrp="1"/>
+          </p:cNvSpPr>
+          <p:nvPr>
+            <p:ph type="title"/>
+          </p:nvPr>
+        </p:nvSpPr>
+        <p:spPr/>
+        <p:txBody>
+          <a:bodyPr/>
+          <a:lstStyle/>
+          <a:p>
+            <a:r>
+              <a:rPr lang="en-US" dirty="0" err="1"/>
+              <a:t>Onmousedown</a:t>
+            </a:r>
+            <a:r>
+              <a:rPr lang="en-US" dirty="0"/>
+              <a:t>() and </a:t>
+            </a:r>
+            <a:r>
+              <a:rPr lang="en-US" dirty="0" err="1"/>
+              <a:t>onmouseup</a:t>
+            </a:r>
+            <a:r>
+              <a:rPr lang="en-US" dirty="0"/>
+              <a:t>()</a:t>
+            </a:r>
+          </a:p>
+        </p:txBody>
+      </p:sp>
+      <p:pic>
+        <p:nvPicPr>
+          <p:cNvPr id="3" name="Picture 2"/>
+          <p:cNvPicPr>
+            <a:picLocks noChangeAspect="1"/>
+          </p:cNvPicPr>
+          <p:nvPr/>
+        </p:nvPicPr>
+        <p:blipFill>
+          <a:blip r:embed="rId2"/>
+          <a:stretch>
+            <a:fillRect/>
+          </a:stretch>
+        </p:blipFill>
+        <p:spPr>
+          <a:xfrm>
+            <a:off x="1072875" y="1868213"/>
+            <a:ext cx="9440330" cy="4427483"/>
+          </a:xfrm>
+          <a:prstGeom prst="rect">
+            <a:avLst/>
+          </a:prstGeom>
+        </p:spPr>
+      </p:pic>
+    </p:spTree>
+    <p:extLst>
+      <p:ext uri="{BB962C8B-B14F-4D97-AF65-F5344CB8AC3E}">
+        <p14:creationId xmlns:p14="http://schemas.microsoft.com/office/powerpoint/2010/main" val="1418193707"/>
+      </p:ext>
+    </p:extLst>
+  </p:cSld>
+  <p:clrMapOvr>
+    <a:masterClrMapping/>
+  </p:clrMapOvr>
+</p:sld>
+</file>
+
+<file path=ppt/slides/slide34.xml><?xml version="1.0" encoding="utf-8"?>
+<p:sld xmlns:a="http://schemas.openxmlformats.org/drawingml/2006/main" xmlns:r="http://schemas.openxmlformats.org/officeDocument/2006/relationships" xmlns:p="http://schemas.openxmlformats.org/presentationml/2006/main">
+  <p:cSld>
+    <p:spTree>
+      <p:nvGrpSpPr>
+        <p:cNvPr id="1" name=""/>
+        <p:cNvGrpSpPr/>
+        <p:nvPr/>
+      </p:nvGrpSpPr>
+      <p:grpSpPr>
+        <a:xfrm>
+          <a:off x="0" y="0"/>
+          <a:ext cx="0" cy="0"/>
+          <a:chOff x="0" y="0"/>
+          <a:chExt cx="0" cy="0"/>
+        </a:xfrm>
+      </p:grpSpPr>
+      <p:sp>
+        <p:nvSpPr>
+          <p:cNvPr id="2" name="Title 1"/>
+          <p:cNvSpPr>
+            <a:spLocks noGrp="1"/>
+          </p:cNvSpPr>
+          <p:nvPr>
+            <p:ph type="title"/>
+          </p:nvPr>
+        </p:nvSpPr>
+        <p:spPr>
+          <a:xfrm>
+            <a:off x="49926" y="-163435"/>
+            <a:ext cx="10515600" cy="1325563"/>
+          </a:xfrm>
+        </p:spPr>
+        <p:txBody>
+          <a:bodyPr/>
+          <a:lstStyle/>
+          <a:p>
+            <a:r>
+              <a:rPr lang="en-US" dirty="0" smtClean="0"/>
+              <a:t>Event 6 – </a:t>
+            </a:r>
+            <a:r>
+              <a:rPr lang="en-US" dirty="0"/>
+              <a:t>A simple graphics using JS</a:t>
+            </a:r>
+          </a:p>
+        </p:txBody>
+      </p:sp>
+      <p:pic>
+        <p:nvPicPr>
+          <p:cNvPr id="4" name="Content Placeholder 3"/>
+          <p:cNvPicPr>
+            <a:picLocks noGrp="1" noChangeAspect="1"/>
+          </p:cNvPicPr>
+          <p:nvPr>
+            <p:ph idx="1"/>
+          </p:nvPr>
+        </p:nvPicPr>
+        <p:blipFill>
+          <a:blip r:embed="rId2"/>
+          <a:stretch>
+            <a:fillRect/>
+          </a:stretch>
+        </p:blipFill>
+        <p:spPr>
+          <a:xfrm>
+            <a:off x="1197194" y="1822696"/>
+            <a:ext cx="6076950" cy="4210050"/>
+          </a:xfrm>
+          <a:prstGeom prst="rect">
+            <a:avLst/>
+          </a:prstGeom>
+        </p:spPr>
+      </p:pic>
+      <p:cxnSp>
+        <p:nvCxnSpPr>
+          <p:cNvPr id="6" name="Straight Arrow Connector 5"/>
+          <p:cNvCxnSpPr>
+            <a:endCxn id="7" idx="1"/>
+          </p:cNvCxnSpPr>
+          <p:nvPr/>
+        </p:nvCxnSpPr>
+        <p:spPr>
+          <a:xfrm flipV="1">
+            <a:off x="3615559" y="3032969"/>
+            <a:ext cx="4572000" cy="582590"/>
+          </a:xfrm>
+          <a:prstGeom prst="straightConnector1">
+            <a:avLst/>
+          </a:prstGeom>
+          <a:ln>
+            <a:tailEnd type="triangle"/>
+          </a:ln>
+        </p:spPr>
+        <p:style>
+          <a:lnRef idx="1">
+            <a:schemeClr val="accent1"/>
+          </a:lnRef>
+          <a:fillRef idx="0">
+            <a:schemeClr val="accent1"/>
+          </a:fillRef>
+          <a:effectRef idx="0">
+            <a:schemeClr val="accent1"/>
+          </a:effectRef>
+          <a:fontRef idx="minor">
+            <a:schemeClr val="tx1"/>
+          </a:fontRef>
+        </p:style>
+      </p:cxnSp>
+      <p:sp>
+        <p:nvSpPr>
+          <p:cNvPr id="7" name="TextBox 6"/>
+          <p:cNvSpPr txBox="1"/>
+          <p:nvPr/>
+        </p:nvSpPr>
+        <p:spPr>
+          <a:xfrm>
+            <a:off x="8187559" y="2848303"/>
+            <a:ext cx="2545953" cy="369332"/>
+          </a:xfrm>
+          <a:prstGeom prst="rect">
+            <a:avLst/>
+          </a:prstGeom>
+          <a:noFill/>
+        </p:spPr>
+        <p:txBody>
+          <a:bodyPr wrap="none" rtlCol="0">
+            <a:spAutoFit/>
+          </a:bodyPr>
+          <a:lstStyle/>
+          <a:p>
+            <a:r>
+              <a:rPr lang="en-US" dirty="0" smtClean="0"/>
+              <a:t>Why navigation till 350px</a:t>
+            </a:r>
+            <a:endParaRPr lang="en-US" dirty="0"/>
+          </a:p>
+        </p:txBody>
+      </p:sp>
+      <p:sp>
+        <p:nvSpPr>
+          <p:cNvPr id="8" name="TextBox 7"/>
+          <p:cNvSpPr txBox="1"/>
+          <p:nvPr/>
+        </p:nvSpPr>
+        <p:spPr>
+          <a:xfrm>
+            <a:off x="8671034" y="1597572"/>
+            <a:ext cx="3086742" cy="369332"/>
+          </a:xfrm>
+          <a:prstGeom prst="rect">
+            <a:avLst/>
+          </a:prstGeom>
+          <a:noFill/>
+        </p:spPr>
+        <p:txBody>
+          <a:bodyPr wrap="none" rtlCol="0">
+            <a:spAutoFit/>
+          </a:bodyPr>
+          <a:lstStyle/>
+          <a:p>
+            <a:r>
+              <a:rPr lang="en-US" dirty="0" smtClean="0"/>
+              <a:t>You can control framerate also </a:t>
+            </a:r>
+            <a:endParaRPr lang="en-US" dirty="0"/>
+          </a:p>
+        </p:txBody>
+      </p:sp>
+      <p:cxnSp>
+        <p:nvCxnSpPr>
+          <p:cNvPr id="10" name="Straight Arrow Connector 9"/>
+          <p:cNvCxnSpPr/>
+          <p:nvPr/>
+        </p:nvCxnSpPr>
+        <p:spPr>
+          <a:xfrm flipV="1">
+            <a:off x="5349766" y="1954924"/>
+            <a:ext cx="3426372" cy="1051035"/>
+          </a:xfrm>
+          <a:prstGeom prst="straightConnector1">
+            <a:avLst/>
+          </a:prstGeom>
+          <a:ln>
+            <a:tailEnd type="triangle"/>
+          </a:ln>
+        </p:spPr>
+        <p:style>
+          <a:lnRef idx="1">
+            <a:schemeClr val="accent1"/>
+          </a:lnRef>
+          <a:fillRef idx="0">
+            <a:schemeClr val="accent1"/>
+          </a:fillRef>
+          <a:effectRef idx="0">
+            <a:schemeClr val="accent1"/>
+          </a:effectRef>
+          <a:fontRef idx="minor">
+            <a:schemeClr val="tx1"/>
+          </a:fontRef>
+        </p:style>
+      </p:cxnSp>
+      <p:cxnSp>
+        <p:nvCxnSpPr>
+          <p:cNvPr id="12" name="Straight Arrow Connector 11"/>
+          <p:cNvCxnSpPr/>
+          <p:nvPr/>
+        </p:nvCxnSpPr>
+        <p:spPr>
+          <a:xfrm flipV="1">
+            <a:off x="3121572" y="1357304"/>
+            <a:ext cx="4487918" cy="1491000"/>
+          </a:xfrm>
+          <a:prstGeom prst="straightConnector1">
+            <a:avLst/>
+          </a:prstGeom>
+          <a:ln>
+            <a:tailEnd type="triangle"/>
+          </a:ln>
+        </p:spPr>
+        <p:style>
+          <a:lnRef idx="1">
+            <a:schemeClr val="accent1"/>
+          </a:lnRef>
+          <a:fillRef idx="0">
+            <a:schemeClr val="accent1"/>
+          </a:fillRef>
+          <a:effectRef idx="0">
+            <a:schemeClr val="accent1"/>
+          </a:effectRef>
+          <a:fontRef idx="minor">
+            <a:schemeClr val="tx1"/>
+          </a:fontRef>
+        </p:style>
+      </p:cxnSp>
+      <p:sp>
+        <p:nvSpPr>
+          <p:cNvPr id="13" name="TextBox 12"/>
+          <p:cNvSpPr txBox="1"/>
+          <p:nvPr/>
+        </p:nvSpPr>
+        <p:spPr>
+          <a:xfrm>
+            <a:off x="7609490" y="987972"/>
+            <a:ext cx="2594172" cy="369332"/>
+          </a:xfrm>
+          <a:prstGeom prst="rect">
+            <a:avLst/>
+          </a:prstGeom>
+          <a:noFill/>
+        </p:spPr>
+        <p:txBody>
+          <a:bodyPr wrap="none" rtlCol="0">
+            <a:spAutoFit/>
+          </a:bodyPr>
+          <a:lstStyle/>
+          <a:p>
+            <a:r>
+              <a:rPr lang="en-US" dirty="0" smtClean="0"/>
+              <a:t>What is this </a:t>
+            </a:r>
+            <a:r>
+              <a:rPr lang="en-US" dirty="0" err="1" smtClean="0"/>
+              <a:t>pos</a:t>
+            </a:r>
+            <a:r>
+              <a:rPr lang="en-US" dirty="0" smtClean="0"/>
+              <a:t> denotes?</a:t>
+            </a:r>
+            <a:endParaRPr lang="en-US" dirty="0"/>
+          </a:p>
+        </p:txBody>
+      </p:sp>
+      <p:cxnSp>
+        <p:nvCxnSpPr>
+          <p:cNvPr id="17" name="Straight Arrow Connector 16"/>
+          <p:cNvCxnSpPr>
+            <a:endCxn id="18" idx="1"/>
+          </p:cNvCxnSpPr>
+          <p:nvPr/>
+        </p:nvCxnSpPr>
+        <p:spPr>
+          <a:xfrm>
+            <a:off x="4151586" y="3846786"/>
+            <a:ext cx="3377534" cy="174156"/>
+          </a:xfrm>
+          <a:prstGeom prst="straightConnector1">
+            <a:avLst/>
+          </a:prstGeom>
+          <a:ln>
+            <a:tailEnd type="triangle"/>
+          </a:ln>
+        </p:spPr>
+        <p:style>
+          <a:lnRef idx="1">
+            <a:schemeClr val="accent1"/>
+          </a:lnRef>
+          <a:fillRef idx="0">
+            <a:schemeClr val="accent1"/>
+          </a:fillRef>
+          <a:effectRef idx="0">
+            <a:schemeClr val="accent1"/>
+          </a:effectRef>
+          <a:fontRef idx="minor">
+            <a:schemeClr val="tx1"/>
+          </a:fontRef>
+        </p:style>
+      </p:cxnSp>
+      <p:sp>
+        <p:nvSpPr>
+          <p:cNvPr id="18" name="TextBox 17"/>
+          <p:cNvSpPr txBox="1"/>
+          <p:nvPr/>
+        </p:nvSpPr>
+        <p:spPr>
+          <a:xfrm>
+            <a:off x="7529120" y="3836276"/>
+            <a:ext cx="4662880" cy="369332"/>
+          </a:xfrm>
+          <a:prstGeom prst="rect">
+            <a:avLst/>
+          </a:prstGeom>
+          <a:noFill/>
+        </p:spPr>
+        <p:txBody>
+          <a:bodyPr wrap="none" rtlCol="0">
+            <a:spAutoFit/>
+          </a:bodyPr>
+          <a:lstStyle/>
+          <a:p>
+            <a:r>
+              <a:rPr lang="en-US" dirty="0" smtClean="0"/>
+              <a:t>Clears the frame on the current rendered frame</a:t>
+            </a:r>
+            <a:endParaRPr lang="en-US" dirty="0"/>
+          </a:p>
+        </p:txBody>
+      </p:sp>
+    </p:spTree>
+    <p:extLst>
+      <p:ext uri="{BB962C8B-B14F-4D97-AF65-F5344CB8AC3E}">
+        <p14:creationId xmlns:p14="http://schemas.microsoft.com/office/powerpoint/2010/main" val="2464340632"/>
+      </p:ext>
+    </p:extLst>
+  </p:cSld>
+  <p:clrMapOvr>
+    <a:masterClrMapping/>
+  </p:clrMapOvr>
+</p:sld>
+</file>
+
+<file path=ppt/slides/slide35.xml><?xml version="1.0" encoding="utf-8"?>
+<p:sld xmlns:a="http://schemas.openxmlformats.org/drawingml/2006/main" xmlns:r="http://schemas.openxmlformats.org/officeDocument/2006/relationships" xmlns:p="http://schemas.openxmlformats.org/presentationml/2006/main">
+  <p:cSld>
+    <p:spTree>
+      <p:nvGrpSpPr>
+        <p:cNvPr id="1" name=""/>
+        <p:cNvGrpSpPr/>
+        <p:nvPr/>
+      </p:nvGrpSpPr>
+      <p:grpSpPr>
+        <a:xfrm>
+          <a:off x="0" y="0"/>
+          <a:ext cx="0" cy="0"/>
+          <a:chOff x="0" y="0"/>
+          <a:chExt cx="0" cy="0"/>
+        </a:xfrm>
+      </p:grpSpPr>
+      <p:sp>
+        <p:nvSpPr>
+          <p:cNvPr id="2" name="Title 1"/>
+          <p:cNvSpPr>
+            <a:spLocks noGrp="1"/>
+          </p:cNvSpPr>
+          <p:nvPr>
+            <p:ph type="title"/>
+          </p:nvPr>
+        </p:nvSpPr>
+        <p:spPr>
+          <a:xfrm>
+            <a:off x="134007" y="91856"/>
+            <a:ext cx="10515600" cy="1325563"/>
+          </a:xfrm>
+        </p:spPr>
+        <p:txBody>
+          <a:bodyPr/>
+          <a:lstStyle/>
+          <a:p>
+            <a:r>
+              <a:rPr lang="en-US" dirty="0" smtClean="0"/>
+              <a:t>A simple graphics using JS</a:t>
+            </a:r>
+            <a:endParaRPr lang="en-US" dirty="0"/>
+          </a:p>
+        </p:txBody>
+      </p:sp>
+      <p:pic>
+        <p:nvPicPr>
+          <p:cNvPr id="4" name="Picture 3"/>
+          <p:cNvPicPr>
+            <a:picLocks noChangeAspect="1"/>
+          </p:cNvPicPr>
+          <p:nvPr/>
+        </p:nvPicPr>
+        <p:blipFill>
+          <a:blip r:embed="rId2"/>
+          <a:stretch>
+            <a:fillRect/>
+          </a:stretch>
+        </p:blipFill>
+        <p:spPr>
+          <a:xfrm>
+            <a:off x="4372302" y="1291295"/>
+            <a:ext cx="6477000" cy="5267325"/>
+          </a:xfrm>
+          <a:prstGeom prst="rect">
+            <a:avLst/>
+          </a:prstGeom>
+        </p:spPr>
+      </p:pic>
+    </p:spTree>
+    <p:extLst>
+      <p:ext uri="{BB962C8B-B14F-4D97-AF65-F5344CB8AC3E}">
+        <p14:creationId xmlns:p14="http://schemas.microsoft.com/office/powerpoint/2010/main" val="2501214673"/>
+      </p:ext>
+    </p:extLst>
+  </p:cSld>
+  <p:clrMapOvr>
+    <a:masterClrMapping/>
+  </p:clrMapOvr>
+</p:sld>
+</file>
+
+<file path=ppt/slides/slide36.xml><?xml version="1.0" encoding="utf-8"?>
+<p:sld xmlns:a="http://schemas.openxmlformats.org/drawingml/2006/main" xmlns:r="http://schemas.openxmlformats.org/officeDocument/2006/relationships" xmlns:p="http://schemas.openxmlformats.org/presentationml/2006/main">
+  <p:cSld>
+    <p:spTree>
+      <p:nvGrpSpPr>
+        <p:cNvPr id="1" name=""/>
+        <p:cNvGrpSpPr/>
+        <p:nvPr/>
+      </p:nvGrpSpPr>
+      <p:grpSpPr>
+        <a:xfrm>
+          <a:off x="0" y="0"/>
+          <a:ext cx="0" cy="0"/>
+          <a:chOff x="0" y="0"/>
+          <a:chExt cx="0" cy="0"/>
+        </a:xfrm>
+      </p:grpSpPr>
+      <p:sp>
+        <p:nvSpPr>
+          <p:cNvPr id="2" name="Title 1"/>
+          <p:cNvSpPr>
+            <a:spLocks noGrp="1"/>
+          </p:cNvSpPr>
+          <p:nvPr>
+            <p:ph type="title"/>
+          </p:nvPr>
+        </p:nvSpPr>
+        <p:spPr>
+          <a:xfrm>
+            <a:off x="197069" y="208947"/>
+            <a:ext cx="10515600" cy="1325563"/>
+          </a:xfrm>
+        </p:spPr>
+        <p:txBody>
+          <a:bodyPr/>
+          <a:lstStyle/>
+          <a:p>
+            <a:r>
+              <a:rPr lang="en-US" dirty="0" smtClean="0"/>
+              <a:t>Introduction to JavaScript</a:t>
+            </a:r>
+            <a:endParaRPr lang="en-US" dirty="0"/>
+          </a:p>
+        </p:txBody>
+      </p:sp>
+      <p:sp>
+        <p:nvSpPr>
+          <p:cNvPr id="3" name="Content Placeholder 2"/>
+          <p:cNvSpPr>
+            <a:spLocks noGrp="1"/>
+          </p:cNvSpPr>
+          <p:nvPr>
+            <p:ph idx="1"/>
+          </p:nvPr>
+        </p:nvSpPr>
+        <p:spPr>
+          <a:xfrm>
+            <a:off x="197069" y="1534510"/>
+            <a:ext cx="11571890" cy="5323490"/>
+          </a:xfrm>
+        </p:spPr>
+        <p:txBody>
+          <a:bodyPr>
+            <a:normAutofit/>
+          </a:bodyPr>
+          <a:lstStyle/>
+          <a:p>
+            <a:pPr algn="just"/>
+            <a:r>
+              <a:rPr lang="en-US" dirty="0"/>
+              <a:t>Create a web page with basic tags such as paragraph, heading, anchor, hyperlink</a:t>
+            </a:r>
+          </a:p>
+          <a:p>
+            <a:pPr algn="just"/>
+            <a:r>
+              <a:rPr lang="en-US" dirty="0" smtClean="0"/>
+              <a:t>Add </a:t>
+            </a:r>
+            <a:r>
+              <a:rPr lang="en-US" dirty="0"/>
+              <a:t>inline styles to each tag </a:t>
+            </a:r>
+            <a:endParaRPr lang="en-US" dirty="0" smtClean="0"/>
+          </a:p>
+          <a:p>
+            <a:pPr algn="just"/>
+            <a:r>
+              <a:rPr lang="en-US" dirty="0" smtClean="0"/>
+              <a:t>Create a div container at the top left and bottom right corner to display date and time. </a:t>
+            </a:r>
+          </a:p>
+          <a:p>
+            <a:pPr algn="just"/>
+            <a:r>
+              <a:rPr lang="en-US" dirty="0" smtClean="0"/>
+              <a:t>Create a button which changes the inner html text when clicked.</a:t>
+            </a:r>
+          </a:p>
+          <a:p>
+            <a:pPr algn="just"/>
+            <a:r>
+              <a:rPr lang="en-US" dirty="0" smtClean="0"/>
+              <a:t>Create a div container and load the image. </a:t>
+            </a:r>
+          </a:p>
+          <a:p>
+            <a:pPr lvl="1" algn="just"/>
+            <a:r>
+              <a:rPr lang="en-US" dirty="0" smtClean="0"/>
+              <a:t>Perform mouse over operation to change the image. </a:t>
+            </a:r>
+          </a:p>
+          <a:p>
+            <a:pPr lvl="1" algn="just"/>
+            <a:r>
+              <a:rPr lang="en-US" dirty="0" smtClean="0"/>
+              <a:t>Perform alert message “ Mouse near me” when the mouse is hover the image.</a:t>
+            </a:r>
+          </a:p>
+          <a:p>
+            <a:pPr lvl="1" algn="just"/>
+            <a:r>
+              <a:rPr lang="en-US" dirty="0" smtClean="0"/>
+              <a:t>Perform </a:t>
+            </a:r>
+            <a:r>
+              <a:rPr lang="en-US" dirty="0"/>
+              <a:t>alert message “ Mouse near me” when the mouse is </a:t>
+            </a:r>
+            <a:r>
+              <a:rPr lang="en-US" dirty="0" smtClean="0"/>
+              <a:t>clicked on </a:t>
+            </a:r>
+            <a:r>
+              <a:rPr lang="en-US" dirty="0"/>
+              <a:t>the image</a:t>
+            </a:r>
+            <a:r>
+              <a:rPr lang="en-US" dirty="0" smtClean="0"/>
+              <a:t>.</a:t>
+            </a:r>
+          </a:p>
+          <a:p>
+            <a:pPr lvl="1" algn="just"/>
+            <a:r>
+              <a:rPr lang="en-US" dirty="0" smtClean="0"/>
+              <a:t>When mouse is clicked change the position of the div container to the top right. </a:t>
+            </a:r>
+          </a:p>
+          <a:p>
+            <a:pPr lvl="1" algn="just"/>
+            <a:endParaRPr lang="en-US" dirty="0"/>
+          </a:p>
+          <a:p>
+            <a:pPr lvl="1" algn="just"/>
+            <a:endParaRPr lang="en-US" dirty="0" smtClean="0"/>
+          </a:p>
+          <a:p>
+            <a:pPr lvl="1" algn="just"/>
+            <a:endParaRPr lang="en-US" dirty="0"/>
+          </a:p>
+          <a:p>
+            <a:pPr algn="just"/>
+            <a:endParaRPr lang="en-US" dirty="0" smtClean="0"/>
+          </a:p>
+          <a:p>
+            <a:pPr algn="just"/>
+            <a:endParaRPr lang="en-US" dirty="0"/>
+          </a:p>
+          <a:p>
+            <a:pPr algn="just"/>
+            <a:endParaRPr lang="en-US" dirty="0"/>
+          </a:p>
+          <a:p>
+            <a:pPr algn="just"/>
+            <a:endParaRPr lang="en-US" dirty="0"/>
+          </a:p>
+          <a:p>
+            <a:pPr algn="just"/>
+            <a:endParaRPr lang="en-US" dirty="0"/>
+          </a:p>
+          <a:p>
+            <a:pPr algn="just"/>
+            <a:endParaRPr lang="en-US" dirty="0"/>
+          </a:p>
+        </p:txBody>
+      </p:sp>
+    </p:spTree>
+    <p:extLst>
+      <p:ext uri="{BB962C8B-B14F-4D97-AF65-F5344CB8AC3E}">
+        <p14:creationId xmlns:p14="http://schemas.microsoft.com/office/powerpoint/2010/main" val="975576840"/>
       </p:ext>
     </p:extLst>
   </p:cSld>
@@ -5167,15 +7817,7 @@
             </a:pPr>
             <a:r>
               <a:rPr lang="en-US" dirty="0" smtClean="0"/>
-              <a:t>Create a web page </a:t>
-            </a:r>
-            <a:r>
-              <a:rPr lang="en-US" dirty="0" smtClean="0"/>
-              <a:t>to p</a:t>
-            </a:r>
-            <a:r>
-              <a:rPr lang="en-US" dirty="0" smtClean="0"/>
-              <a:t>rint </a:t>
+              <a:t>Create a web page to print </a:t>
             </a:r>
             <a:r>
               <a:rPr lang="en-US" dirty="0"/>

--- a/WT_LAB.pptx
+++ b/WT_LAB.pptx
@@ -7275,8 +7275,8 @@
         </p:nvSpPr>
         <p:spPr>
           <a:xfrm>
-            <a:off x="197069" y="208947"/>
-            <a:ext cx="10515600" cy="1325563"/>
+            <a:off x="197068" y="208947"/>
+            <a:ext cx="11259207" cy="1325563"/>
           </a:xfrm>
         </p:spPr>
         <p:txBody>
@@ -7285,7 +7285,7 @@
           <a:p>
             <a:r>
               <a:rPr lang="en-US" dirty="0" smtClean="0"/>
-              <a:t>Introduction to JavaScript</a:t>
+              <a:t>JavaScript – Classwork Lab Practice – 30.07.2019 </a:t>
             </a:r>
             <a:endParaRPr lang="en-US" dirty="0"/>
           </a:p>

--- a/WT_LAB.pptx
+++ b/WT_LAB.pptx
@@ -7303,7 +7303,7 @@
         </p:nvSpPr>
         <p:spPr>
           <a:xfrm>
-            <a:off x="197069" y="1534510"/>
+            <a:off x="197069" y="1912872"/>
             <a:ext cx="11571890" cy="5323490"/>
           </a:xfrm>
         </p:spPr>
@@ -7444,6 +7444,13 @@
   <p:clrMapOvr>
     <a:masterClrMapping/>
   </p:clrMapOvr>
+  <p:timing>
+    <p:tnLst>
+      <p:par>
+        <p:cTn id="1" dur="indefinite" restart="never" nodeType="tmRoot"/>
+      </p:par>
+    </p:tnLst>
+  </p:timing>
 </p:sld>
 </file>
 

--- a/WT_LAB.pptx
+++ b/WT_LAB.pptx
@@ -41,6 +41,14 @@
     <p:sldId id="290" r:id="rId35"/>
     <p:sldId id="291" r:id="rId36"/>
     <p:sldId id="274" r:id="rId37"/>
+    <p:sldId id="293" r:id="rId38"/>
+    <p:sldId id="292" r:id="rId39"/>
+    <p:sldId id="294" r:id="rId40"/>
+    <p:sldId id="295" r:id="rId41"/>
+    <p:sldId id="296" r:id="rId42"/>
+    <p:sldId id="297" r:id="rId43"/>
+    <p:sldId id="298" r:id="rId44"/>
+    <p:sldId id="299" r:id="rId45"/>
   </p:sldIdLst>
   <p:sldSz cx="12192000" cy="6858000"/>
   <p:notesSz cx="6858000" cy="9144000"/>
@@ -278,7 +286,7 @@
           <a:p>
             <a:fld id="{2E5EF80D-24CF-4D6B-AE54-277F4074078B}" type="datetimeFigureOut">
               <a:rPr lang="en-US" smtClean="0"/>
-              <a:t>7/30/2019</a:t>
+              <a:t>8/6/2019</a:t>
             </a:fld>
             <a:endParaRPr lang="en-US"/>
           </a:p>
@@ -448,7 +456,7 @@
           <a:p>
             <a:fld id="{2E5EF80D-24CF-4D6B-AE54-277F4074078B}" type="datetimeFigureOut">
               <a:rPr lang="en-US" smtClean="0"/>
-              <a:t>7/30/2019</a:t>
+              <a:t>8/6/2019</a:t>
             </a:fld>
             <a:endParaRPr lang="en-US"/>
           </a:p>
@@ -628,7 +636,7 @@
           <a:p>
             <a:fld id="{2E5EF80D-24CF-4D6B-AE54-277F4074078B}" type="datetimeFigureOut">
               <a:rPr lang="en-US" smtClean="0"/>
-              <a:t>7/30/2019</a:t>
+              <a:t>8/6/2019</a:t>
             </a:fld>
             <a:endParaRPr lang="en-US"/>
           </a:p>
@@ -798,7 +806,7 @@
           <a:p>
             <a:fld id="{2E5EF80D-24CF-4D6B-AE54-277F4074078B}" type="datetimeFigureOut">
               <a:rPr lang="en-US" smtClean="0"/>
-              <a:t>7/30/2019</a:t>
+              <a:t>8/6/2019</a:t>
             </a:fld>
             <a:endParaRPr lang="en-US"/>
           </a:p>
@@ -1044,7 +1052,7 @@
           <a:p>
             <a:fld id="{2E5EF80D-24CF-4D6B-AE54-277F4074078B}" type="datetimeFigureOut">
               <a:rPr lang="en-US" smtClean="0"/>
-              <a:t>7/30/2019</a:t>
+              <a:t>8/6/2019</a:t>
             </a:fld>
             <a:endParaRPr lang="en-US"/>
           </a:p>
@@ -1276,7 +1284,7 @@
           <a:p>
             <a:fld id="{2E5EF80D-24CF-4D6B-AE54-277F4074078B}" type="datetimeFigureOut">
               <a:rPr lang="en-US" smtClean="0"/>
-              <a:t>7/30/2019</a:t>
+              <a:t>8/6/2019</a:t>
             </a:fld>
             <a:endParaRPr lang="en-US"/>
           </a:p>
@@ -1643,7 +1651,7 @@
           <a:p>
             <a:fld id="{2E5EF80D-24CF-4D6B-AE54-277F4074078B}" type="datetimeFigureOut">
               <a:rPr lang="en-US" smtClean="0"/>
-              <a:t>7/30/2019</a:t>
+              <a:t>8/6/2019</a:t>
             </a:fld>
             <a:endParaRPr lang="en-US"/>
           </a:p>
@@ -1761,7 +1769,7 @@
           <a:p>
             <a:fld id="{2E5EF80D-24CF-4D6B-AE54-277F4074078B}" type="datetimeFigureOut">
               <a:rPr lang="en-US" smtClean="0"/>
-              <a:t>7/30/2019</a:t>
+              <a:t>8/6/2019</a:t>
             </a:fld>
             <a:endParaRPr lang="en-US"/>
           </a:p>
@@ -1856,7 +1864,7 @@
           <a:p>
             <a:fld id="{2E5EF80D-24CF-4D6B-AE54-277F4074078B}" type="datetimeFigureOut">
               <a:rPr lang="en-US" smtClean="0"/>
-              <a:t>7/30/2019</a:t>
+              <a:t>8/6/2019</a:t>
             </a:fld>
             <a:endParaRPr lang="en-US"/>
           </a:p>
@@ -2133,7 +2141,7 @@
           <a:p>
             <a:fld id="{2E5EF80D-24CF-4D6B-AE54-277F4074078B}" type="datetimeFigureOut">
               <a:rPr lang="en-US" smtClean="0"/>
-              <a:t>7/30/2019</a:t>
+              <a:t>8/6/2019</a:t>
             </a:fld>
             <a:endParaRPr lang="en-US"/>
           </a:p>
@@ -2386,7 +2394,7 @@
           <a:p>
             <a:fld id="{2E5EF80D-24CF-4D6B-AE54-277F4074078B}" type="datetimeFigureOut">
               <a:rPr lang="en-US" smtClean="0"/>
-              <a:t>7/30/2019</a:t>
+              <a:t>8/6/2019</a:t>
             </a:fld>
             <a:endParaRPr lang="en-US"/>
           </a:p>
@@ -2599,7 +2607,7 @@
           <a:p>
             <a:fld id="{2E5EF80D-24CF-4D6B-AE54-277F4074078B}" type="datetimeFigureOut">
               <a:rPr lang="en-US" smtClean="0"/>
-              <a:t>7/30/2019</a:t>
+              <a:t>8/6/2019</a:t>
             </a:fld>
             <a:endParaRPr lang="en-US"/>
           </a:p>
@@ -3662,7 +3670,7 @@
         <p:spPr>
           <a:xfrm>
             <a:off x="3807311" y="6488668"/>
-            <a:ext cx="7546489" cy="369332"/>
+            <a:ext cx="5929572" cy="369332"/>
           </a:xfrm>
           <a:prstGeom prst="rect">
             <a:avLst/>
@@ -3683,7 +3691,17 @@
               <a:rPr lang="en-US" dirty="0">
                 <a:hlinkClick r:id="rId2"/>
               </a:rPr>
-              <a:t>https://github.com/sibichakkaravarthy/sibichakkaravarthy.github.io</a:t>
+              <a:t>https://</a:t>
+            </a:r>
+            <a:r>
+              <a:rPr lang="en-US" dirty="0" smtClean="0">
+                <a:hlinkClick r:id="rId2"/>
+              </a:rPr>
+              <a:t>github.com/sibichakkaravarthy/</a:t>
+            </a:r>
+            <a:r>
+              <a:rPr lang="en-US" dirty="0" smtClean="0"/>
+              <a:t>CSE4004-*</a:t>
             </a:r>
             <a:endParaRPr lang="en-US" dirty="0"/>
           </a:p>
@@ -7285,7 +7303,15 @@
           <a:p>
             <a:r>
               <a:rPr lang="en-US" dirty="0" smtClean="0"/>
-              <a:t>JavaScript – Classwork Lab Practice – 30.07.2019 </a:t>
+              <a:t>JavaScript – Classwork Lab Practice – </a:t>
+            </a:r>
+            <a:r>
+              <a:rPr lang="en-US" dirty="0" smtClean="0"/>
+              <a:t>30</a:t>
+            </a:r>
+            <a:r>
+              <a:rPr lang="en-US" dirty="0" smtClean="0"/>
+              <a:t>.07.2019 </a:t>
             </a:r>
             <a:endParaRPr lang="en-US" dirty="0"/>
           </a:p>
@@ -7303,8 +7329,8 @@
         </p:nvSpPr>
         <p:spPr>
           <a:xfrm>
-            <a:off x="197069" y="1912872"/>
-            <a:ext cx="11571890" cy="5323490"/>
+            <a:off x="197068" y="1439918"/>
+            <a:ext cx="11571890" cy="5785934"/>
           </a:xfrm>
         </p:spPr>
         <p:txBody>
@@ -7430,6 +7456,52 @@
           </a:p>
           <a:p>
             <a:pPr algn="just"/>
+            <a:endParaRPr lang="en-US" dirty="0"/>
+          </a:p>
+        </p:txBody>
+      </p:sp>
+      <p:sp>
+        <p:nvSpPr>
+          <p:cNvPr id="4" name="TextBox 3"/>
+          <p:cNvSpPr txBox="1"/>
+          <p:nvPr/>
+        </p:nvSpPr>
+        <p:spPr>
+          <a:xfrm>
+            <a:off x="3796800" y="6488668"/>
+            <a:ext cx="5929572" cy="369332"/>
+          </a:xfrm>
+          <a:prstGeom prst="rect">
+            <a:avLst/>
+          </a:prstGeom>
+          <a:noFill/>
+        </p:spPr>
+        <p:txBody>
+          <a:bodyPr wrap="none" rtlCol="0">
+            <a:spAutoFit/>
+          </a:bodyPr>
+          <a:lstStyle/>
+          <a:p>
+            <a:r>
+              <a:rPr lang="en-US" dirty="0" smtClean="0"/>
+              <a:t>Solution -&gt; </a:t>
+            </a:r>
+            <a:r>
+              <a:rPr lang="en-US" dirty="0">
+                <a:hlinkClick r:id="rId2"/>
+              </a:rPr>
+              <a:t>https://</a:t>
+            </a:r>
+            <a:r>
+              <a:rPr lang="en-US" dirty="0" smtClean="0">
+                <a:hlinkClick r:id="rId2"/>
+              </a:rPr>
+              <a:t>github.com/sibichakkaravarthy/</a:t>
+            </a:r>
+            <a:r>
+              <a:rPr lang="en-US" dirty="0" smtClean="0"/>
+              <a:t>CSE4004-*</a:t>
+            </a:r>
             <a:endParaRPr lang="en-US" dirty="0"/>
           </a:p>
         </p:txBody>
@@ -7454,6 +7526,427 @@
 </p:sld>
 </file>
 
+<file path=ppt/slides/slide37.xml><?xml version="1.0" encoding="utf-8"?>
+<p:sld xmlns:a="http://schemas.openxmlformats.org/drawingml/2006/main" xmlns:r="http://schemas.openxmlformats.org/officeDocument/2006/relationships" xmlns:p="http://schemas.openxmlformats.org/presentationml/2006/main">
+  <p:cSld>
+    <p:spTree>
+      <p:nvGrpSpPr>
+        <p:cNvPr id="1" name=""/>
+        <p:cNvGrpSpPr/>
+        <p:nvPr/>
+      </p:nvGrpSpPr>
+      <p:grpSpPr>
+        <a:xfrm>
+          <a:off x="0" y="0"/>
+          <a:ext cx="0" cy="0"/>
+          <a:chOff x="0" y="0"/>
+          <a:chExt cx="0" cy="0"/>
+        </a:xfrm>
+      </p:grpSpPr>
+      <p:sp>
+        <p:nvSpPr>
+          <p:cNvPr id="2" name="Title 1"/>
+          <p:cNvSpPr>
+            <a:spLocks noGrp="1"/>
+          </p:cNvSpPr>
+          <p:nvPr>
+            <p:ph type="title"/>
+          </p:nvPr>
+        </p:nvSpPr>
+        <p:spPr/>
+        <p:txBody>
+          <a:bodyPr/>
+          <a:lstStyle/>
+          <a:p>
+            <a:r>
+              <a:rPr lang="en-US" dirty="0"/>
+              <a:t>Create your own web server to handle and serve client request</a:t>
+            </a:r>
+          </a:p>
+        </p:txBody>
+      </p:sp>
+      <p:sp>
+        <p:nvSpPr>
+          <p:cNvPr id="3" name="Content Placeholder 2"/>
+          <p:cNvSpPr>
+            <a:spLocks noGrp="1"/>
+          </p:cNvSpPr>
+          <p:nvPr>
+            <p:ph idx="1"/>
+          </p:nvPr>
+        </p:nvSpPr>
+        <p:spPr>
+          <a:xfrm>
+            <a:off x="764627" y="2319611"/>
+            <a:ext cx="10515600" cy="4351338"/>
+          </a:xfrm>
+        </p:spPr>
+        <p:txBody>
+          <a:bodyPr>
+            <a:normAutofit/>
+          </a:bodyPr>
+          <a:lstStyle/>
+          <a:p>
+            <a:pPr marL="514350" indent="-514350">
+              <a:buFont typeface="+mj-lt"/>
+              <a:buAutoNum type="arabicPeriod"/>
+            </a:pPr>
+            <a:r>
+              <a:rPr lang="en-US" sz="3000" dirty="0" smtClean="0"/>
+              <a:t>Create a web socket</a:t>
+            </a:r>
+          </a:p>
+          <a:p>
+            <a:pPr marL="514350" indent="-514350">
+              <a:buFont typeface="+mj-lt"/>
+              <a:buAutoNum type="arabicPeriod"/>
+            </a:pPr>
+            <a:r>
+              <a:rPr lang="en-US" sz="3000" dirty="0" smtClean="0"/>
+              <a:t>Bind the socket connection using IP and Port</a:t>
+            </a:r>
+          </a:p>
+          <a:p>
+            <a:pPr marL="514350" indent="-514350">
+              <a:buFont typeface="+mj-lt"/>
+              <a:buAutoNum type="arabicPeriod"/>
+            </a:pPr>
+            <a:r>
+              <a:rPr lang="en-US" sz="3000" dirty="0" smtClean="0"/>
+              <a:t>Listen for the connection </a:t>
+            </a:r>
+          </a:p>
+          <a:p>
+            <a:pPr marL="514350" indent="-514350">
+              <a:buFont typeface="+mj-lt"/>
+              <a:buAutoNum type="arabicPeriod"/>
+            </a:pPr>
+            <a:r>
+              <a:rPr lang="en-US" sz="3000" dirty="0" smtClean="0"/>
+              <a:t>Accept the connection using connection IP and Port</a:t>
+            </a:r>
+          </a:p>
+          <a:p>
+            <a:pPr marL="514350" indent="-514350">
+              <a:buFont typeface="+mj-lt"/>
+              <a:buAutoNum type="arabicPeriod"/>
+            </a:pPr>
+            <a:r>
+              <a:rPr lang="en-US" sz="3000" dirty="0" smtClean="0"/>
+              <a:t>Receive the request </a:t>
+            </a:r>
+          </a:p>
+          <a:p>
+            <a:pPr marL="514350" indent="-514350">
+              <a:buFont typeface="+mj-lt"/>
+              <a:buAutoNum type="arabicPeriod"/>
+            </a:pPr>
+            <a:r>
+              <a:rPr lang="en-US" sz="3000" dirty="0" smtClean="0"/>
+              <a:t>Process the request and acknowledge</a:t>
+            </a:r>
+          </a:p>
+          <a:p>
+            <a:pPr marL="514350" indent="-514350">
+              <a:buFont typeface="+mj-lt"/>
+              <a:buAutoNum type="arabicPeriod"/>
+            </a:pPr>
+            <a:endParaRPr lang="en-US" sz="3000" dirty="0"/>
+          </a:p>
+        </p:txBody>
+      </p:sp>
+    </p:spTree>
+    <p:extLst>
+      <p:ext uri="{BB962C8B-B14F-4D97-AF65-F5344CB8AC3E}">
+        <p14:creationId xmlns:p14="http://schemas.microsoft.com/office/powerpoint/2010/main" val="1005626919"/>
+      </p:ext>
+    </p:extLst>
+  </p:cSld>
+  <p:clrMapOvr>
+    <a:masterClrMapping/>
+  </p:clrMapOvr>
+  <p:timing>
+    <p:tnLst>
+      <p:par>
+        <p:cTn id="1" dur="indefinite" restart="never" nodeType="tmRoot"/>
+      </p:par>
+    </p:tnLst>
+  </p:timing>
+</p:sld>
+</file>
+
+<file path=ppt/slides/slide38.xml><?xml version="1.0" encoding="utf-8"?>
+<p:sld xmlns:a="http://schemas.openxmlformats.org/drawingml/2006/main" xmlns:r="http://schemas.openxmlformats.org/officeDocument/2006/relationships" xmlns:p="http://schemas.openxmlformats.org/presentationml/2006/main">
+  <p:cSld>
+    <p:spTree>
+      <p:nvGrpSpPr>
+        <p:cNvPr id="1" name=""/>
+        <p:cNvGrpSpPr/>
+        <p:nvPr/>
+      </p:nvGrpSpPr>
+      <p:grpSpPr>
+        <a:xfrm>
+          <a:off x="0" y="0"/>
+          <a:ext cx="0" cy="0"/>
+          <a:chOff x="0" y="0"/>
+          <a:chExt cx="0" cy="0"/>
+        </a:xfrm>
+      </p:grpSpPr>
+      <p:sp>
+        <p:nvSpPr>
+          <p:cNvPr id="2" name="Title 1"/>
+          <p:cNvSpPr>
+            <a:spLocks noGrp="1"/>
+          </p:cNvSpPr>
+          <p:nvPr>
+            <p:ph type="title"/>
+          </p:nvPr>
+        </p:nvSpPr>
+        <p:spPr/>
+        <p:txBody>
+          <a:bodyPr/>
+          <a:lstStyle/>
+          <a:p>
+            <a:r>
+              <a:rPr lang="en-US" dirty="0" smtClean="0"/>
+              <a:t>Create your own web server to handle and serve client request</a:t>
+            </a:r>
+            <a:endParaRPr lang="en-US" dirty="0"/>
+          </a:p>
+        </p:txBody>
+      </p:sp>
+      <p:sp>
+        <p:nvSpPr>
+          <p:cNvPr id="3" name="Content Placeholder 2"/>
+          <p:cNvSpPr>
+            <a:spLocks noGrp="1"/>
+          </p:cNvSpPr>
+          <p:nvPr>
+            <p:ph idx="1"/>
+          </p:nvPr>
+        </p:nvSpPr>
+        <p:spPr>
+          <a:xfrm>
+            <a:off x="733096" y="2109405"/>
+            <a:ext cx="10515600" cy="4351338"/>
+          </a:xfrm>
+        </p:spPr>
+        <p:txBody>
+          <a:bodyPr/>
+          <a:lstStyle/>
+          <a:p>
+            <a:pPr algn="just"/>
+            <a:r>
+              <a:rPr lang="en-US" dirty="0" smtClean="0"/>
+              <a:t>Create a socket </a:t>
+            </a:r>
+          </a:p>
+          <a:p>
+            <a:pPr marL="0" indent="0" algn="just">
+              <a:buNone/>
+            </a:pPr>
+            <a:r>
+              <a:rPr lang="en-US" dirty="0" smtClean="0"/>
+              <a:t>(</a:t>
+            </a:r>
+            <a:r>
+              <a:rPr lang="en-US" dirty="0" err="1"/>
+              <a:t>WebSockets</a:t>
+            </a:r>
+            <a:r>
+              <a:rPr lang="en-US" dirty="0"/>
+              <a:t> provide a persistent connection between a client and server that both parties can </a:t>
+            </a:r>
+            <a:r>
+              <a:rPr lang="en-US" b="1" dirty="0"/>
+              <a:t>use</a:t>
+            </a:r>
+            <a:r>
+              <a:rPr lang="en-US" dirty="0"/>
+              <a:t> to start sending data at any time. The client establishes </a:t>
+            </a:r>
+            <a:r>
+              <a:rPr lang="en-US" dirty="0" smtClean="0"/>
+              <a:t>a </a:t>
+            </a:r>
+            <a:r>
+              <a:rPr lang="en-US" b="1" dirty="0" err="1" smtClean="0"/>
+              <a:t>WebSocket</a:t>
+            </a:r>
+            <a:r>
+              <a:rPr lang="en-US" dirty="0"/>
+              <a:t> connection through a process known as the </a:t>
+            </a:r>
+            <a:r>
+              <a:rPr lang="en-US" b="1" dirty="0" err="1"/>
+              <a:t>WebSocket</a:t>
+            </a:r>
+            <a:r>
+              <a:rPr lang="en-US" dirty="0"/>
+              <a:t> handshake. This process starts with the client sending a regular HTTP request to the </a:t>
+            </a:r>
+            <a:r>
+              <a:rPr lang="en-US" dirty="0" smtClean="0"/>
+              <a:t>server).</a:t>
+            </a:r>
+          </a:p>
+          <a:p>
+            <a:pPr algn="just"/>
+            <a:endParaRPr lang="en-US" dirty="0"/>
+          </a:p>
+        </p:txBody>
+      </p:sp>
+      <p:pic>
+        <p:nvPicPr>
+          <p:cNvPr id="5" name="Picture 4"/>
+          <p:cNvPicPr>
+            <a:picLocks noChangeAspect="1"/>
+          </p:cNvPicPr>
+          <p:nvPr/>
+        </p:nvPicPr>
+        <p:blipFill>
+          <a:blip r:embed="rId2"/>
+          <a:stretch>
+            <a:fillRect/>
+          </a:stretch>
+        </p:blipFill>
+        <p:spPr>
+          <a:xfrm>
+            <a:off x="733096" y="4793868"/>
+            <a:ext cx="10315575" cy="1666875"/>
+          </a:xfrm>
+          <a:prstGeom prst="rect">
+            <a:avLst/>
+          </a:prstGeom>
+        </p:spPr>
+      </p:pic>
+    </p:spTree>
+    <p:extLst>
+      <p:ext uri="{BB962C8B-B14F-4D97-AF65-F5344CB8AC3E}">
+        <p14:creationId xmlns:p14="http://schemas.microsoft.com/office/powerpoint/2010/main" val="2860642422"/>
+      </p:ext>
+    </p:extLst>
+  </p:cSld>
+  <p:clrMapOvr>
+    <a:masterClrMapping/>
+  </p:clrMapOvr>
+</p:sld>
+</file>
+
+<file path=ppt/slides/slide39.xml><?xml version="1.0" encoding="utf-8"?>
+<p:sld xmlns:a="http://schemas.openxmlformats.org/drawingml/2006/main" xmlns:r="http://schemas.openxmlformats.org/officeDocument/2006/relationships" xmlns:p="http://schemas.openxmlformats.org/presentationml/2006/main">
+  <p:cSld>
+    <p:spTree>
+      <p:nvGrpSpPr>
+        <p:cNvPr id="1" name=""/>
+        <p:cNvGrpSpPr/>
+        <p:nvPr/>
+      </p:nvGrpSpPr>
+      <p:grpSpPr>
+        <a:xfrm>
+          <a:off x="0" y="0"/>
+          <a:ext cx="0" cy="0"/>
+          <a:chOff x="0" y="0"/>
+          <a:chExt cx="0" cy="0"/>
+        </a:xfrm>
+      </p:grpSpPr>
+      <p:sp>
+        <p:nvSpPr>
+          <p:cNvPr id="2" name="Title 1"/>
+          <p:cNvSpPr>
+            <a:spLocks noGrp="1"/>
+          </p:cNvSpPr>
+          <p:nvPr>
+            <p:ph type="title"/>
+          </p:nvPr>
+        </p:nvSpPr>
+        <p:spPr/>
+        <p:txBody>
+          <a:bodyPr/>
+          <a:lstStyle/>
+          <a:p>
+            <a:r>
+              <a:rPr lang="en-US" dirty="0" smtClean="0"/>
+              <a:t>Binding and Listening for the connection</a:t>
+            </a:r>
+            <a:endParaRPr lang="en-US" dirty="0"/>
+          </a:p>
+        </p:txBody>
+      </p:sp>
+      <p:sp>
+        <p:nvSpPr>
+          <p:cNvPr id="3" name="Content Placeholder 2"/>
+          <p:cNvSpPr>
+            <a:spLocks noGrp="1"/>
+          </p:cNvSpPr>
+          <p:nvPr>
+            <p:ph idx="1"/>
+          </p:nvPr>
+        </p:nvSpPr>
+        <p:spPr/>
+        <p:txBody>
+          <a:bodyPr/>
+          <a:lstStyle/>
+          <a:p>
+            <a:r>
+              <a:rPr lang="en-US" dirty="0" smtClean="0"/>
+              <a:t>Binding </a:t>
+            </a:r>
+            <a:r>
+              <a:rPr lang="en-US" dirty="0"/>
+              <a:t>the socket connection using IP and </a:t>
+            </a:r>
+            <a:r>
+              <a:rPr lang="en-US" dirty="0" smtClean="0"/>
+              <a:t>Port and listening </a:t>
+            </a:r>
+            <a:r>
+              <a:rPr lang="en-US" dirty="0"/>
+              <a:t>for the connection </a:t>
+            </a:r>
+          </a:p>
+          <a:p>
+            <a:endParaRPr lang="en-US" dirty="0"/>
+          </a:p>
+        </p:txBody>
+      </p:sp>
+      <p:pic>
+        <p:nvPicPr>
+          <p:cNvPr id="4" name="Picture 3"/>
+          <p:cNvPicPr>
+            <a:picLocks noChangeAspect="1"/>
+          </p:cNvPicPr>
+          <p:nvPr/>
+        </p:nvPicPr>
+        <p:blipFill>
+          <a:blip r:embed="rId2"/>
+          <a:stretch>
+            <a:fillRect/>
+          </a:stretch>
+        </p:blipFill>
+        <p:spPr>
+          <a:xfrm>
+            <a:off x="2744514" y="3296444"/>
+            <a:ext cx="5105400" cy="704850"/>
+          </a:xfrm>
+          <a:prstGeom prst="rect">
+            <a:avLst/>
+          </a:prstGeom>
+        </p:spPr>
+      </p:pic>
+    </p:spTree>
+    <p:extLst>
+      <p:ext uri="{BB962C8B-B14F-4D97-AF65-F5344CB8AC3E}">
+        <p14:creationId xmlns:p14="http://schemas.microsoft.com/office/powerpoint/2010/main" val="633293958"/>
+      </p:ext>
+    </p:extLst>
+  </p:cSld>
+  <p:clrMapOvr>
+    <a:masterClrMapping/>
+  </p:clrMapOvr>
+</p:sld>
+</file>
+
 <file path=ppt/slides/slide4.xml><?xml version="1.0" encoding="utf-8"?>
 <p:sld xmlns:a="http://schemas.openxmlformats.org/drawingml/2006/main" xmlns:r="http://schemas.openxmlformats.org/officeDocument/2006/relationships" xmlns:p="http://schemas.openxmlformats.org/presentationml/2006/main">
   <p:cSld>
@@ -7594,6 +8087,522 @@
     <p:extLst>
       <p:ext uri="{BB962C8B-B14F-4D97-AF65-F5344CB8AC3E}">
         <p14:creationId xmlns:p14="http://schemas.microsoft.com/office/powerpoint/2010/main" val="1053549235"/>
+      </p:ext>
+    </p:extLst>
+  </p:cSld>
+  <p:clrMapOvr>
+    <a:masterClrMapping/>
+  </p:clrMapOvr>
+</p:sld>
+</file>
+
+<file path=ppt/slides/slide40.xml><?xml version="1.0" encoding="utf-8"?>
+<p:sld xmlns:a="http://schemas.openxmlformats.org/drawingml/2006/main" xmlns:r="http://schemas.openxmlformats.org/officeDocument/2006/relationships" xmlns:p="http://schemas.openxmlformats.org/presentationml/2006/main">
+  <p:cSld>
+    <p:spTree>
+      <p:nvGrpSpPr>
+        <p:cNvPr id="1" name=""/>
+        <p:cNvGrpSpPr/>
+        <p:nvPr/>
+      </p:nvGrpSpPr>
+      <p:grpSpPr>
+        <a:xfrm>
+          <a:off x="0" y="0"/>
+          <a:ext cx="0" cy="0"/>
+          <a:chOff x="0" y="0"/>
+          <a:chExt cx="0" cy="0"/>
+        </a:xfrm>
+      </p:grpSpPr>
+      <p:sp>
+        <p:nvSpPr>
+          <p:cNvPr id="2" name="Title 1"/>
+          <p:cNvSpPr>
+            <a:spLocks noGrp="1"/>
+          </p:cNvSpPr>
+          <p:nvPr>
+            <p:ph type="title"/>
+          </p:nvPr>
+        </p:nvSpPr>
+        <p:spPr/>
+        <p:txBody>
+          <a:bodyPr/>
+          <a:lstStyle/>
+          <a:p>
+            <a:r>
+              <a:rPr lang="en-US" dirty="0" smtClean="0"/>
+              <a:t>Accepting the request from the client</a:t>
+            </a:r>
+            <a:endParaRPr lang="en-US" dirty="0"/>
+          </a:p>
+        </p:txBody>
+      </p:sp>
+      <p:sp>
+        <p:nvSpPr>
+          <p:cNvPr id="3" name="Content Placeholder 2"/>
+          <p:cNvSpPr>
+            <a:spLocks noGrp="1"/>
+          </p:cNvSpPr>
+          <p:nvPr>
+            <p:ph idx="1"/>
+          </p:nvPr>
+        </p:nvSpPr>
+        <p:spPr/>
+        <p:txBody>
+          <a:bodyPr/>
+          <a:lstStyle/>
+          <a:p>
+            <a:r>
+              <a:rPr lang="en-US" dirty="0"/>
+              <a:t>Accept the connection using connection IP and Port</a:t>
+            </a:r>
+          </a:p>
+          <a:p>
+            <a:endParaRPr lang="en-US" dirty="0"/>
+          </a:p>
+        </p:txBody>
+      </p:sp>
+      <p:pic>
+        <p:nvPicPr>
+          <p:cNvPr id="4" name="Picture 3"/>
+          <p:cNvPicPr>
+            <a:picLocks noChangeAspect="1"/>
+          </p:cNvPicPr>
+          <p:nvPr/>
+        </p:nvPicPr>
+        <p:blipFill>
+          <a:blip r:embed="rId2"/>
+          <a:stretch>
+            <a:fillRect/>
+          </a:stretch>
+        </p:blipFill>
+        <p:spPr>
+          <a:xfrm>
+            <a:off x="1117545" y="2801171"/>
+            <a:ext cx="7077075" cy="561975"/>
+          </a:xfrm>
+          <a:prstGeom prst="rect">
+            <a:avLst/>
+          </a:prstGeom>
+        </p:spPr>
+      </p:pic>
+    </p:spTree>
+    <p:extLst>
+      <p:ext uri="{BB962C8B-B14F-4D97-AF65-F5344CB8AC3E}">
+        <p14:creationId xmlns:p14="http://schemas.microsoft.com/office/powerpoint/2010/main" val="4052711712"/>
+      </p:ext>
+    </p:extLst>
+  </p:cSld>
+  <p:clrMapOvr>
+    <a:masterClrMapping/>
+  </p:clrMapOvr>
+</p:sld>
+</file>
+
+<file path=ppt/slides/slide41.xml><?xml version="1.0" encoding="utf-8"?>
+<p:sld xmlns:a="http://schemas.openxmlformats.org/drawingml/2006/main" xmlns:r="http://schemas.openxmlformats.org/officeDocument/2006/relationships" xmlns:p="http://schemas.openxmlformats.org/presentationml/2006/main">
+  <p:cSld>
+    <p:spTree>
+      <p:nvGrpSpPr>
+        <p:cNvPr id="1" name=""/>
+        <p:cNvGrpSpPr/>
+        <p:nvPr/>
+      </p:nvGrpSpPr>
+      <p:grpSpPr>
+        <a:xfrm>
+          <a:off x="0" y="0"/>
+          <a:ext cx="0" cy="0"/>
+          <a:chOff x="0" y="0"/>
+          <a:chExt cx="0" cy="0"/>
+        </a:xfrm>
+      </p:grpSpPr>
+      <p:sp>
+        <p:nvSpPr>
+          <p:cNvPr id="2" name="Title 1"/>
+          <p:cNvSpPr>
+            <a:spLocks noGrp="1"/>
+          </p:cNvSpPr>
+          <p:nvPr>
+            <p:ph type="title"/>
+          </p:nvPr>
+        </p:nvSpPr>
+        <p:spPr/>
+        <p:txBody>
+          <a:bodyPr/>
+          <a:lstStyle/>
+          <a:p>
+            <a:r>
+              <a:rPr lang="en-US" dirty="0" smtClean="0"/>
+              <a:t>Serving the clients with static web page</a:t>
+            </a:r>
+            <a:endParaRPr lang="en-US" dirty="0"/>
+          </a:p>
+        </p:txBody>
+      </p:sp>
+      <p:pic>
+        <p:nvPicPr>
+          <p:cNvPr id="4" name="Picture 3"/>
+          <p:cNvPicPr>
+            <a:picLocks noChangeAspect="1"/>
+          </p:cNvPicPr>
+          <p:nvPr/>
+        </p:nvPicPr>
+        <p:blipFill>
+          <a:blip r:embed="rId2"/>
+          <a:stretch>
+            <a:fillRect/>
+          </a:stretch>
+        </p:blipFill>
+        <p:spPr>
+          <a:xfrm>
+            <a:off x="2397507" y="2137870"/>
+            <a:ext cx="6829425" cy="2876550"/>
+          </a:xfrm>
+          <a:prstGeom prst="rect">
+            <a:avLst/>
+          </a:prstGeom>
+        </p:spPr>
+      </p:pic>
+    </p:spTree>
+    <p:extLst>
+      <p:ext uri="{BB962C8B-B14F-4D97-AF65-F5344CB8AC3E}">
+        <p14:creationId xmlns:p14="http://schemas.microsoft.com/office/powerpoint/2010/main" val="3019607010"/>
+      </p:ext>
+    </p:extLst>
+  </p:cSld>
+  <p:clrMapOvr>
+    <a:masterClrMapping/>
+  </p:clrMapOvr>
+</p:sld>
+</file>
+
+<file path=ppt/slides/slide42.xml><?xml version="1.0" encoding="utf-8"?>
+<p:sld xmlns:a="http://schemas.openxmlformats.org/drawingml/2006/main" xmlns:r="http://schemas.openxmlformats.org/officeDocument/2006/relationships" xmlns:p="http://schemas.openxmlformats.org/presentationml/2006/main">
+  <p:cSld>
+    <p:spTree>
+      <p:nvGrpSpPr>
+        <p:cNvPr id="1" name=""/>
+        <p:cNvGrpSpPr/>
+        <p:nvPr/>
+      </p:nvGrpSpPr>
+      <p:grpSpPr>
+        <a:xfrm>
+          <a:off x="0" y="0"/>
+          <a:ext cx="0" cy="0"/>
+          <a:chOff x="0" y="0"/>
+          <a:chExt cx="0" cy="0"/>
+        </a:xfrm>
+      </p:grpSpPr>
+      <p:sp>
+        <p:nvSpPr>
+          <p:cNvPr id="2" name="Title 1"/>
+          <p:cNvSpPr>
+            <a:spLocks noGrp="1"/>
+          </p:cNvSpPr>
+          <p:nvPr>
+            <p:ph type="title"/>
+          </p:nvPr>
+        </p:nvSpPr>
+        <p:spPr/>
+        <p:txBody>
+          <a:bodyPr/>
+          <a:lstStyle/>
+          <a:p>
+            <a:r>
+              <a:rPr lang="en-US" dirty="0" smtClean="0"/>
+              <a:t>Closing the socket</a:t>
+            </a:r>
+            <a:endParaRPr lang="en-US" dirty="0"/>
+          </a:p>
+        </p:txBody>
+      </p:sp>
+      <p:sp>
+        <p:nvSpPr>
+          <p:cNvPr id="3" name="Content Placeholder 2"/>
+          <p:cNvSpPr>
+            <a:spLocks noGrp="1"/>
+          </p:cNvSpPr>
+          <p:nvPr>
+            <p:ph idx="1"/>
+          </p:nvPr>
+        </p:nvSpPr>
+        <p:spPr/>
+        <p:txBody>
+          <a:bodyPr/>
+          <a:lstStyle/>
+          <a:p>
+            <a:r>
+              <a:rPr lang="en-US" dirty="0" smtClean="0"/>
+              <a:t>Terminating the communication between the client and server </a:t>
+            </a:r>
+          </a:p>
+          <a:p>
+            <a:endParaRPr lang="en-US" dirty="0"/>
+          </a:p>
+        </p:txBody>
+      </p:sp>
+      <p:pic>
+        <p:nvPicPr>
+          <p:cNvPr id="4" name="Picture 3"/>
+          <p:cNvPicPr>
+            <a:picLocks noChangeAspect="1"/>
+          </p:cNvPicPr>
+          <p:nvPr/>
+        </p:nvPicPr>
+        <p:blipFill>
+          <a:blip r:embed="rId2"/>
+          <a:stretch>
+            <a:fillRect/>
+          </a:stretch>
+        </p:blipFill>
+        <p:spPr>
+          <a:xfrm>
+            <a:off x="2257425" y="2959812"/>
+            <a:ext cx="3409950" cy="581025"/>
+          </a:xfrm>
+          <a:prstGeom prst="rect">
+            <a:avLst/>
+          </a:prstGeom>
+        </p:spPr>
+      </p:pic>
+    </p:spTree>
+    <p:extLst>
+      <p:ext uri="{BB962C8B-B14F-4D97-AF65-F5344CB8AC3E}">
+        <p14:creationId xmlns:p14="http://schemas.microsoft.com/office/powerpoint/2010/main" val="3957837399"/>
+      </p:ext>
+    </p:extLst>
+  </p:cSld>
+  <p:clrMapOvr>
+    <a:masterClrMapping/>
+  </p:clrMapOvr>
+</p:sld>
+</file>
+
+<file path=ppt/slides/slide43.xml><?xml version="1.0" encoding="utf-8"?>
+<p:sld xmlns:a="http://schemas.openxmlformats.org/drawingml/2006/main" xmlns:r="http://schemas.openxmlformats.org/officeDocument/2006/relationships" xmlns:p="http://schemas.openxmlformats.org/presentationml/2006/main">
+  <p:cSld>
+    <p:spTree>
+      <p:nvGrpSpPr>
+        <p:cNvPr id="1" name=""/>
+        <p:cNvGrpSpPr/>
+        <p:nvPr/>
+      </p:nvGrpSpPr>
+      <p:grpSpPr>
+        <a:xfrm>
+          <a:off x="0" y="0"/>
+          <a:ext cx="0" cy="0"/>
+          <a:chOff x="0" y="0"/>
+          <a:chExt cx="0" cy="0"/>
+        </a:xfrm>
+      </p:grpSpPr>
+      <p:sp>
+        <p:nvSpPr>
+          <p:cNvPr id="2" name="Title 1"/>
+          <p:cNvSpPr>
+            <a:spLocks noGrp="1"/>
+          </p:cNvSpPr>
+          <p:nvPr>
+            <p:ph type="title"/>
+          </p:nvPr>
+        </p:nvSpPr>
+        <p:spPr>
+          <a:xfrm>
+            <a:off x="524203" y="375635"/>
+            <a:ext cx="11143593" cy="1325563"/>
+          </a:xfrm>
+        </p:spPr>
+        <p:txBody>
+          <a:bodyPr/>
+          <a:lstStyle/>
+          <a:p>
+            <a:pPr algn="just"/>
+            <a:r>
+              <a:rPr lang="en-US" dirty="0"/>
+              <a:t>Create your own web server to </a:t>
+            </a:r>
+            <a:r>
+              <a:rPr lang="en-US" dirty="0" smtClean="0"/>
+              <a:t>listen continuously and handle all the client </a:t>
+            </a:r>
+            <a:r>
+              <a:rPr lang="en-US" dirty="0"/>
+              <a:t>request</a:t>
+            </a:r>
+          </a:p>
+        </p:txBody>
+      </p:sp>
+      <p:sp>
+        <p:nvSpPr>
+          <p:cNvPr id="3" name="Content Placeholder 2"/>
+          <p:cNvSpPr>
+            <a:spLocks noGrp="1"/>
+          </p:cNvSpPr>
+          <p:nvPr>
+            <p:ph idx="1"/>
+          </p:nvPr>
+        </p:nvSpPr>
+        <p:spPr/>
+        <p:txBody>
+          <a:bodyPr/>
+          <a:lstStyle/>
+          <a:p>
+            <a:endParaRPr lang="en-US" dirty="0"/>
+          </a:p>
+        </p:txBody>
+      </p:sp>
+    </p:spTree>
+    <p:extLst>
+      <p:ext uri="{BB962C8B-B14F-4D97-AF65-F5344CB8AC3E}">
+        <p14:creationId xmlns:p14="http://schemas.microsoft.com/office/powerpoint/2010/main" val="3292639264"/>
+      </p:ext>
+    </p:extLst>
+  </p:cSld>
+  <p:clrMapOvr>
+    <a:masterClrMapping/>
+  </p:clrMapOvr>
+</p:sld>
+</file>
+
+<file path=ppt/slides/slide44.xml><?xml version="1.0" encoding="utf-8"?>
+<p:sld xmlns:a="http://schemas.openxmlformats.org/drawingml/2006/main" xmlns:r="http://schemas.openxmlformats.org/officeDocument/2006/relationships" xmlns:p="http://schemas.openxmlformats.org/presentationml/2006/main">
+  <p:cSld>
+    <p:spTree>
+      <p:nvGrpSpPr>
+        <p:cNvPr id="1" name=""/>
+        <p:cNvGrpSpPr/>
+        <p:nvPr/>
+      </p:nvGrpSpPr>
+      <p:grpSpPr>
+        <a:xfrm>
+          <a:off x="0" y="0"/>
+          <a:ext cx="0" cy="0"/>
+          <a:chOff x="0" y="0"/>
+          <a:chExt cx="0" cy="0"/>
+        </a:xfrm>
+      </p:grpSpPr>
+      <p:sp>
+        <p:nvSpPr>
+          <p:cNvPr id="2" name="Title 1"/>
+          <p:cNvSpPr>
+            <a:spLocks noGrp="1"/>
+          </p:cNvSpPr>
+          <p:nvPr>
+            <p:ph type="title"/>
+          </p:nvPr>
+        </p:nvSpPr>
+        <p:spPr>
+          <a:xfrm>
+            <a:off x="283779" y="115613"/>
+            <a:ext cx="11939752" cy="1325563"/>
+          </a:xfrm>
+        </p:spPr>
+        <p:txBody>
+          <a:bodyPr/>
+          <a:lstStyle/>
+          <a:p>
+            <a:r>
+              <a:rPr lang="en-US" dirty="0" smtClean="0"/>
+              <a:t>JS,HTML,CSS </a:t>
+            </a:r>
+            <a:r>
+              <a:rPr lang="en-US" dirty="0"/>
+              <a:t>– Classwork Lab Practice – 06.08.2019 </a:t>
+            </a:r>
+          </a:p>
+        </p:txBody>
+      </p:sp>
+      <p:sp>
+        <p:nvSpPr>
+          <p:cNvPr id="3" name="Content Placeholder 2"/>
+          <p:cNvSpPr>
+            <a:spLocks noGrp="1"/>
+          </p:cNvSpPr>
+          <p:nvPr>
+            <p:ph idx="1"/>
+          </p:nvPr>
+        </p:nvSpPr>
+        <p:spPr>
+          <a:xfrm>
+            <a:off x="567559" y="1825624"/>
+            <a:ext cx="11372193" cy="4816913"/>
+          </a:xfrm>
+        </p:spPr>
+        <p:txBody>
+          <a:bodyPr>
+            <a:normAutofit/>
+          </a:bodyPr>
+          <a:lstStyle/>
+          <a:p>
+            <a:r>
+              <a:rPr lang="en-US" dirty="0" smtClean="0"/>
+              <a:t>Design a form as given</a:t>
+            </a:r>
+          </a:p>
+          <a:p>
+            <a:pPr marL="0" indent="0">
+              <a:buNone/>
+            </a:pPr>
+            <a:r>
+              <a:rPr lang="en-US" dirty="0" smtClean="0"/>
+              <a:t>(With proper margin) </a:t>
+            </a:r>
+          </a:p>
+          <a:p>
+            <a:endParaRPr lang="en-US" dirty="0"/>
+          </a:p>
+          <a:p>
+            <a:r>
+              <a:rPr lang="en-US" dirty="0" smtClean="0"/>
+              <a:t>On clicked the input text box should be highlighted</a:t>
+            </a:r>
+          </a:p>
+          <a:p>
+            <a:r>
+              <a:rPr lang="en-US" dirty="0" smtClean="0"/>
+              <a:t>On button click validate for bad username and password and highlight the same.</a:t>
+            </a:r>
+          </a:p>
+          <a:p>
+            <a:r>
+              <a:rPr lang="en-US" dirty="0" smtClean="0"/>
+              <a:t>Create another button on the middle of view port (use box model for button positioning)</a:t>
+            </a:r>
+          </a:p>
+          <a:p>
+            <a:r>
+              <a:rPr lang="en-US" dirty="0" smtClean="0"/>
+              <a:t>On button click retrieve the location </a:t>
+            </a:r>
+            <a:endParaRPr lang="en-US" dirty="0"/>
+          </a:p>
+        </p:txBody>
+      </p:sp>
+      <p:pic>
+        <p:nvPicPr>
+          <p:cNvPr id="5" name="Picture 4"/>
+          <p:cNvPicPr>
+            <a:picLocks noChangeAspect="1"/>
+          </p:cNvPicPr>
+          <p:nvPr/>
+        </p:nvPicPr>
+        <p:blipFill rotWithShape="1">
+          <a:blip r:embed="rId2"/>
+          <a:srcRect l="6147" t="3943" r="6471" b="10529"/>
+          <a:stretch/>
+        </p:blipFill>
+        <p:spPr>
+          <a:xfrm>
+            <a:off x="4708634" y="1282262"/>
+            <a:ext cx="3867807" cy="2102070"/>
+          </a:xfrm>
+          <a:prstGeom prst="rect">
+            <a:avLst/>
+          </a:prstGeom>
+        </p:spPr>
+      </p:pic>
+    </p:spTree>
+    <p:extLst>
+      <p:ext uri="{BB962C8B-B14F-4D97-AF65-F5344CB8AC3E}">
+        <p14:creationId xmlns:p14="http://schemas.microsoft.com/office/powerpoint/2010/main" val="1889856"/>
       </p:ext>
     </p:extLst>
   </p:cSld>

--- a/WT_LAB.pptx
+++ b/WT_LAB.pptx
@@ -49,6 +49,9 @@
     <p:sldId id="297" r:id="rId43"/>
     <p:sldId id="298" r:id="rId44"/>
     <p:sldId id="299" r:id="rId45"/>
+    <p:sldId id="300" r:id="rId46"/>
+    <p:sldId id="301" r:id="rId47"/>
+    <p:sldId id="302" r:id="rId48"/>
   </p:sldIdLst>
   <p:sldSz cx="12192000" cy="6858000"/>
   <p:notesSz cx="6858000" cy="9144000"/>
@@ -286,7 +289,7 @@
           <a:p>
             <a:fld id="{2E5EF80D-24CF-4D6B-AE54-277F4074078B}" type="datetimeFigureOut">
               <a:rPr lang="en-US" smtClean="0"/>
-              <a:t>8/6/2019</a:t>
+              <a:t>8/27/2019</a:t>
             </a:fld>
             <a:endParaRPr lang="en-US"/>
           </a:p>
@@ -456,7 +459,7 @@
           <a:p>
             <a:fld id="{2E5EF80D-24CF-4D6B-AE54-277F4074078B}" type="datetimeFigureOut">
               <a:rPr lang="en-US" smtClean="0"/>
-              <a:t>8/6/2019</a:t>
+              <a:t>8/27/2019</a:t>
             </a:fld>
             <a:endParaRPr lang="en-US"/>
           </a:p>
@@ -636,7 +639,7 @@
           <a:p>
             <a:fld id="{2E5EF80D-24CF-4D6B-AE54-277F4074078B}" type="datetimeFigureOut">
               <a:rPr lang="en-US" smtClean="0"/>
-              <a:t>8/6/2019</a:t>
+              <a:t>8/27/2019</a:t>
             </a:fld>
             <a:endParaRPr lang="en-US"/>
           </a:p>
@@ -806,7 +809,7 @@
           <a:p>
             <a:fld id="{2E5EF80D-24CF-4D6B-AE54-277F4074078B}" type="datetimeFigureOut">
               <a:rPr lang="en-US" smtClean="0"/>
-              <a:t>8/6/2019</a:t>
+              <a:t>8/27/2019</a:t>
             </a:fld>
             <a:endParaRPr lang="en-US"/>
           </a:p>
@@ -1052,7 +1055,7 @@
           <a:p>
             <a:fld id="{2E5EF80D-24CF-4D6B-AE54-277F4074078B}" type="datetimeFigureOut">
               <a:rPr lang="en-US" smtClean="0"/>
-              <a:t>8/6/2019</a:t>
+              <a:t>8/27/2019</a:t>
             </a:fld>
             <a:endParaRPr lang="en-US"/>
           </a:p>
@@ -1284,7 +1287,7 @@
           <a:p>
             <a:fld id="{2E5EF80D-24CF-4D6B-AE54-277F4074078B}" type="datetimeFigureOut">
               <a:rPr lang="en-US" smtClean="0"/>
-              <a:t>8/6/2019</a:t>
+              <a:t>8/27/2019</a:t>
             </a:fld>
             <a:endParaRPr lang="en-US"/>
           </a:p>
@@ -1651,7 +1654,7 @@
           <a:p>
             <a:fld id="{2E5EF80D-24CF-4D6B-AE54-277F4074078B}" type="datetimeFigureOut">
               <a:rPr lang="en-US" smtClean="0"/>
-              <a:t>8/6/2019</a:t>
+              <a:t>8/27/2019</a:t>
             </a:fld>
             <a:endParaRPr lang="en-US"/>
           </a:p>
@@ -1769,7 +1772,7 @@
           <a:p>
             <a:fld id="{2E5EF80D-24CF-4D6B-AE54-277F4074078B}" type="datetimeFigureOut">
               <a:rPr lang="en-US" smtClean="0"/>
-              <a:t>8/6/2019</a:t>
+              <a:t>8/27/2019</a:t>
             </a:fld>
             <a:endParaRPr lang="en-US"/>
           </a:p>
@@ -1864,7 +1867,7 @@
           <a:p>
             <a:fld id="{2E5EF80D-24CF-4D6B-AE54-277F4074078B}" type="datetimeFigureOut">
               <a:rPr lang="en-US" smtClean="0"/>
-              <a:t>8/6/2019</a:t>
+              <a:t>8/27/2019</a:t>
             </a:fld>
             <a:endParaRPr lang="en-US"/>
           </a:p>
@@ -2141,7 +2144,7 @@
           <a:p>
             <a:fld id="{2E5EF80D-24CF-4D6B-AE54-277F4074078B}" type="datetimeFigureOut">
               <a:rPr lang="en-US" smtClean="0"/>
-              <a:t>8/6/2019</a:t>
+              <a:t>8/27/2019</a:t>
             </a:fld>
             <a:endParaRPr lang="en-US"/>
           </a:p>
@@ -2394,7 +2397,7 @@
           <a:p>
             <a:fld id="{2E5EF80D-24CF-4D6B-AE54-277F4074078B}" type="datetimeFigureOut">
               <a:rPr lang="en-US" smtClean="0"/>
-              <a:t>8/6/2019</a:t>
+              <a:t>8/27/2019</a:t>
             </a:fld>
             <a:endParaRPr lang="en-US"/>
           </a:p>
@@ -2607,7 +2610,7 @@
           <a:p>
             <a:fld id="{2E5EF80D-24CF-4D6B-AE54-277F4074078B}" type="datetimeFigureOut">
               <a:rPr lang="en-US" smtClean="0"/>
-              <a:t>8/6/2019</a:t>
+              <a:t>8/27/2019</a:t>
             </a:fld>
             <a:endParaRPr lang="en-US"/>
           </a:p>
@@ -7303,15 +7306,7 @@
           <a:p>
             <a:r>
               <a:rPr lang="en-US" dirty="0" smtClean="0"/>
-              <a:t>JavaScript – Classwork Lab Practice – </a:t>
-            </a:r>
-            <a:r>
-              <a:rPr lang="en-US" dirty="0" smtClean="0"/>
-              <a:t>30</a:t>
-            </a:r>
-            <a:r>
-              <a:rPr lang="en-US" dirty="0" smtClean="0"/>
-              <a:t>.07.2019 </a:t>
+              <a:t>JavaScript – Classwork Lab Practice – 30.07.2019 </a:t>
             </a:r>
             <a:endParaRPr lang="en-US" dirty="0"/>
           </a:p>
@@ -8603,6 +8598,504 @@
     <p:extLst>
       <p:ext uri="{BB962C8B-B14F-4D97-AF65-F5344CB8AC3E}">
         <p14:creationId xmlns:p14="http://schemas.microsoft.com/office/powerpoint/2010/main" val="1889856"/>
+      </p:ext>
+    </p:extLst>
+  </p:cSld>
+  <p:clrMapOvr>
+    <a:masterClrMapping/>
+  </p:clrMapOvr>
+</p:sld>
+</file>
+
+<file path=ppt/slides/slide45.xml><?xml version="1.0" encoding="utf-8"?>
+<p:sld xmlns:a="http://schemas.openxmlformats.org/drawingml/2006/main" xmlns:r="http://schemas.openxmlformats.org/officeDocument/2006/relationships" xmlns:p="http://schemas.openxmlformats.org/presentationml/2006/main">
+  <p:cSld>
+    <p:spTree>
+      <p:nvGrpSpPr>
+        <p:cNvPr id="1" name=""/>
+        <p:cNvGrpSpPr/>
+        <p:nvPr/>
+      </p:nvGrpSpPr>
+      <p:grpSpPr>
+        <a:xfrm>
+          <a:off x="0" y="0"/>
+          <a:ext cx="0" cy="0"/>
+          <a:chOff x="0" y="0"/>
+          <a:chExt cx="0" cy="0"/>
+        </a:xfrm>
+      </p:grpSpPr>
+      <p:sp>
+        <p:nvSpPr>
+          <p:cNvPr id="2" name="Title 1"/>
+          <p:cNvSpPr>
+            <a:spLocks noGrp="1"/>
+          </p:cNvSpPr>
+          <p:nvPr>
+            <p:ph type="title"/>
+          </p:nvPr>
+        </p:nvSpPr>
+        <p:spPr/>
+        <p:txBody>
+          <a:bodyPr/>
+          <a:lstStyle/>
+          <a:p>
+            <a:r>
+              <a:rPr lang="en-US" dirty="0" smtClean="0"/>
+              <a:t>Data representation – Classwork lab practice – 27.08.2019</a:t>
+            </a:r>
+            <a:endParaRPr lang="en-US" dirty="0"/>
+          </a:p>
+        </p:txBody>
+      </p:sp>
+      <p:sp>
+        <p:nvSpPr>
+          <p:cNvPr id="3" name="Content Placeholder 2"/>
+          <p:cNvSpPr>
+            <a:spLocks noGrp="1"/>
+          </p:cNvSpPr>
+          <p:nvPr>
+            <p:ph idx="1"/>
+          </p:nvPr>
+        </p:nvSpPr>
+        <p:spPr/>
+        <p:txBody>
+          <a:bodyPr/>
+          <a:lstStyle/>
+          <a:p>
+            <a:pPr algn="just"/>
+            <a:r>
+              <a:rPr lang="en-US" dirty="0" smtClean="0"/>
+              <a:t>Design a web application to retrieve the weather data from </a:t>
+            </a:r>
+            <a:r>
+              <a:rPr lang="en-US" dirty="0" smtClean="0">
+                <a:hlinkClick r:id="rId2"/>
+              </a:rPr>
+              <a:t>https</a:t>
+            </a:r>
+            <a:r>
+              <a:rPr lang="en-US" dirty="0">
+                <a:hlinkClick r:id="rId2"/>
+              </a:rPr>
+              <a:t>://</a:t>
+            </a:r>
+            <a:r>
+              <a:rPr lang="en-US" dirty="0" smtClean="0">
+                <a:hlinkClick r:id="rId2"/>
+              </a:rPr>
+              <a:t>openweathermap.org</a:t>
+            </a:r>
+            <a:endParaRPr lang="en-US" dirty="0" smtClean="0"/>
+          </a:p>
+          <a:p>
+            <a:pPr algn="just"/>
+            <a:r>
+              <a:rPr lang="en-US" dirty="0" smtClean="0"/>
+              <a:t>Task 1: </a:t>
+            </a:r>
+          </a:p>
+          <a:p>
+            <a:pPr lvl="1" algn="just"/>
+            <a:r>
+              <a:rPr lang="en-US" dirty="0" smtClean="0"/>
+              <a:t>Draw a vertical line to split the web page into two verticals.</a:t>
+            </a:r>
+          </a:p>
+          <a:p>
+            <a:pPr lvl="1" algn="just"/>
+            <a:r>
+              <a:rPr lang="en-US" dirty="0" smtClean="0"/>
+              <a:t>Retrieve the city name and coordinates (use forecast </a:t>
+            </a:r>
+            <a:r>
+              <a:rPr lang="en-US" dirty="0"/>
+              <a:t>id</a:t>
+            </a:r>
+            <a:r>
+              <a:rPr lang="en-US" dirty="0" smtClean="0"/>
+              <a:t>)</a:t>
+            </a:r>
+            <a:endParaRPr lang="en-US" dirty="0"/>
+          </a:p>
+          <a:p>
+            <a:pPr lvl="1" algn="just"/>
+            <a:r>
+              <a:rPr lang="en-US" dirty="0" smtClean="0"/>
+              <a:t>Create </a:t>
+            </a:r>
+            <a:r>
+              <a:rPr lang="en-US" dirty="0"/>
+              <a:t>a table and display </a:t>
+            </a:r>
+            <a:r>
+              <a:rPr lang="en-US" dirty="0" smtClean="0"/>
+              <a:t>Vijayawada </a:t>
+            </a:r>
+            <a:r>
+              <a:rPr lang="en-US" dirty="0"/>
+              <a:t>&amp; Mumbai weather (use current weather data and forecast id</a:t>
+            </a:r>
+            <a:r>
+              <a:rPr lang="en-US" dirty="0" smtClean="0"/>
+              <a:t>)</a:t>
+            </a:r>
+          </a:p>
+          <a:p>
+            <a:pPr algn="just"/>
+            <a:endParaRPr lang="en-US" dirty="0" smtClean="0"/>
+          </a:p>
+          <a:p>
+            <a:pPr algn="just"/>
+            <a:r>
+              <a:rPr lang="en-US" dirty="0" smtClean="0"/>
+              <a:t>Note: Use </a:t>
+            </a:r>
+            <a:r>
+              <a:rPr lang="en-US" dirty="0" err="1" smtClean="0"/>
+              <a:t>json</a:t>
+            </a:r>
+            <a:r>
+              <a:rPr lang="en-US" dirty="0" smtClean="0"/>
+              <a:t> formatters to format </a:t>
+            </a:r>
+            <a:r>
+              <a:rPr lang="en-US" dirty="0" err="1" smtClean="0"/>
+              <a:t>json</a:t>
+            </a:r>
+            <a:r>
+              <a:rPr lang="en-US" dirty="0" smtClean="0"/>
+              <a:t> data for better visualization.</a:t>
+            </a:r>
+            <a:endParaRPr lang="en-US" dirty="0"/>
+          </a:p>
+          <a:p>
+            <a:pPr algn="just"/>
+            <a:endParaRPr lang="en-US" dirty="0" smtClean="0"/>
+          </a:p>
+          <a:p>
+            <a:pPr algn="just"/>
+            <a:endParaRPr lang="en-US" dirty="0" smtClean="0"/>
+          </a:p>
+          <a:p>
+            <a:pPr algn="just"/>
+            <a:endParaRPr lang="en-US" dirty="0"/>
+          </a:p>
+        </p:txBody>
+      </p:sp>
+    </p:spTree>
+    <p:extLst>
+      <p:ext uri="{BB962C8B-B14F-4D97-AF65-F5344CB8AC3E}">
+        <p14:creationId xmlns:p14="http://schemas.microsoft.com/office/powerpoint/2010/main" val="229114516"/>
+      </p:ext>
+    </p:extLst>
+  </p:cSld>
+  <p:clrMapOvr>
+    <a:masterClrMapping/>
+  </p:clrMapOvr>
+</p:sld>
+</file>
+
+<file path=ppt/slides/slide46.xml><?xml version="1.0" encoding="utf-8"?>
+<p:sld xmlns:a="http://schemas.openxmlformats.org/drawingml/2006/main" xmlns:r="http://schemas.openxmlformats.org/officeDocument/2006/relationships" xmlns:p="http://schemas.openxmlformats.org/presentationml/2006/main">
+  <p:cSld>
+    <p:spTree>
+      <p:nvGrpSpPr>
+        <p:cNvPr id="1" name=""/>
+        <p:cNvGrpSpPr/>
+        <p:nvPr/>
+      </p:nvGrpSpPr>
+      <p:grpSpPr>
+        <a:xfrm>
+          <a:off x="0" y="0"/>
+          <a:ext cx="0" cy="0"/>
+          <a:chOff x="0" y="0"/>
+          <a:chExt cx="0" cy="0"/>
+        </a:xfrm>
+      </p:grpSpPr>
+      <p:sp>
+        <p:nvSpPr>
+          <p:cNvPr id="2" name="Title 1"/>
+          <p:cNvSpPr>
+            <a:spLocks noGrp="1"/>
+          </p:cNvSpPr>
+          <p:nvPr>
+            <p:ph type="title"/>
+          </p:nvPr>
+        </p:nvSpPr>
+        <p:spPr>
+          <a:xfrm>
+            <a:off x="575440" y="407166"/>
+            <a:ext cx="11070021" cy="1325563"/>
+          </a:xfrm>
+        </p:spPr>
+        <p:txBody>
+          <a:bodyPr/>
+          <a:lstStyle/>
+          <a:p>
+            <a:r>
+              <a:rPr lang="en-US" dirty="0" smtClean="0"/>
+              <a:t>Data representation – Classwork lab practice – 03.09.2019</a:t>
+            </a:r>
+            <a:endParaRPr lang="en-US" dirty="0"/>
+          </a:p>
+        </p:txBody>
+      </p:sp>
+      <p:sp>
+        <p:nvSpPr>
+          <p:cNvPr id="3" name="Content Placeholder 2"/>
+          <p:cNvSpPr>
+            <a:spLocks noGrp="1"/>
+          </p:cNvSpPr>
+          <p:nvPr>
+            <p:ph idx="1"/>
+          </p:nvPr>
+        </p:nvSpPr>
+        <p:spPr>
+          <a:xfrm>
+            <a:off x="399393" y="2060028"/>
+            <a:ext cx="11498317" cy="4582510"/>
+          </a:xfrm>
+        </p:spPr>
+        <p:txBody>
+          <a:bodyPr/>
+          <a:lstStyle/>
+          <a:p>
+            <a:pPr algn="just"/>
+            <a:r>
+              <a:rPr lang="en-US" sz="3000" dirty="0" smtClean="0"/>
+              <a:t>Design a web application to retrieve the weather data from </a:t>
+            </a:r>
+            <a:r>
+              <a:rPr lang="en-US" sz="3000" dirty="0" smtClean="0">
+                <a:hlinkClick r:id="rId2"/>
+              </a:rPr>
+              <a:t>https</a:t>
+            </a:r>
+            <a:r>
+              <a:rPr lang="en-US" sz="3000" dirty="0">
+                <a:hlinkClick r:id="rId2"/>
+              </a:rPr>
+              <a:t>://</a:t>
+            </a:r>
+            <a:r>
+              <a:rPr lang="en-US" sz="3000" dirty="0" smtClean="0">
+                <a:hlinkClick r:id="rId2"/>
+              </a:rPr>
+              <a:t>openweathermap.org</a:t>
+            </a:r>
+            <a:endParaRPr lang="en-US" sz="3000" dirty="0" smtClean="0"/>
+          </a:p>
+          <a:p>
+            <a:pPr algn="just"/>
+            <a:r>
+              <a:rPr lang="en-US" sz="3000" dirty="0" smtClean="0"/>
+              <a:t>Task 2: </a:t>
+            </a:r>
+          </a:p>
+          <a:p>
+            <a:pPr lvl="1" algn="just"/>
+            <a:r>
+              <a:rPr lang="en-US" sz="3000" dirty="0" smtClean="0"/>
+              <a:t>Integrate google map </a:t>
+            </a:r>
+            <a:r>
+              <a:rPr lang="en-US" sz="3000" dirty="0" err="1" smtClean="0"/>
+              <a:t>api</a:t>
+            </a:r>
+            <a:r>
+              <a:rPr lang="en-US" sz="3000" dirty="0" smtClean="0"/>
+              <a:t>.</a:t>
+            </a:r>
+          </a:p>
+          <a:p>
+            <a:pPr lvl="1" algn="just"/>
+            <a:r>
+              <a:rPr lang="en-US" sz="3000" dirty="0" smtClean="0"/>
+              <a:t>Retrieve the city name and coordinates (use forecast </a:t>
+            </a:r>
+            <a:r>
+              <a:rPr lang="en-US" sz="3000" dirty="0"/>
+              <a:t>id</a:t>
+            </a:r>
+            <a:r>
+              <a:rPr lang="en-US" sz="3000" dirty="0" smtClean="0"/>
+              <a:t>)</a:t>
+            </a:r>
+            <a:endParaRPr lang="en-US" sz="3000" dirty="0"/>
+          </a:p>
+          <a:p>
+            <a:pPr lvl="1" algn="just"/>
+            <a:r>
+              <a:rPr lang="en-US" sz="3000" dirty="0" smtClean="0"/>
+              <a:t>Retrieve the icon from </a:t>
+            </a:r>
+            <a:r>
+              <a:rPr lang="en-US" sz="3000" dirty="0" err="1" smtClean="0"/>
+              <a:t>openweathermap</a:t>
+            </a:r>
+            <a:r>
+              <a:rPr lang="en-US" sz="3000" dirty="0" smtClean="0"/>
+              <a:t> and plot the weather conditions (use icons from </a:t>
+            </a:r>
+            <a:r>
+              <a:rPr lang="en-US" sz="3000" dirty="0" err="1" smtClean="0"/>
+              <a:t>openweathermap</a:t>
+            </a:r>
+            <a:r>
+              <a:rPr lang="en-US" sz="3000" dirty="0" smtClean="0"/>
+              <a:t>)</a:t>
+            </a:r>
+          </a:p>
+          <a:p>
+            <a:pPr algn="just"/>
+            <a:endParaRPr lang="en-US" dirty="0" smtClean="0"/>
+          </a:p>
+          <a:p>
+            <a:pPr algn="just"/>
+            <a:endParaRPr lang="en-US" dirty="0" smtClean="0"/>
+          </a:p>
+          <a:p>
+            <a:pPr algn="just"/>
+            <a:endParaRPr lang="en-US" dirty="0" smtClean="0"/>
+          </a:p>
+          <a:p>
+            <a:pPr algn="just"/>
+            <a:endParaRPr lang="en-US" dirty="0"/>
+          </a:p>
+        </p:txBody>
+      </p:sp>
+    </p:spTree>
+    <p:extLst>
+      <p:ext uri="{BB962C8B-B14F-4D97-AF65-F5344CB8AC3E}">
+        <p14:creationId xmlns:p14="http://schemas.microsoft.com/office/powerpoint/2010/main" val="1835489992"/>
+      </p:ext>
+    </p:extLst>
+  </p:cSld>
+  <p:clrMapOvr>
+    <a:masterClrMapping/>
+  </p:clrMapOvr>
+</p:sld>
+</file>
+
+<file path=ppt/slides/slide47.xml><?xml version="1.0" encoding="utf-8"?>
+<p:sld xmlns:a="http://schemas.openxmlformats.org/drawingml/2006/main" xmlns:r="http://schemas.openxmlformats.org/officeDocument/2006/relationships" xmlns:p="http://schemas.openxmlformats.org/presentationml/2006/main">
+  <p:cSld>
+    <p:spTree>
+      <p:nvGrpSpPr>
+        <p:cNvPr id="1" name=""/>
+        <p:cNvGrpSpPr/>
+        <p:nvPr/>
+      </p:nvGrpSpPr>
+      <p:grpSpPr>
+        <a:xfrm>
+          <a:off x="0" y="0"/>
+          <a:ext cx="0" cy="0"/>
+          <a:chOff x="0" y="0"/>
+          <a:chExt cx="0" cy="0"/>
+        </a:xfrm>
+      </p:grpSpPr>
+      <p:sp>
+        <p:nvSpPr>
+          <p:cNvPr id="2" name="Title 1"/>
+          <p:cNvSpPr>
+            <a:spLocks noGrp="1"/>
+          </p:cNvSpPr>
+          <p:nvPr>
+            <p:ph type="title"/>
+          </p:nvPr>
+        </p:nvSpPr>
+        <p:spPr>
+          <a:xfrm>
+            <a:off x="0" y="0"/>
+            <a:ext cx="10515600" cy="1325563"/>
+          </a:xfrm>
+        </p:spPr>
+        <p:txBody>
+          <a:bodyPr/>
+          <a:lstStyle/>
+          <a:p>
+            <a:r>
+              <a:rPr lang="en-US" dirty="0"/>
+              <a:t>Sample output</a:t>
+            </a:r>
+          </a:p>
+        </p:txBody>
+      </p:sp>
+      <p:pic>
+        <p:nvPicPr>
+          <p:cNvPr id="5" name="Picture 4"/>
+          <p:cNvPicPr>
+            <a:picLocks noChangeAspect="1"/>
+          </p:cNvPicPr>
+          <p:nvPr/>
+        </p:nvPicPr>
+        <p:blipFill rotWithShape="1">
+          <a:blip r:embed="rId2"/>
+          <a:srcRect l="12128" t="17098" r="16626"/>
+          <a:stretch/>
+        </p:blipFill>
+        <p:spPr>
+          <a:xfrm>
+            <a:off x="134008" y="1239542"/>
+            <a:ext cx="5822731" cy="2847773"/>
+          </a:xfrm>
+          <a:prstGeom prst="rect">
+            <a:avLst/>
+          </a:prstGeom>
+        </p:spPr>
+      </p:pic>
+      <p:pic>
+        <p:nvPicPr>
+          <p:cNvPr id="10" name="Picture 9"/>
+          <p:cNvPicPr>
+            <a:picLocks noChangeAspect="1"/>
+          </p:cNvPicPr>
+          <p:nvPr/>
+        </p:nvPicPr>
+        <p:blipFill>
+          <a:blip r:embed="rId3"/>
+          <a:stretch>
+            <a:fillRect/>
+          </a:stretch>
+        </p:blipFill>
+        <p:spPr>
+          <a:xfrm>
+            <a:off x="6090746" y="1239542"/>
+            <a:ext cx="5816901" cy="5455548"/>
+          </a:xfrm>
+          <a:prstGeom prst="rect">
+            <a:avLst/>
+          </a:prstGeom>
+        </p:spPr>
+      </p:pic>
+      <p:pic>
+        <p:nvPicPr>
+          <p:cNvPr id="11" name="Picture 10"/>
+          <p:cNvPicPr>
+            <a:picLocks noChangeAspect="1"/>
+          </p:cNvPicPr>
+          <p:nvPr/>
+        </p:nvPicPr>
+        <p:blipFill>
+          <a:blip r:embed="rId4"/>
+          <a:stretch>
+            <a:fillRect/>
+          </a:stretch>
+        </p:blipFill>
+        <p:spPr>
+          <a:xfrm>
+            <a:off x="134007" y="4001294"/>
+            <a:ext cx="5822731" cy="2486689"/>
+          </a:xfrm>
+          <a:prstGeom prst="rect">
+            <a:avLst/>
+          </a:prstGeom>
+        </p:spPr>
+      </p:pic>
+    </p:spTree>
+    <p:extLst>
+      <p:ext uri="{BB962C8B-B14F-4D97-AF65-F5344CB8AC3E}">
+        <p14:creationId xmlns:p14="http://schemas.microsoft.com/office/powerpoint/2010/main" val="3580293166"/>
       </p:ext>
     </p:extLst>
   </p:cSld>

--- a/WT_LAB.pptx
+++ b/WT_LAB.pptx
@@ -52,6 +52,14 @@
     <p:sldId id="300" r:id="rId46"/>
     <p:sldId id="301" r:id="rId47"/>
     <p:sldId id="302" r:id="rId48"/>
+    <p:sldId id="303" r:id="rId49"/>
+    <p:sldId id="304" r:id="rId50"/>
+    <p:sldId id="310" r:id="rId51"/>
+    <p:sldId id="305" r:id="rId52"/>
+    <p:sldId id="306" r:id="rId53"/>
+    <p:sldId id="307" r:id="rId54"/>
+    <p:sldId id="308" r:id="rId55"/>
+    <p:sldId id="309" r:id="rId56"/>
   </p:sldIdLst>
   <p:sldSz cx="12192000" cy="6858000"/>
   <p:notesSz cx="6858000" cy="9144000"/>
@@ -289,7 +297,7 @@
           <a:p>
             <a:fld id="{2E5EF80D-24CF-4D6B-AE54-277F4074078B}" type="datetimeFigureOut">
               <a:rPr lang="en-US" smtClean="0"/>
-              <a:t>8/27/2019</a:t>
+              <a:t>9/3/2019</a:t>
             </a:fld>
             <a:endParaRPr lang="en-US"/>
           </a:p>
@@ -459,7 +467,7 @@
           <a:p>
             <a:fld id="{2E5EF80D-24CF-4D6B-AE54-277F4074078B}" type="datetimeFigureOut">
               <a:rPr lang="en-US" smtClean="0"/>
-              <a:t>8/27/2019</a:t>
+              <a:t>9/3/2019</a:t>
             </a:fld>
             <a:endParaRPr lang="en-US"/>
           </a:p>
@@ -639,7 +647,7 @@
           <a:p>
             <a:fld id="{2E5EF80D-24CF-4D6B-AE54-277F4074078B}" type="datetimeFigureOut">
               <a:rPr lang="en-US" smtClean="0"/>
-              <a:t>8/27/2019</a:t>
+              <a:t>9/3/2019</a:t>
             </a:fld>
             <a:endParaRPr lang="en-US"/>
           </a:p>
@@ -809,7 +817,7 @@
           <a:p>
             <a:fld id="{2E5EF80D-24CF-4D6B-AE54-277F4074078B}" type="datetimeFigureOut">
               <a:rPr lang="en-US" smtClean="0"/>
-              <a:t>8/27/2019</a:t>
+              <a:t>9/3/2019</a:t>
             </a:fld>
             <a:endParaRPr lang="en-US"/>
           </a:p>
@@ -1055,7 +1063,7 @@
           <a:p>
             <a:fld id="{2E5EF80D-24CF-4D6B-AE54-277F4074078B}" type="datetimeFigureOut">
               <a:rPr lang="en-US" smtClean="0"/>
-              <a:t>8/27/2019</a:t>
+              <a:t>9/3/2019</a:t>
             </a:fld>
             <a:endParaRPr lang="en-US"/>
           </a:p>
@@ -1287,7 +1295,7 @@
           <a:p>
             <a:fld id="{2E5EF80D-24CF-4D6B-AE54-277F4074078B}" type="datetimeFigureOut">
               <a:rPr lang="en-US" smtClean="0"/>
-              <a:t>8/27/2019</a:t>
+              <a:t>9/3/2019</a:t>
             </a:fld>
             <a:endParaRPr lang="en-US"/>
           </a:p>
@@ -1654,7 +1662,7 @@
           <a:p>
             <a:fld id="{2E5EF80D-24CF-4D6B-AE54-277F4074078B}" type="datetimeFigureOut">
               <a:rPr lang="en-US" smtClean="0"/>
-              <a:t>8/27/2019</a:t>
+              <a:t>9/3/2019</a:t>
             </a:fld>
             <a:endParaRPr lang="en-US"/>
           </a:p>
@@ -1772,7 +1780,7 @@
           <a:p>
             <a:fld id="{2E5EF80D-24CF-4D6B-AE54-277F4074078B}" type="datetimeFigureOut">
               <a:rPr lang="en-US" smtClean="0"/>
-              <a:t>8/27/2019</a:t>
+              <a:t>9/3/2019</a:t>
             </a:fld>
             <a:endParaRPr lang="en-US"/>
           </a:p>
@@ -1867,7 +1875,7 @@
           <a:p>
             <a:fld id="{2E5EF80D-24CF-4D6B-AE54-277F4074078B}" type="datetimeFigureOut">
               <a:rPr lang="en-US" smtClean="0"/>
-              <a:t>8/27/2019</a:t>
+              <a:t>9/3/2019</a:t>
             </a:fld>
             <a:endParaRPr lang="en-US"/>
           </a:p>
@@ -2144,7 +2152,7 @@
           <a:p>
             <a:fld id="{2E5EF80D-24CF-4D6B-AE54-277F4074078B}" type="datetimeFigureOut">
               <a:rPr lang="en-US" smtClean="0"/>
-              <a:t>8/27/2019</a:t>
+              <a:t>9/3/2019</a:t>
             </a:fld>
             <a:endParaRPr lang="en-US"/>
           </a:p>
@@ -2397,7 +2405,7 @@
           <a:p>
             <a:fld id="{2E5EF80D-24CF-4D6B-AE54-277F4074078B}" type="datetimeFigureOut">
               <a:rPr lang="en-US" smtClean="0"/>
-              <a:t>8/27/2019</a:t>
+              <a:t>9/3/2019</a:t>
             </a:fld>
             <a:endParaRPr lang="en-US"/>
           </a:p>
@@ -2610,7 +2618,7 @@
           <a:p>
             <a:fld id="{2E5EF80D-24CF-4D6B-AE54-277F4074078B}" type="datetimeFigureOut">
               <a:rPr lang="en-US" smtClean="0"/>
-              <a:t>8/27/2019</a:t>
+              <a:t>9/3/2019</a:t>
             </a:fld>
             <a:endParaRPr lang="en-US"/>
           </a:p>
@@ -8927,7 +8935,23 @@
             <a:pPr lvl="1" algn="just"/>
             <a:r>
               <a:rPr lang="en-US" sz="3000" dirty="0" smtClean="0"/>
-              <a:t>Retrieve the icon from </a:t>
+              <a:t>Retrieve the </a:t>
+            </a:r>
+            <a:r>
+              <a:rPr lang="en-US" sz="3000" dirty="0" smtClean="0"/>
+              <a:t>icon </a:t>
+            </a:r>
+            <a:r>
+              <a:rPr lang="en-US" sz="3000" dirty="0" err="1" smtClean="0"/>
+              <a:t>img</a:t>
+            </a:r>
+            <a:r>
+              <a:rPr lang="en-US" sz="3000" dirty="0" smtClean="0"/>
+              <a:t> </a:t>
+            </a:r>
+            <a:r>
+              <a:rPr lang="en-US" sz="3000" dirty="0" smtClean="0"/>
+              <a:t>from </a:t>
             </a:r>
             <a:r>
               <a:rPr lang="en-US" sz="3000" dirty="0" err="1" smtClean="0"/>
@@ -9105,6 +9129,3339 @@
 </p:sld>
 </file>
 
+<file path=ppt/slides/slide48.xml><?xml version="1.0" encoding="utf-8"?>
+<p:sld xmlns:a="http://schemas.openxmlformats.org/drawingml/2006/main" xmlns:r="http://schemas.openxmlformats.org/officeDocument/2006/relationships" xmlns:p="http://schemas.openxmlformats.org/presentationml/2006/main">
+  <p:cSld>
+    <p:spTree>
+      <p:nvGrpSpPr>
+        <p:cNvPr id="1" name=""/>
+        <p:cNvGrpSpPr/>
+        <p:nvPr/>
+      </p:nvGrpSpPr>
+      <p:grpSpPr>
+        <a:xfrm>
+          <a:off x="0" y="0"/>
+          <a:ext cx="0" cy="0"/>
+          <a:chOff x="0" y="0"/>
+          <a:chExt cx="0" cy="0"/>
+        </a:xfrm>
+      </p:grpSpPr>
+      <p:sp>
+        <p:nvSpPr>
+          <p:cNvPr id="2" name="Title 1"/>
+          <p:cNvSpPr>
+            <a:spLocks noGrp="1"/>
+          </p:cNvSpPr>
+          <p:nvPr>
+            <p:ph type="title"/>
+          </p:nvPr>
+        </p:nvSpPr>
+        <p:spPr/>
+        <p:txBody>
+          <a:bodyPr/>
+          <a:lstStyle/>
+          <a:p>
+            <a:r>
+              <a:rPr lang="en-US" dirty="0" smtClean="0"/>
+              <a:t>Working with Servlets</a:t>
+            </a:r>
+            <a:endParaRPr lang="en-US" dirty="0"/>
+          </a:p>
+        </p:txBody>
+      </p:sp>
+      <p:sp>
+        <p:nvSpPr>
+          <p:cNvPr id="3" name="Content Placeholder 2"/>
+          <p:cNvSpPr>
+            <a:spLocks noGrp="1"/>
+          </p:cNvSpPr>
+          <p:nvPr>
+            <p:ph idx="1"/>
+          </p:nvPr>
+        </p:nvSpPr>
+        <p:spPr>
+          <a:xfrm>
+            <a:off x="754117" y="2182977"/>
+            <a:ext cx="10515600" cy="1243396"/>
+          </a:xfrm>
+        </p:spPr>
+        <p:txBody>
+          <a:bodyPr/>
+          <a:lstStyle/>
+          <a:p>
+            <a:r>
+              <a:rPr lang="en-US" dirty="0"/>
+              <a:t>Create a simple servlet to print basic &lt;h&gt; </a:t>
+            </a:r>
+            <a:r>
+              <a:rPr lang="en-US" dirty="0" smtClean="0"/>
+              <a:t>tags.</a:t>
+            </a:r>
+          </a:p>
+          <a:p>
+            <a:r>
+              <a:rPr lang="en-US" dirty="0" smtClean="0"/>
+              <a:t>Create a simple button and invoke a servlet on button click. </a:t>
+            </a:r>
+            <a:endParaRPr lang="en-US" dirty="0"/>
+          </a:p>
+        </p:txBody>
+      </p:sp>
+    </p:spTree>
+    <p:extLst>
+      <p:ext uri="{BB962C8B-B14F-4D97-AF65-F5344CB8AC3E}">
+        <p14:creationId xmlns:p14="http://schemas.microsoft.com/office/powerpoint/2010/main" val="4241736785"/>
+      </p:ext>
+    </p:extLst>
+  </p:cSld>
+  <p:clrMapOvr>
+    <a:masterClrMapping/>
+  </p:clrMapOvr>
+</p:sld>
+</file>
+
+<file path=ppt/slides/slide49.xml><?xml version="1.0" encoding="utf-8"?>
+<p:sld xmlns:a="http://schemas.openxmlformats.org/drawingml/2006/main" xmlns:r="http://schemas.openxmlformats.org/officeDocument/2006/relationships" xmlns:p="http://schemas.openxmlformats.org/presentationml/2006/main">
+  <p:cSld>
+    <p:spTree>
+      <p:nvGrpSpPr>
+        <p:cNvPr id="1" name=""/>
+        <p:cNvGrpSpPr/>
+        <p:nvPr/>
+      </p:nvGrpSpPr>
+      <p:grpSpPr>
+        <a:xfrm>
+          <a:off x="0" y="0"/>
+          <a:ext cx="0" cy="0"/>
+          <a:chOff x="0" y="0"/>
+          <a:chExt cx="0" cy="0"/>
+        </a:xfrm>
+      </p:grpSpPr>
+      <p:sp>
+        <p:nvSpPr>
+          <p:cNvPr id="4" name="Rectangle 2"/>
+          <p:cNvSpPr>
+            <a:spLocks noGrp="1" noChangeArrowheads="1"/>
+          </p:cNvSpPr>
+          <p:nvPr>
+            <p:ph type="title"/>
+          </p:nvPr>
+        </p:nvSpPr>
+        <p:spPr>
+          <a:xfrm>
+            <a:off x="144518" y="148651"/>
+            <a:ext cx="7772400" cy="1143000"/>
+          </a:xfrm>
+        </p:spPr>
+        <p:txBody>
+          <a:bodyPr/>
+          <a:lstStyle/>
+          <a:p>
+            <a:r>
+              <a:rPr lang="en-US" altLang="en-US" dirty="0" smtClean="0"/>
+              <a:t>Life Cycle of Servlet</a:t>
+            </a:r>
+          </a:p>
+        </p:txBody>
+      </p:sp>
+      <p:sp>
+        <p:nvSpPr>
+          <p:cNvPr id="5" name="Rectangle 3"/>
+          <p:cNvSpPr txBox="1">
+            <a:spLocks noChangeArrowheads="1"/>
+          </p:cNvSpPr>
+          <p:nvPr/>
+        </p:nvSpPr>
+        <p:spPr>
+          <a:xfrm>
+            <a:off x="2372711" y="3231931"/>
+            <a:ext cx="2971800" cy="685800"/>
+          </a:xfrm>
+          <a:prstGeom prst="rect">
+            <a:avLst/>
+          </a:prstGeom>
+        </p:spPr>
+        <p:txBody>
+          <a:bodyPr vert="horz" lIns="91440" tIns="45720" rIns="91440" bIns="45720" rtlCol="0">
+            <a:normAutofit/>
+          </a:bodyPr>
+          <a:lstStyle>
+            <a:lvl1pPr marL="228600" indent="-228600" algn="l" defTabSz="914400" rtl="0" eaLnBrk="1" latinLnBrk="0" hangingPunct="1">
+              <a:lnSpc>
+                <a:spcPct val="90000"/>
+              </a:lnSpc>
+              <a:spcBef>
+                <a:spcPts val="1000"/>
+              </a:spcBef>
+              <a:buFont typeface="Arial" panose="020B0604020202020204" pitchFamily="34" charset="0"/>
+              <a:buChar char="•"/>
+              <a:defRPr sz="2800" kern="1200">
+                <a:solidFill>
+                  <a:schemeClr val="tx1"/>
+                </a:solidFill>
+                <a:latin typeface="+mn-lt"/>
+                <a:ea typeface="+mn-ea"/>
+                <a:cs typeface="+mn-cs"/>
+              </a:defRPr>
+            </a:lvl1pPr>
+            <a:lvl2pPr marL="685800" indent="-228600" algn="l" defTabSz="914400" rtl="0" eaLnBrk="1" latinLnBrk="0" hangingPunct="1">
+              <a:lnSpc>
+                <a:spcPct val="90000"/>
+              </a:lnSpc>
+              <a:spcBef>
+                <a:spcPts val="500"/>
+              </a:spcBef>
+              <a:buFont typeface="Arial" panose="020B0604020202020204" pitchFamily="34" charset="0"/>
+              <a:buChar char="•"/>
+              <a:defRPr sz="2400" kern="1200">
+                <a:solidFill>
+                  <a:schemeClr val="tx1"/>
+                </a:solidFill>
+                <a:latin typeface="+mn-lt"/>
+                <a:ea typeface="+mn-ea"/>
+                <a:cs typeface="+mn-cs"/>
+              </a:defRPr>
+            </a:lvl2pPr>
+            <a:lvl3pPr marL="1143000" indent="-228600" algn="l" defTabSz="914400" rtl="0" eaLnBrk="1" latinLnBrk="0" hangingPunct="1">
+              <a:lnSpc>
+                <a:spcPct val="90000"/>
+              </a:lnSpc>
+              <a:spcBef>
+                <a:spcPts val="500"/>
+              </a:spcBef>
+              <a:buFont typeface="Arial" panose="020B0604020202020204" pitchFamily="34" charset="0"/>
+              <a:buChar char="•"/>
+              <a:defRPr sz="2000" kern="1200">
+                <a:solidFill>
+                  <a:schemeClr val="tx1"/>
+                </a:solidFill>
+                <a:latin typeface="+mn-lt"/>
+                <a:ea typeface="+mn-ea"/>
+                <a:cs typeface="+mn-cs"/>
+              </a:defRPr>
+            </a:lvl3pPr>
+            <a:lvl4pPr marL="1600200" indent="-228600" algn="l" defTabSz="914400" rtl="0" eaLnBrk="1" latinLnBrk="0" hangingPunct="1">
+              <a:lnSpc>
+                <a:spcPct val="90000"/>
+              </a:lnSpc>
+              <a:spcBef>
+                <a:spcPts val="500"/>
+              </a:spcBef>
+              <a:buFont typeface="Arial" panose="020B0604020202020204" pitchFamily="34" charset="0"/>
+              <a:buChar char="•"/>
+              <a:defRPr sz="1800" kern="1200">
+                <a:solidFill>
+                  <a:schemeClr val="tx1"/>
+                </a:solidFill>
+                <a:latin typeface="+mn-lt"/>
+                <a:ea typeface="+mn-ea"/>
+                <a:cs typeface="+mn-cs"/>
+              </a:defRPr>
+            </a:lvl4pPr>
+            <a:lvl5pPr marL="2057400" indent="-228600" algn="l" defTabSz="914400" rtl="0" eaLnBrk="1" latinLnBrk="0" hangingPunct="1">
+              <a:lnSpc>
+                <a:spcPct val="90000"/>
+              </a:lnSpc>
+              <a:spcBef>
+                <a:spcPts val="500"/>
+              </a:spcBef>
+              <a:buFont typeface="Arial" panose="020B0604020202020204" pitchFamily="34" charset="0"/>
+              <a:buChar char="•"/>
+              <a:defRPr sz="1800" kern="1200">
+                <a:solidFill>
+                  <a:schemeClr val="tx1"/>
+                </a:solidFill>
+                <a:latin typeface="+mn-lt"/>
+                <a:ea typeface="+mn-ea"/>
+                <a:cs typeface="+mn-cs"/>
+              </a:defRPr>
+            </a:lvl5pPr>
+            <a:lvl6pPr marL="2514600" indent="-228600" algn="l" defTabSz="914400" rtl="0" eaLnBrk="1" latinLnBrk="0" hangingPunct="1">
+              <a:lnSpc>
+                <a:spcPct val="90000"/>
+              </a:lnSpc>
+              <a:spcBef>
+                <a:spcPts val="500"/>
+              </a:spcBef>
+              <a:buFont typeface="Arial" panose="020B0604020202020204" pitchFamily="34" charset="0"/>
+              <a:buChar char="•"/>
+              <a:defRPr sz="1800" kern="1200">
+                <a:solidFill>
+                  <a:schemeClr val="tx1"/>
+                </a:solidFill>
+                <a:latin typeface="+mn-lt"/>
+                <a:ea typeface="+mn-ea"/>
+                <a:cs typeface="+mn-cs"/>
+              </a:defRPr>
+            </a:lvl6pPr>
+            <a:lvl7pPr marL="2971800" indent="-228600" algn="l" defTabSz="914400" rtl="0" eaLnBrk="1" latinLnBrk="0" hangingPunct="1">
+              <a:lnSpc>
+                <a:spcPct val="90000"/>
+              </a:lnSpc>
+              <a:spcBef>
+                <a:spcPts val="500"/>
+              </a:spcBef>
+              <a:buFont typeface="Arial" panose="020B0604020202020204" pitchFamily="34" charset="0"/>
+              <a:buChar char="•"/>
+              <a:defRPr sz="1800" kern="1200">
+                <a:solidFill>
+                  <a:schemeClr val="tx1"/>
+                </a:solidFill>
+                <a:latin typeface="+mn-lt"/>
+                <a:ea typeface="+mn-ea"/>
+                <a:cs typeface="+mn-cs"/>
+              </a:defRPr>
+            </a:lvl7pPr>
+            <a:lvl8pPr marL="3429000" indent="-228600" algn="l" defTabSz="914400" rtl="0" eaLnBrk="1" latinLnBrk="0" hangingPunct="1">
+              <a:lnSpc>
+                <a:spcPct val="90000"/>
+              </a:lnSpc>
+              <a:spcBef>
+                <a:spcPts val="500"/>
+              </a:spcBef>
+              <a:buFont typeface="Arial" panose="020B0604020202020204" pitchFamily="34" charset="0"/>
+              <a:buChar char="•"/>
+              <a:defRPr sz="1800" kern="1200">
+                <a:solidFill>
+                  <a:schemeClr val="tx1"/>
+                </a:solidFill>
+                <a:latin typeface="+mn-lt"/>
+                <a:ea typeface="+mn-ea"/>
+                <a:cs typeface="+mn-cs"/>
+              </a:defRPr>
+            </a:lvl8pPr>
+            <a:lvl9pPr marL="3886200" indent="-228600" algn="l" defTabSz="914400" rtl="0" eaLnBrk="1" latinLnBrk="0" hangingPunct="1">
+              <a:lnSpc>
+                <a:spcPct val="90000"/>
+              </a:lnSpc>
+              <a:spcBef>
+                <a:spcPts val="500"/>
+              </a:spcBef>
+              <a:buFont typeface="Arial" panose="020B0604020202020204" pitchFamily="34" charset="0"/>
+              <a:buChar char="•"/>
+              <a:defRPr sz="1800" kern="1200">
+                <a:solidFill>
+                  <a:schemeClr val="tx1"/>
+                </a:solidFill>
+                <a:latin typeface="+mn-lt"/>
+                <a:ea typeface="+mn-ea"/>
+                <a:cs typeface="+mn-cs"/>
+              </a:defRPr>
+            </a:lvl9pPr>
+          </a:lstStyle>
+          <a:p>
+            <a:pPr>
+              <a:buFontTx/>
+              <a:buNone/>
+            </a:pPr>
+            <a:r>
+              <a:rPr lang="en-US" altLang="en-US" sz="2400" smtClean="0"/>
+              <a:t>init(</a:t>
+            </a:r>
+            <a:r>
+              <a:rPr lang="en-US" altLang="en-US" sz="1800" smtClean="0"/>
+              <a:t>ServletConfig</a:t>
+            </a:r>
+            <a:r>
+              <a:rPr lang="en-US" altLang="en-US" sz="2400" smtClean="0"/>
+              <a:t>);</a:t>
+            </a:r>
+          </a:p>
+          <a:p>
+            <a:pPr>
+              <a:buFontTx/>
+              <a:buNone/>
+            </a:pPr>
+            <a:endParaRPr lang="en-US" altLang="en-US" sz="2400" smtClean="0"/>
+          </a:p>
+          <a:p>
+            <a:pPr>
+              <a:buFontTx/>
+              <a:buNone/>
+            </a:pPr>
+            <a:endParaRPr lang="en-US" altLang="en-US" sz="2400" smtClean="0"/>
+          </a:p>
+          <a:p>
+            <a:pPr>
+              <a:buFontTx/>
+              <a:buNone/>
+            </a:pPr>
+            <a:endParaRPr lang="en-US" altLang="en-US" sz="2400" smtClean="0"/>
+          </a:p>
+        </p:txBody>
+      </p:sp>
+      <p:sp>
+        <p:nvSpPr>
+          <p:cNvPr id="6" name="Text Box 8"/>
+          <p:cNvSpPr txBox="1">
+            <a:spLocks noChangeArrowheads="1"/>
+          </p:cNvSpPr>
+          <p:nvPr/>
+        </p:nvSpPr>
+        <p:spPr bwMode="auto">
+          <a:xfrm>
+            <a:off x="2372711" y="4146331"/>
+            <a:ext cx="2667000" cy="731838"/>
+          </a:xfrm>
+          <a:prstGeom prst="rect">
+            <a:avLst/>
+          </a:prstGeom>
+          <a:noFill/>
+          <a:ln>
+            <a:noFill/>
+          </a:ln>
+          <a:extLst>
+            <a:ext uri="{909E8E84-426E-40DD-AFC4-6F175D3DCCD1}">
+              <a14:hiddenFill xmlns:a14="http://schemas.microsoft.com/office/drawing/2010/main">
+                <a:solidFill>
+                  <a:srgbClr val="FFFFFF"/>
+                </a:solidFill>
+              </a14:hiddenFill>
+            </a:ext>
+            <a:ext uri="{91240B29-F687-4F45-9708-019B960494DF}">
+              <a14:hiddenLine xmlns:a14="http://schemas.microsoft.com/office/drawing/2010/main" w="9525">
+                <a:solidFill>
+                  <a:srgbClr val="000000"/>
+                </a:solidFill>
+                <a:miter lim="800000"/>
+                <a:headEnd/>
+                <a:tailEnd/>
+              </a14:hiddenLine>
+            </a:ext>
+          </a:extLst>
+        </p:spPr>
+        <p:txBody>
+          <a:bodyPr>
+            <a:spAutoFit/>
+          </a:bodyPr>
+          <a:lstStyle>
+            <a:lvl1pPr>
+              <a:spcBef>
+                <a:spcPct val="20000"/>
+              </a:spcBef>
+              <a:buChar char="•"/>
+              <a:defRPr sz="2800">
+                <a:solidFill>
+                  <a:schemeClr val="tx1"/>
+                </a:solidFill>
+                <a:latin typeface="Times New Roman" panose="02020603050405020304" pitchFamily="18" charset="0"/>
+              </a:defRPr>
+            </a:lvl1pPr>
+            <a:lvl2pPr marL="742950" indent="-285750">
+              <a:spcBef>
+                <a:spcPct val="20000"/>
+              </a:spcBef>
+              <a:buChar char="–"/>
+              <a:defRPr sz="2200">
+                <a:solidFill>
+                  <a:schemeClr val="tx1"/>
+                </a:solidFill>
+                <a:latin typeface="Times New Roman" panose="02020603050405020304" pitchFamily="18" charset="0"/>
+              </a:defRPr>
+            </a:lvl2pPr>
+            <a:lvl3pPr marL="1143000" indent="-228600">
+              <a:spcBef>
+                <a:spcPct val="20000"/>
+              </a:spcBef>
+              <a:buChar char="•"/>
+              <a:defRPr sz="2000">
+                <a:solidFill>
+                  <a:schemeClr val="tx1"/>
+                </a:solidFill>
+                <a:latin typeface="Times New Roman" panose="02020603050405020304" pitchFamily="18" charset="0"/>
+              </a:defRPr>
+            </a:lvl3pPr>
+            <a:lvl4pPr marL="1600200" indent="-228600">
+              <a:spcBef>
+                <a:spcPct val="20000"/>
+              </a:spcBef>
+              <a:buChar char="–"/>
+              <a:defRPr sz="2000">
+                <a:solidFill>
+                  <a:schemeClr val="tx1"/>
+                </a:solidFill>
+                <a:latin typeface="Times New Roman" panose="02020603050405020304" pitchFamily="18" charset="0"/>
+              </a:defRPr>
+            </a:lvl4pPr>
+            <a:lvl5pPr marL="2057400" indent="-228600">
+              <a:spcBef>
+                <a:spcPct val="20000"/>
+              </a:spcBef>
+              <a:buChar char="»"/>
+              <a:defRPr sz="2000">
+                <a:solidFill>
+                  <a:schemeClr val="tx1"/>
+                </a:solidFill>
+                <a:latin typeface="Times New Roman" panose="02020603050405020304" pitchFamily="18" charset="0"/>
+              </a:defRPr>
+            </a:lvl5pPr>
+            <a:lvl6pPr marL="2514600" indent="-228600" eaLnBrk="0" fontAlgn="base" hangingPunct="0">
+              <a:spcBef>
+                <a:spcPct val="20000"/>
+              </a:spcBef>
+              <a:spcAft>
+                <a:spcPct val="0"/>
+              </a:spcAft>
+              <a:buChar char="»"/>
+              <a:defRPr sz="2000">
+                <a:solidFill>
+                  <a:schemeClr val="tx1"/>
+                </a:solidFill>
+                <a:latin typeface="Times New Roman" panose="02020603050405020304" pitchFamily="18" charset="0"/>
+              </a:defRPr>
+            </a:lvl6pPr>
+            <a:lvl7pPr marL="2971800" indent="-228600" eaLnBrk="0" fontAlgn="base" hangingPunct="0">
+              <a:spcBef>
+                <a:spcPct val="20000"/>
+              </a:spcBef>
+              <a:spcAft>
+                <a:spcPct val="0"/>
+              </a:spcAft>
+              <a:buChar char="»"/>
+              <a:defRPr sz="2000">
+                <a:solidFill>
+                  <a:schemeClr val="tx1"/>
+                </a:solidFill>
+                <a:latin typeface="Times New Roman" panose="02020603050405020304" pitchFamily="18" charset="0"/>
+              </a:defRPr>
+            </a:lvl7pPr>
+            <a:lvl8pPr marL="3429000" indent="-228600" eaLnBrk="0" fontAlgn="base" hangingPunct="0">
+              <a:spcBef>
+                <a:spcPct val="20000"/>
+              </a:spcBef>
+              <a:spcAft>
+                <a:spcPct val="0"/>
+              </a:spcAft>
+              <a:buChar char="»"/>
+              <a:defRPr sz="2000">
+                <a:solidFill>
+                  <a:schemeClr val="tx1"/>
+                </a:solidFill>
+                <a:latin typeface="Times New Roman" panose="02020603050405020304" pitchFamily="18" charset="0"/>
+              </a:defRPr>
+            </a:lvl8pPr>
+            <a:lvl9pPr marL="3886200" indent="-228600" eaLnBrk="0" fontAlgn="base" hangingPunct="0">
+              <a:spcBef>
+                <a:spcPct val="20000"/>
+              </a:spcBef>
+              <a:spcAft>
+                <a:spcPct val="0"/>
+              </a:spcAft>
+              <a:buChar char="»"/>
+              <a:defRPr sz="2000">
+                <a:solidFill>
+                  <a:schemeClr val="tx1"/>
+                </a:solidFill>
+                <a:latin typeface="Times New Roman" panose="02020603050405020304" pitchFamily="18" charset="0"/>
+              </a:defRPr>
+            </a:lvl9pPr>
+          </a:lstStyle>
+          <a:p>
+            <a:pPr>
+              <a:spcBef>
+                <a:spcPct val="50000"/>
+              </a:spcBef>
+              <a:buFontTx/>
+              <a:buNone/>
+            </a:pPr>
+            <a:r>
+              <a:rPr lang="en-US" altLang="en-US" sz="1600"/>
+              <a:t>service</a:t>
+            </a:r>
+            <a:r>
+              <a:rPr lang="en-US" altLang="en-US" sz="1800"/>
+              <a:t>(ServletRequest, </a:t>
+            </a:r>
+          </a:p>
+          <a:p>
+            <a:pPr>
+              <a:spcBef>
+                <a:spcPct val="50000"/>
+              </a:spcBef>
+              <a:buFontTx/>
+              <a:buNone/>
+            </a:pPr>
+            <a:r>
+              <a:rPr lang="en-US" altLang="en-US" sz="1800"/>
+              <a:t>              ServletResponse);</a:t>
+            </a:r>
+          </a:p>
+        </p:txBody>
+      </p:sp>
+      <p:sp>
+        <p:nvSpPr>
+          <p:cNvPr id="7" name="Text Box 9"/>
+          <p:cNvSpPr txBox="1">
+            <a:spLocks noChangeArrowheads="1"/>
+          </p:cNvSpPr>
+          <p:nvPr/>
+        </p:nvSpPr>
+        <p:spPr bwMode="auto">
+          <a:xfrm>
+            <a:off x="2448911" y="5365531"/>
+            <a:ext cx="1073150" cy="731838"/>
+          </a:xfrm>
+          <a:prstGeom prst="rect">
+            <a:avLst/>
+          </a:prstGeom>
+          <a:noFill/>
+          <a:ln>
+            <a:noFill/>
+          </a:ln>
+          <a:extLst>
+            <a:ext uri="{909E8E84-426E-40DD-AFC4-6F175D3DCCD1}">
+              <a14:hiddenFill xmlns:a14="http://schemas.microsoft.com/office/drawing/2010/main">
+                <a:solidFill>
+                  <a:srgbClr val="FFFFFF"/>
+                </a:solidFill>
+              </a14:hiddenFill>
+            </a:ext>
+            <a:ext uri="{91240B29-F687-4F45-9708-019B960494DF}">
+              <a14:hiddenLine xmlns:a14="http://schemas.microsoft.com/office/drawing/2010/main" w="9525">
+                <a:solidFill>
+                  <a:srgbClr val="000000"/>
+                </a:solidFill>
+                <a:miter lim="800000"/>
+                <a:headEnd/>
+                <a:tailEnd/>
+              </a14:hiddenLine>
+            </a:ext>
+          </a:extLst>
+        </p:spPr>
+        <p:txBody>
+          <a:bodyPr wrap="none">
+            <a:spAutoFit/>
+          </a:bodyPr>
+          <a:lstStyle>
+            <a:lvl1pPr>
+              <a:spcBef>
+                <a:spcPct val="20000"/>
+              </a:spcBef>
+              <a:buChar char="•"/>
+              <a:defRPr sz="2800">
+                <a:solidFill>
+                  <a:schemeClr val="tx1"/>
+                </a:solidFill>
+                <a:latin typeface="Times New Roman" panose="02020603050405020304" pitchFamily="18" charset="0"/>
+              </a:defRPr>
+            </a:lvl1pPr>
+            <a:lvl2pPr marL="742950" indent="-285750">
+              <a:spcBef>
+                <a:spcPct val="20000"/>
+              </a:spcBef>
+              <a:buChar char="–"/>
+              <a:defRPr sz="2200">
+                <a:solidFill>
+                  <a:schemeClr val="tx1"/>
+                </a:solidFill>
+                <a:latin typeface="Times New Roman" panose="02020603050405020304" pitchFamily="18" charset="0"/>
+              </a:defRPr>
+            </a:lvl2pPr>
+            <a:lvl3pPr marL="1143000" indent="-228600">
+              <a:spcBef>
+                <a:spcPct val="20000"/>
+              </a:spcBef>
+              <a:buChar char="•"/>
+              <a:defRPr sz="2000">
+                <a:solidFill>
+                  <a:schemeClr val="tx1"/>
+                </a:solidFill>
+                <a:latin typeface="Times New Roman" panose="02020603050405020304" pitchFamily="18" charset="0"/>
+              </a:defRPr>
+            </a:lvl3pPr>
+            <a:lvl4pPr marL="1600200" indent="-228600">
+              <a:spcBef>
+                <a:spcPct val="20000"/>
+              </a:spcBef>
+              <a:buChar char="–"/>
+              <a:defRPr sz="2000">
+                <a:solidFill>
+                  <a:schemeClr val="tx1"/>
+                </a:solidFill>
+                <a:latin typeface="Times New Roman" panose="02020603050405020304" pitchFamily="18" charset="0"/>
+              </a:defRPr>
+            </a:lvl4pPr>
+            <a:lvl5pPr marL="2057400" indent="-228600">
+              <a:spcBef>
+                <a:spcPct val="20000"/>
+              </a:spcBef>
+              <a:buChar char="»"/>
+              <a:defRPr sz="2000">
+                <a:solidFill>
+                  <a:schemeClr val="tx1"/>
+                </a:solidFill>
+                <a:latin typeface="Times New Roman" panose="02020603050405020304" pitchFamily="18" charset="0"/>
+              </a:defRPr>
+            </a:lvl5pPr>
+            <a:lvl6pPr marL="2514600" indent="-228600" eaLnBrk="0" fontAlgn="base" hangingPunct="0">
+              <a:spcBef>
+                <a:spcPct val="20000"/>
+              </a:spcBef>
+              <a:spcAft>
+                <a:spcPct val="0"/>
+              </a:spcAft>
+              <a:buChar char="»"/>
+              <a:defRPr sz="2000">
+                <a:solidFill>
+                  <a:schemeClr val="tx1"/>
+                </a:solidFill>
+                <a:latin typeface="Times New Roman" panose="02020603050405020304" pitchFamily="18" charset="0"/>
+              </a:defRPr>
+            </a:lvl6pPr>
+            <a:lvl7pPr marL="2971800" indent="-228600" eaLnBrk="0" fontAlgn="base" hangingPunct="0">
+              <a:spcBef>
+                <a:spcPct val="20000"/>
+              </a:spcBef>
+              <a:spcAft>
+                <a:spcPct val="0"/>
+              </a:spcAft>
+              <a:buChar char="»"/>
+              <a:defRPr sz="2000">
+                <a:solidFill>
+                  <a:schemeClr val="tx1"/>
+                </a:solidFill>
+                <a:latin typeface="Times New Roman" panose="02020603050405020304" pitchFamily="18" charset="0"/>
+              </a:defRPr>
+            </a:lvl7pPr>
+            <a:lvl8pPr marL="3429000" indent="-228600" eaLnBrk="0" fontAlgn="base" hangingPunct="0">
+              <a:spcBef>
+                <a:spcPct val="20000"/>
+              </a:spcBef>
+              <a:spcAft>
+                <a:spcPct val="0"/>
+              </a:spcAft>
+              <a:buChar char="»"/>
+              <a:defRPr sz="2000">
+                <a:solidFill>
+                  <a:schemeClr val="tx1"/>
+                </a:solidFill>
+                <a:latin typeface="Times New Roman" panose="02020603050405020304" pitchFamily="18" charset="0"/>
+              </a:defRPr>
+            </a:lvl8pPr>
+            <a:lvl9pPr marL="3886200" indent="-228600" eaLnBrk="0" fontAlgn="base" hangingPunct="0">
+              <a:spcBef>
+                <a:spcPct val="20000"/>
+              </a:spcBef>
+              <a:spcAft>
+                <a:spcPct val="0"/>
+              </a:spcAft>
+              <a:buChar char="»"/>
+              <a:defRPr sz="2000">
+                <a:solidFill>
+                  <a:schemeClr val="tx1"/>
+                </a:solidFill>
+                <a:latin typeface="Times New Roman" panose="02020603050405020304" pitchFamily="18" charset="0"/>
+              </a:defRPr>
+            </a:lvl9pPr>
+          </a:lstStyle>
+          <a:p>
+            <a:pPr>
+              <a:spcBef>
+                <a:spcPct val="50000"/>
+              </a:spcBef>
+              <a:buFontTx/>
+              <a:buNone/>
+            </a:pPr>
+            <a:r>
+              <a:rPr lang="en-US" altLang="en-US" sz="1800"/>
+              <a:t>destroy();</a:t>
+            </a:r>
+          </a:p>
+          <a:p>
+            <a:pPr>
+              <a:spcBef>
+                <a:spcPct val="50000"/>
+              </a:spcBef>
+              <a:buFontTx/>
+              <a:buNone/>
+            </a:pPr>
+            <a:endParaRPr lang="en-US" altLang="en-US" sz="1600"/>
+          </a:p>
+        </p:txBody>
+      </p:sp>
+      <p:sp>
+        <p:nvSpPr>
+          <p:cNvPr id="8" name="Text Box 10"/>
+          <p:cNvSpPr txBox="1">
+            <a:spLocks noChangeArrowheads="1"/>
+          </p:cNvSpPr>
+          <p:nvPr/>
+        </p:nvSpPr>
+        <p:spPr bwMode="auto">
+          <a:xfrm>
+            <a:off x="3058511" y="1479331"/>
+            <a:ext cx="1066800" cy="466725"/>
+          </a:xfrm>
+          <a:prstGeom prst="rect">
+            <a:avLst/>
+          </a:prstGeom>
+          <a:noFill/>
+          <a:ln w="9525">
+            <a:solidFill>
+              <a:schemeClr val="tx1"/>
+            </a:solidFill>
+            <a:miter lim="800000"/>
+            <a:headEnd/>
+            <a:tailEnd/>
+          </a:ln>
+          <a:extLst>
+            <a:ext uri="{909E8E84-426E-40DD-AFC4-6F175D3DCCD1}">
+              <a14:hiddenFill xmlns:a14="http://schemas.microsoft.com/office/drawing/2010/main">
+                <a:solidFill>
+                  <a:srgbClr val="FFFFFF"/>
+                </a:solidFill>
+              </a14:hiddenFill>
+            </a:ext>
+          </a:extLst>
+        </p:spPr>
+        <p:txBody>
+          <a:bodyPr>
+            <a:spAutoFit/>
+          </a:bodyPr>
+          <a:lstStyle>
+            <a:lvl1pPr>
+              <a:spcBef>
+                <a:spcPct val="20000"/>
+              </a:spcBef>
+              <a:buChar char="•"/>
+              <a:defRPr sz="2800">
+                <a:solidFill>
+                  <a:schemeClr val="tx1"/>
+                </a:solidFill>
+                <a:latin typeface="Times New Roman" panose="02020603050405020304" pitchFamily="18" charset="0"/>
+              </a:defRPr>
+            </a:lvl1pPr>
+            <a:lvl2pPr marL="742950" indent="-285750">
+              <a:spcBef>
+                <a:spcPct val="20000"/>
+              </a:spcBef>
+              <a:buChar char="–"/>
+              <a:defRPr sz="2200">
+                <a:solidFill>
+                  <a:schemeClr val="tx1"/>
+                </a:solidFill>
+                <a:latin typeface="Times New Roman" panose="02020603050405020304" pitchFamily="18" charset="0"/>
+              </a:defRPr>
+            </a:lvl2pPr>
+            <a:lvl3pPr marL="1143000" indent="-228600">
+              <a:spcBef>
+                <a:spcPct val="20000"/>
+              </a:spcBef>
+              <a:buChar char="•"/>
+              <a:defRPr sz="2000">
+                <a:solidFill>
+                  <a:schemeClr val="tx1"/>
+                </a:solidFill>
+                <a:latin typeface="Times New Roman" panose="02020603050405020304" pitchFamily="18" charset="0"/>
+              </a:defRPr>
+            </a:lvl3pPr>
+            <a:lvl4pPr marL="1600200" indent="-228600">
+              <a:spcBef>
+                <a:spcPct val="20000"/>
+              </a:spcBef>
+              <a:buChar char="–"/>
+              <a:defRPr sz="2000">
+                <a:solidFill>
+                  <a:schemeClr val="tx1"/>
+                </a:solidFill>
+                <a:latin typeface="Times New Roman" panose="02020603050405020304" pitchFamily="18" charset="0"/>
+              </a:defRPr>
+            </a:lvl4pPr>
+            <a:lvl5pPr marL="2057400" indent="-228600">
+              <a:spcBef>
+                <a:spcPct val="20000"/>
+              </a:spcBef>
+              <a:buChar char="»"/>
+              <a:defRPr sz="2000">
+                <a:solidFill>
+                  <a:schemeClr val="tx1"/>
+                </a:solidFill>
+                <a:latin typeface="Times New Roman" panose="02020603050405020304" pitchFamily="18" charset="0"/>
+              </a:defRPr>
+            </a:lvl5pPr>
+            <a:lvl6pPr marL="2514600" indent="-228600" eaLnBrk="0" fontAlgn="base" hangingPunct="0">
+              <a:spcBef>
+                <a:spcPct val="20000"/>
+              </a:spcBef>
+              <a:spcAft>
+                <a:spcPct val="0"/>
+              </a:spcAft>
+              <a:buChar char="»"/>
+              <a:defRPr sz="2000">
+                <a:solidFill>
+                  <a:schemeClr val="tx1"/>
+                </a:solidFill>
+                <a:latin typeface="Times New Roman" panose="02020603050405020304" pitchFamily="18" charset="0"/>
+              </a:defRPr>
+            </a:lvl6pPr>
+            <a:lvl7pPr marL="2971800" indent="-228600" eaLnBrk="0" fontAlgn="base" hangingPunct="0">
+              <a:spcBef>
+                <a:spcPct val="20000"/>
+              </a:spcBef>
+              <a:spcAft>
+                <a:spcPct val="0"/>
+              </a:spcAft>
+              <a:buChar char="»"/>
+              <a:defRPr sz="2000">
+                <a:solidFill>
+                  <a:schemeClr val="tx1"/>
+                </a:solidFill>
+                <a:latin typeface="Times New Roman" panose="02020603050405020304" pitchFamily="18" charset="0"/>
+              </a:defRPr>
+            </a:lvl7pPr>
+            <a:lvl8pPr marL="3429000" indent="-228600" eaLnBrk="0" fontAlgn="base" hangingPunct="0">
+              <a:spcBef>
+                <a:spcPct val="20000"/>
+              </a:spcBef>
+              <a:spcAft>
+                <a:spcPct val="0"/>
+              </a:spcAft>
+              <a:buChar char="»"/>
+              <a:defRPr sz="2000">
+                <a:solidFill>
+                  <a:schemeClr val="tx1"/>
+                </a:solidFill>
+                <a:latin typeface="Times New Roman" panose="02020603050405020304" pitchFamily="18" charset="0"/>
+              </a:defRPr>
+            </a:lvl8pPr>
+            <a:lvl9pPr marL="3886200" indent="-228600" eaLnBrk="0" fontAlgn="base" hangingPunct="0">
+              <a:spcBef>
+                <a:spcPct val="20000"/>
+              </a:spcBef>
+              <a:spcAft>
+                <a:spcPct val="0"/>
+              </a:spcAft>
+              <a:buChar char="»"/>
+              <a:defRPr sz="2000">
+                <a:solidFill>
+                  <a:schemeClr val="tx1"/>
+                </a:solidFill>
+                <a:latin typeface="Times New Roman" panose="02020603050405020304" pitchFamily="18" charset="0"/>
+              </a:defRPr>
+            </a:lvl9pPr>
+          </a:lstStyle>
+          <a:p>
+            <a:pPr>
+              <a:spcBef>
+                <a:spcPct val="50000"/>
+              </a:spcBef>
+              <a:buFontTx/>
+              <a:buNone/>
+            </a:pPr>
+            <a:r>
+              <a:rPr lang="en-US" altLang="en-US" sz="1600"/>
+              <a:t>servlet</a:t>
+            </a:r>
+          </a:p>
+        </p:txBody>
+      </p:sp>
+      <p:sp>
+        <p:nvSpPr>
+          <p:cNvPr id="9" name="Text Box 11"/>
+          <p:cNvSpPr txBox="1">
+            <a:spLocks noChangeArrowheads="1"/>
+          </p:cNvSpPr>
+          <p:nvPr/>
+        </p:nvSpPr>
+        <p:spPr bwMode="auto">
+          <a:xfrm>
+            <a:off x="2601311" y="2393731"/>
+            <a:ext cx="2057400" cy="466725"/>
+          </a:xfrm>
+          <a:prstGeom prst="rect">
+            <a:avLst/>
+          </a:prstGeom>
+          <a:noFill/>
+          <a:ln w="9525">
+            <a:solidFill>
+              <a:schemeClr val="tx1"/>
+            </a:solidFill>
+            <a:miter lim="800000"/>
+            <a:headEnd/>
+            <a:tailEnd/>
+          </a:ln>
+          <a:extLst>
+            <a:ext uri="{909E8E84-426E-40DD-AFC4-6F175D3DCCD1}">
+              <a14:hiddenFill xmlns:a14="http://schemas.microsoft.com/office/drawing/2010/main">
+                <a:solidFill>
+                  <a:srgbClr val="FFFFFF"/>
+                </a:solidFill>
+              </a14:hiddenFill>
+            </a:ext>
+          </a:extLst>
+        </p:spPr>
+        <p:txBody>
+          <a:bodyPr>
+            <a:spAutoFit/>
+          </a:bodyPr>
+          <a:lstStyle>
+            <a:lvl1pPr>
+              <a:spcBef>
+                <a:spcPct val="20000"/>
+              </a:spcBef>
+              <a:buChar char="•"/>
+              <a:defRPr sz="2800">
+                <a:solidFill>
+                  <a:schemeClr val="tx1"/>
+                </a:solidFill>
+                <a:latin typeface="Times New Roman" panose="02020603050405020304" pitchFamily="18" charset="0"/>
+              </a:defRPr>
+            </a:lvl1pPr>
+            <a:lvl2pPr marL="742950" indent="-285750">
+              <a:spcBef>
+                <a:spcPct val="20000"/>
+              </a:spcBef>
+              <a:buChar char="–"/>
+              <a:defRPr sz="2200">
+                <a:solidFill>
+                  <a:schemeClr val="tx1"/>
+                </a:solidFill>
+                <a:latin typeface="Times New Roman" panose="02020603050405020304" pitchFamily="18" charset="0"/>
+              </a:defRPr>
+            </a:lvl2pPr>
+            <a:lvl3pPr marL="1143000" indent="-228600">
+              <a:spcBef>
+                <a:spcPct val="20000"/>
+              </a:spcBef>
+              <a:buChar char="•"/>
+              <a:defRPr sz="2000">
+                <a:solidFill>
+                  <a:schemeClr val="tx1"/>
+                </a:solidFill>
+                <a:latin typeface="Times New Roman" panose="02020603050405020304" pitchFamily="18" charset="0"/>
+              </a:defRPr>
+            </a:lvl3pPr>
+            <a:lvl4pPr marL="1600200" indent="-228600">
+              <a:spcBef>
+                <a:spcPct val="20000"/>
+              </a:spcBef>
+              <a:buChar char="–"/>
+              <a:defRPr sz="2000">
+                <a:solidFill>
+                  <a:schemeClr val="tx1"/>
+                </a:solidFill>
+                <a:latin typeface="Times New Roman" panose="02020603050405020304" pitchFamily="18" charset="0"/>
+              </a:defRPr>
+            </a:lvl4pPr>
+            <a:lvl5pPr marL="2057400" indent="-228600">
+              <a:spcBef>
+                <a:spcPct val="20000"/>
+              </a:spcBef>
+              <a:buChar char="»"/>
+              <a:defRPr sz="2000">
+                <a:solidFill>
+                  <a:schemeClr val="tx1"/>
+                </a:solidFill>
+                <a:latin typeface="Times New Roman" panose="02020603050405020304" pitchFamily="18" charset="0"/>
+              </a:defRPr>
+            </a:lvl5pPr>
+            <a:lvl6pPr marL="2514600" indent="-228600" eaLnBrk="0" fontAlgn="base" hangingPunct="0">
+              <a:spcBef>
+                <a:spcPct val="20000"/>
+              </a:spcBef>
+              <a:spcAft>
+                <a:spcPct val="0"/>
+              </a:spcAft>
+              <a:buChar char="»"/>
+              <a:defRPr sz="2000">
+                <a:solidFill>
+                  <a:schemeClr val="tx1"/>
+                </a:solidFill>
+                <a:latin typeface="Times New Roman" panose="02020603050405020304" pitchFamily="18" charset="0"/>
+              </a:defRPr>
+            </a:lvl6pPr>
+            <a:lvl7pPr marL="2971800" indent="-228600" eaLnBrk="0" fontAlgn="base" hangingPunct="0">
+              <a:spcBef>
+                <a:spcPct val="20000"/>
+              </a:spcBef>
+              <a:spcAft>
+                <a:spcPct val="0"/>
+              </a:spcAft>
+              <a:buChar char="»"/>
+              <a:defRPr sz="2000">
+                <a:solidFill>
+                  <a:schemeClr val="tx1"/>
+                </a:solidFill>
+                <a:latin typeface="Times New Roman" panose="02020603050405020304" pitchFamily="18" charset="0"/>
+              </a:defRPr>
+            </a:lvl7pPr>
+            <a:lvl8pPr marL="3429000" indent="-228600" eaLnBrk="0" fontAlgn="base" hangingPunct="0">
+              <a:spcBef>
+                <a:spcPct val="20000"/>
+              </a:spcBef>
+              <a:spcAft>
+                <a:spcPct val="0"/>
+              </a:spcAft>
+              <a:buChar char="»"/>
+              <a:defRPr sz="2000">
+                <a:solidFill>
+                  <a:schemeClr val="tx1"/>
+                </a:solidFill>
+                <a:latin typeface="Times New Roman" panose="02020603050405020304" pitchFamily="18" charset="0"/>
+              </a:defRPr>
+            </a:lvl8pPr>
+            <a:lvl9pPr marL="3886200" indent="-228600" eaLnBrk="0" fontAlgn="base" hangingPunct="0">
+              <a:spcBef>
+                <a:spcPct val="20000"/>
+              </a:spcBef>
+              <a:spcAft>
+                <a:spcPct val="0"/>
+              </a:spcAft>
+              <a:buChar char="»"/>
+              <a:defRPr sz="2000">
+                <a:solidFill>
+                  <a:schemeClr val="tx1"/>
+                </a:solidFill>
+                <a:latin typeface="Times New Roman" panose="02020603050405020304" pitchFamily="18" charset="0"/>
+              </a:defRPr>
+            </a:lvl9pPr>
+          </a:lstStyle>
+          <a:p>
+            <a:pPr>
+              <a:spcBef>
+                <a:spcPct val="50000"/>
+              </a:spcBef>
+              <a:buFontTx/>
+              <a:buNone/>
+            </a:pPr>
+            <a:r>
+              <a:rPr lang="en-US" altLang="en-US" sz="1600" dirty="0" err="1"/>
+              <a:t>GenericServlet</a:t>
+            </a:r>
+            <a:endParaRPr lang="en-US" altLang="en-US" sz="1600" dirty="0"/>
+          </a:p>
+        </p:txBody>
+      </p:sp>
+      <p:sp>
+        <p:nvSpPr>
+          <p:cNvPr id="10" name="Text Box 12"/>
+          <p:cNvSpPr txBox="1">
+            <a:spLocks noChangeArrowheads="1"/>
+          </p:cNvSpPr>
+          <p:nvPr/>
+        </p:nvSpPr>
+        <p:spPr bwMode="auto">
+          <a:xfrm>
+            <a:off x="7478111" y="2317531"/>
+            <a:ext cx="1673225" cy="466725"/>
+          </a:xfrm>
+          <a:prstGeom prst="rect">
+            <a:avLst/>
+          </a:prstGeom>
+          <a:noFill/>
+          <a:ln w="9525">
+            <a:solidFill>
+              <a:schemeClr val="tx1"/>
+            </a:solidFill>
+            <a:miter lim="800000"/>
+            <a:headEnd/>
+            <a:tailEnd/>
+          </a:ln>
+          <a:extLst>
+            <a:ext uri="{909E8E84-426E-40DD-AFC4-6F175D3DCCD1}">
+              <a14:hiddenFill xmlns:a14="http://schemas.microsoft.com/office/drawing/2010/main">
+                <a:solidFill>
+                  <a:srgbClr val="FFFFFF"/>
+                </a:solidFill>
+              </a14:hiddenFill>
+            </a:ext>
+          </a:extLst>
+        </p:spPr>
+        <p:txBody>
+          <a:bodyPr>
+            <a:spAutoFit/>
+          </a:bodyPr>
+          <a:lstStyle>
+            <a:lvl1pPr>
+              <a:spcBef>
+                <a:spcPct val="20000"/>
+              </a:spcBef>
+              <a:buChar char="•"/>
+              <a:defRPr sz="2800">
+                <a:solidFill>
+                  <a:schemeClr val="tx1"/>
+                </a:solidFill>
+                <a:latin typeface="Times New Roman" panose="02020603050405020304" pitchFamily="18" charset="0"/>
+              </a:defRPr>
+            </a:lvl1pPr>
+            <a:lvl2pPr marL="742950" indent="-285750">
+              <a:spcBef>
+                <a:spcPct val="20000"/>
+              </a:spcBef>
+              <a:buChar char="–"/>
+              <a:defRPr sz="2200">
+                <a:solidFill>
+                  <a:schemeClr val="tx1"/>
+                </a:solidFill>
+                <a:latin typeface="Times New Roman" panose="02020603050405020304" pitchFamily="18" charset="0"/>
+              </a:defRPr>
+            </a:lvl2pPr>
+            <a:lvl3pPr marL="1143000" indent="-228600">
+              <a:spcBef>
+                <a:spcPct val="20000"/>
+              </a:spcBef>
+              <a:buChar char="•"/>
+              <a:defRPr sz="2000">
+                <a:solidFill>
+                  <a:schemeClr val="tx1"/>
+                </a:solidFill>
+                <a:latin typeface="Times New Roman" panose="02020603050405020304" pitchFamily="18" charset="0"/>
+              </a:defRPr>
+            </a:lvl3pPr>
+            <a:lvl4pPr marL="1600200" indent="-228600">
+              <a:spcBef>
+                <a:spcPct val="20000"/>
+              </a:spcBef>
+              <a:buChar char="–"/>
+              <a:defRPr sz="2000">
+                <a:solidFill>
+                  <a:schemeClr val="tx1"/>
+                </a:solidFill>
+                <a:latin typeface="Times New Roman" panose="02020603050405020304" pitchFamily="18" charset="0"/>
+              </a:defRPr>
+            </a:lvl4pPr>
+            <a:lvl5pPr marL="2057400" indent="-228600">
+              <a:spcBef>
+                <a:spcPct val="20000"/>
+              </a:spcBef>
+              <a:buChar char="»"/>
+              <a:defRPr sz="2000">
+                <a:solidFill>
+                  <a:schemeClr val="tx1"/>
+                </a:solidFill>
+                <a:latin typeface="Times New Roman" panose="02020603050405020304" pitchFamily="18" charset="0"/>
+              </a:defRPr>
+            </a:lvl5pPr>
+            <a:lvl6pPr marL="2514600" indent="-228600" eaLnBrk="0" fontAlgn="base" hangingPunct="0">
+              <a:spcBef>
+                <a:spcPct val="20000"/>
+              </a:spcBef>
+              <a:spcAft>
+                <a:spcPct val="0"/>
+              </a:spcAft>
+              <a:buChar char="»"/>
+              <a:defRPr sz="2000">
+                <a:solidFill>
+                  <a:schemeClr val="tx1"/>
+                </a:solidFill>
+                <a:latin typeface="Times New Roman" panose="02020603050405020304" pitchFamily="18" charset="0"/>
+              </a:defRPr>
+            </a:lvl6pPr>
+            <a:lvl7pPr marL="2971800" indent="-228600" eaLnBrk="0" fontAlgn="base" hangingPunct="0">
+              <a:spcBef>
+                <a:spcPct val="20000"/>
+              </a:spcBef>
+              <a:spcAft>
+                <a:spcPct val="0"/>
+              </a:spcAft>
+              <a:buChar char="»"/>
+              <a:defRPr sz="2000">
+                <a:solidFill>
+                  <a:schemeClr val="tx1"/>
+                </a:solidFill>
+                <a:latin typeface="Times New Roman" panose="02020603050405020304" pitchFamily="18" charset="0"/>
+              </a:defRPr>
+            </a:lvl7pPr>
+            <a:lvl8pPr marL="3429000" indent="-228600" eaLnBrk="0" fontAlgn="base" hangingPunct="0">
+              <a:spcBef>
+                <a:spcPct val="20000"/>
+              </a:spcBef>
+              <a:spcAft>
+                <a:spcPct val="0"/>
+              </a:spcAft>
+              <a:buChar char="»"/>
+              <a:defRPr sz="2000">
+                <a:solidFill>
+                  <a:schemeClr val="tx1"/>
+                </a:solidFill>
+                <a:latin typeface="Times New Roman" panose="02020603050405020304" pitchFamily="18" charset="0"/>
+              </a:defRPr>
+            </a:lvl8pPr>
+            <a:lvl9pPr marL="3886200" indent="-228600" eaLnBrk="0" fontAlgn="base" hangingPunct="0">
+              <a:spcBef>
+                <a:spcPct val="20000"/>
+              </a:spcBef>
+              <a:spcAft>
+                <a:spcPct val="0"/>
+              </a:spcAft>
+              <a:buChar char="»"/>
+              <a:defRPr sz="2000">
+                <a:solidFill>
+                  <a:schemeClr val="tx1"/>
+                </a:solidFill>
+                <a:latin typeface="Times New Roman" panose="02020603050405020304" pitchFamily="18" charset="0"/>
+              </a:defRPr>
+            </a:lvl9pPr>
+          </a:lstStyle>
+          <a:p>
+            <a:pPr>
+              <a:spcBef>
+                <a:spcPct val="50000"/>
+              </a:spcBef>
+              <a:buFontTx/>
+              <a:buNone/>
+            </a:pPr>
+            <a:r>
+              <a:rPr lang="en-US" altLang="en-US" sz="1600"/>
+              <a:t>HttpServlet</a:t>
+            </a:r>
+          </a:p>
+        </p:txBody>
+      </p:sp>
+      <p:sp>
+        <p:nvSpPr>
+          <p:cNvPr id="11" name="AutoShape 13"/>
+          <p:cNvSpPr>
+            <a:spLocks noChangeArrowheads="1"/>
+          </p:cNvSpPr>
+          <p:nvPr/>
+        </p:nvSpPr>
+        <p:spPr bwMode="auto">
+          <a:xfrm>
+            <a:off x="3401411" y="1936531"/>
+            <a:ext cx="266700" cy="190500"/>
+          </a:xfrm>
+          <a:prstGeom prst="flowChartExtract">
+            <a:avLst/>
+          </a:prstGeom>
+          <a:solidFill>
+            <a:schemeClr val="accent1"/>
+          </a:solidFill>
+          <a:ln w="9525">
+            <a:solidFill>
+              <a:schemeClr val="tx1"/>
+            </a:solidFill>
+            <a:miter lim="800000"/>
+            <a:headEnd/>
+            <a:tailEnd/>
+          </a:ln>
+        </p:spPr>
+        <p:txBody>
+          <a:bodyPr wrap="none" anchor="ctr"/>
+          <a:lstStyle>
+            <a:lvl1pPr>
+              <a:spcBef>
+                <a:spcPct val="20000"/>
+              </a:spcBef>
+              <a:buChar char="•"/>
+              <a:defRPr sz="2800">
+                <a:solidFill>
+                  <a:schemeClr val="tx1"/>
+                </a:solidFill>
+                <a:latin typeface="Times New Roman" panose="02020603050405020304" pitchFamily="18" charset="0"/>
+              </a:defRPr>
+            </a:lvl1pPr>
+            <a:lvl2pPr marL="742950" indent="-285750">
+              <a:spcBef>
+                <a:spcPct val="20000"/>
+              </a:spcBef>
+              <a:buChar char="–"/>
+              <a:defRPr sz="2200">
+                <a:solidFill>
+                  <a:schemeClr val="tx1"/>
+                </a:solidFill>
+                <a:latin typeface="Times New Roman" panose="02020603050405020304" pitchFamily="18" charset="0"/>
+              </a:defRPr>
+            </a:lvl2pPr>
+            <a:lvl3pPr marL="1143000" indent="-228600">
+              <a:spcBef>
+                <a:spcPct val="20000"/>
+              </a:spcBef>
+              <a:buChar char="•"/>
+              <a:defRPr sz="2000">
+                <a:solidFill>
+                  <a:schemeClr val="tx1"/>
+                </a:solidFill>
+                <a:latin typeface="Times New Roman" panose="02020603050405020304" pitchFamily="18" charset="0"/>
+              </a:defRPr>
+            </a:lvl3pPr>
+            <a:lvl4pPr marL="1600200" indent="-228600">
+              <a:spcBef>
+                <a:spcPct val="20000"/>
+              </a:spcBef>
+              <a:buChar char="–"/>
+              <a:defRPr sz="2000">
+                <a:solidFill>
+                  <a:schemeClr val="tx1"/>
+                </a:solidFill>
+                <a:latin typeface="Times New Roman" panose="02020603050405020304" pitchFamily="18" charset="0"/>
+              </a:defRPr>
+            </a:lvl4pPr>
+            <a:lvl5pPr marL="2057400" indent="-228600">
+              <a:spcBef>
+                <a:spcPct val="20000"/>
+              </a:spcBef>
+              <a:buChar char="»"/>
+              <a:defRPr sz="2000">
+                <a:solidFill>
+                  <a:schemeClr val="tx1"/>
+                </a:solidFill>
+                <a:latin typeface="Times New Roman" panose="02020603050405020304" pitchFamily="18" charset="0"/>
+              </a:defRPr>
+            </a:lvl5pPr>
+            <a:lvl6pPr marL="2514600" indent="-228600" eaLnBrk="0" fontAlgn="base" hangingPunct="0">
+              <a:spcBef>
+                <a:spcPct val="20000"/>
+              </a:spcBef>
+              <a:spcAft>
+                <a:spcPct val="0"/>
+              </a:spcAft>
+              <a:buChar char="»"/>
+              <a:defRPr sz="2000">
+                <a:solidFill>
+                  <a:schemeClr val="tx1"/>
+                </a:solidFill>
+                <a:latin typeface="Times New Roman" panose="02020603050405020304" pitchFamily="18" charset="0"/>
+              </a:defRPr>
+            </a:lvl6pPr>
+            <a:lvl7pPr marL="2971800" indent="-228600" eaLnBrk="0" fontAlgn="base" hangingPunct="0">
+              <a:spcBef>
+                <a:spcPct val="20000"/>
+              </a:spcBef>
+              <a:spcAft>
+                <a:spcPct val="0"/>
+              </a:spcAft>
+              <a:buChar char="»"/>
+              <a:defRPr sz="2000">
+                <a:solidFill>
+                  <a:schemeClr val="tx1"/>
+                </a:solidFill>
+                <a:latin typeface="Times New Roman" panose="02020603050405020304" pitchFamily="18" charset="0"/>
+              </a:defRPr>
+            </a:lvl7pPr>
+            <a:lvl8pPr marL="3429000" indent="-228600" eaLnBrk="0" fontAlgn="base" hangingPunct="0">
+              <a:spcBef>
+                <a:spcPct val="20000"/>
+              </a:spcBef>
+              <a:spcAft>
+                <a:spcPct val="0"/>
+              </a:spcAft>
+              <a:buChar char="»"/>
+              <a:defRPr sz="2000">
+                <a:solidFill>
+                  <a:schemeClr val="tx1"/>
+                </a:solidFill>
+                <a:latin typeface="Times New Roman" panose="02020603050405020304" pitchFamily="18" charset="0"/>
+              </a:defRPr>
+            </a:lvl8pPr>
+            <a:lvl9pPr marL="3886200" indent="-228600" eaLnBrk="0" fontAlgn="base" hangingPunct="0">
+              <a:spcBef>
+                <a:spcPct val="20000"/>
+              </a:spcBef>
+              <a:spcAft>
+                <a:spcPct val="0"/>
+              </a:spcAft>
+              <a:buChar char="»"/>
+              <a:defRPr sz="2000">
+                <a:solidFill>
+                  <a:schemeClr val="tx1"/>
+                </a:solidFill>
+                <a:latin typeface="Times New Roman" panose="02020603050405020304" pitchFamily="18" charset="0"/>
+              </a:defRPr>
+            </a:lvl9pPr>
+          </a:lstStyle>
+          <a:p>
+            <a:pPr>
+              <a:spcBef>
+                <a:spcPct val="50000"/>
+              </a:spcBef>
+              <a:buFontTx/>
+              <a:buNone/>
+            </a:pPr>
+            <a:endParaRPr lang="en-US" altLang="en-US" sz="1600"/>
+          </a:p>
+        </p:txBody>
+      </p:sp>
+      <p:sp>
+        <p:nvSpPr>
+          <p:cNvPr id="12" name="AutoShape 14"/>
+          <p:cNvSpPr>
+            <a:spLocks noChangeArrowheads="1"/>
+          </p:cNvSpPr>
+          <p:nvPr/>
+        </p:nvSpPr>
+        <p:spPr bwMode="auto">
+          <a:xfrm rot="16200000">
+            <a:off x="4658711" y="2469931"/>
+            <a:ext cx="228600" cy="228600"/>
+          </a:xfrm>
+          <a:prstGeom prst="flowChartExtract">
+            <a:avLst/>
+          </a:prstGeom>
+          <a:solidFill>
+            <a:schemeClr val="accent1"/>
+          </a:solidFill>
+          <a:ln w="9525">
+            <a:solidFill>
+              <a:schemeClr val="tx1"/>
+            </a:solidFill>
+            <a:miter lim="800000"/>
+            <a:headEnd/>
+            <a:tailEnd/>
+          </a:ln>
+        </p:spPr>
+        <p:txBody>
+          <a:bodyPr wrap="none" anchor="ctr"/>
+          <a:lstStyle>
+            <a:lvl1pPr>
+              <a:spcBef>
+                <a:spcPct val="20000"/>
+              </a:spcBef>
+              <a:buChar char="•"/>
+              <a:defRPr sz="2800">
+                <a:solidFill>
+                  <a:schemeClr val="tx1"/>
+                </a:solidFill>
+                <a:latin typeface="Times New Roman" panose="02020603050405020304" pitchFamily="18" charset="0"/>
+              </a:defRPr>
+            </a:lvl1pPr>
+            <a:lvl2pPr marL="742950" indent="-285750">
+              <a:spcBef>
+                <a:spcPct val="20000"/>
+              </a:spcBef>
+              <a:buChar char="–"/>
+              <a:defRPr sz="2200">
+                <a:solidFill>
+                  <a:schemeClr val="tx1"/>
+                </a:solidFill>
+                <a:latin typeface="Times New Roman" panose="02020603050405020304" pitchFamily="18" charset="0"/>
+              </a:defRPr>
+            </a:lvl2pPr>
+            <a:lvl3pPr marL="1143000" indent="-228600">
+              <a:spcBef>
+                <a:spcPct val="20000"/>
+              </a:spcBef>
+              <a:buChar char="•"/>
+              <a:defRPr sz="2000">
+                <a:solidFill>
+                  <a:schemeClr val="tx1"/>
+                </a:solidFill>
+                <a:latin typeface="Times New Roman" panose="02020603050405020304" pitchFamily="18" charset="0"/>
+              </a:defRPr>
+            </a:lvl3pPr>
+            <a:lvl4pPr marL="1600200" indent="-228600">
+              <a:spcBef>
+                <a:spcPct val="20000"/>
+              </a:spcBef>
+              <a:buChar char="–"/>
+              <a:defRPr sz="2000">
+                <a:solidFill>
+                  <a:schemeClr val="tx1"/>
+                </a:solidFill>
+                <a:latin typeface="Times New Roman" panose="02020603050405020304" pitchFamily="18" charset="0"/>
+              </a:defRPr>
+            </a:lvl4pPr>
+            <a:lvl5pPr marL="2057400" indent="-228600">
+              <a:spcBef>
+                <a:spcPct val="20000"/>
+              </a:spcBef>
+              <a:buChar char="»"/>
+              <a:defRPr sz="2000">
+                <a:solidFill>
+                  <a:schemeClr val="tx1"/>
+                </a:solidFill>
+                <a:latin typeface="Times New Roman" panose="02020603050405020304" pitchFamily="18" charset="0"/>
+              </a:defRPr>
+            </a:lvl5pPr>
+            <a:lvl6pPr marL="2514600" indent="-228600" eaLnBrk="0" fontAlgn="base" hangingPunct="0">
+              <a:spcBef>
+                <a:spcPct val="20000"/>
+              </a:spcBef>
+              <a:spcAft>
+                <a:spcPct val="0"/>
+              </a:spcAft>
+              <a:buChar char="»"/>
+              <a:defRPr sz="2000">
+                <a:solidFill>
+                  <a:schemeClr val="tx1"/>
+                </a:solidFill>
+                <a:latin typeface="Times New Roman" panose="02020603050405020304" pitchFamily="18" charset="0"/>
+              </a:defRPr>
+            </a:lvl6pPr>
+            <a:lvl7pPr marL="2971800" indent="-228600" eaLnBrk="0" fontAlgn="base" hangingPunct="0">
+              <a:spcBef>
+                <a:spcPct val="20000"/>
+              </a:spcBef>
+              <a:spcAft>
+                <a:spcPct val="0"/>
+              </a:spcAft>
+              <a:buChar char="»"/>
+              <a:defRPr sz="2000">
+                <a:solidFill>
+                  <a:schemeClr val="tx1"/>
+                </a:solidFill>
+                <a:latin typeface="Times New Roman" panose="02020603050405020304" pitchFamily="18" charset="0"/>
+              </a:defRPr>
+            </a:lvl7pPr>
+            <a:lvl8pPr marL="3429000" indent="-228600" eaLnBrk="0" fontAlgn="base" hangingPunct="0">
+              <a:spcBef>
+                <a:spcPct val="20000"/>
+              </a:spcBef>
+              <a:spcAft>
+                <a:spcPct val="0"/>
+              </a:spcAft>
+              <a:buChar char="»"/>
+              <a:defRPr sz="2000">
+                <a:solidFill>
+                  <a:schemeClr val="tx1"/>
+                </a:solidFill>
+                <a:latin typeface="Times New Roman" panose="02020603050405020304" pitchFamily="18" charset="0"/>
+              </a:defRPr>
+            </a:lvl8pPr>
+            <a:lvl9pPr marL="3886200" indent="-228600" eaLnBrk="0" fontAlgn="base" hangingPunct="0">
+              <a:spcBef>
+                <a:spcPct val="20000"/>
+              </a:spcBef>
+              <a:spcAft>
+                <a:spcPct val="0"/>
+              </a:spcAft>
+              <a:buChar char="»"/>
+              <a:defRPr sz="2000">
+                <a:solidFill>
+                  <a:schemeClr val="tx1"/>
+                </a:solidFill>
+                <a:latin typeface="Times New Roman" panose="02020603050405020304" pitchFamily="18" charset="0"/>
+              </a:defRPr>
+            </a:lvl9pPr>
+          </a:lstStyle>
+          <a:p>
+            <a:pPr>
+              <a:spcBef>
+                <a:spcPct val="50000"/>
+              </a:spcBef>
+              <a:buFontTx/>
+              <a:buNone/>
+            </a:pPr>
+            <a:endParaRPr lang="en-US" altLang="en-US" sz="1600"/>
+          </a:p>
+        </p:txBody>
+      </p:sp>
+      <p:sp>
+        <p:nvSpPr>
+          <p:cNvPr id="13" name="Line 15"/>
+          <p:cNvSpPr>
+            <a:spLocks noChangeShapeType="1"/>
+          </p:cNvSpPr>
+          <p:nvPr/>
+        </p:nvSpPr>
+        <p:spPr bwMode="auto">
+          <a:xfrm flipV="1">
+            <a:off x="3536349" y="2112744"/>
+            <a:ext cx="0" cy="292100"/>
+          </a:xfrm>
+          <a:prstGeom prst="line">
+            <a:avLst/>
+          </a:prstGeom>
+          <a:noFill/>
+          <a:ln w="9525">
+            <a:solidFill>
+              <a:schemeClr val="tx1"/>
+            </a:solidFill>
+            <a:round/>
+            <a:headEnd/>
+            <a:tailEnd/>
+          </a:ln>
+          <a:extLst>
+            <a:ext uri="{909E8E84-426E-40DD-AFC4-6F175D3DCCD1}">
+              <a14:hiddenFill xmlns:a14="http://schemas.microsoft.com/office/drawing/2010/main">
+                <a:noFill/>
+              </a14:hiddenFill>
+            </a:ext>
+          </a:extLst>
+        </p:spPr>
+        <p:txBody>
+          <a:bodyPr wrap="none" anchor="ctr"/>
+          <a:lstStyle/>
+          <a:p>
+            <a:endParaRPr lang="en-US"/>
+          </a:p>
+        </p:txBody>
+      </p:sp>
+      <p:sp>
+        <p:nvSpPr>
+          <p:cNvPr id="14" name="Line 16"/>
+          <p:cNvSpPr>
+            <a:spLocks noChangeShapeType="1"/>
+          </p:cNvSpPr>
+          <p:nvPr/>
+        </p:nvSpPr>
+        <p:spPr bwMode="auto">
+          <a:xfrm>
+            <a:off x="4877786" y="2569944"/>
+            <a:ext cx="2590800" cy="0"/>
+          </a:xfrm>
+          <a:prstGeom prst="line">
+            <a:avLst/>
+          </a:prstGeom>
+          <a:noFill/>
+          <a:ln w="9525">
+            <a:solidFill>
+              <a:schemeClr val="tx1"/>
+            </a:solidFill>
+            <a:round/>
+            <a:headEnd/>
+            <a:tailEnd/>
+          </a:ln>
+          <a:extLst>
+            <a:ext uri="{909E8E84-426E-40DD-AFC4-6F175D3DCCD1}">
+              <a14:hiddenFill xmlns:a14="http://schemas.microsoft.com/office/drawing/2010/main">
+                <a:noFill/>
+              </a14:hiddenFill>
+            </a:ext>
+          </a:extLst>
+        </p:spPr>
+        <p:txBody>
+          <a:bodyPr wrap="none" anchor="ctr"/>
+          <a:lstStyle/>
+          <a:p>
+            <a:endParaRPr lang="en-US"/>
+          </a:p>
+        </p:txBody>
+      </p:sp>
+      <p:sp>
+        <p:nvSpPr>
+          <p:cNvPr id="15" name="Oval 17"/>
+          <p:cNvSpPr>
+            <a:spLocks noChangeArrowheads="1"/>
+          </p:cNvSpPr>
+          <p:nvPr/>
+        </p:nvSpPr>
+        <p:spPr bwMode="auto">
+          <a:xfrm>
+            <a:off x="2220311" y="3155731"/>
+            <a:ext cx="2362200" cy="609600"/>
+          </a:xfrm>
+          <a:prstGeom prst="ellipse">
+            <a:avLst/>
+          </a:prstGeom>
+          <a:noFill/>
+          <a:ln w="9525">
+            <a:solidFill>
+              <a:schemeClr val="tx1"/>
+            </a:solidFill>
+            <a:round/>
+            <a:headEnd/>
+            <a:tailEnd/>
+          </a:ln>
+          <a:extLst>
+            <a:ext uri="{909E8E84-426E-40DD-AFC4-6F175D3DCCD1}">
+              <a14:hiddenFill xmlns:a14="http://schemas.microsoft.com/office/drawing/2010/main">
+                <a:solidFill>
+                  <a:srgbClr val="FFFFFF"/>
+                </a:solidFill>
+              </a14:hiddenFill>
+            </a:ext>
+          </a:extLst>
+        </p:spPr>
+        <p:txBody>
+          <a:bodyPr wrap="none" anchor="ctr"/>
+          <a:lstStyle>
+            <a:lvl1pPr>
+              <a:spcBef>
+                <a:spcPct val="20000"/>
+              </a:spcBef>
+              <a:buChar char="•"/>
+              <a:defRPr sz="2800">
+                <a:solidFill>
+                  <a:schemeClr val="tx1"/>
+                </a:solidFill>
+                <a:latin typeface="Times New Roman" panose="02020603050405020304" pitchFamily="18" charset="0"/>
+              </a:defRPr>
+            </a:lvl1pPr>
+            <a:lvl2pPr marL="742950" indent="-285750">
+              <a:spcBef>
+                <a:spcPct val="20000"/>
+              </a:spcBef>
+              <a:buChar char="–"/>
+              <a:defRPr sz="2200">
+                <a:solidFill>
+                  <a:schemeClr val="tx1"/>
+                </a:solidFill>
+                <a:latin typeface="Times New Roman" panose="02020603050405020304" pitchFamily="18" charset="0"/>
+              </a:defRPr>
+            </a:lvl2pPr>
+            <a:lvl3pPr marL="1143000" indent="-228600">
+              <a:spcBef>
+                <a:spcPct val="20000"/>
+              </a:spcBef>
+              <a:buChar char="•"/>
+              <a:defRPr sz="2000">
+                <a:solidFill>
+                  <a:schemeClr val="tx1"/>
+                </a:solidFill>
+                <a:latin typeface="Times New Roman" panose="02020603050405020304" pitchFamily="18" charset="0"/>
+              </a:defRPr>
+            </a:lvl3pPr>
+            <a:lvl4pPr marL="1600200" indent="-228600">
+              <a:spcBef>
+                <a:spcPct val="20000"/>
+              </a:spcBef>
+              <a:buChar char="–"/>
+              <a:defRPr sz="2000">
+                <a:solidFill>
+                  <a:schemeClr val="tx1"/>
+                </a:solidFill>
+                <a:latin typeface="Times New Roman" panose="02020603050405020304" pitchFamily="18" charset="0"/>
+              </a:defRPr>
+            </a:lvl4pPr>
+            <a:lvl5pPr marL="2057400" indent="-228600">
+              <a:spcBef>
+                <a:spcPct val="20000"/>
+              </a:spcBef>
+              <a:buChar char="»"/>
+              <a:defRPr sz="2000">
+                <a:solidFill>
+                  <a:schemeClr val="tx1"/>
+                </a:solidFill>
+                <a:latin typeface="Times New Roman" panose="02020603050405020304" pitchFamily="18" charset="0"/>
+              </a:defRPr>
+            </a:lvl5pPr>
+            <a:lvl6pPr marL="2514600" indent="-228600" eaLnBrk="0" fontAlgn="base" hangingPunct="0">
+              <a:spcBef>
+                <a:spcPct val="20000"/>
+              </a:spcBef>
+              <a:spcAft>
+                <a:spcPct val="0"/>
+              </a:spcAft>
+              <a:buChar char="»"/>
+              <a:defRPr sz="2000">
+                <a:solidFill>
+                  <a:schemeClr val="tx1"/>
+                </a:solidFill>
+                <a:latin typeface="Times New Roman" panose="02020603050405020304" pitchFamily="18" charset="0"/>
+              </a:defRPr>
+            </a:lvl6pPr>
+            <a:lvl7pPr marL="2971800" indent="-228600" eaLnBrk="0" fontAlgn="base" hangingPunct="0">
+              <a:spcBef>
+                <a:spcPct val="20000"/>
+              </a:spcBef>
+              <a:spcAft>
+                <a:spcPct val="0"/>
+              </a:spcAft>
+              <a:buChar char="»"/>
+              <a:defRPr sz="2000">
+                <a:solidFill>
+                  <a:schemeClr val="tx1"/>
+                </a:solidFill>
+                <a:latin typeface="Times New Roman" panose="02020603050405020304" pitchFamily="18" charset="0"/>
+              </a:defRPr>
+            </a:lvl7pPr>
+            <a:lvl8pPr marL="3429000" indent="-228600" eaLnBrk="0" fontAlgn="base" hangingPunct="0">
+              <a:spcBef>
+                <a:spcPct val="20000"/>
+              </a:spcBef>
+              <a:spcAft>
+                <a:spcPct val="0"/>
+              </a:spcAft>
+              <a:buChar char="»"/>
+              <a:defRPr sz="2000">
+                <a:solidFill>
+                  <a:schemeClr val="tx1"/>
+                </a:solidFill>
+                <a:latin typeface="Times New Roman" panose="02020603050405020304" pitchFamily="18" charset="0"/>
+              </a:defRPr>
+            </a:lvl8pPr>
+            <a:lvl9pPr marL="3886200" indent="-228600" eaLnBrk="0" fontAlgn="base" hangingPunct="0">
+              <a:spcBef>
+                <a:spcPct val="20000"/>
+              </a:spcBef>
+              <a:spcAft>
+                <a:spcPct val="0"/>
+              </a:spcAft>
+              <a:buChar char="»"/>
+              <a:defRPr sz="2000">
+                <a:solidFill>
+                  <a:schemeClr val="tx1"/>
+                </a:solidFill>
+                <a:latin typeface="Times New Roman" panose="02020603050405020304" pitchFamily="18" charset="0"/>
+              </a:defRPr>
+            </a:lvl9pPr>
+          </a:lstStyle>
+          <a:p>
+            <a:pPr>
+              <a:spcBef>
+                <a:spcPct val="50000"/>
+              </a:spcBef>
+              <a:buFontTx/>
+              <a:buNone/>
+            </a:pPr>
+            <a:endParaRPr lang="en-US" altLang="en-US" sz="1600"/>
+          </a:p>
+        </p:txBody>
+      </p:sp>
+      <p:sp>
+        <p:nvSpPr>
+          <p:cNvPr id="16" name="Oval 18"/>
+          <p:cNvSpPr>
+            <a:spLocks noChangeArrowheads="1"/>
+          </p:cNvSpPr>
+          <p:nvPr/>
+        </p:nvSpPr>
+        <p:spPr bwMode="auto">
+          <a:xfrm>
+            <a:off x="1991711" y="4146331"/>
+            <a:ext cx="3048000" cy="914400"/>
+          </a:xfrm>
+          <a:prstGeom prst="ellipse">
+            <a:avLst/>
+          </a:prstGeom>
+          <a:noFill/>
+          <a:ln w="9525">
+            <a:solidFill>
+              <a:schemeClr val="tx1"/>
+            </a:solidFill>
+            <a:round/>
+            <a:headEnd/>
+            <a:tailEnd/>
+          </a:ln>
+          <a:extLst>
+            <a:ext uri="{909E8E84-426E-40DD-AFC4-6F175D3DCCD1}">
+              <a14:hiddenFill xmlns:a14="http://schemas.microsoft.com/office/drawing/2010/main">
+                <a:solidFill>
+                  <a:srgbClr val="FFFFFF"/>
+                </a:solidFill>
+              </a14:hiddenFill>
+            </a:ext>
+          </a:extLst>
+        </p:spPr>
+        <p:txBody>
+          <a:bodyPr wrap="none" anchor="ctr"/>
+          <a:lstStyle>
+            <a:lvl1pPr>
+              <a:spcBef>
+                <a:spcPct val="20000"/>
+              </a:spcBef>
+              <a:buChar char="•"/>
+              <a:defRPr sz="2800">
+                <a:solidFill>
+                  <a:schemeClr val="tx1"/>
+                </a:solidFill>
+                <a:latin typeface="Times New Roman" panose="02020603050405020304" pitchFamily="18" charset="0"/>
+              </a:defRPr>
+            </a:lvl1pPr>
+            <a:lvl2pPr marL="742950" indent="-285750">
+              <a:spcBef>
+                <a:spcPct val="20000"/>
+              </a:spcBef>
+              <a:buChar char="–"/>
+              <a:defRPr sz="2200">
+                <a:solidFill>
+                  <a:schemeClr val="tx1"/>
+                </a:solidFill>
+                <a:latin typeface="Times New Roman" panose="02020603050405020304" pitchFamily="18" charset="0"/>
+              </a:defRPr>
+            </a:lvl2pPr>
+            <a:lvl3pPr marL="1143000" indent="-228600">
+              <a:spcBef>
+                <a:spcPct val="20000"/>
+              </a:spcBef>
+              <a:buChar char="•"/>
+              <a:defRPr sz="2000">
+                <a:solidFill>
+                  <a:schemeClr val="tx1"/>
+                </a:solidFill>
+                <a:latin typeface="Times New Roman" panose="02020603050405020304" pitchFamily="18" charset="0"/>
+              </a:defRPr>
+            </a:lvl3pPr>
+            <a:lvl4pPr marL="1600200" indent="-228600">
+              <a:spcBef>
+                <a:spcPct val="20000"/>
+              </a:spcBef>
+              <a:buChar char="–"/>
+              <a:defRPr sz="2000">
+                <a:solidFill>
+                  <a:schemeClr val="tx1"/>
+                </a:solidFill>
+                <a:latin typeface="Times New Roman" panose="02020603050405020304" pitchFamily="18" charset="0"/>
+              </a:defRPr>
+            </a:lvl4pPr>
+            <a:lvl5pPr marL="2057400" indent="-228600">
+              <a:spcBef>
+                <a:spcPct val="20000"/>
+              </a:spcBef>
+              <a:buChar char="»"/>
+              <a:defRPr sz="2000">
+                <a:solidFill>
+                  <a:schemeClr val="tx1"/>
+                </a:solidFill>
+                <a:latin typeface="Times New Roman" panose="02020603050405020304" pitchFamily="18" charset="0"/>
+              </a:defRPr>
+            </a:lvl5pPr>
+            <a:lvl6pPr marL="2514600" indent="-228600" eaLnBrk="0" fontAlgn="base" hangingPunct="0">
+              <a:spcBef>
+                <a:spcPct val="20000"/>
+              </a:spcBef>
+              <a:spcAft>
+                <a:spcPct val="0"/>
+              </a:spcAft>
+              <a:buChar char="»"/>
+              <a:defRPr sz="2000">
+                <a:solidFill>
+                  <a:schemeClr val="tx1"/>
+                </a:solidFill>
+                <a:latin typeface="Times New Roman" panose="02020603050405020304" pitchFamily="18" charset="0"/>
+              </a:defRPr>
+            </a:lvl6pPr>
+            <a:lvl7pPr marL="2971800" indent="-228600" eaLnBrk="0" fontAlgn="base" hangingPunct="0">
+              <a:spcBef>
+                <a:spcPct val="20000"/>
+              </a:spcBef>
+              <a:spcAft>
+                <a:spcPct val="0"/>
+              </a:spcAft>
+              <a:buChar char="»"/>
+              <a:defRPr sz="2000">
+                <a:solidFill>
+                  <a:schemeClr val="tx1"/>
+                </a:solidFill>
+                <a:latin typeface="Times New Roman" panose="02020603050405020304" pitchFamily="18" charset="0"/>
+              </a:defRPr>
+            </a:lvl7pPr>
+            <a:lvl8pPr marL="3429000" indent="-228600" eaLnBrk="0" fontAlgn="base" hangingPunct="0">
+              <a:spcBef>
+                <a:spcPct val="20000"/>
+              </a:spcBef>
+              <a:spcAft>
+                <a:spcPct val="0"/>
+              </a:spcAft>
+              <a:buChar char="»"/>
+              <a:defRPr sz="2000">
+                <a:solidFill>
+                  <a:schemeClr val="tx1"/>
+                </a:solidFill>
+                <a:latin typeface="Times New Roman" panose="02020603050405020304" pitchFamily="18" charset="0"/>
+              </a:defRPr>
+            </a:lvl8pPr>
+            <a:lvl9pPr marL="3886200" indent="-228600" eaLnBrk="0" fontAlgn="base" hangingPunct="0">
+              <a:spcBef>
+                <a:spcPct val="20000"/>
+              </a:spcBef>
+              <a:spcAft>
+                <a:spcPct val="0"/>
+              </a:spcAft>
+              <a:buChar char="»"/>
+              <a:defRPr sz="2000">
+                <a:solidFill>
+                  <a:schemeClr val="tx1"/>
+                </a:solidFill>
+                <a:latin typeface="Times New Roman" panose="02020603050405020304" pitchFamily="18" charset="0"/>
+              </a:defRPr>
+            </a:lvl9pPr>
+          </a:lstStyle>
+          <a:p>
+            <a:pPr>
+              <a:spcBef>
+                <a:spcPct val="50000"/>
+              </a:spcBef>
+              <a:buFontTx/>
+              <a:buNone/>
+            </a:pPr>
+            <a:endParaRPr lang="en-US" altLang="en-US" sz="1600"/>
+          </a:p>
+        </p:txBody>
+      </p:sp>
+      <p:sp>
+        <p:nvSpPr>
+          <p:cNvPr id="17" name="Oval 19"/>
+          <p:cNvSpPr>
+            <a:spLocks noChangeArrowheads="1"/>
+          </p:cNvSpPr>
+          <p:nvPr/>
+        </p:nvSpPr>
+        <p:spPr bwMode="auto">
+          <a:xfrm>
+            <a:off x="2220311" y="5365531"/>
+            <a:ext cx="2362200" cy="533400"/>
+          </a:xfrm>
+          <a:prstGeom prst="ellipse">
+            <a:avLst/>
+          </a:prstGeom>
+          <a:noFill/>
+          <a:ln w="9525">
+            <a:solidFill>
+              <a:schemeClr val="tx1"/>
+            </a:solidFill>
+            <a:round/>
+            <a:headEnd/>
+            <a:tailEnd/>
+          </a:ln>
+          <a:extLst>
+            <a:ext uri="{909E8E84-426E-40DD-AFC4-6F175D3DCCD1}">
+              <a14:hiddenFill xmlns:a14="http://schemas.microsoft.com/office/drawing/2010/main">
+                <a:solidFill>
+                  <a:srgbClr val="FFFFFF"/>
+                </a:solidFill>
+              </a14:hiddenFill>
+            </a:ext>
+          </a:extLst>
+        </p:spPr>
+        <p:txBody>
+          <a:bodyPr wrap="none" anchor="ctr"/>
+          <a:lstStyle>
+            <a:lvl1pPr>
+              <a:spcBef>
+                <a:spcPct val="20000"/>
+              </a:spcBef>
+              <a:buChar char="•"/>
+              <a:defRPr sz="2800">
+                <a:solidFill>
+                  <a:schemeClr val="tx1"/>
+                </a:solidFill>
+                <a:latin typeface="Times New Roman" panose="02020603050405020304" pitchFamily="18" charset="0"/>
+              </a:defRPr>
+            </a:lvl1pPr>
+            <a:lvl2pPr marL="742950" indent="-285750">
+              <a:spcBef>
+                <a:spcPct val="20000"/>
+              </a:spcBef>
+              <a:buChar char="–"/>
+              <a:defRPr sz="2200">
+                <a:solidFill>
+                  <a:schemeClr val="tx1"/>
+                </a:solidFill>
+                <a:latin typeface="Times New Roman" panose="02020603050405020304" pitchFamily="18" charset="0"/>
+              </a:defRPr>
+            </a:lvl2pPr>
+            <a:lvl3pPr marL="1143000" indent="-228600">
+              <a:spcBef>
+                <a:spcPct val="20000"/>
+              </a:spcBef>
+              <a:buChar char="•"/>
+              <a:defRPr sz="2000">
+                <a:solidFill>
+                  <a:schemeClr val="tx1"/>
+                </a:solidFill>
+                <a:latin typeface="Times New Roman" panose="02020603050405020304" pitchFamily="18" charset="0"/>
+              </a:defRPr>
+            </a:lvl3pPr>
+            <a:lvl4pPr marL="1600200" indent="-228600">
+              <a:spcBef>
+                <a:spcPct val="20000"/>
+              </a:spcBef>
+              <a:buChar char="–"/>
+              <a:defRPr sz="2000">
+                <a:solidFill>
+                  <a:schemeClr val="tx1"/>
+                </a:solidFill>
+                <a:latin typeface="Times New Roman" panose="02020603050405020304" pitchFamily="18" charset="0"/>
+              </a:defRPr>
+            </a:lvl4pPr>
+            <a:lvl5pPr marL="2057400" indent="-228600">
+              <a:spcBef>
+                <a:spcPct val="20000"/>
+              </a:spcBef>
+              <a:buChar char="»"/>
+              <a:defRPr sz="2000">
+                <a:solidFill>
+                  <a:schemeClr val="tx1"/>
+                </a:solidFill>
+                <a:latin typeface="Times New Roman" panose="02020603050405020304" pitchFamily="18" charset="0"/>
+              </a:defRPr>
+            </a:lvl5pPr>
+            <a:lvl6pPr marL="2514600" indent="-228600" eaLnBrk="0" fontAlgn="base" hangingPunct="0">
+              <a:spcBef>
+                <a:spcPct val="20000"/>
+              </a:spcBef>
+              <a:spcAft>
+                <a:spcPct val="0"/>
+              </a:spcAft>
+              <a:buChar char="»"/>
+              <a:defRPr sz="2000">
+                <a:solidFill>
+                  <a:schemeClr val="tx1"/>
+                </a:solidFill>
+                <a:latin typeface="Times New Roman" panose="02020603050405020304" pitchFamily="18" charset="0"/>
+              </a:defRPr>
+            </a:lvl6pPr>
+            <a:lvl7pPr marL="2971800" indent="-228600" eaLnBrk="0" fontAlgn="base" hangingPunct="0">
+              <a:spcBef>
+                <a:spcPct val="20000"/>
+              </a:spcBef>
+              <a:spcAft>
+                <a:spcPct val="0"/>
+              </a:spcAft>
+              <a:buChar char="»"/>
+              <a:defRPr sz="2000">
+                <a:solidFill>
+                  <a:schemeClr val="tx1"/>
+                </a:solidFill>
+                <a:latin typeface="Times New Roman" panose="02020603050405020304" pitchFamily="18" charset="0"/>
+              </a:defRPr>
+            </a:lvl7pPr>
+            <a:lvl8pPr marL="3429000" indent="-228600" eaLnBrk="0" fontAlgn="base" hangingPunct="0">
+              <a:spcBef>
+                <a:spcPct val="20000"/>
+              </a:spcBef>
+              <a:spcAft>
+                <a:spcPct val="0"/>
+              </a:spcAft>
+              <a:buChar char="»"/>
+              <a:defRPr sz="2000">
+                <a:solidFill>
+                  <a:schemeClr val="tx1"/>
+                </a:solidFill>
+                <a:latin typeface="Times New Roman" panose="02020603050405020304" pitchFamily="18" charset="0"/>
+              </a:defRPr>
+            </a:lvl8pPr>
+            <a:lvl9pPr marL="3886200" indent="-228600" eaLnBrk="0" fontAlgn="base" hangingPunct="0">
+              <a:spcBef>
+                <a:spcPct val="20000"/>
+              </a:spcBef>
+              <a:spcAft>
+                <a:spcPct val="0"/>
+              </a:spcAft>
+              <a:buChar char="»"/>
+              <a:defRPr sz="2000">
+                <a:solidFill>
+                  <a:schemeClr val="tx1"/>
+                </a:solidFill>
+                <a:latin typeface="Times New Roman" panose="02020603050405020304" pitchFamily="18" charset="0"/>
+              </a:defRPr>
+            </a:lvl9pPr>
+          </a:lstStyle>
+          <a:p>
+            <a:pPr>
+              <a:spcBef>
+                <a:spcPct val="50000"/>
+              </a:spcBef>
+              <a:buFontTx/>
+              <a:buNone/>
+            </a:pPr>
+            <a:endParaRPr lang="en-US" altLang="en-US" sz="1600"/>
+          </a:p>
+        </p:txBody>
+      </p:sp>
+      <p:sp>
+        <p:nvSpPr>
+          <p:cNvPr id="18" name="Text Box 4"/>
+          <p:cNvSpPr txBox="1">
+            <a:spLocks noChangeArrowheads="1"/>
+          </p:cNvSpPr>
+          <p:nvPr/>
+        </p:nvSpPr>
+        <p:spPr bwMode="auto">
+          <a:xfrm>
+            <a:off x="6639911" y="3993931"/>
+            <a:ext cx="3194050" cy="822325"/>
+          </a:xfrm>
+          <a:prstGeom prst="rect">
+            <a:avLst/>
+          </a:prstGeom>
+          <a:noFill/>
+          <a:ln>
+            <a:noFill/>
+          </a:ln>
+          <a:extLst>
+            <a:ext uri="{909E8E84-426E-40DD-AFC4-6F175D3DCCD1}">
+              <a14:hiddenFill xmlns:a14="http://schemas.microsoft.com/office/drawing/2010/main">
+                <a:solidFill>
+                  <a:srgbClr val="FFFFFF"/>
+                </a:solidFill>
+              </a14:hiddenFill>
+            </a:ext>
+            <a:ext uri="{91240B29-F687-4F45-9708-019B960494DF}">
+              <a14:hiddenLine xmlns:a14="http://schemas.microsoft.com/office/drawing/2010/main" w="9525">
+                <a:solidFill>
+                  <a:srgbClr val="000000"/>
+                </a:solidFill>
+                <a:miter lim="800000"/>
+                <a:headEnd/>
+                <a:tailEnd/>
+              </a14:hiddenLine>
+            </a:ext>
+          </a:extLst>
+        </p:spPr>
+        <p:txBody>
+          <a:bodyPr>
+            <a:spAutoFit/>
+          </a:bodyPr>
+          <a:lstStyle>
+            <a:lvl1pPr>
+              <a:spcBef>
+                <a:spcPct val="20000"/>
+              </a:spcBef>
+              <a:buChar char="•"/>
+              <a:defRPr sz="2800">
+                <a:solidFill>
+                  <a:schemeClr val="tx1"/>
+                </a:solidFill>
+                <a:latin typeface="Times New Roman" panose="02020603050405020304" pitchFamily="18" charset="0"/>
+              </a:defRPr>
+            </a:lvl1pPr>
+            <a:lvl2pPr marL="742950" indent="-285750">
+              <a:spcBef>
+                <a:spcPct val="20000"/>
+              </a:spcBef>
+              <a:buChar char="–"/>
+              <a:defRPr sz="2200">
+                <a:solidFill>
+                  <a:schemeClr val="tx1"/>
+                </a:solidFill>
+                <a:latin typeface="Times New Roman" panose="02020603050405020304" pitchFamily="18" charset="0"/>
+              </a:defRPr>
+            </a:lvl2pPr>
+            <a:lvl3pPr marL="1143000" indent="-228600">
+              <a:spcBef>
+                <a:spcPct val="20000"/>
+              </a:spcBef>
+              <a:buChar char="•"/>
+              <a:defRPr sz="2000">
+                <a:solidFill>
+                  <a:schemeClr val="tx1"/>
+                </a:solidFill>
+                <a:latin typeface="Times New Roman" panose="02020603050405020304" pitchFamily="18" charset="0"/>
+              </a:defRPr>
+            </a:lvl3pPr>
+            <a:lvl4pPr marL="1600200" indent="-228600">
+              <a:spcBef>
+                <a:spcPct val="20000"/>
+              </a:spcBef>
+              <a:buChar char="–"/>
+              <a:defRPr sz="2000">
+                <a:solidFill>
+                  <a:schemeClr val="tx1"/>
+                </a:solidFill>
+                <a:latin typeface="Times New Roman" panose="02020603050405020304" pitchFamily="18" charset="0"/>
+              </a:defRPr>
+            </a:lvl4pPr>
+            <a:lvl5pPr marL="2057400" indent="-228600">
+              <a:spcBef>
+                <a:spcPct val="20000"/>
+              </a:spcBef>
+              <a:buChar char="»"/>
+              <a:defRPr sz="2000">
+                <a:solidFill>
+                  <a:schemeClr val="tx1"/>
+                </a:solidFill>
+                <a:latin typeface="Times New Roman" panose="02020603050405020304" pitchFamily="18" charset="0"/>
+              </a:defRPr>
+            </a:lvl5pPr>
+            <a:lvl6pPr marL="2514600" indent="-228600" eaLnBrk="0" fontAlgn="base" hangingPunct="0">
+              <a:spcBef>
+                <a:spcPct val="20000"/>
+              </a:spcBef>
+              <a:spcAft>
+                <a:spcPct val="0"/>
+              </a:spcAft>
+              <a:buChar char="»"/>
+              <a:defRPr sz="2000">
+                <a:solidFill>
+                  <a:schemeClr val="tx1"/>
+                </a:solidFill>
+                <a:latin typeface="Times New Roman" panose="02020603050405020304" pitchFamily="18" charset="0"/>
+              </a:defRPr>
+            </a:lvl6pPr>
+            <a:lvl7pPr marL="2971800" indent="-228600" eaLnBrk="0" fontAlgn="base" hangingPunct="0">
+              <a:spcBef>
+                <a:spcPct val="20000"/>
+              </a:spcBef>
+              <a:spcAft>
+                <a:spcPct val="0"/>
+              </a:spcAft>
+              <a:buChar char="»"/>
+              <a:defRPr sz="2000">
+                <a:solidFill>
+                  <a:schemeClr val="tx1"/>
+                </a:solidFill>
+                <a:latin typeface="Times New Roman" panose="02020603050405020304" pitchFamily="18" charset="0"/>
+              </a:defRPr>
+            </a:lvl7pPr>
+            <a:lvl8pPr marL="3429000" indent="-228600" eaLnBrk="0" fontAlgn="base" hangingPunct="0">
+              <a:spcBef>
+                <a:spcPct val="20000"/>
+              </a:spcBef>
+              <a:spcAft>
+                <a:spcPct val="0"/>
+              </a:spcAft>
+              <a:buChar char="»"/>
+              <a:defRPr sz="2000">
+                <a:solidFill>
+                  <a:schemeClr val="tx1"/>
+                </a:solidFill>
+                <a:latin typeface="Times New Roman" panose="02020603050405020304" pitchFamily="18" charset="0"/>
+              </a:defRPr>
+            </a:lvl8pPr>
+            <a:lvl9pPr marL="3886200" indent="-228600" eaLnBrk="0" fontAlgn="base" hangingPunct="0">
+              <a:spcBef>
+                <a:spcPct val="20000"/>
+              </a:spcBef>
+              <a:spcAft>
+                <a:spcPct val="0"/>
+              </a:spcAft>
+              <a:buChar char="»"/>
+              <a:defRPr sz="2000">
+                <a:solidFill>
+                  <a:schemeClr val="tx1"/>
+                </a:solidFill>
+                <a:latin typeface="Times New Roman" panose="02020603050405020304" pitchFamily="18" charset="0"/>
+              </a:defRPr>
+            </a:lvl9pPr>
+          </a:lstStyle>
+          <a:p>
+            <a:pPr>
+              <a:spcBef>
+                <a:spcPct val="50000"/>
+              </a:spcBef>
+              <a:buFontTx/>
+              <a:buNone/>
+            </a:pPr>
+            <a:r>
+              <a:rPr lang="en-US" altLang="en-US" sz="1600"/>
+              <a:t>doGet(HttpServletRequest,</a:t>
+            </a:r>
+          </a:p>
+          <a:p>
+            <a:pPr>
+              <a:spcBef>
+                <a:spcPct val="50000"/>
+              </a:spcBef>
+              <a:buFontTx/>
+              <a:buNone/>
+            </a:pPr>
+            <a:r>
+              <a:rPr lang="en-US" altLang="en-US" sz="1600"/>
+              <a:t>	HttpServletResponse);</a:t>
+            </a:r>
+          </a:p>
+        </p:txBody>
+      </p:sp>
+      <p:sp>
+        <p:nvSpPr>
+          <p:cNvPr id="19" name="Text Box 5"/>
+          <p:cNvSpPr txBox="1">
+            <a:spLocks noChangeArrowheads="1"/>
+          </p:cNvSpPr>
+          <p:nvPr/>
+        </p:nvSpPr>
+        <p:spPr bwMode="auto">
+          <a:xfrm>
+            <a:off x="6639911" y="4755931"/>
+            <a:ext cx="3003550" cy="1187450"/>
+          </a:xfrm>
+          <a:prstGeom prst="rect">
+            <a:avLst/>
+          </a:prstGeom>
+          <a:noFill/>
+          <a:ln>
+            <a:noFill/>
+          </a:ln>
+          <a:extLst>
+            <a:ext uri="{909E8E84-426E-40DD-AFC4-6F175D3DCCD1}">
+              <a14:hiddenFill xmlns:a14="http://schemas.microsoft.com/office/drawing/2010/main">
+                <a:solidFill>
+                  <a:srgbClr val="FFFFFF"/>
+                </a:solidFill>
+              </a14:hiddenFill>
+            </a:ext>
+            <a:ext uri="{91240B29-F687-4F45-9708-019B960494DF}">
+              <a14:hiddenLine xmlns:a14="http://schemas.microsoft.com/office/drawing/2010/main" w="9525">
+                <a:solidFill>
+                  <a:srgbClr val="000000"/>
+                </a:solidFill>
+                <a:miter lim="800000"/>
+                <a:headEnd/>
+                <a:tailEnd/>
+              </a14:hiddenLine>
+            </a:ext>
+          </a:extLst>
+        </p:spPr>
+        <p:txBody>
+          <a:bodyPr wrap="none">
+            <a:spAutoFit/>
+          </a:bodyPr>
+          <a:lstStyle>
+            <a:lvl1pPr>
+              <a:spcBef>
+                <a:spcPct val="20000"/>
+              </a:spcBef>
+              <a:buChar char="•"/>
+              <a:defRPr sz="2800">
+                <a:solidFill>
+                  <a:schemeClr val="tx1"/>
+                </a:solidFill>
+                <a:latin typeface="Times New Roman" panose="02020603050405020304" pitchFamily="18" charset="0"/>
+              </a:defRPr>
+            </a:lvl1pPr>
+            <a:lvl2pPr marL="742950" indent="-285750">
+              <a:spcBef>
+                <a:spcPct val="20000"/>
+              </a:spcBef>
+              <a:buChar char="–"/>
+              <a:defRPr sz="2200">
+                <a:solidFill>
+                  <a:schemeClr val="tx1"/>
+                </a:solidFill>
+                <a:latin typeface="Times New Roman" panose="02020603050405020304" pitchFamily="18" charset="0"/>
+              </a:defRPr>
+            </a:lvl2pPr>
+            <a:lvl3pPr marL="1143000" indent="-228600">
+              <a:spcBef>
+                <a:spcPct val="20000"/>
+              </a:spcBef>
+              <a:buChar char="•"/>
+              <a:defRPr sz="2000">
+                <a:solidFill>
+                  <a:schemeClr val="tx1"/>
+                </a:solidFill>
+                <a:latin typeface="Times New Roman" panose="02020603050405020304" pitchFamily="18" charset="0"/>
+              </a:defRPr>
+            </a:lvl3pPr>
+            <a:lvl4pPr marL="1600200" indent="-228600">
+              <a:spcBef>
+                <a:spcPct val="20000"/>
+              </a:spcBef>
+              <a:buChar char="–"/>
+              <a:defRPr sz="2000">
+                <a:solidFill>
+                  <a:schemeClr val="tx1"/>
+                </a:solidFill>
+                <a:latin typeface="Times New Roman" panose="02020603050405020304" pitchFamily="18" charset="0"/>
+              </a:defRPr>
+            </a:lvl4pPr>
+            <a:lvl5pPr marL="2057400" indent="-228600">
+              <a:spcBef>
+                <a:spcPct val="20000"/>
+              </a:spcBef>
+              <a:buChar char="»"/>
+              <a:defRPr sz="2000">
+                <a:solidFill>
+                  <a:schemeClr val="tx1"/>
+                </a:solidFill>
+                <a:latin typeface="Times New Roman" panose="02020603050405020304" pitchFamily="18" charset="0"/>
+              </a:defRPr>
+            </a:lvl5pPr>
+            <a:lvl6pPr marL="2514600" indent="-228600" eaLnBrk="0" fontAlgn="base" hangingPunct="0">
+              <a:spcBef>
+                <a:spcPct val="20000"/>
+              </a:spcBef>
+              <a:spcAft>
+                <a:spcPct val="0"/>
+              </a:spcAft>
+              <a:buChar char="»"/>
+              <a:defRPr sz="2000">
+                <a:solidFill>
+                  <a:schemeClr val="tx1"/>
+                </a:solidFill>
+                <a:latin typeface="Times New Roman" panose="02020603050405020304" pitchFamily="18" charset="0"/>
+              </a:defRPr>
+            </a:lvl6pPr>
+            <a:lvl7pPr marL="2971800" indent="-228600" eaLnBrk="0" fontAlgn="base" hangingPunct="0">
+              <a:spcBef>
+                <a:spcPct val="20000"/>
+              </a:spcBef>
+              <a:spcAft>
+                <a:spcPct val="0"/>
+              </a:spcAft>
+              <a:buChar char="»"/>
+              <a:defRPr sz="2000">
+                <a:solidFill>
+                  <a:schemeClr val="tx1"/>
+                </a:solidFill>
+                <a:latin typeface="Times New Roman" panose="02020603050405020304" pitchFamily="18" charset="0"/>
+              </a:defRPr>
+            </a:lvl7pPr>
+            <a:lvl8pPr marL="3429000" indent="-228600" eaLnBrk="0" fontAlgn="base" hangingPunct="0">
+              <a:spcBef>
+                <a:spcPct val="20000"/>
+              </a:spcBef>
+              <a:spcAft>
+                <a:spcPct val="0"/>
+              </a:spcAft>
+              <a:buChar char="»"/>
+              <a:defRPr sz="2000">
+                <a:solidFill>
+                  <a:schemeClr val="tx1"/>
+                </a:solidFill>
+                <a:latin typeface="Times New Roman" panose="02020603050405020304" pitchFamily="18" charset="0"/>
+              </a:defRPr>
+            </a:lvl8pPr>
+            <a:lvl9pPr marL="3886200" indent="-228600" eaLnBrk="0" fontAlgn="base" hangingPunct="0">
+              <a:spcBef>
+                <a:spcPct val="20000"/>
+              </a:spcBef>
+              <a:spcAft>
+                <a:spcPct val="0"/>
+              </a:spcAft>
+              <a:buChar char="»"/>
+              <a:defRPr sz="2000">
+                <a:solidFill>
+                  <a:schemeClr val="tx1"/>
+                </a:solidFill>
+                <a:latin typeface="Times New Roman" panose="02020603050405020304" pitchFamily="18" charset="0"/>
+              </a:defRPr>
+            </a:lvl9pPr>
+          </a:lstStyle>
+          <a:p>
+            <a:pPr>
+              <a:spcBef>
+                <a:spcPct val="50000"/>
+              </a:spcBef>
+              <a:buFontTx/>
+              <a:buNone/>
+            </a:pPr>
+            <a:r>
+              <a:rPr lang="en-US" altLang="en-US" sz="1600"/>
+              <a:t>doPost(HttpServletRequest, </a:t>
+            </a:r>
+          </a:p>
+          <a:p>
+            <a:pPr>
+              <a:spcBef>
+                <a:spcPct val="50000"/>
+              </a:spcBef>
+              <a:buFontTx/>
+              <a:buNone/>
+            </a:pPr>
+            <a:r>
+              <a:rPr lang="en-US" altLang="en-US" sz="1600"/>
+              <a:t>	HttpServletResponse);</a:t>
+            </a:r>
+          </a:p>
+          <a:p>
+            <a:pPr>
+              <a:spcBef>
+                <a:spcPct val="50000"/>
+              </a:spcBef>
+              <a:buFontTx/>
+              <a:buNone/>
+            </a:pPr>
+            <a:r>
+              <a:rPr lang="en-US" altLang="en-US" sz="1600"/>
+              <a:t>…….</a:t>
+            </a:r>
+          </a:p>
+        </p:txBody>
+      </p:sp>
+      <p:sp>
+        <p:nvSpPr>
+          <p:cNvPr id="20" name="Oval 20"/>
+          <p:cNvSpPr>
+            <a:spLocks noChangeArrowheads="1"/>
+          </p:cNvSpPr>
+          <p:nvPr/>
+        </p:nvSpPr>
+        <p:spPr bwMode="auto">
+          <a:xfrm>
+            <a:off x="5954111" y="3765331"/>
+            <a:ext cx="4495800" cy="2286000"/>
+          </a:xfrm>
+          <a:prstGeom prst="ellipse">
+            <a:avLst/>
+          </a:prstGeom>
+          <a:noFill/>
+          <a:ln w="9525">
+            <a:solidFill>
+              <a:schemeClr val="tx1"/>
+            </a:solidFill>
+            <a:round/>
+            <a:headEnd/>
+            <a:tailEnd/>
+          </a:ln>
+          <a:extLst>
+            <a:ext uri="{909E8E84-426E-40DD-AFC4-6F175D3DCCD1}">
+              <a14:hiddenFill xmlns:a14="http://schemas.microsoft.com/office/drawing/2010/main">
+                <a:solidFill>
+                  <a:srgbClr val="FFFFFF"/>
+                </a:solidFill>
+              </a14:hiddenFill>
+            </a:ext>
+          </a:extLst>
+        </p:spPr>
+        <p:txBody>
+          <a:bodyPr wrap="none" anchor="ctr"/>
+          <a:lstStyle>
+            <a:lvl1pPr>
+              <a:spcBef>
+                <a:spcPct val="20000"/>
+              </a:spcBef>
+              <a:buChar char="•"/>
+              <a:defRPr sz="2800">
+                <a:solidFill>
+                  <a:schemeClr val="tx1"/>
+                </a:solidFill>
+                <a:latin typeface="Times New Roman" panose="02020603050405020304" pitchFamily="18" charset="0"/>
+              </a:defRPr>
+            </a:lvl1pPr>
+            <a:lvl2pPr marL="742950" indent="-285750">
+              <a:spcBef>
+                <a:spcPct val="20000"/>
+              </a:spcBef>
+              <a:buChar char="–"/>
+              <a:defRPr sz="2200">
+                <a:solidFill>
+                  <a:schemeClr val="tx1"/>
+                </a:solidFill>
+                <a:latin typeface="Times New Roman" panose="02020603050405020304" pitchFamily="18" charset="0"/>
+              </a:defRPr>
+            </a:lvl2pPr>
+            <a:lvl3pPr marL="1143000" indent="-228600">
+              <a:spcBef>
+                <a:spcPct val="20000"/>
+              </a:spcBef>
+              <a:buChar char="•"/>
+              <a:defRPr sz="2000">
+                <a:solidFill>
+                  <a:schemeClr val="tx1"/>
+                </a:solidFill>
+                <a:latin typeface="Times New Roman" panose="02020603050405020304" pitchFamily="18" charset="0"/>
+              </a:defRPr>
+            </a:lvl3pPr>
+            <a:lvl4pPr marL="1600200" indent="-228600">
+              <a:spcBef>
+                <a:spcPct val="20000"/>
+              </a:spcBef>
+              <a:buChar char="–"/>
+              <a:defRPr sz="2000">
+                <a:solidFill>
+                  <a:schemeClr val="tx1"/>
+                </a:solidFill>
+                <a:latin typeface="Times New Roman" panose="02020603050405020304" pitchFamily="18" charset="0"/>
+              </a:defRPr>
+            </a:lvl4pPr>
+            <a:lvl5pPr marL="2057400" indent="-228600">
+              <a:spcBef>
+                <a:spcPct val="20000"/>
+              </a:spcBef>
+              <a:buChar char="»"/>
+              <a:defRPr sz="2000">
+                <a:solidFill>
+                  <a:schemeClr val="tx1"/>
+                </a:solidFill>
+                <a:latin typeface="Times New Roman" panose="02020603050405020304" pitchFamily="18" charset="0"/>
+              </a:defRPr>
+            </a:lvl5pPr>
+            <a:lvl6pPr marL="2514600" indent="-228600" eaLnBrk="0" fontAlgn="base" hangingPunct="0">
+              <a:spcBef>
+                <a:spcPct val="20000"/>
+              </a:spcBef>
+              <a:spcAft>
+                <a:spcPct val="0"/>
+              </a:spcAft>
+              <a:buChar char="»"/>
+              <a:defRPr sz="2000">
+                <a:solidFill>
+                  <a:schemeClr val="tx1"/>
+                </a:solidFill>
+                <a:latin typeface="Times New Roman" panose="02020603050405020304" pitchFamily="18" charset="0"/>
+              </a:defRPr>
+            </a:lvl6pPr>
+            <a:lvl7pPr marL="2971800" indent="-228600" eaLnBrk="0" fontAlgn="base" hangingPunct="0">
+              <a:spcBef>
+                <a:spcPct val="20000"/>
+              </a:spcBef>
+              <a:spcAft>
+                <a:spcPct val="0"/>
+              </a:spcAft>
+              <a:buChar char="»"/>
+              <a:defRPr sz="2000">
+                <a:solidFill>
+                  <a:schemeClr val="tx1"/>
+                </a:solidFill>
+                <a:latin typeface="Times New Roman" panose="02020603050405020304" pitchFamily="18" charset="0"/>
+              </a:defRPr>
+            </a:lvl7pPr>
+            <a:lvl8pPr marL="3429000" indent="-228600" eaLnBrk="0" fontAlgn="base" hangingPunct="0">
+              <a:spcBef>
+                <a:spcPct val="20000"/>
+              </a:spcBef>
+              <a:spcAft>
+                <a:spcPct val="0"/>
+              </a:spcAft>
+              <a:buChar char="»"/>
+              <a:defRPr sz="2000">
+                <a:solidFill>
+                  <a:schemeClr val="tx1"/>
+                </a:solidFill>
+                <a:latin typeface="Times New Roman" panose="02020603050405020304" pitchFamily="18" charset="0"/>
+              </a:defRPr>
+            </a:lvl8pPr>
+            <a:lvl9pPr marL="3886200" indent="-228600" eaLnBrk="0" fontAlgn="base" hangingPunct="0">
+              <a:spcBef>
+                <a:spcPct val="20000"/>
+              </a:spcBef>
+              <a:spcAft>
+                <a:spcPct val="0"/>
+              </a:spcAft>
+              <a:buChar char="»"/>
+              <a:defRPr sz="2000">
+                <a:solidFill>
+                  <a:schemeClr val="tx1"/>
+                </a:solidFill>
+                <a:latin typeface="Times New Roman" panose="02020603050405020304" pitchFamily="18" charset="0"/>
+              </a:defRPr>
+            </a:lvl9pPr>
+          </a:lstStyle>
+          <a:p>
+            <a:pPr>
+              <a:spcBef>
+                <a:spcPct val="50000"/>
+              </a:spcBef>
+              <a:buFontTx/>
+              <a:buNone/>
+            </a:pPr>
+            <a:endParaRPr lang="en-US" altLang="en-US" sz="1600"/>
+          </a:p>
+        </p:txBody>
+      </p:sp>
+      <p:sp>
+        <p:nvSpPr>
+          <p:cNvPr id="21" name="AutoShape 25"/>
+          <p:cNvSpPr>
+            <a:spLocks noChangeArrowheads="1"/>
+          </p:cNvSpPr>
+          <p:nvPr/>
+        </p:nvSpPr>
+        <p:spPr bwMode="auto">
+          <a:xfrm>
+            <a:off x="3287111" y="3765331"/>
+            <a:ext cx="333375" cy="381000"/>
+          </a:xfrm>
+          <a:prstGeom prst="downArrow">
+            <a:avLst>
+              <a:gd name="adj1" fmla="val 50000"/>
+              <a:gd name="adj2" fmla="val 28571"/>
+            </a:avLst>
+          </a:prstGeom>
+          <a:solidFill>
+            <a:schemeClr val="accent1"/>
+          </a:solidFill>
+          <a:ln w="9525">
+            <a:solidFill>
+              <a:schemeClr val="tx1"/>
+            </a:solidFill>
+            <a:miter lim="800000"/>
+            <a:headEnd/>
+            <a:tailEnd/>
+          </a:ln>
+        </p:spPr>
+        <p:txBody>
+          <a:bodyPr wrap="none" anchor="ctr"/>
+          <a:lstStyle>
+            <a:lvl1pPr>
+              <a:spcBef>
+                <a:spcPct val="20000"/>
+              </a:spcBef>
+              <a:buChar char="•"/>
+              <a:defRPr sz="2800">
+                <a:solidFill>
+                  <a:schemeClr val="tx1"/>
+                </a:solidFill>
+                <a:latin typeface="Times New Roman" panose="02020603050405020304" pitchFamily="18" charset="0"/>
+              </a:defRPr>
+            </a:lvl1pPr>
+            <a:lvl2pPr marL="742950" indent="-285750">
+              <a:spcBef>
+                <a:spcPct val="20000"/>
+              </a:spcBef>
+              <a:buChar char="–"/>
+              <a:defRPr sz="2200">
+                <a:solidFill>
+                  <a:schemeClr val="tx1"/>
+                </a:solidFill>
+                <a:latin typeface="Times New Roman" panose="02020603050405020304" pitchFamily="18" charset="0"/>
+              </a:defRPr>
+            </a:lvl2pPr>
+            <a:lvl3pPr marL="1143000" indent="-228600">
+              <a:spcBef>
+                <a:spcPct val="20000"/>
+              </a:spcBef>
+              <a:buChar char="•"/>
+              <a:defRPr sz="2000">
+                <a:solidFill>
+                  <a:schemeClr val="tx1"/>
+                </a:solidFill>
+                <a:latin typeface="Times New Roman" panose="02020603050405020304" pitchFamily="18" charset="0"/>
+              </a:defRPr>
+            </a:lvl3pPr>
+            <a:lvl4pPr marL="1600200" indent="-228600">
+              <a:spcBef>
+                <a:spcPct val="20000"/>
+              </a:spcBef>
+              <a:buChar char="–"/>
+              <a:defRPr sz="2000">
+                <a:solidFill>
+                  <a:schemeClr val="tx1"/>
+                </a:solidFill>
+                <a:latin typeface="Times New Roman" panose="02020603050405020304" pitchFamily="18" charset="0"/>
+              </a:defRPr>
+            </a:lvl4pPr>
+            <a:lvl5pPr marL="2057400" indent="-228600">
+              <a:spcBef>
+                <a:spcPct val="20000"/>
+              </a:spcBef>
+              <a:buChar char="»"/>
+              <a:defRPr sz="2000">
+                <a:solidFill>
+                  <a:schemeClr val="tx1"/>
+                </a:solidFill>
+                <a:latin typeface="Times New Roman" panose="02020603050405020304" pitchFamily="18" charset="0"/>
+              </a:defRPr>
+            </a:lvl5pPr>
+            <a:lvl6pPr marL="2514600" indent="-228600" eaLnBrk="0" fontAlgn="base" hangingPunct="0">
+              <a:spcBef>
+                <a:spcPct val="20000"/>
+              </a:spcBef>
+              <a:spcAft>
+                <a:spcPct val="0"/>
+              </a:spcAft>
+              <a:buChar char="»"/>
+              <a:defRPr sz="2000">
+                <a:solidFill>
+                  <a:schemeClr val="tx1"/>
+                </a:solidFill>
+                <a:latin typeface="Times New Roman" panose="02020603050405020304" pitchFamily="18" charset="0"/>
+              </a:defRPr>
+            </a:lvl6pPr>
+            <a:lvl7pPr marL="2971800" indent="-228600" eaLnBrk="0" fontAlgn="base" hangingPunct="0">
+              <a:spcBef>
+                <a:spcPct val="20000"/>
+              </a:spcBef>
+              <a:spcAft>
+                <a:spcPct val="0"/>
+              </a:spcAft>
+              <a:buChar char="»"/>
+              <a:defRPr sz="2000">
+                <a:solidFill>
+                  <a:schemeClr val="tx1"/>
+                </a:solidFill>
+                <a:latin typeface="Times New Roman" panose="02020603050405020304" pitchFamily="18" charset="0"/>
+              </a:defRPr>
+            </a:lvl7pPr>
+            <a:lvl8pPr marL="3429000" indent="-228600" eaLnBrk="0" fontAlgn="base" hangingPunct="0">
+              <a:spcBef>
+                <a:spcPct val="20000"/>
+              </a:spcBef>
+              <a:spcAft>
+                <a:spcPct val="0"/>
+              </a:spcAft>
+              <a:buChar char="»"/>
+              <a:defRPr sz="2000">
+                <a:solidFill>
+                  <a:schemeClr val="tx1"/>
+                </a:solidFill>
+                <a:latin typeface="Times New Roman" panose="02020603050405020304" pitchFamily="18" charset="0"/>
+              </a:defRPr>
+            </a:lvl8pPr>
+            <a:lvl9pPr marL="3886200" indent="-228600" eaLnBrk="0" fontAlgn="base" hangingPunct="0">
+              <a:spcBef>
+                <a:spcPct val="20000"/>
+              </a:spcBef>
+              <a:spcAft>
+                <a:spcPct val="0"/>
+              </a:spcAft>
+              <a:buChar char="»"/>
+              <a:defRPr sz="2000">
+                <a:solidFill>
+                  <a:schemeClr val="tx1"/>
+                </a:solidFill>
+                <a:latin typeface="Times New Roman" panose="02020603050405020304" pitchFamily="18" charset="0"/>
+              </a:defRPr>
+            </a:lvl9pPr>
+          </a:lstStyle>
+          <a:p>
+            <a:pPr>
+              <a:spcBef>
+                <a:spcPct val="50000"/>
+              </a:spcBef>
+              <a:buFontTx/>
+              <a:buNone/>
+            </a:pPr>
+            <a:endParaRPr lang="en-US" altLang="en-US" sz="1600"/>
+          </a:p>
+        </p:txBody>
+      </p:sp>
+      <p:sp>
+        <p:nvSpPr>
+          <p:cNvPr id="22" name="AutoShape 26"/>
+          <p:cNvSpPr>
+            <a:spLocks noChangeArrowheads="1"/>
+          </p:cNvSpPr>
+          <p:nvPr/>
+        </p:nvSpPr>
+        <p:spPr bwMode="auto">
+          <a:xfrm>
+            <a:off x="3287111" y="5060731"/>
+            <a:ext cx="333375" cy="304800"/>
+          </a:xfrm>
+          <a:prstGeom prst="downArrow">
+            <a:avLst>
+              <a:gd name="adj1" fmla="val 50000"/>
+              <a:gd name="adj2" fmla="val 25000"/>
+            </a:avLst>
+          </a:prstGeom>
+          <a:solidFill>
+            <a:schemeClr val="accent1"/>
+          </a:solidFill>
+          <a:ln w="9525">
+            <a:solidFill>
+              <a:schemeClr val="tx1"/>
+            </a:solidFill>
+            <a:miter lim="800000"/>
+            <a:headEnd/>
+            <a:tailEnd/>
+          </a:ln>
+        </p:spPr>
+        <p:txBody>
+          <a:bodyPr wrap="none" anchor="ctr"/>
+          <a:lstStyle>
+            <a:lvl1pPr>
+              <a:spcBef>
+                <a:spcPct val="20000"/>
+              </a:spcBef>
+              <a:buChar char="•"/>
+              <a:defRPr sz="2800">
+                <a:solidFill>
+                  <a:schemeClr val="tx1"/>
+                </a:solidFill>
+                <a:latin typeface="Times New Roman" panose="02020603050405020304" pitchFamily="18" charset="0"/>
+              </a:defRPr>
+            </a:lvl1pPr>
+            <a:lvl2pPr marL="742950" indent="-285750">
+              <a:spcBef>
+                <a:spcPct val="20000"/>
+              </a:spcBef>
+              <a:buChar char="–"/>
+              <a:defRPr sz="2200">
+                <a:solidFill>
+                  <a:schemeClr val="tx1"/>
+                </a:solidFill>
+                <a:latin typeface="Times New Roman" panose="02020603050405020304" pitchFamily="18" charset="0"/>
+              </a:defRPr>
+            </a:lvl2pPr>
+            <a:lvl3pPr marL="1143000" indent="-228600">
+              <a:spcBef>
+                <a:spcPct val="20000"/>
+              </a:spcBef>
+              <a:buChar char="•"/>
+              <a:defRPr sz="2000">
+                <a:solidFill>
+                  <a:schemeClr val="tx1"/>
+                </a:solidFill>
+                <a:latin typeface="Times New Roman" panose="02020603050405020304" pitchFamily="18" charset="0"/>
+              </a:defRPr>
+            </a:lvl3pPr>
+            <a:lvl4pPr marL="1600200" indent="-228600">
+              <a:spcBef>
+                <a:spcPct val="20000"/>
+              </a:spcBef>
+              <a:buChar char="–"/>
+              <a:defRPr sz="2000">
+                <a:solidFill>
+                  <a:schemeClr val="tx1"/>
+                </a:solidFill>
+                <a:latin typeface="Times New Roman" panose="02020603050405020304" pitchFamily="18" charset="0"/>
+              </a:defRPr>
+            </a:lvl4pPr>
+            <a:lvl5pPr marL="2057400" indent="-228600">
+              <a:spcBef>
+                <a:spcPct val="20000"/>
+              </a:spcBef>
+              <a:buChar char="»"/>
+              <a:defRPr sz="2000">
+                <a:solidFill>
+                  <a:schemeClr val="tx1"/>
+                </a:solidFill>
+                <a:latin typeface="Times New Roman" panose="02020603050405020304" pitchFamily="18" charset="0"/>
+              </a:defRPr>
+            </a:lvl5pPr>
+            <a:lvl6pPr marL="2514600" indent="-228600" eaLnBrk="0" fontAlgn="base" hangingPunct="0">
+              <a:spcBef>
+                <a:spcPct val="20000"/>
+              </a:spcBef>
+              <a:spcAft>
+                <a:spcPct val="0"/>
+              </a:spcAft>
+              <a:buChar char="»"/>
+              <a:defRPr sz="2000">
+                <a:solidFill>
+                  <a:schemeClr val="tx1"/>
+                </a:solidFill>
+                <a:latin typeface="Times New Roman" panose="02020603050405020304" pitchFamily="18" charset="0"/>
+              </a:defRPr>
+            </a:lvl6pPr>
+            <a:lvl7pPr marL="2971800" indent="-228600" eaLnBrk="0" fontAlgn="base" hangingPunct="0">
+              <a:spcBef>
+                <a:spcPct val="20000"/>
+              </a:spcBef>
+              <a:spcAft>
+                <a:spcPct val="0"/>
+              </a:spcAft>
+              <a:buChar char="»"/>
+              <a:defRPr sz="2000">
+                <a:solidFill>
+                  <a:schemeClr val="tx1"/>
+                </a:solidFill>
+                <a:latin typeface="Times New Roman" panose="02020603050405020304" pitchFamily="18" charset="0"/>
+              </a:defRPr>
+            </a:lvl7pPr>
+            <a:lvl8pPr marL="3429000" indent="-228600" eaLnBrk="0" fontAlgn="base" hangingPunct="0">
+              <a:spcBef>
+                <a:spcPct val="20000"/>
+              </a:spcBef>
+              <a:spcAft>
+                <a:spcPct val="0"/>
+              </a:spcAft>
+              <a:buChar char="»"/>
+              <a:defRPr sz="2000">
+                <a:solidFill>
+                  <a:schemeClr val="tx1"/>
+                </a:solidFill>
+                <a:latin typeface="Times New Roman" panose="02020603050405020304" pitchFamily="18" charset="0"/>
+              </a:defRPr>
+            </a:lvl8pPr>
+            <a:lvl9pPr marL="3886200" indent="-228600" eaLnBrk="0" fontAlgn="base" hangingPunct="0">
+              <a:spcBef>
+                <a:spcPct val="20000"/>
+              </a:spcBef>
+              <a:spcAft>
+                <a:spcPct val="0"/>
+              </a:spcAft>
+              <a:buChar char="»"/>
+              <a:defRPr sz="2000">
+                <a:solidFill>
+                  <a:schemeClr val="tx1"/>
+                </a:solidFill>
+                <a:latin typeface="Times New Roman" panose="02020603050405020304" pitchFamily="18" charset="0"/>
+              </a:defRPr>
+            </a:lvl9pPr>
+          </a:lstStyle>
+          <a:p>
+            <a:pPr>
+              <a:spcBef>
+                <a:spcPct val="50000"/>
+              </a:spcBef>
+              <a:buFontTx/>
+              <a:buNone/>
+            </a:pPr>
+            <a:endParaRPr lang="en-US" altLang="en-US" sz="1600"/>
+          </a:p>
+        </p:txBody>
+      </p:sp>
+      <p:sp>
+        <p:nvSpPr>
+          <p:cNvPr id="23" name="Line 27"/>
+          <p:cNvSpPr>
+            <a:spLocks noChangeShapeType="1"/>
+          </p:cNvSpPr>
+          <p:nvPr/>
+        </p:nvSpPr>
+        <p:spPr bwMode="auto">
+          <a:xfrm>
+            <a:off x="5115911" y="4603531"/>
+            <a:ext cx="838200" cy="0"/>
+          </a:xfrm>
+          <a:prstGeom prst="line">
+            <a:avLst/>
+          </a:prstGeom>
+          <a:noFill/>
+          <a:ln w="12700">
+            <a:solidFill>
+              <a:schemeClr val="tx1"/>
+            </a:solidFill>
+            <a:round/>
+            <a:headEnd/>
+            <a:tailEnd type="triangle" w="med" len="med"/>
+          </a:ln>
+          <a:extLst>
+            <a:ext uri="{909E8E84-426E-40DD-AFC4-6F175D3DCCD1}">
+              <a14:hiddenFill xmlns:a14="http://schemas.microsoft.com/office/drawing/2010/main">
+                <a:noFill/>
+              </a14:hiddenFill>
+            </a:ext>
+          </a:extLst>
+        </p:spPr>
+        <p:txBody>
+          <a:bodyPr wrap="none" anchor="ctr"/>
+          <a:lstStyle/>
+          <a:p>
+            <a:endParaRPr lang="en-US"/>
+          </a:p>
+        </p:txBody>
+      </p:sp>
+      <p:sp>
+        <p:nvSpPr>
+          <p:cNvPr id="24" name="Rectangle 28"/>
+          <p:cNvSpPr>
+            <a:spLocks noChangeArrowheads="1"/>
+          </p:cNvSpPr>
+          <p:nvPr/>
+        </p:nvSpPr>
+        <p:spPr bwMode="auto">
+          <a:xfrm>
+            <a:off x="1839311" y="3003331"/>
+            <a:ext cx="3352800" cy="3276600"/>
+          </a:xfrm>
+          <a:prstGeom prst="rect">
+            <a:avLst/>
+          </a:prstGeom>
+          <a:noFill/>
+          <a:ln w="9525">
+            <a:solidFill>
+              <a:schemeClr val="tx1"/>
+            </a:solidFill>
+            <a:miter lim="800000"/>
+            <a:headEnd/>
+            <a:tailEnd/>
+          </a:ln>
+          <a:extLst>
+            <a:ext uri="{909E8E84-426E-40DD-AFC4-6F175D3DCCD1}">
+              <a14:hiddenFill xmlns:a14="http://schemas.microsoft.com/office/drawing/2010/main">
+                <a:solidFill>
+                  <a:srgbClr val="FFFFFF"/>
+                </a:solidFill>
+              </a14:hiddenFill>
+            </a:ext>
+          </a:extLst>
+        </p:spPr>
+        <p:txBody>
+          <a:bodyPr wrap="none" anchor="ctr"/>
+          <a:lstStyle>
+            <a:lvl1pPr>
+              <a:spcBef>
+                <a:spcPct val="20000"/>
+              </a:spcBef>
+              <a:buChar char="•"/>
+              <a:defRPr sz="2800">
+                <a:solidFill>
+                  <a:schemeClr val="tx1"/>
+                </a:solidFill>
+                <a:latin typeface="Times New Roman" panose="02020603050405020304" pitchFamily="18" charset="0"/>
+              </a:defRPr>
+            </a:lvl1pPr>
+            <a:lvl2pPr marL="742950" indent="-285750">
+              <a:spcBef>
+                <a:spcPct val="20000"/>
+              </a:spcBef>
+              <a:buChar char="–"/>
+              <a:defRPr sz="2200">
+                <a:solidFill>
+                  <a:schemeClr val="tx1"/>
+                </a:solidFill>
+                <a:latin typeface="Times New Roman" panose="02020603050405020304" pitchFamily="18" charset="0"/>
+              </a:defRPr>
+            </a:lvl2pPr>
+            <a:lvl3pPr marL="1143000" indent="-228600">
+              <a:spcBef>
+                <a:spcPct val="20000"/>
+              </a:spcBef>
+              <a:buChar char="•"/>
+              <a:defRPr sz="2000">
+                <a:solidFill>
+                  <a:schemeClr val="tx1"/>
+                </a:solidFill>
+                <a:latin typeface="Times New Roman" panose="02020603050405020304" pitchFamily="18" charset="0"/>
+              </a:defRPr>
+            </a:lvl3pPr>
+            <a:lvl4pPr marL="1600200" indent="-228600">
+              <a:spcBef>
+                <a:spcPct val="20000"/>
+              </a:spcBef>
+              <a:buChar char="–"/>
+              <a:defRPr sz="2000">
+                <a:solidFill>
+                  <a:schemeClr val="tx1"/>
+                </a:solidFill>
+                <a:latin typeface="Times New Roman" panose="02020603050405020304" pitchFamily="18" charset="0"/>
+              </a:defRPr>
+            </a:lvl4pPr>
+            <a:lvl5pPr marL="2057400" indent="-228600">
+              <a:spcBef>
+                <a:spcPct val="20000"/>
+              </a:spcBef>
+              <a:buChar char="»"/>
+              <a:defRPr sz="2000">
+                <a:solidFill>
+                  <a:schemeClr val="tx1"/>
+                </a:solidFill>
+                <a:latin typeface="Times New Roman" panose="02020603050405020304" pitchFamily="18" charset="0"/>
+              </a:defRPr>
+            </a:lvl5pPr>
+            <a:lvl6pPr marL="2514600" indent="-228600" eaLnBrk="0" fontAlgn="base" hangingPunct="0">
+              <a:spcBef>
+                <a:spcPct val="20000"/>
+              </a:spcBef>
+              <a:spcAft>
+                <a:spcPct val="0"/>
+              </a:spcAft>
+              <a:buChar char="»"/>
+              <a:defRPr sz="2000">
+                <a:solidFill>
+                  <a:schemeClr val="tx1"/>
+                </a:solidFill>
+                <a:latin typeface="Times New Roman" panose="02020603050405020304" pitchFamily="18" charset="0"/>
+              </a:defRPr>
+            </a:lvl6pPr>
+            <a:lvl7pPr marL="2971800" indent="-228600" eaLnBrk="0" fontAlgn="base" hangingPunct="0">
+              <a:spcBef>
+                <a:spcPct val="20000"/>
+              </a:spcBef>
+              <a:spcAft>
+                <a:spcPct val="0"/>
+              </a:spcAft>
+              <a:buChar char="»"/>
+              <a:defRPr sz="2000">
+                <a:solidFill>
+                  <a:schemeClr val="tx1"/>
+                </a:solidFill>
+                <a:latin typeface="Times New Roman" panose="02020603050405020304" pitchFamily="18" charset="0"/>
+              </a:defRPr>
+            </a:lvl7pPr>
+            <a:lvl8pPr marL="3429000" indent="-228600" eaLnBrk="0" fontAlgn="base" hangingPunct="0">
+              <a:spcBef>
+                <a:spcPct val="20000"/>
+              </a:spcBef>
+              <a:spcAft>
+                <a:spcPct val="0"/>
+              </a:spcAft>
+              <a:buChar char="»"/>
+              <a:defRPr sz="2000">
+                <a:solidFill>
+                  <a:schemeClr val="tx1"/>
+                </a:solidFill>
+                <a:latin typeface="Times New Roman" panose="02020603050405020304" pitchFamily="18" charset="0"/>
+              </a:defRPr>
+            </a:lvl8pPr>
+            <a:lvl9pPr marL="3886200" indent="-228600" eaLnBrk="0" fontAlgn="base" hangingPunct="0">
+              <a:spcBef>
+                <a:spcPct val="20000"/>
+              </a:spcBef>
+              <a:spcAft>
+                <a:spcPct val="0"/>
+              </a:spcAft>
+              <a:buChar char="»"/>
+              <a:defRPr sz="2000">
+                <a:solidFill>
+                  <a:schemeClr val="tx1"/>
+                </a:solidFill>
+                <a:latin typeface="Times New Roman" panose="02020603050405020304" pitchFamily="18" charset="0"/>
+              </a:defRPr>
+            </a:lvl9pPr>
+          </a:lstStyle>
+          <a:p>
+            <a:pPr>
+              <a:spcBef>
+                <a:spcPct val="50000"/>
+              </a:spcBef>
+              <a:buFontTx/>
+              <a:buNone/>
+            </a:pPr>
+            <a:endParaRPr lang="en-US" altLang="en-US" sz="1600"/>
+          </a:p>
+        </p:txBody>
+      </p:sp>
+    </p:spTree>
+    <p:extLst>
+      <p:ext uri="{BB962C8B-B14F-4D97-AF65-F5344CB8AC3E}">
+        <p14:creationId xmlns:p14="http://schemas.microsoft.com/office/powerpoint/2010/main" val="3920513288"/>
+      </p:ext>
+    </p:extLst>
+  </p:cSld>
+  <p:clrMapOvr>
+    <a:masterClrMapping/>
+  </p:clrMapOvr>
+</p:sld>
+</file>
+
 <file path=ppt/slides/slide5.xml><?xml version="1.0" encoding="utf-8"?>
 <p:sld xmlns:a="http://schemas.openxmlformats.org/drawingml/2006/main" xmlns:r="http://schemas.openxmlformats.org/officeDocument/2006/relationships" xmlns:p="http://schemas.openxmlformats.org/presentationml/2006/main">
   <p:cSld>
@@ -9162,6 +12519,1194 @@
     <p:extLst>
       <p:ext uri="{BB962C8B-B14F-4D97-AF65-F5344CB8AC3E}">
         <p14:creationId xmlns:p14="http://schemas.microsoft.com/office/powerpoint/2010/main" val="2883238511"/>
+      </p:ext>
+    </p:extLst>
+  </p:cSld>
+  <p:clrMapOvr>
+    <a:masterClrMapping/>
+  </p:clrMapOvr>
+</p:sld>
+</file>
+
+<file path=ppt/slides/slide50.xml><?xml version="1.0" encoding="utf-8"?>
+<p:sld xmlns:a="http://schemas.openxmlformats.org/drawingml/2006/main" xmlns:r="http://schemas.openxmlformats.org/officeDocument/2006/relationships" xmlns:p="http://schemas.openxmlformats.org/presentationml/2006/main">
+  <p:cSld>
+    <p:spTree>
+      <p:nvGrpSpPr>
+        <p:cNvPr id="1" name=""/>
+        <p:cNvGrpSpPr/>
+        <p:nvPr/>
+      </p:nvGrpSpPr>
+      <p:grpSpPr>
+        <a:xfrm>
+          <a:off x="0" y="0"/>
+          <a:ext cx="0" cy="0"/>
+          <a:chOff x="0" y="0"/>
+          <a:chExt cx="0" cy="0"/>
+        </a:xfrm>
+      </p:grpSpPr>
+      <p:sp>
+        <p:nvSpPr>
+          <p:cNvPr id="2" name="Title 1"/>
+          <p:cNvSpPr>
+            <a:spLocks noGrp="1"/>
+          </p:cNvSpPr>
+          <p:nvPr>
+            <p:ph type="title"/>
+          </p:nvPr>
+        </p:nvSpPr>
+        <p:spPr/>
+        <p:txBody>
+          <a:bodyPr/>
+          <a:lstStyle/>
+          <a:p>
+            <a:r>
+              <a:rPr lang="en-US" dirty="0" smtClean="0"/>
+              <a:t>Servlet container folder structure</a:t>
+            </a:r>
+            <a:endParaRPr lang="en-US" dirty="0"/>
+          </a:p>
+        </p:txBody>
+      </p:sp>
+      <p:pic>
+        <p:nvPicPr>
+          <p:cNvPr id="5122" name="Picture 2" descr="Image result for servlet web.xml structure"/>
+          <p:cNvPicPr>
+            <a:picLocks noChangeAspect="1" noChangeArrowheads="1"/>
+          </p:cNvPicPr>
+          <p:nvPr/>
+        </p:nvPicPr>
+        <p:blipFill>
+          <a:blip r:embed="rId2">
+            <a:extLst>
+              <a:ext uri="{28A0092B-C50C-407E-A947-70E740481C1C}">
+                <a14:useLocalDpi xmlns:a14="http://schemas.microsoft.com/office/drawing/2010/main" val="0"/>
+              </a:ext>
+            </a:extLst>
+          </a:blip>
+          <a:srcRect/>
+          <a:stretch>
+            <a:fillRect/>
+          </a:stretch>
+        </p:blipFill>
+        <p:spPr bwMode="auto">
+          <a:xfrm>
+            <a:off x="2352237" y="1551752"/>
+            <a:ext cx="6305550" cy="5124451"/>
+          </a:xfrm>
+          <a:prstGeom prst="rect">
+            <a:avLst/>
+          </a:prstGeom>
+          <a:noFill/>
+          <a:extLst>
+            <a:ext uri="{909E8E84-426E-40DD-AFC4-6F175D3DCCD1}">
+              <a14:hiddenFill xmlns:a14="http://schemas.microsoft.com/office/drawing/2010/main">
+                <a:solidFill>
+                  <a:srgbClr val="FFFFFF"/>
+                </a:solidFill>
+              </a14:hiddenFill>
+            </a:ext>
+          </a:extLst>
+        </p:spPr>
+      </p:pic>
+    </p:spTree>
+    <p:extLst>
+      <p:ext uri="{BB962C8B-B14F-4D97-AF65-F5344CB8AC3E}">
+        <p14:creationId xmlns:p14="http://schemas.microsoft.com/office/powerpoint/2010/main" val="3479645685"/>
+      </p:ext>
+    </p:extLst>
+  </p:cSld>
+  <p:clrMapOvr>
+    <a:masterClrMapping/>
+  </p:clrMapOvr>
+</p:sld>
+</file>
+
+<file path=ppt/slides/slide51.xml><?xml version="1.0" encoding="utf-8"?>
+<p:sld xmlns:a="http://schemas.openxmlformats.org/drawingml/2006/main" xmlns:r="http://schemas.openxmlformats.org/officeDocument/2006/relationships" xmlns:p="http://schemas.openxmlformats.org/presentationml/2006/main">
+  <p:cSld>
+    <p:spTree>
+      <p:nvGrpSpPr>
+        <p:cNvPr id="1" name=""/>
+        <p:cNvGrpSpPr/>
+        <p:nvPr/>
+      </p:nvGrpSpPr>
+      <p:grpSpPr>
+        <a:xfrm>
+          <a:off x="0" y="0"/>
+          <a:ext cx="0" cy="0"/>
+          <a:chOff x="0" y="0"/>
+          <a:chExt cx="0" cy="0"/>
+        </a:xfrm>
+      </p:grpSpPr>
+      <p:sp>
+        <p:nvSpPr>
+          <p:cNvPr id="2" name="Title 1"/>
+          <p:cNvSpPr>
+            <a:spLocks noGrp="1"/>
+          </p:cNvSpPr>
+          <p:nvPr>
+            <p:ph type="title"/>
+          </p:nvPr>
+        </p:nvSpPr>
+        <p:spPr>
+          <a:xfrm>
+            <a:off x="838199" y="365125"/>
+            <a:ext cx="11070021" cy="1325563"/>
+          </a:xfrm>
+        </p:spPr>
+        <p:txBody>
+          <a:bodyPr/>
+          <a:lstStyle/>
+          <a:p>
+            <a:r>
+              <a:rPr lang="en-US" dirty="0" smtClean="0"/>
+              <a:t>Servlets – How multiple request, response gets handled</a:t>
+            </a:r>
+            <a:endParaRPr lang="en-US" dirty="0"/>
+          </a:p>
+        </p:txBody>
+      </p:sp>
+      <p:sp>
+        <p:nvSpPr>
+          <p:cNvPr id="3" name="Content Placeholder 2"/>
+          <p:cNvSpPr>
+            <a:spLocks noGrp="1"/>
+          </p:cNvSpPr>
+          <p:nvPr>
+            <p:ph idx="1"/>
+          </p:nvPr>
+        </p:nvSpPr>
+        <p:spPr>
+          <a:xfrm>
+            <a:off x="838200" y="2343807"/>
+            <a:ext cx="10515600" cy="3833156"/>
+          </a:xfrm>
+        </p:spPr>
+        <p:txBody>
+          <a:bodyPr/>
+          <a:lstStyle/>
+          <a:p>
+            <a:r>
+              <a:rPr lang="en-US" dirty="0" smtClean="0"/>
+              <a:t>Inside the web (servlet) container, we have a special file called deployment descriptor (web.xml)</a:t>
+            </a:r>
+          </a:p>
+          <a:p>
+            <a:endParaRPr lang="en-US" dirty="0"/>
+          </a:p>
+          <a:p>
+            <a:r>
+              <a:rPr lang="en-US" dirty="0" smtClean="0"/>
+              <a:t>Inside web.xml,  we define, for which request which servlet should be called.  </a:t>
+            </a:r>
+            <a:endParaRPr lang="en-US" dirty="0"/>
+          </a:p>
+        </p:txBody>
+      </p:sp>
+    </p:spTree>
+    <p:extLst>
+      <p:ext uri="{BB962C8B-B14F-4D97-AF65-F5344CB8AC3E}">
+        <p14:creationId xmlns:p14="http://schemas.microsoft.com/office/powerpoint/2010/main" val="4143908894"/>
+      </p:ext>
+    </p:extLst>
+  </p:cSld>
+  <p:clrMapOvr>
+    <a:masterClrMapping/>
+  </p:clrMapOvr>
+</p:sld>
+</file>
+
+<file path=ppt/slides/slide52.xml><?xml version="1.0" encoding="utf-8"?>
+<p:sld xmlns:a="http://schemas.openxmlformats.org/drawingml/2006/main" xmlns:r="http://schemas.openxmlformats.org/officeDocument/2006/relationships" xmlns:p="http://schemas.openxmlformats.org/presentationml/2006/main">
+  <p:cSld>
+    <p:spTree>
+      <p:nvGrpSpPr>
+        <p:cNvPr id="1" name=""/>
+        <p:cNvGrpSpPr/>
+        <p:nvPr/>
+      </p:nvGrpSpPr>
+      <p:grpSpPr>
+        <a:xfrm>
+          <a:off x="0" y="0"/>
+          <a:ext cx="0" cy="0"/>
+          <a:chOff x="0" y="0"/>
+          <a:chExt cx="0" cy="0"/>
+        </a:xfrm>
+      </p:grpSpPr>
+      <p:sp>
+        <p:nvSpPr>
+          <p:cNvPr id="2" name="Title 1"/>
+          <p:cNvSpPr>
+            <a:spLocks noGrp="1"/>
+          </p:cNvSpPr>
+          <p:nvPr>
+            <p:ph type="title"/>
+          </p:nvPr>
+        </p:nvSpPr>
+        <p:spPr/>
+        <p:txBody>
+          <a:bodyPr/>
+          <a:lstStyle/>
+          <a:p>
+            <a:r>
+              <a:rPr lang="en-US" dirty="0" smtClean="0"/>
+              <a:t>Web.xml</a:t>
+            </a:r>
+            <a:endParaRPr lang="en-US" dirty="0"/>
+          </a:p>
+        </p:txBody>
+      </p:sp>
+      <p:pic>
+        <p:nvPicPr>
+          <p:cNvPr id="4" name="Picture 3"/>
+          <p:cNvPicPr>
+            <a:picLocks noChangeAspect="1"/>
+          </p:cNvPicPr>
+          <p:nvPr/>
+        </p:nvPicPr>
+        <p:blipFill>
+          <a:blip r:embed="rId2"/>
+          <a:stretch>
+            <a:fillRect/>
+          </a:stretch>
+        </p:blipFill>
+        <p:spPr>
+          <a:xfrm>
+            <a:off x="986166" y="1853926"/>
+            <a:ext cx="9210675" cy="3990975"/>
+          </a:xfrm>
+          <a:prstGeom prst="rect">
+            <a:avLst/>
+          </a:prstGeom>
+        </p:spPr>
+      </p:pic>
+    </p:spTree>
+    <p:extLst>
+      <p:ext uri="{BB962C8B-B14F-4D97-AF65-F5344CB8AC3E}">
+        <p14:creationId xmlns:p14="http://schemas.microsoft.com/office/powerpoint/2010/main" val="2372892857"/>
+      </p:ext>
+    </p:extLst>
+  </p:cSld>
+  <p:clrMapOvr>
+    <a:masterClrMapping/>
+  </p:clrMapOvr>
+</p:sld>
+</file>
+
+<file path=ppt/slides/slide53.xml><?xml version="1.0" encoding="utf-8"?>
+<p:sld xmlns:a="http://schemas.openxmlformats.org/drawingml/2006/main" xmlns:r="http://schemas.openxmlformats.org/officeDocument/2006/relationships" xmlns:p="http://schemas.openxmlformats.org/presentationml/2006/main">
+  <p:cSld>
+    <p:spTree>
+      <p:nvGrpSpPr>
+        <p:cNvPr id="1" name=""/>
+        <p:cNvGrpSpPr/>
+        <p:nvPr/>
+      </p:nvGrpSpPr>
+      <p:grpSpPr>
+        <a:xfrm>
+          <a:off x="0" y="0"/>
+          <a:ext cx="0" cy="0"/>
+          <a:chOff x="0" y="0"/>
+          <a:chExt cx="0" cy="0"/>
+        </a:xfrm>
+      </p:grpSpPr>
+      <p:sp>
+        <p:nvSpPr>
+          <p:cNvPr id="2" name="Title 1"/>
+          <p:cNvSpPr>
+            <a:spLocks noGrp="1"/>
+          </p:cNvSpPr>
+          <p:nvPr>
+            <p:ph type="title"/>
+          </p:nvPr>
+        </p:nvSpPr>
+        <p:spPr/>
+        <p:txBody>
+          <a:bodyPr/>
+          <a:lstStyle/>
+          <a:p>
+            <a:r>
+              <a:rPr lang="en-US" dirty="0" err="1" smtClean="0"/>
+              <a:t>HttpServlet</a:t>
+            </a:r>
+            <a:endParaRPr lang="en-US" dirty="0"/>
+          </a:p>
+        </p:txBody>
+      </p:sp>
+      <p:sp>
+        <p:nvSpPr>
+          <p:cNvPr id="3" name="Content Placeholder 2"/>
+          <p:cNvSpPr>
+            <a:spLocks noGrp="1"/>
+          </p:cNvSpPr>
+          <p:nvPr>
+            <p:ph idx="1"/>
+          </p:nvPr>
+        </p:nvSpPr>
+        <p:spPr>
+          <a:xfrm>
+            <a:off x="838200" y="1825624"/>
+            <a:ext cx="10933386" cy="4753851"/>
+          </a:xfrm>
+        </p:spPr>
+        <p:txBody>
+          <a:bodyPr/>
+          <a:lstStyle/>
+          <a:p>
+            <a:pPr lvl="1"/>
+            <a:r>
+              <a:rPr lang="en-US" altLang="en-US" dirty="0" smtClean="0"/>
+              <a:t>Base </a:t>
+            </a:r>
+            <a:r>
+              <a:rPr lang="en-US" altLang="en-US" dirty="0"/>
+              <a:t>class for web-based servlets</a:t>
+            </a:r>
+          </a:p>
+          <a:p>
+            <a:pPr lvl="1"/>
+            <a:r>
+              <a:rPr lang="en-US" altLang="en-US" dirty="0" smtClean="0"/>
+              <a:t>Overrides method </a:t>
+            </a:r>
+            <a:r>
+              <a:rPr lang="en-US" altLang="en-US" b="1" dirty="0" smtClean="0"/>
+              <a:t>void</a:t>
+            </a:r>
+            <a:r>
+              <a:rPr lang="en-US" altLang="en-US" dirty="0" smtClean="0"/>
+              <a:t> </a:t>
+            </a:r>
+            <a:r>
+              <a:rPr lang="en-US" altLang="en-US" b="1" dirty="0" smtClean="0">
+                <a:latin typeface="Courier New" panose="02070309020205020404" pitchFamily="49" charset="0"/>
+              </a:rPr>
+              <a:t>service ()</a:t>
+            </a:r>
+          </a:p>
+          <a:p>
+            <a:pPr lvl="2"/>
+            <a:r>
+              <a:rPr lang="en-US" altLang="en-US" dirty="0" smtClean="0"/>
+              <a:t>Request </a:t>
+            </a:r>
+            <a:r>
+              <a:rPr lang="en-US" altLang="en-US" dirty="0"/>
+              <a:t>methods:</a:t>
+            </a:r>
+          </a:p>
+          <a:p>
+            <a:pPr lvl="3"/>
+            <a:r>
+              <a:rPr lang="en-US" altLang="en-US" b="1" dirty="0">
+                <a:latin typeface="Courier New" panose="02070309020205020404" pitchFamily="49" charset="0"/>
+              </a:rPr>
+              <a:t>GET</a:t>
+            </a:r>
+            <a:endParaRPr lang="en-US" altLang="en-US" dirty="0"/>
+          </a:p>
+          <a:p>
+            <a:pPr lvl="3"/>
+            <a:r>
+              <a:rPr lang="en-US" altLang="en-US" b="1" dirty="0">
+                <a:latin typeface="Courier New" panose="02070309020205020404" pitchFamily="49" charset="0"/>
+              </a:rPr>
+              <a:t>POST</a:t>
+            </a:r>
+            <a:endParaRPr lang="en-US" altLang="en-US" dirty="0"/>
+          </a:p>
+          <a:p>
+            <a:pPr lvl="1"/>
+            <a:r>
+              <a:rPr lang="en-US" altLang="en-US" dirty="0"/>
+              <a:t>Methods </a:t>
+            </a:r>
+            <a:r>
+              <a:rPr lang="en-US" altLang="en-US" b="1" dirty="0" err="1">
+                <a:latin typeface="Courier New" panose="02070309020205020404" pitchFamily="49" charset="0"/>
+              </a:rPr>
+              <a:t>doGet</a:t>
+            </a:r>
+            <a:r>
+              <a:rPr lang="en-US" altLang="en-US" dirty="0"/>
+              <a:t> and </a:t>
+            </a:r>
+            <a:r>
+              <a:rPr lang="en-US" altLang="en-US" b="1" dirty="0" err="1">
+                <a:latin typeface="Courier New" panose="02070309020205020404" pitchFamily="49" charset="0"/>
+              </a:rPr>
+              <a:t>doPost</a:t>
+            </a:r>
+            <a:r>
+              <a:rPr lang="en-US" altLang="en-US" dirty="0"/>
+              <a:t> respond to </a:t>
+            </a:r>
+            <a:r>
+              <a:rPr lang="en-US" altLang="en-US" b="1" dirty="0">
+                <a:latin typeface="Courier New" panose="02070309020205020404" pitchFamily="49" charset="0"/>
+              </a:rPr>
+              <a:t>GET</a:t>
+            </a:r>
+            <a:r>
+              <a:rPr lang="en-US" altLang="en-US" dirty="0"/>
+              <a:t> and </a:t>
+            </a:r>
+            <a:r>
+              <a:rPr lang="en-US" altLang="en-US" b="1" dirty="0">
+                <a:latin typeface="Courier New" panose="02070309020205020404" pitchFamily="49" charset="0"/>
+              </a:rPr>
+              <a:t>POST</a:t>
+            </a:r>
+          </a:p>
+          <a:p>
+            <a:pPr lvl="2"/>
+            <a:r>
+              <a:rPr lang="en-US" altLang="en-US" dirty="0"/>
+              <a:t>Called by </a:t>
+            </a:r>
+            <a:r>
+              <a:rPr lang="en-US" altLang="en-US" b="1" dirty="0">
+                <a:latin typeface="Courier New" panose="02070309020205020404" pitchFamily="49" charset="0"/>
+              </a:rPr>
+              <a:t>service</a:t>
+            </a:r>
+          </a:p>
+          <a:p>
+            <a:pPr lvl="2"/>
+            <a:r>
+              <a:rPr lang="en-US" altLang="en-US" dirty="0"/>
+              <a:t>Receive </a:t>
+            </a:r>
+            <a:r>
+              <a:rPr lang="en-US" altLang="en-US" b="1" dirty="0" err="1">
+                <a:latin typeface="Courier New" panose="02070309020205020404" pitchFamily="49" charset="0"/>
+              </a:rPr>
+              <a:t>HttpServletRequest</a:t>
+            </a:r>
+            <a:r>
+              <a:rPr lang="en-US" altLang="en-US" dirty="0"/>
+              <a:t> and </a:t>
+            </a:r>
+            <a:r>
+              <a:rPr lang="en-US" altLang="en-US" b="1" dirty="0" err="1">
+                <a:latin typeface="Courier New" panose="02070309020205020404" pitchFamily="49" charset="0"/>
+              </a:rPr>
+              <a:t>HttpServletResponse</a:t>
+            </a:r>
+            <a:r>
+              <a:rPr lang="en-US" altLang="en-US" dirty="0"/>
+              <a:t> </a:t>
+            </a:r>
+            <a:r>
+              <a:rPr lang="en-US" altLang="en-US" dirty="0" smtClean="0"/>
+              <a:t>objects</a:t>
+            </a:r>
+            <a:endParaRPr lang="en-US" altLang="en-US" dirty="0"/>
+          </a:p>
+          <a:p>
+            <a:endParaRPr lang="en-US" dirty="0"/>
+          </a:p>
+        </p:txBody>
+      </p:sp>
+      <p:sp>
+        <p:nvSpPr>
+          <p:cNvPr id="4" name="TextBox 3"/>
+          <p:cNvSpPr txBox="1"/>
+          <p:nvPr/>
+        </p:nvSpPr>
+        <p:spPr>
+          <a:xfrm>
+            <a:off x="672663" y="5213131"/>
+            <a:ext cx="11214537" cy="1446550"/>
+          </a:xfrm>
+          <a:prstGeom prst="rect">
+            <a:avLst/>
+          </a:prstGeom>
+          <a:noFill/>
+        </p:spPr>
+        <p:txBody>
+          <a:bodyPr wrap="square" rtlCol="0">
+            <a:spAutoFit/>
+          </a:bodyPr>
+          <a:lstStyle/>
+          <a:p>
+            <a:pPr algn="just"/>
+            <a:r>
+              <a:rPr lang="en-US" sz="2200" b="1" dirty="0"/>
+              <a:t>GET</a:t>
+            </a:r>
+            <a:r>
+              <a:rPr lang="en-US" sz="2200" dirty="0"/>
+              <a:t> and </a:t>
+            </a:r>
+            <a:r>
+              <a:rPr lang="en-US" sz="2200" b="1" dirty="0"/>
+              <a:t>POST method</a:t>
+            </a:r>
+            <a:r>
+              <a:rPr lang="en-US" sz="2200" dirty="0"/>
+              <a:t> is used to transfer data from client to server in HTTP protocol but Main difference between </a:t>
+            </a:r>
+            <a:r>
+              <a:rPr lang="en-US" sz="2200" b="1" dirty="0"/>
+              <a:t>POST</a:t>
+            </a:r>
+            <a:r>
+              <a:rPr lang="en-US" sz="2200" dirty="0"/>
+              <a:t> and </a:t>
+            </a:r>
+            <a:r>
+              <a:rPr lang="en-US" sz="2200" b="1" dirty="0"/>
+              <a:t>GET method</a:t>
+            </a:r>
+            <a:r>
+              <a:rPr lang="en-US" sz="2200" dirty="0"/>
+              <a:t> is that </a:t>
+            </a:r>
+            <a:r>
+              <a:rPr lang="en-US" sz="2200" b="1" dirty="0"/>
+              <a:t>GET</a:t>
+            </a:r>
+            <a:r>
+              <a:rPr lang="en-US" sz="2200" dirty="0"/>
+              <a:t> carries </a:t>
+            </a:r>
+            <a:r>
+              <a:rPr lang="en-US" sz="2200" dirty="0">
+                <a:solidFill>
+                  <a:srgbClr val="FF0000"/>
+                </a:solidFill>
+              </a:rPr>
+              <a:t>request parameter appended in URL string </a:t>
+            </a:r>
+            <a:r>
+              <a:rPr lang="en-US" sz="2200" dirty="0"/>
+              <a:t>while </a:t>
+            </a:r>
+            <a:r>
+              <a:rPr lang="en-US" sz="2200" b="1" dirty="0"/>
+              <a:t>POST</a:t>
+            </a:r>
+            <a:r>
+              <a:rPr lang="en-US" sz="2200" dirty="0"/>
+              <a:t> carries </a:t>
+            </a:r>
+            <a:r>
+              <a:rPr lang="en-US" sz="2200" dirty="0">
+                <a:solidFill>
+                  <a:srgbClr val="FF0000"/>
+                </a:solidFill>
+              </a:rPr>
+              <a:t>request parameter in message body </a:t>
+            </a:r>
+            <a:r>
+              <a:rPr lang="en-US" sz="2200" dirty="0"/>
+              <a:t>which makes it more secure way of transferring data from client </a:t>
+            </a:r>
+            <a:r>
+              <a:rPr lang="en-US" sz="2200" dirty="0" smtClean="0"/>
+              <a:t>to server</a:t>
+            </a:r>
+            <a:endParaRPr lang="en-US" sz="2200" dirty="0"/>
+          </a:p>
+        </p:txBody>
+      </p:sp>
+    </p:spTree>
+    <p:extLst>
+      <p:ext uri="{BB962C8B-B14F-4D97-AF65-F5344CB8AC3E}">
+        <p14:creationId xmlns:p14="http://schemas.microsoft.com/office/powerpoint/2010/main" val="2141552117"/>
+      </p:ext>
+    </p:extLst>
+  </p:cSld>
+  <p:clrMapOvr>
+    <a:masterClrMapping/>
+  </p:clrMapOvr>
+</p:sld>
+</file>
+
+<file path=ppt/slides/slide54.xml><?xml version="1.0" encoding="utf-8"?>
+<p:sld xmlns:a="http://schemas.openxmlformats.org/drawingml/2006/main" xmlns:r="http://schemas.openxmlformats.org/officeDocument/2006/relationships" xmlns:p="http://schemas.openxmlformats.org/presentationml/2006/main">
+  <p:cSld>
+    <p:spTree>
+      <p:nvGrpSpPr>
+        <p:cNvPr id="1" name=""/>
+        <p:cNvGrpSpPr/>
+        <p:nvPr/>
+      </p:nvGrpSpPr>
+      <p:grpSpPr>
+        <a:xfrm>
+          <a:off x="0" y="0"/>
+          <a:ext cx="0" cy="0"/>
+          <a:chOff x="0" y="0"/>
+          <a:chExt cx="0" cy="0"/>
+        </a:xfrm>
+      </p:grpSpPr>
+      <p:sp>
+        <p:nvSpPr>
+          <p:cNvPr id="2" name="Title 1"/>
+          <p:cNvSpPr>
+            <a:spLocks noGrp="1"/>
+          </p:cNvSpPr>
+          <p:nvPr>
+            <p:ph type="title"/>
+          </p:nvPr>
+        </p:nvSpPr>
+        <p:spPr/>
+        <p:txBody>
+          <a:bodyPr/>
+          <a:lstStyle/>
+          <a:p>
+            <a:r>
+              <a:rPr lang="en-US" dirty="0" err="1" smtClean="0"/>
+              <a:t>HttpServletRequest</a:t>
+            </a:r>
+            <a:endParaRPr lang="en-US" dirty="0"/>
+          </a:p>
+        </p:txBody>
+      </p:sp>
+      <p:sp>
+        <p:nvSpPr>
+          <p:cNvPr id="3" name="Content Placeholder 2"/>
+          <p:cNvSpPr>
+            <a:spLocks noGrp="1"/>
+          </p:cNvSpPr>
+          <p:nvPr>
+            <p:ph idx="1"/>
+          </p:nvPr>
+        </p:nvSpPr>
+        <p:spPr/>
+        <p:txBody>
+          <a:bodyPr>
+            <a:normAutofit lnSpcReduction="10000"/>
+          </a:bodyPr>
+          <a:lstStyle/>
+          <a:p>
+            <a:r>
+              <a:rPr lang="en-US" altLang="en-US" b="1" dirty="0" err="1">
+                <a:latin typeface="Courier New" panose="02070309020205020404" pitchFamily="49" charset="0"/>
+              </a:rPr>
+              <a:t>HttpServletRequest</a:t>
+            </a:r>
+            <a:r>
+              <a:rPr lang="en-US" altLang="en-US" dirty="0"/>
+              <a:t> interface</a:t>
+            </a:r>
+          </a:p>
+          <a:p>
+            <a:pPr lvl="1"/>
+            <a:r>
+              <a:rPr lang="en-US" altLang="en-US" dirty="0"/>
+              <a:t>Object passed to </a:t>
+            </a:r>
+            <a:r>
+              <a:rPr lang="en-US" altLang="en-US" b="1" dirty="0" err="1">
+                <a:latin typeface="Courier New" panose="02070309020205020404" pitchFamily="49" charset="0"/>
+              </a:rPr>
+              <a:t>doGet</a:t>
+            </a:r>
+            <a:r>
+              <a:rPr lang="en-US" altLang="en-US" dirty="0"/>
+              <a:t> and </a:t>
+            </a:r>
+            <a:r>
+              <a:rPr lang="en-US" altLang="en-US" b="1" dirty="0" err="1">
+                <a:latin typeface="Courier New" panose="02070309020205020404" pitchFamily="49" charset="0"/>
+              </a:rPr>
+              <a:t>doPost</a:t>
+            </a:r>
+            <a:endParaRPr lang="en-US" altLang="en-US" b="1" dirty="0"/>
+          </a:p>
+          <a:p>
+            <a:pPr lvl="1"/>
+            <a:r>
+              <a:rPr lang="en-US" altLang="en-US" dirty="0"/>
+              <a:t>Extends </a:t>
+            </a:r>
+            <a:r>
+              <a:rPr lang="en-US" altLang="en-US" b="1" dirty="0" err="1">
+                <a:latin typeface="Courier New" panose="02070309020205020404" pitchFamily="49" charset="0"/>
+              </a:rPr>
+              <a:t>ServletRequest</a:t>
+            </a:r>
+            <a:endParaRPr lang="en-US" altLang="en-US" b="1" dirty="0">
+              <a:latin typeface="Courier New" panose="02070309020205020404" pitchFamily="49" charset="0"/>
+            </a:endParaRPr>
+          </a:p>
+          <a:p>
+            <a:r>
+              <a:rPr lang="en-US" altLang="en-US" dirty="0"/>
+              <a:t>Methods</a:t>
+            </a:r>
+          </a:p>
+          <a:p>
+            <a:pPr lvl="1"/>
+            <a:r>
+              <a:rPr lang="en-US" altLang="en-US" b="1" dirty="0">
+                <a:latin typeface="Courier New" panose="02070309020205020404" pitchFamily="49" charset="0"/>
+              </a:rPr>
+              <a:t>String </a:t>
+            </a:r>
+            <a:r>
+              <a:rPr lang="en-US" altLang="en-US" b="1" dirty="0" err="1">
+                <a:latin typeface="Courier New" panose="02070309020205020404" pitchFamily="49" charset="0"/>
+              </a:rPr>
+              <a:t>getParameter</a:t>
+            </a:r>
+            <a:r>
+              <a:rPr lang="en-US" altLang="en-US" b="1" dirty="0">
+                <a:latin typeface="Courier New" panose="02070309020205020404" pitchFamily="49" charset="0"/>
+              </a:rPr>
+              <a:t>( String name )</a:t>
+            </a:r>
+          </a:p>
+          <a:p>
+            <a:pPr lvl="2"/>
+            <a:r>
+              <a:rPr lang="en-US" altLang="en-US" dirty="0"/>
+              <a:t>Returns value of parameter </a:t>
+            </a:r>
+            <a:r>
+              <a:rPr lang="en-US" altLang="en-US" b="1" dirty="0">
+                <a:latin typeface="Courier New" panose="02070309020205020404" pitchFamily="49" charset="0"/>
+              </a:rPr>
+              <a:t>name</a:t>
+            </a:r>
+            <a:r>
+              <a:rPr lang="en-US" altLang="en-US" dirty="0"/>
+              <a:t> (part of </a:t>
+            </a:r>
+            <a:r>
+              <a:rPr lang="en-US" altLang="en-US" b="1" dirty="0">
+                <a:latin typeface="Courier New" panose="02070309020205020404" pitchFamily="49" charset="0"/>
+              </a:rPr>
+              <a:t>GET</a:t>
+            </a:r>
+            <a:r>
+              <a:rPr lang="en-US" altLang="en-US" dirty="0"/>
+              <a:t> or </a:t>
+            </a:r>
+            <a:r>
+              <a:rPr lang="en-US" altLang="en-US" b="1" dirty="0">
+                <a:latin typeface="Courier New" panose="02070309020205020404" pitchFamily="49" charset="0"/>
+              </a:rPr>
+              <a:t>POST</a:t>
+            </a:r>
+            <a:r>
+              <a:rPr lang="en-US" altLang="en-US" dirty="0"/>
+              <a:t>)</a:t>
+            </a:r>
+          </a:p>
+          <a:p>
+            <a:pPr lvl="1"/>
+            <a:r>
+              <a:rPr lang="en-US" altLang="en-US" b="1" dirty="0">
+                <a:latin typeface="Courier New" panose="02070309020205020404" pitchFamily="49" charset="0"/>
+              </a:rPr>
+              <a:t>Enumeration </a:t>
+            </a:r>
+            <a:r>
+              <a:rPr lang="en-US" altLang="en-US" b="1" dirty="0" err="1">
+                <a:latin typeface="Courier New" panose="02070309020205020404" pitchFamily="49" charset="0"/>
+              </a:rPr>
+              <a:t>getParameterNames</a:t>
+            </a:r>
+            <a:r>
+              <a:rPr lang="en-US" altLang="en-US" b="1" dirty="0">
+                <a:latin typeface="Courier New" panose="02070309020205020404" pitchFamily="49" charset="0"/>
+              </a:rPr>
+              <a:t>()</a:t>
+            </a:r>
+          </a:p>
+          <a:p>
+            <a:pPr lvl="2"/>
+            <a:r>
+              <a:rPr lang="en-US" altLang="en-US" dirty="0"/>
+              <a:t>Returns names of parameters (</a:t>
+            </a:r>
+            <a:r>
+              <a:rPr lang="en-US" altLang="en-US" b="1" dirty="0">
+                <a:latin typeface="Courier New" panose="02070309020205020404" pitchFamily="49" charset="0"/>
+              </a:rPr>
+              <a:t>POST</a:t>
+            </a:r>
+            <a:r>
+              <a:rPr lang="en-US" altLang="en-US" dirty="0"/>
+              <a:t>)</a:t>
+            </a:r>
+          </a:p>
+          <a:p>
+            <a:pPr lvl="1"/>
+            <a:r>
+              <a:rPr lang="en-US" altLang="en-US" b="1" dirty="0">
+                <a:latin typeface="Courier New" panose="02070309020205020404" pitchFamily="49" charset="0"/>
+              </a:rPr>
+              <a:t>String[] </a:t>
+            </a:r>
+            <a:r>
+              <a:rPr lang="en-US" altLang="en-US" b="1" dirty="0" err="1">
+                <a:latin typeface="Courier New" panose="02070309020205020404" pitchFamily="49" charset="0"/>
+              </a:rPr>
+              <a:t>getParameterValues</a:t>
+            </a:r>
+            <a:r>
+              <a:rPr lang="en-US" altLang="en-US" b="1" dirty="0">
+                <a:latin typeface="Courier New" panose="02070309020205020404" pitchFamily="49" charset="0"/>
+              </a:rPr>
+              <a:t>( String name )</a:t>
+            </a:r>
+          </a:p>
+          <a:p>
+            <a:pPr lvl="2"/>
+            <a:r>
+              <a:rPr lang="en-US" altLang="en-US" dirty="0"/>
+              <a:t>Returns array of strings containing values of a parameter</a:t>
+            </a:r>
+          </a:p>
+          <a:p>
+            <a:pPr lvl="1"/>
+            <a:r>
+              <a:rPr lang="en-US" altLang="en-US" b="1" dirty="0">
+                <a:latin typeface="Courier New" panose="02070309020205020404" pitchFamily="49" charset="0"/>
+              </a:rPr>
+              <a:t>Cookie[] </a:t>
+            </a:r>
+            <a:r>
+              <a:rPr lang="en-US" altLang="en-US" b="1" dirty="0" err="1">
+                <a:latin typeface="Courier New" panose="02070309020205020404" pitchFamily="49" charset="0"/>
+              </a:rPr>
+              <a:t>getCookies</a:t>
+            </a:r>
+            <a:r>
+              <a:rPr lang="en-US" altLang="en-US" b="1" dirty="0">
+                <a:latin typeface="Courier New" panose="02070309020205020404" pitchFamily="49" charset="0"/>
+              </a:rPr>
+              <a:t>()</a:t>
+            </a:r>
+          </a:p>
+          <a:p>
+            <a:pPr lvl="2"/>
+            <a:r>
+              <a:rPr lang="en-US" altLang="en-US" dirty="0"/>
+              <a:t>Returns array of </a:t>
+            </a:r>
+            <a:r>
+              <a:rPr lang="en-US" altLang="en-US" b="1" dirty="0">
+                <a:latin typeface="Courier New" panose="02070309020205020404" pitchFamily="49" charset="0"/>
+              </a:rPr>
+              <a:t>Cookie</a:t>
+            </a:r>
+            <a:r>
+              <a:rPr lang="en-US" altLang="en-US" dirty="0"/>
+              <a:t> objects, can be used to identify client</a:t>
+            </a:r>
+          </a:p>
+          <a:p>
+            <a:endParaRPr lang="en-US" dirty="0"/>
+          </a:p>
+        </p:txBody>
+      </p:sp>
+    </p:spTree>
+    <p:extLst>
+      <p:ext uri="{BB962C8B-B14F-4D97-AF65-F5344CB8AC3E}">
+        <p14:creationId xmlns:p14="http://schemas.microsoft.com/office/powerpoint/2010/main" val="3327961635"/>
+      </p:ext>
+    </p:extLst>
+  </p:cSld>
+  <p:clrMapOvr>
+    <a:masterClrMapping/>
+  </p:clrMapOvr>
+</p:sld>
+</file>
+
+<file path=ppt/slides/slide55.xml><?xml version="1.0" encoding="utf-8"?>
+<p:sld xmlns:a="http://schemas.openxmlformats.org/drawingml/2006/main" xmlns:r="http://schemas.openxmlformats.org/officeDocument/2006/relationships" xmlns:p="http://schemas.openxmlformats.org/presentationml/2006/main">
+  <p:cSld>
+    <p:spTree>
+      <p:nvGrpSpPr>
+        <p:cNvPr id="1" name=""/>
+        <p:cNvGrpSpPr/>
+        <p:nvPr/>
+      </p:nvGrpSpPr>
+      <p:grpSpPr>
+        <a:xfrm>
+          <a:off x="0" y="0"/>
+          <a:ext cx="0" cy="0"/>
+          <a:chOff x="0" y="0"/>
+          <a:chExt cx="0" cy="0"/>
+        </a:xfrm>
+      </p:grpSpPr>
+      <p:sp>
+        <p:nvSpPr>
+          <p:cNvPr id="2" name="Title 1"/>
+          <p:cNvSpPr>
+            <a:spLocks noGrp="1"/>
+          </p:cNvSpPr>
+          <p:nvPr>
+            <p:ph type="title"/>
+          </p:nvPr>
+        </p:nvSpPr>
+        <p:spPr/>
+        <p:txBody>
+          <a:bodyPr/>
+          <a:lstStyle/>
+          <a:p>
+            <a:r>
+              <a:rPr lang="en-US" dirty="0" err="1" smtClean="0"/>
+              <a:t>HttpServletResponse</a:t>
+            </a:r>
+            <a:endParaRPr lang="en-US" dirty="0"/>
+          </a:p>
+        </p:txBody>
+      </p:sp>
+      <p:sp>
+        <p:nvSpPr>
+          <p:cNvPr id="3" name="Content Placeholder 2"/>
+          <p:cNvSpPr>
+            <a:spLocks noGrp="1"/>
+          </p:cNvSpPr>
+          <p:nvPr>
+            <p:ph idx="1"/>
+          </p:nvPr>
+        </p:nvSpPr>
+        <p:spPr/>
+        <p:txBody>
+          <a:bodyPr>
+            <a:normAutofit fontScale="92500" lnSpcReduction="20000"/>
+          </a:bodyPr>
+          <a:lstStyle/>
+          <a:p>
+            <a:r>
+              <a:rPr lang="en-US" altLang="en-US" sz="2400" b="1" dirty="0" err="1">
+                <a:latin typeface="Courier New" panose="02070309020205020404" pitchFamily="49" charset="0"/>
+              </a:rPr>
+              <a:t>HttpServletResponse</a:t>
+            </a:r>
+            <a:endParaRPr lang="en-US" altLang="en-US" sz="2400" b="1" dirty="0">
+              <a:latin typeface="Courier New" panose="02070309020205020404" pitchFamily="49" charset="0"/>
+            </a:endParaRPr>
+          </a:p>
+          <a:p>
+            <a:pPr lvl="1"/>
+            <a:r>
+              <a:rPr lang="en-US" altLang="en-US" dirty="0"/>
+              <a:t>Object passed to </a:t>
+            </a:r>
+            <a:r>
+              <a:rPr lang="en-US" altLang="en-US" b="1" dirty="0" err="1">
+                <a:latin typeface="Courier New" panose="02070309020205020404" pitchFamily="49" charset="0"/>
+              </a:rPr>
+              <a:t>doGet</a:t>
+            </a:r>
+            <a:r>
+              <a:rPr lang="en-US" altLang="en-US" dirty="0"/>
+              <a:t> and </a:t>
+            </a:r>
+            <a:r>
+              <a:rPr lang="en-US" altLang="en-US" b="1" dirty="0" err="1">
+                <a:latin typeface="Courier New" panose="02070309020205020404" pitchFamily="49" charset="0"/>
+              </a:rPr>
+              <a:t>doPost</a:t>
+            </a:r>
+            <a:endParaRPr lang="en-US" altLang="en-US" b="1" dirty="0">
+              <a:latin typeface="Courier New" panose="02070309020205020404" pitchFamily="49" charset="0"/>
+            </a:endParaRPr>
+          </a:p>
+          <a:p>
+            <a:pPr lvl="1"/>
+            <a:r>
+              <a:rPr lang="en-US" altLang="en-US" dirty="0"/>
+              <a:t>Extends </a:t>
+            </a:r>
+            <a:r>
+              <a:rPr lang="en-US" altLang="en-US" b="1" dirty="0" err="1">
+                <a:latin typeface="Courier New" panose="02070309020205020404" pitchFamily="49" charset="0"/>
+              </a:rPr>
+              <a:t>ServletResponse</a:t>
+            </a:r>
+            <a:endParaRPr lang="en-US" altLang="en-US" dirty="0"/>
+          </a:p>
+          <a:p>
+            <a:r>
+              <a:rPr lang="en-US" altLang="en-US" sz="2400" dirty="0"/>
+              <a:t>Methods</a:t>
+            </a:r>
+          </a:p>
+          <a:p>
+            <a:pPr lvl="1"/>
+            <a:r>
+              <a:rPr lang="en-US" altLang="en-US" b="1" dirty="0">
+                <a:latin typeface="Courier New" panose="02070309020205020404" pitchFamily="49" charset="0"/>
+              </a:rPr>
+              <a:t>void </a:t>
+            </a:r>
+            <a:r>
+              <a:rPr lang="en-US" altLang="en-US" b="1" dirty="0" err="1">
+                <a:latin typeface="Courier New" panose="02070309020205020404" pitchFamily="49" charset="0"/>
+              </a:rPr>
+              <a:t>addCookie</a:t>
+            </a:r>
+            <a:r>
+              <a:rPr lang="en-US" altLang="en-US" b="1" dirty="0">
+                <a:latin typeface="Courier New" panose="02070309020205020404" pitchFamily="49" charset="0"/>
+              </a:rPr>
+              <a:t>( Cookie </a:t>
+            </a:r>
+            <a:r>
+              <a:rPr lang="en-US" altLang="en-US" b="1" dirty="0" err="1">
+                <a:latin typeface="Courier New" panose="02070309020205020404" pitchFamily="49" charset="0"/>
+              </a:rPr>
+              <a:t>cookie</a:t>
+            </a:r>
+            <a:r>
+              <a:rPr lang="en-US" altLang="en-US" b="1" dirty="0">
+                <a:latin typeface="Courier New" panose="02070309020205020404" pitchFamily="49" charset="0"/>
+              </a:rPr>
+              <a:t> )</a:t>
+            </a:r>
+          </a:p>
+          <a:p>
+            <a:pPr lvl="2"/>
+            <a:r>
+              <a:rPr lang="en-US" altLang="en-US" sz="1800" dirty="0"/>
+              <a:t>Add </a:t>
+            </a:r>
+            <a:r>
+              <a:rPr lang="en-US" altLang="en-US" sz="1800" b="1" dirty="0">
+                <a:latin typeface="Courier New" panose="02070309020205020404" pitchFamily="49" charset="0"/>
+              </a:rPr>
+              <a:t>Cookie</a:t>
+            </a:r>
+            <a:r>
+              <a:rPr lang="en-US" altLang="en-US" sz="1800" dirty="0"/>
+              <a:t> to header of response to client</a:t>
+            </a:r>
+          </a:p>
+          <a:p>
+            <a:pPr lvl="1"/>
+            <a:r>
+              <a:rPr lang="en-US" altLang="en-US" b="1" dirty="0" err="1">
+                <a:latin typeface="Courier New" panose="02070309020205020404" pitchFamily="49" charset="0"/>
+              </a:rPr>
+              <a:t>ServletOutputStream</a:t>
+            </a:r>
+            <a:r>
+              <a:rPr lang="en-US" altLang="en-US" b="1" dirty="0">
+                <a:latin typeface="Courier New" panose="02070309020205020404" pitchFamily="49" charset="0"/>
+              </a:rPr>
+              <a:t> </a:t>
+            </a:r>
+            <a:r>
+              <a:rPr lang="en-US" altLang="en-US" b="1" dirty="0" err="1">
+                <a:latin typeface="Courier New" panose="02070309020205020404" pitchFamily="49" charset="0"/>
+              </a:rPr>
+              <a:t>getOutputStream</a:t>
+            </a:r>
+            <a:r>
+              <a:rPr lang="en-US" altLang="en-US" b="1" dirty="0">
+                <a:latin typeface="Courier New" panose="02070309020205020404" pitchFamily="49" charset="0"/>
+              </a:rPr>
+              <a:t>()</a:t>
+            </a:r>
+          </a:p>
+          <a:p>
+            <a:pPr lvl="2"/>
+            <a:r>
+              <a:rPr lang="en-US" altLang="en-US" sz="1800" dirty="0"/>
+              <a:t>Gets byte-based output stream, send binary data to client</a:t>
+            </a:r>
+          </a:p>
+          <a:p>
+            <a:pPr lvl="1"/>
+            <a:r>
+              <a:rPr lang="en-US" altLang="en-US" b="1" dirty="0" err="1">
+                <a:latin typeface="Courier New" panose="02070309020205020404" pitchFamily="49" charset="0"/>
+              </a:rPr>
+              <a:t>PrintWriter</a:t>
+            </a:r>
+            <a:r>
+              <a:rPr lang="en-US" altLang="en-US" b="1" dirty="0">
+                <a:latin typeface="Courier New" panose="02070309020205020404" pitchFamily="49" charset="0"/>
+              </a:rPr>
+              <a:t> </a:t>
+            </a:r>
+            <a:r>
+              <a:rPr lang="en-US" altLang="en-US" b="1" dirty="0" err="1">
+                <a:latin typeface="Courier New" panose="02070309020205020404" pitchFamily="49" charset="0"/>
+              </a:rPr>
+              <a:t>getWriter</a:t>
+            </a:r>
+            <a:r>
+              <a:rPr lang="en-US" altLang="en-US" b="1" dirty="0">
+                <a:latin typeface="Courier New" panose="02070309020205020404" pitchFamily="49" charset="0"/>
+              </a:rPr>
+              <a:t>()</a:t>
+            </a:r>
+          </a:p>
+          <a:p>
+            <a:pPr lvl="2"/>
+            <a:r>
+              <a:rPr lang="en-US" altLang="en-US" sz="1800" dirty="0"/>
+              <a:t>Gets character-based output stream, send text to client</a:t>
+            </a:r>
+          </a:p>
+          <a:p>
+            <a:pPr lvl="1"/>
+            <a:r>
+              <a:rPr lang="en-US" altLang="en-US" b="1" dirty="0">
+                <a:latin typeface="Courier New" panose="02070309020205020404" pitchFamily="49" charset="0"/>
+              </a:rPr>
+              <a:t>void </a:t>
+            </a:r>
+            <a:r>
+              <a:rPr lang="en-US" altLang="en-US" b="1" dirty="0" err="1">
+                <a:latin typeface="Courier New" panose="02070309020205020404" pitchFamily="49" charset="0"/>
+              </a:rPr>
+              <a:t>setContentType</a:t>
+            </a:r>
+            <a:r>
+              <a:rPr lang="en-US" altLang="en-US" b="1" dirty="0">
+                <a:latin typeface="Courier New" panose="02070309020205020404" pitchFamily="49" charset="0"/>
+              </a:rPr>
+              <a:t>( String type )</a:t>
+            </a:r>
+          </a:p>
+          <a:p>
+            <a:pPr lvl="2"/>
+            <a:r>
+              <a:rPr lang="en-US" altLang="en-US" sz="1800" dirty="0"/>
+              <a:t>Specify MIME type of the response (</a:t>
+            </a:r>
+            <a:r>
+              <a:rPr lang="en-US" altLang="en-US" sz="1800" dirty="0">
+                <a:latin typeface="Verdana" panose="020B0604030504040204" pitchFamily="34" charset="0"/>
+              </a:rPr>
+              <a:t>Multipurpose Internet Mail Extensions)</a:t>
+            </a:r>
+          </a:p>
+          <a:p>
+            <a:pPr lvl="2"/>
+            <a:r>
+              <a:rPr lang="en-US" altLang="en-US" sz="1800" dirty="0"/>
+              <a:t>MIME type “text/html” indicates that response is HTML document.</a:t>
+            </a:r>
+          </a:p>
+          <a:p>
+            <a:pPr lvl="2"/>
+            <a:r>
+              <a:rPr lang="en-US" altLang="en-US" sz="1800" dirty="0"/>
+              <a:t>Helps display data</a:t>
+            </a:r>
+          </a:p>
+          <a:p>
+            <a:endParaRPr lang="en-US" dirty="0"/>
+          </a:p>
+        </p:txBody>
+      </p:sp>
+    </p:spTree>
+    <p:extLst>
+      <p:ext uri="{BB962C8B-B14F-4D97-AF65-F5344CB8AC3E}">
+        <p14:creationId xmlns:p14="http://schemas.microsoft.com/office/powerpoint/2010/main" val="208910461"/>
       </p:ext>
     </p:extLst>
   </p:cSld>

--- a/WT_LAB.pptx
+++ b/WT_LAB.pptx
@@ -8935,11 +8935,7 @@
             <a:pPr lvl="1" algn="just"/>
             <a:r>
               <a:rPr lang="en-US" sz="3000" dirty="0" smtClean="0"/>
-              <a:t>Retrieve the </a:t>
-            </a:r>
-            <a:r>
-              <a:rPr lang="en-US" sz="3000" dirty="0" smtClean="0"/>
-              <a:t>icon </a:t>
+              <a:t>Retrieve the icon </a:t>
             </a:r>
             <a:r>
               <a:rPr lang="en-US" sz="3000" dirty="0" err="1" smtClean="0"/>
@@ -8947,11 +8943,7 @@
             </a:r>
             <a:r>
               <a:rPr lang="en-US" sz="3000" dirty="0" smtClean="0"/>
-              <a:t> </a:t>
-            </a:r>
-            <a:r>
-              <a:rPr lang="en-US" sz="3000" dirty="0" smtClean="0"/>
-              <a:t>from </a:t>
+              <a:t> from </a:t>
             </a:r>
             <a:r>
               <a:rPr lang="en-US" sz="3000" dirty="0" err="1" smtClean="0"/>
